--- a/Präsentation/Quiz With Me.pptx
+++ b/Präsentation/Quiz With Me.pptx
@@ -5,14 +5,33 @@
     <p:sldMasterId id="2147483660" r:id="rId1"/>
   </p:sldMasterIdLst>
   <p:notesMasterIdLst>
-    <p:notesMasterId r:id="rId4"/>
+    <p:notesMasterId r:id="rId23"/>
   </p:notesMasterIdLst>
   <p:handoutMasterIdLst>
-    <p:handoutMasterId r:id="rId5"/>
+    <p:handoutMasterId r:id="rId24"/>
   </p:handoutMasterIdLst>
   <p:sldIdLst>
     <p:sldId id="256" r:id="rId2"/>
     <p:sldId id="257" r:id="rId3"/>
+    <p:sldId id="258" r:id="rId4"/>
+    <p:sldId id="259" r:id="rId5"/>
+    <p:sldId id="260" r:id="rId6"/>
+    <p:sldId id="261" r:id="rId7"/>
+    <p:sldId id="262" r:id="rId8"/>
+    <p:sldId id="263" r:id="rId9"/>
+    <p:sldId id="264" r:id="rId10"/>
+    <p:sldId id="265" r:id="rId11"/>
+    <p:sldId id="266" r:id="rId12"/>
+    <p:sldId id="267" r:id="rId13"/>
+    <p:sldId id="268" r:id="rId14"/>
+    <p:sldId id="269" r:id="rId15"/>
+    <p:sldId id="270" r:id="rId16"/>
+    <p:sldId id="271" r:id="rId17"/>
+    <p:sldId id="272" r:id="rId18"/>
+    <p:sldId id="273" r:id="rId19"/>
+    <p:sldId id="274" r:id="rId20"/>
+    <p:sldId id="275" r:id="rId21"/>
+    <p:sldId id="276" r:id="rId22"/>
   </p:sldIdLst>
   <p:sldSz cx="12192000" cy="6858000"/>
   <p:notesSz cx="6858000" cy="9144000"/>
@@ -118,19 +137,26 @@
           <p14:sldIdLst>
             <p14:sldId id="256"/>
             <p14:sldId id="257"/>
+            <p14:sldId id="258"/>
+            <p14:sldId id="259"/>
+            <p14:sldId id="260"/>
+            <p14:sldId id="261"/>
+            <p14:sldId id="262"/>
+            <p14:sldId id="263"/>
+            <p14:sldId id="264"/>
+            <p14:sldId id="265"/>
+            <p14:sldId id="266"/>
+            <p14:sldId id="267"/>
+            <p14:sldId id="268"/>
+            <p14:sldId id="269"/>
+            <p14:sldId id="270"/>
+            <p14:sldId id="271"/>
+            <p14:sldId id="272"/>
+            <p14:sldId id="273"/>
+            <p14:sldId id="274"/>
+            <p14:sldId id="275"/>
+            <p14:sldId id="276"/>
           </p14:sldIdLst>
-        </p14:section>
-        <p14:section name="1. Wozu Barrierefreiheit?" id="{BC1F9096-6F4F-4FE4-AA72-333D17746C9A}">
-          <p14:sldIdLst/>
-        </p14:section>
-        <p14:section name="2. Apple und Barrierefreiheit" id="{53D915F7-978F-41E9-8478-9CE353E68EB0}">
-          <p14:sldIdLst/>
-        </p14:section>
-        <p14:section name="3. Barrierefreiheit in SwiftUI" id="{FBB1ED49-ABB1-45CE-9504-6098CC5328F4}">
-          <p14:sldIdLst/>
-        </p14:section>
-        <p14:section name="4. Beispielprogramme" id="{CF0A321F-F779-42E0-8926-1340DFE2FB60}">
-          <p14:sldIdLst/>
         </p14:section>
       </p14:sectionLst>
     </p:ext>
@@ -5061,6 +5087,4673 @@
 </p:sld>
 </file>
 
+<file path=ppt/slides/slide10.xml><?xml version="1.0" encoding="utf-8"?>
+<p:sld xmlns:a="http://schemas.openxmlformats.org/drawingml/2006/main" xmlns:r="http://schemas.openxmlformats.org/officeDocument/2006/relationships" xmlns:p="http://schemas.openxmlformats.org/presentationml/2006/main">
+  <p:cSld>
+    <p:spTree>
+      <p:nvGrpSpPr>
+        <p:cNvPr id="1" name=""/>
+        <p:cNvGrpSpPr/>
+        <p:nvPr/>
+      </p:nvGrpSpPr>
+      <p:grpSpPr>
+        <a:xfrm>
+          <a:off x="0" y="0"/>
+          <a:ext cx="0" cy="0"/>
+          <a:chOff x="0" y="0"/>
+          <a:chExt cx="0" cy="0"/>
+        </a:xfrm>
+      </p:grpSpPr>
+      <p:sp useBgFill="1">
+        <p:nvSpPr>
+          <p:cNvPr id="2" name="Titel 1">
+            <a:extLst>
+              <a:ext uri="{FF2B5EF4-FFF2-40B4-BE49-F238E27FC236}">
+                <a16:creationId xmlns:a16="http://schemas.microsoft.com/office/drawing/2014/main" id="{2EFC865D-173E-45CA-A8A0-A5BB5078D174}"/>
+              </a:ext>
+            </a:extLst>
+          </p:cNvPr>
+          <p:cNvSpPr>
+            <a:spLocks noGrp="1"/>
+          </p:cNvSpPr>
+          <p:nvPr>
+            <p:ph type="title"/>
+          </p:nvPr>
+        </p:nvSpPr>
+        <p:spPr>
+          <a:xfrm>
+            <a:off x="838200" y="820833"/>
+            <a:ext cx="10515600" cy="873624"/>
+          </a:xfrm>
+          <a:ln>
+            <a:noFill/>
+          </a:ln>
+        </p:spPr>
+        <p:txBody>
+          <a:bodyPr/>
+          <a:lstStyle/>
+          <a:p>
+            <a:pPr algn="ctr"/>
+            <a:r>
+              <a:rPr lang="de-DE" b="1" dirty="0"/>
+              <a:t>Arbeitsleistung in Zahlen</a:t>
+            </a:r>
+          </a:p>
+        </p:txBody>
+      </p:sp>
+      <p:graphicFrame>
+        <p:nvGraphicFramePr>
+          <p:cNvPr id="7" name="Tabelle 7">
+            <a:extLst>
+              <a:ext uri="{FF2B5EF4-FFF2-40B4-BE49-F238E27FC236}">
+                <a16:creationId xmlns:a16="http://schemas.microsoft.com/office/drawing/2014/main" id="{CB170DE2-9EE7-43DC-8FB5-5CF13E6902DE}"/>
+              </a:ext>
+            </a:extLst>
+          </p:cNvPr>
+          <p:cNvGraphicFramePr>
+            <a:graphicFrameLocks noGrp="1"/>
+          </p:cNvGraphicFramePr>
+          <p:nvPr>
+            <p:ph idx="1"/>
+            <p:extLst>
+              <p:ext uri="{D42A27DB-BD31-4B8C-83A1-F6EECF244321}">
+                <p14:modId xmlns:p14="http://schemas.microsoft.com/office/powerpoint/2010/main" val="2960856763"/>
+              </p:ext>
+            </p:extLst>
+          </p:nvPr>
+        </p:nvGraphicFramePr>
+        <p:xfrm>
+          <a:off x="998545" y="2475672"/>
+          <a:ext cx="10515600" cy="2590800"/>
+        </p:xfrm>
+        <a:graphic>
+          <a:graphicData uri="http://schemas.openxmlformats.org/drawingml/2006/table">
+            <a:tbl>
+              <a:tblPr>
+                <a:tableStyleId>{2D5ABB26-0587-4C30-8999-92F81FD0307C}</a:tableStyleId>
+              </a:tblPr>
+              <a:tblGrid>
+                <a:gridCol w="5257800">
+                  <a:extLst>
+                    <a:ext uri="{9D8B030D-6E8A-4147-A177-3AD203B41FA5}">
+                      <a16:colId xmlns:a16="http://schemas.microsoft.com/office/drawing/2014/main" val="4033457367"/>
+                    </a:ext>
+                  </a:extLst>
+                </a:gridCol>
+                <a:gridCol w="5257800">
+                  <a:extLst>
+                    <a:ext uri="{9D8B030D-6E8A-4147-A177-3AD203B41FA5}">
+                      <a16:colId xmlns:a16="http://schemas.microsoft.com/office/drawing/2014/main" val="330040343"/>
+                    </a:ext>
+                  </a:extLst>
+                </a:gridCol>
+              </a:tblGrid>
+              <a:tr h="370840">
+                <a:tc>
+                  <a:txBody>
+                    <a:bodyPr/>
+                    <a:lstStyle/>
+                    <a:p>
+                      <a:r>
+                        <a:rPr lang="de-DE" sz="2800" dirty="0"/>
+                        <a:t>Code-Zeilen (</a:t>
+                      </a:r>
+                      <a:r>
+                        <a:rPr lang="de-DE" sz="2800" dirty="0" err="1"/>
+                        <a:t>Loc</a:t>
+                      </a:r>
+                      <a:r>
+                        <a:rPr lang="de-DE" sz="2800" dirty="0"/>
+                        <a:t>)</a:t>
+                      </a:r>
+                    </a:p>
+                  </a:txBody>
+                  <a:tcPr/>
+                </a:tc>
+                <a:tc>
+                  <a:txBody>
+                    <a:bodyPr/>
+                    <a:lstStyle/>
+                    <a:p>
+                      <a:r>
+                        <a:rPr lang="de-DE" sz="2800" dirty="0"/>
+                        <a:t>Ca 1950</a:t>
+                      </a:r>
+                    </a:p>
+                  </a:txBody>
+                  <a:tcPr/>
+                </a:tc>
+                <a:extLst>
+                  <a:ext uri="{0D108BD9-81ED-4DB2-BD59-A6C34878D82A}">
+                    <a16:rowId xmlns:a16="http://schemas.microsoft.com/office/drawing/2014/main" val="1013833805"/>
+                  </a:ext>
+                </a:extLst>
+              </a:tr>
+              <a:tr h="370840">
+                <a:tc>
+                  <a:txBody>
+                    <a:bodyPr/>
+                    <a:lstStyle/>
+                    <a:p>
+                      <a:r>
+                        <a:rPr lang="de-DE" sz="2800" dirty="0" err="1"/>
+                        <a:t>Commits</a:t>
+                      </a:r>
+                      <a:endParaRPr lang="de-DE" sz="2800" dirty="0"/>
+                    </a:p>
+                  </a:txBody>
+                  <a:tcPr/>
+                </a:tc>
+                <a:tc>
+                  <a:txBody>
+                    <a:bodyPr/>
+                    <a:lstStyle/>
+                    <a:p>
+                      <a:r>
+                        <a:rPr lang="de-DE" sz="2800" dirty="0"/>
+                        <a:t>Ca. 140</a:t>
+                      </a:r>
+                    </a:p>
+                  </a:txBody>
+                  <a:tcPr/>
+                </a:tc>
+                <a:extLst>
+                  <a:ext uri="{0D108BD9-81ED-4DB2-BD59-A6C34878D82A}">
+                    <a16:rowId xmlns:a16="http://schemas.microsoft.com/office/drawing/2014/main" val="2880316524"/>
+                  </a:ext>
+                </a:extLst>
+              </a:tr>
+              <a:tr h="370840">
+                <a:tc>
+                  <a:txBody>
+                    <a:bodyPr/>
+                    <a:lstStyle/>
+                    <a:p>
+                      <a:r>
+                        <a:rPr lang="de-DE" sz="2800" dirty="0"/>
+                        <a:t>Geschlossene Pull-</a:t>
+                      </a:r>
+                      <a:r>
+                        <a:rPr lang="de-DE" sz="2800" dirty="0" err="1"/>
+                        <a:t>Requests</a:t>
+                      </a:r>
+                      <a:endParaRPr lang="de-DE" sz="2800" dirty="0"/>
+                    </a:p>
+                  </a:txBody>
+                  <a:tcPr/>
+                </a:tc>
+                <a:tc>
+                  <a:txBody>
+                    <a:bodyPr/>
+                    <a:lstStyle/>
+                    <a:p>
+                      <a:r>
+                        <a:rPr lang="de-DE" sz="2800" dirty="0"/>
+                        <a:t>30</a:t>
+                      </a:r>
+                    </a:p>
+                  </a:txBody>
+                  <a:tcPr/>
+                </a:tc>
+                <a:extLst>
+                  <a:ext uri="{0D108BD9-81ED-4DB2-BD59-A6C34878D82A}">
+                    <a16:rowId xmlns:a16="http://schemas.microsoft.com/office/drawing/2014/main" val="1861135954"/>
+                  </a:ext>
+                </a:extLst>
+              </a:tr>
+              <a:tr h="370840">
+                <a:tc>
+                  <a:txBody>
+                    <a:bodyPr/>
+                    <a:lstStyle/>
+                    <a:p>
+                      <a:r>
+                        <a:rPr lang="de-DE" sz="2800" dirty="0"/>
+                        <a:t>Geschlossene </a:t>
+                      </a:r>
+                      <a:r>
+                        <a:rPr lang="de-DE" sz="2800" dirty="0" err="1"/>
+                        <a:t>Issues</a:t>
+                      </a:r>
+                      <a:endParaRPr lang="de-DE" sz="2800" dirty="0"/>
+                    </a:p>
+                  </a:txBody>
+                  <a:tcPr/>
+                </a:tc>
+                <a:tc>
+                  <a:txBody>
+                    <a:bodyPr/>
+                    <a:lstStyle/>
+                    <a:p>
+                      <a:r>
+                        <a:rPr lang="de-DE" sz="2800" dirty="0"/>
+                        <a:t>27</a:t>
+                      </a:r>
+                    </a:p>
+                  </a:txBody>
+                  <a:tcPr/>
+                </a:tc>
+                <a:extLst>
+                  <a:ext uri="{0D108BD9-81ED-4DB2-BD59-A6C34878D82A}">
+                    <a16:rowId xmlns:a16="http://schemas.microsoft.com/office/drawing/2014/main" val="1455589696"/>
+                  </a:ext>
+                </a:extLst>
+              </a:tr>
+              <a:tr h="370840">
+                <a:tc>
+                  <a:txBody>
+                    <a:bodyPr/>
+                    <a:lstStyle/>
+                    <a:p>
+                      <a:r>
+                        <a:rPr lang="de-DE" sz="2800" dirty="0"/>
+                        <a:t>Swift-Dateien</a:t>
+                      </a:r>
+                    </a:p>
+                  </a:txBody>
+                  <a:tcPr/>
+                </a:tc>
+                <a:tc>
+                  <a:txBody>
+                    <a:bodyPr/>
+                    <a:lstStyle/>
+                    <a:p>
+                      <a:r>
+                        <a:rPr lang="de-DE" sz="2800" dirty="0"/>
+                        <a:t>40</a:t>
+                      </a:r>
+                    </a:p>
+                  </a:txBody>
+                  <a:tcPr/>
+                </a:tc>
+                <a:extLst>
+                  <a:ext uri="{0D108BD9-81ED-4DB2-BD59-A6C34878D82A}">
+                    <a16:rowId xmlns:a16="http://schemas.microsoft.com/office/drawing/2014/main" val="3751265702"/>
+                  </a:ext>
+                </a:extLst>
+              </a:tr>
+            </a:tbl>
+          </a:graphicData>
+        </a:graphic>
+      </p:graphicFrame>
+      <p:sp>
+        <p:nvSpPr>
+          <p:cNvPr id="4" name="Fußzeilenplatzhalter 3">
+            <a:extLst>
+              <a:ext uri="{FF2B5EF4-FFF2-40B4-BE49-F238E27FC236}">
+                <a16:creationId xmlns:a16="http://schemas.microsoft.com/office/drawing/2014/main" id="{8DB4ABD6-C487-4E97-81C7-07A82F860447}"/>
+              </a:ext>
+            </a:extLst>
+          </p:cNvPr>
+          <p:cNvSpPr>
+            <a:spLocks noGrp="1"/>
+          </p:cNvSpPr>
+          <p:nvPr>
+            <p:ph type="ftr" sz="quarter" idx="11"/>
+          </p:nvPr>
+        </p:nvSpPr>
+        <p:spPr/>
+        <p:txBody>
+          <a:bodyPr/>
+          <a:lstStyle/>
+          <a:p>
+            <a:r>
+              <a:rPr lang="de-DE"/>
+              <a:t>Swift-Programmierung unter iOS: Accessibility</a:t>
+            </a:r>
+          </a:p>
+        </p:txBody>
+      </p:sp>
+      <p:sp>
+        <p:nvSpPr>
+          <p:cNvPr id="5" name="Foliennummernplatzhalter 4">
+            <a:extLst>
+              <a:ext uri="{FF2B5EF4-FFF2-40B4-BE49-F238E27FC236}">
+                <a16:creationId xmlns:a16="http://schemas.microsoft.com/office/drawing/2014/main" id="{611761AF-9446-44C6-8DD7-50BB0BF3D97D}"/>
+              </a:ext>
+            </a:extLst>
+          </p:cNvPr>
+          <p:cNvSpPr>
+            <a:spLocks noGrp="1"/>
+          </p:cNvSpPr>
+          <p:nvPr>
+            <p:ph type="sldNum" sz="quarter" idx="12"/>
+          </p:nvPr>
+        </p:nvSpPr>
+        <p:spPr/>
+        <p:txBody>
+          <a:bodyPr/>
+          <a:lstStyle/>
+          <a:p>
+            <a:fld id="{49969A2D-4621-42E2-BC1F-C9E4503934D0}" type="slidenum">
+              <a:rPr lang="de-DE" smtClean="0"/>
+              <a:t>9</a:t>
+            </a:fld>
+            <a:endParaRPr lang="de-DE"/>
+          </a:p>
+        </p:txBody>
+      </p:sp>
+    </p:spTree>
+    <p:extLst>
+      <p:ext uri="{BB962C8B-B14F-4D97-AF65-F5344CB8AC3E}">
+        <p14:creationId xmlns:p14="http://schemas.microsoft.com/office/powerpoint/2010/main" val="2302447997"/>
+      </p:ext>
+    </p:extLst>
+  </p:cSld>
+  <p:clrMapOvr>
+    <a:masterClrMapping/>
+  </p:clrMapOvr>
+</p:sld>
+</file>
+
+<file path=ppt/slides/slide11.xml><?xml version="1.0" encoding="utf-8"?>
+<p:sld xmlns:a="http://schemas.openxmlformats.org/drawingml/2006/main" xmlns:r="http://schemas.openxmlformats.org/officeDocument/2006/relationships" xmlns:p="http://schemas.openxmlformats.org/presentationml/2006/main">
+  <p:cSld>
+    <p:spTree>
+      <p:nvGrpSpPr>
+        <p:cNvPr id="1" name=""/>
+        <p:cNvGrpSpPr/>
+        <p:nvPr/>
+      </p:nvGrpSpPr>
+      <p:grpSpPr>
+        <a:xfrm>
+          <a:off x="0" y="0"/>
+          <a:ext cx="0" cy="0"/>
+          <a:chOff x="0" y="0"/>
+          <a:chExt cx="0" cy="0"/>
+        </a:xfrm>
+      </p:grpSpPr>
+      <p:sp>
+        <p:nvSpPr>
+          <p:cNvPr id="2" name="Titel 1">
+            <a:extLst>
+              <a:ext uri="{FF2B5EF4-FFF2-40B4-BE49-F238E27FC236}">
+                <a16:creationId xmlns:a16="http://schemas.microsoft.com/office/drawing/2014/main" id="{7D89A980-0C43-454D-9303-EF07EC814011}"/>
+              </a:ext>
+            </a:extLst>
+          </p:cNvPr>
+          <p:cNvSpPr>
+            <a:spLocks noGrp="1"/>
+          </p:cNvSpPr>
+          <p:nvPr>
+            <p:ph type="title"/>
+          </p:nvPr>
+        </p:nvSpPr>
+        <p:spPr/>
+        <p:txBody>
+          <a:bodyPr/>
+          <a:lstStyle/>
+          <a:p>
+            <a:r>
+              <a:rPr lang="de-DE" dirty="0"/>
+              <a:t>3. Herausforderungen</a:t>
+            </a:r>
+          </a:p>
+        </p:txBody>
+      </p:sp>
+      <p:sp>
+        <p:nvSpPr>
+          <p:cNvPr id="3" name="Textplatzhalter 2">
+            <a:extLst>
+              <a:ext uri="{FF2B5EF4-FFF2-40B4-BE49-F238E27FC236}">
+                <a16:creationId xmlns:a16="http://schemas.microsoft.com/office/drawing/2014/main" id="{24EE4213-D186-4EE9-BDBF-14FF2C472F3D}"/>
+              </a:ext>
+            </a:extLst>
+          </p:cNvPr>
+          <p:cNvSpPr>
+            <a:spLocks noGrp="1"/>
+          </p:cNvSpPr>
+          <p:nvPr>
+            <p:ph type="body" idx="1"/>
+          </p:nvPr>
+        </p:nvSpPr>
+        <p:spPr/>
+        <p:txBody>
+          <a:bodyPr/>
+          <a:lstStyle/>
+          <a:p>
+            <a:r>
+              <a:rPr lang="de-DE" dirty="0"/>
+              <a:t>Eigene Navigationsstruktur und „Callback-Hell“ bei asynchronen Methoden</a:t>
+            </a:r>
+          </a:p>
+        </p:txBody>
+      </p:sp>
+      <p:sp>
+        <p:nvSpPr>
+          <p:cNvPr id="4" name="Fußzeilenplatzhalter 3">
+            <a:extLst>
+              <a:ext uri="{FF2B5EF4-FFF2-40B4-BE49-F238E27FC236}">
+                <a16:creationId xmlns:a16="http://schemas.microsoft.com/office/drawing/2014/main" id="{E126004E-FF0C-4E35-AC49-5CCE20730E37}"/>
+              </a:ext>
+            </a:extLst>
+          </p:cNvPr>
+          <p:cNvSpPr>
+            <a:spLocks noGrp="1"/>
+          </p:cNvSpPr>
+          <p:nvPr>
+            <p:ph type="ftr" sz="quarter" idx="11"/>
+          </p:nvPr>
+        </p:nvSpPr>
+        <p:spPr/>
+        <p:txBody>
+          <a:bodyPr/>
+          <a:lstStyle/>
+          <a:p>
+            <a:r>
+              <a:rPr lang="de-DE"/>
+              <a:t>Swift-Programmierung unter iOS: Accessibility</a:t>
+            </a:r>
+          </a:p>
+        </p:txBody>
+      </p:sp>
+      <p:sp>
+        <p:nvSpPr>
+          <p:cNvPr id="5" name="Foliennummernplatzhalter 4">
+            <a:extLst>
+              <a:ext uri="{FF2B5EF4-FFF2-40B4-BE49-F238E27FC236}">
+                <a16:creationId xmlns:a16="http://schemas.microsoft.com/office/drawing/2014/main" id="{A96B2519-0EFA-4C4A-AB7D-22804F7DA7D2}"/>
+              </a:ext>
+            </a:extLst>
+          </p:cNvPr>
+          <p:cNvSpPr>
+            <a:spLocks noGrp="1"/>
+          </p:cNvSpPr>
+          <p:nvPr>
+            <p:ph type="sldNum" sz="quarter" idx="12"/>
+          </p:nvPr>
+        </p:nvSpPr>
+        <p:spPr/>
+        <p:txBody>
+          <a:bodyPr/>
+          <a:lstStyle/>
+          <a:p>
+            <a:fld id="{49969A2D-4621-42E2-BC1F-C9E4503934D0}" type="slidenum">
+              <a:rPr lang="de-DE" smtClean="0"/>
+              <a:t>10</a:t>
+            </a:fld>
+            <a:endParaRPr lang="de-DE"/>
+          </a:p>
+        </p:txBody>
+      </p:sp>
+    </p:spTree>
+    <p:extLst>
+      <p:ext uri="{BB962C8B-B14F-4D97-AF65-F5344CB8AC3E}">
+        <p14:creationId xmlns:p14="http://schemas.microsoft.com/office/powerpoint/2010/main" val="1774779825"/>
+      </p:ext>
+    </p:extLst>
+  </p:cSld>
+  <p:clrMapOvr>
+    <a:masterClrMapping/>
+  </p:clrMapOvr>
+</p:sld>
+</file>
+
+<file path=ppt/slides/slide12.xml><?xml version="1.0" encoding="utf-8"?>
+<p:sld xmlns:a="http://schemas.openxmlformats.org/drawingml/2006/main" xmlns:r="http://schemas.openxmlformats.org/officeDocument/2006/relationships" xmlns:p="http://schemas.openxmlformats.org/presentationml/2006/main">
+  <p:cSld>
+    <p:spTree>
+      <p:nvGrpSpPr>
+        <p:cNvPr id="1" name=""/>
+        <p:cNvGrpSpPr/>
+        <p:nvPr/>
+      </p:nvGrpSpPr>
+      <p:grpSpPr>
+        <a:xfrm>
+          <a:off x="0" y="0"/>
+          <a:ext cx="0" cy="0"/>
+          <a:chOff x="0" y="0"/>
+          <a:chExt cx="0" cy="0"/>
+        </a:xfrm>
+      </p:grpSpPr>
+      <p:sp>
+        <p:nvSpPr>
+          <p:cNvPr id="2" name="Titel 1">
+            <a:extLst>
+              <a:ext uri="{FF2B5EF4-FFF2-40B4-BE49-F238E27FC236}">
+                <a16:creationId xmlns:a16="http://schemas.microsoft.com/office/drawing/2014/main" id="{B5CA3737-E3C2-4D5A-B232-57CE1E73807B}"/>
+              </a:ext>
+            </a:extLst>
+          </p:cNvPr>
+          <p:cNvSpPr>
+            <a:spLocks noGrp="1"/>
+          </p:cNvSpPr>
+          <p:nvPr>
+            <p:ph type="title"/>
+          </p:nvPr>
+        </p:nvSpPr>
+        <p:spPr>
+          <a:xfrm>
+            <a:off x="838200" y="748936"/>
+            <a:ext cx="10515600" cy="941751"/>
+          </a:xfrm>
+        </p:spPr>
+        <p:txBody>
+          <a:bodyPr/>
+          <a:lstStyle/>
+          <a:p>
+            <a:pPr algn="ctr"/>
+            <a:r>
+              <a:rPr lang="de-DE" b="1" dirty="0"/>
+              <a:t>Eigene Navigationsstruktur: Wozu?</a:t>
+            </a:r>
+          </a:p>
+        </p:txBody>
+      </p:sp>
+      <p:sp>
+        <p:nvSpPr>
+          <p:cNvPr id="3" name="Inhaltsplatzhalter 2">
+            <a:extLst>
+              <a:ext uri="{FF2B5EF4-FFF2-40B4-BE49-F238E27FC236}">
+                <a16:creationId xmlns:a16="http://schemas.microsoft.com/office/drawing/2014/main" id="{C4EF7671-48A9-4A08-8997-7D41632FA89A}"/>
+              </a:ext>
+            </a:extLst>
+          </p:cNvPr>
+          <p:cNvSpPr>
+            <a:spLocks noGrp="1"/>
+          </p:cNvSpPr>
+          <p:nvPr>
+            <p:ph idx="1"/>
+          </p:nvPr>
+        </p:nvSpPr>
+        <p:spPr/>
+        <p:txBody>
+          <a:bodyPr>
+            <a:normAutofit/>
+          </a:bodyPr>
+          <a:lstStyle/>
+          <a:p>
+            <a:pPr marL="0" indent="0">
+              <a:buNone/>
+            </a:pPr>
+            <a:r>
+              <a:rPr lang="de-DE" b="1" dirty="0"/>
+              <a:t>Problem:</a:t>
+            </a:r>
+            <a:endParaRPr lang="de-DE" b="1" dirty="0">
+              <a:latin typeface="Consolas" panose="020B0609020204030204" pitchFamily="49" charset="0"/>
+              <a:ea typeface="Meiryo" panose="020B0604030504040204" pitchFamily="34" charset="-128"/>
+            </a:endParaRPr>
+          </a:p>
+          <a:p>
+            <a:r>
+              <a:rPr lang="de-DE" dirty="0" err="1">
+                <a:latin typeface="Consolas" panose="020B0609020204030204" pitchFamily="49" charset="0"/>
+                <a:ea typeface="Meiryo" panose="020B0604030504040204" pitchFamily="34" charset="-128"/>
+              </a:rPr>
+              <a:t>NavigationView</a:t>
+            </a:r>
+            <a:r>
+              <a:rPr lang="de-DE" dirty="0">
+                <a:latin typeface="Consolas" panose="020B0609020204030204" pitchFamily="49" charset="0"/>
+                <a:ea typeface="Meiryo" panose="020B0604030504040204" pitchFamily="34" charset="-128"/>
+              </a:rPr>
+              <a:t> </a:t>
+            </a:r>
+            <a:r>
+              <a:rPr lang="de-DE" dirty="0" err="1"/>
+              <a:t>o.ä.ungeeignet</a:t>
+            </a:r>
+            <a:r>
+              <a:rPr lang="de-DE" dirty="0"/>
+              <a:t>, da unpassend für Spiel</a:t>
+            </a:r>
+            <a:endParaRPr lang="de-DE" dirty="0">
+              <a:ea typeface="Meiryo" panose="020B0604030504040204" pitchFamily="34" charset="-128"/>
+            </a:endParaRPr>
+          </a:p>
+          <a:p>
+            <a:pPr lvl="1"/>
+            <a:r>
+              <a:rPr lang="de-DE" dirty="0"/>
+              <a:t>Unser Design sieht kein „Banner“ oben vor</a:t>
+            </a:r>
+            <a:endParaRPr lang="de-DE" dirty="0">
+              <a:ea typeface="Meiryo" panose="020B0604030504040204" pitchFamily="34" charset="-128"/>
+            </a:endParaRPr>
+          </a:p>
+          <a:p>
+            <a:pPr lvl="1"/>
+            <a:r>
+              <a:rPr lang="de-DE" dirty="0"/>
+              <a:t>Mögliche Lösung wäre es, Leiste zu verstecken, sahen wir allerdings als unschöne Lösung an</a:t>
+            </a:r>
+            <a:endParaRPr lang="de-DE" dirty="0">
+              <a:ea typeface="Meiryo" panose="020B0604030504040204" pitchFamily="34" charset="-128"/>
+            </a:endParaRPr>
+          </a:p>
+          <a:p>
+            <a:pPr marL="0" indent="0">
+              <a:buNone/>
+            </a:pPr>
+            <a:r>
+              <a:rPr lang="de-DE" b="1" dirty="0"/>
+              <a:t>Lösung:</a:t>
+            </a:r>
+          </a:p>
+          <a:p>
+            <a:r>
+              <a:rPr lang="de-DE" dirty="0"/>
+              <a:t>Verwendung eines States (</a:t>
+            </a:r>
+            <a:r>
+              <a:rPr lang="de-DE" dirty="0" err="1">
+                <a:latin typeface="Consolas" panose="020B0609020204030204" pitchFamily="49" charset="0"/>
+              </a:rPr>
+              <a:t>ViewState</a:t>
+            </a:r>
+            <a:r>
+              <a:rPr lang="de-DE" dirty="0"/>
+              <a:t>), repräsentiert durch ein </a:t>
+            </a:r>
+            <a:r>
+              <a:rPr lang="de-DE" dirty="0" err="1"/>
+              <a:t>Enum</a:t>
+            </a:r>
+            <a:endParaRPr lang="de-DE" dirty="0"/>
+          </a:p>
+          <a:p>
+            <a:pPr lvl="1"/>
+            <a:r>
+              <a:rPr lang="de-DE" dirty="0"/>
+              <a:t>State wird mittels Binding an alle </a:t>
+            </a:r>
+            <a:r>
+              <a:rPr lang="de-DE" dirty="0" err="1"/>
+              <a:t>Subviews</a:t>
+            </a:r>
+            <a:r>
+              <a:rPr lang="de-DE" dirty="0"/>
+              <a:t> übergeben</a:t>
+            </a:r>
+          </a:p>
+          <a:p>
+            <a:pPr lvl="1"/>
+            <a:r>
+              <a:rPr lang="de-DE" dirty="0">
+                <a:ea typeface="Meiryo" panose="020B0604030504040204" pitchFamily="34" charset="-128"/>
+              </a:rPr>
+              <a:t>Wert des </a:t>
+            </a:r>
+            <a:r>
+              <a:rPr lang="de-DE" dirty="0" err="1">
+                <a:ea typeface="Meiryo" panose="020B0604030504040204" pitchFamily="34" charset="-128"/>
+              </a:rPr>
+              <a:t>Bindings</a:t>
+            </a:r>
+            <a:r>
+              <a:rPr lang="de-DE" dirty="0">
+                <a:ea typeface="Meiryo" panose="020B0604030504040204" pitchFamily="34" charset="-128"/>
+              </a:rPr>
+              <a:t> wird geändert, wenn View gewechselt werden soll</a:t>
+            </a:r>
+          </a:p>
+        </p:txBody>
+      </p:sp>
+      <p:sp>
+        <p:nvSpPr>
+          <p:cNvPr id="4" name="Fußzeilenplatzhalter 3">
+            <a:extLst>
+              <a:ext uri="{FF2B5EF4-FFF2-40B4-BE49-F238E27FC236}">
+                <a16:creationId xmlns:a16="http://schemas.microsoft.com/office/drawing/2014/main" id="{77337646-3A52-406A-AC3A-6A07C8E2DB5A}"/>
+              </a:ext>
+            </a:extLst>
+          </p:cNvPr>
+          <p:cNvSpPr>
+            <a:spLocks noGrp="1"/>
+          </p:cNvSpPr>
+          <p:nvPr>
+            <p:ph type="ftr" sz="quarter" idx="11"/>
+          </p:nvPr>
+        </p:nvSpPr>
+        <p:spPr/>
+        <p:txBody>
+          <a:bodyPr/>
+          <a:lstStyle/>
+          <a:p>
+            <a:r>
+              <a:rPr lang="de-DE"/>
+              <a:t>Swift-Programmierung unter iOS: Accessibility</a:t>
+            </a:r>
+          </a:p>
+        </p:txBody>
+      </p:sp>
+      <p:sp>
+        <p:nvSpPr>
+          <p:cNvPr id="5" name="Foliennummernplatzhalter 4">
+            <a:extLst>
+              <a:ext uri="{FF2B5EF4-FFF2-40B4-BE49-F238E27FC236}">
+                <a16:creationId xmlns:a16="http://schemas.microsoft.com/office/drawing/2014/main" id="{A25B9EED-9417-4ABD-B6AF-A8EE82F5F139}"/>
+              </a:ext>
+            </a:extLst>
+          </p:cNvPr>
+          <p:cNvSpPr>
+            <a:spLocks noGrp="1"/>
+          </p:cNvSpPr>
+          <p:nvPr>
+            <p:ph type="sldNum" sz="quarter" idx="12"/>
+          </p:nvPr>
+        </p:nvSpPr>
+        <p:spPr/>
+        <p:txBody>
+          <a:bodyPr/>
+          <a:lstStyle/>
+          <a:p>
+            <a:fld id="{49969A2D-4621-42E2-BC1F-C9E4503934D0}" type="slidenum">
+              <a:rPr lang="de-DE" smtClean="0"/>
+              <a:t>11</a:t>
+            </a:fld>
+            <a:endParaRPr lang="de-DE"/>
+          </a:p>
+        </p:txBody>
+      </p:sp>
+    </p:spTree>
+    <p:extLst>
+      <p:ext uri="{BB962C8B-B14F-4D97-AF65-F5344CB8AC3E}">
+        <p14:creationId xmlns:p14="http://schemas.microsoft.com/office/powerpoint/2010/main" val="2669515655"/>
+      </p:ext>
+    </p:extLst>
+  </p:cSld>
+  <p:clrMapOvr>
+    <a:masterClrMapping/>
+  </p:clrMapOvr>
+</p:sld>
+</file>
+
+<file path=ppt/slides/slide13.xml><?xml version="1.0" encoding="utf-8"?>
+<p:sld xmlns:a="http://schemas.openxmlformats.org/drawingml/2006/main" xmlns:r="http://schemas.openxmlformats.org/officeDocument/2006/relationships" xmlns:p="http://schemas.openxmlformats.org/presentationml/2006/main">
+  <p:cSld>
+    <p:spTree>
+      <p:nvGrpSpPr>
+        <p:cNvPr id="1" name=""/>
+        <p:cNvGrpSpPr/>
+        <p:nvPr/>
+      </p:nvGrpSpPr>
+      <p:grpSpPr>
+        <a:xfrm>
+          <a:off x="0" y="0"/>
+          <a:ext cx="0" cy="0"/>
+          <a:chOff x="0" y="0"/>
+          <a:chExt cx="0" cy="0"/>
+        </a:xfrm>
+      </p:grpSpPr>
+      <p:sp>
+        <p:nvSpPr>
+          <p:cNvPr id="2" name="Titel 1">
+            <a:extLst>
+              <a:ext uri="{FF2B5EF4-FFF2-40B4-BE49-F238E27FC236}">
+                <a16:creationId xmlns:a16="http://schemas.microsoft.com/office/drawing/2014/main" id="{4E6A548A-A95B-4464-839F-E070C18868FA}"/>
+              </a:ext>
+            </a:extLst>
+          </p:cNvPr>
+          <p:cNvSpPr>
+            <a:spLocks noGrp="1"/>
+          </p:cNvSpPr>
+          <p:nvPr>
+            <p:ph type="title"/>
+          </p:nvPr>
+        </p:nvSpPr>
+        <p:spPr/>
+        <p:txBody>
+          <a:bodyPr/>
+          <a:lstStyle/>
+          <a:p>
+            <a:pPr algn="ctr"/>
+            <a:r>
+              <a:rPr lang="de-DE" b="1" dirty="0"/>
+              <a:t>Eigene Navigationsstruktur: Aufbau</a:t>
+            </a:r>
+          </a:p>
+        </p:txBody>
+      </p:sp>
+      <p:sp>
+        <p:nvSpPr>
+          <p:cNvPr id="3" name="Inhaltsplatzhalter 2">
+            <a:extLst>
+              <a:ext uri="{FF2B5EF4-FFF2-40B4-BE49-F238E27FC236}">
+                <a16:creationId xmlns:a16="http://schemas.microsoft.com/office/drawing/2014/main" id="{9988D052-665E-4AC3-9181-921B5A74D3B5}"/>
+              </a:ext>
+            </a:extLst>
+          </p:cNvPr>
+          <p:cNvSpPr>
+            <a:spLocks noGrp="1"/>
+          </p:cNvSpPr>
+          <p:nvPr>
+            <p:ph idx="1"/>
+          </p:nvPr>
+        </p:nvSpPr>
+        <p:spPr>
+          <a:xfrm>
+            <a:off x="838200" y="2798233"/>
+            <a:ext cx="10515600" cy="3376944"/>
+          </a:xfrm>
+        </p:spPr>
+        <p:txBody>
+          <a:bodyPr>
+            <a:normAutofit/>
+          </a:bodyPr>
+          <a:lstStyle/>
+          <a:p>
+            <a:pPr marL="0" indent="0">
+              <a:buNone/>
+            </a:pPr>
+            <a:r>
+              <a:rPr lang="de-DE" b="1" dirty="0" err="1"/>
+              <a:t>ViewState.swift</a:t>
+            </a:r>
+            <a:endParaRPr lang="de-DE" b="1" dirty="0"/>
+          </a:p>
+          <a:p>
+            <a:pPr marL="0" indent="0">
+              <a:buNone/>
+            </a:pPr>
+            <a:r>
+              <a:rPr lang="en-US" sz="2000" b="0" dirty="0" err="1">
+                <a:solidFill>
+                  <a:srgbClr val="569CD6"/>
+                </a:solidFill>
+                <a:effectLst/>
+                <a:latin typeface="Consolas" panose="020B0609020204030204" pitchFamily="49" charset="0"/>
+              </a:rPr>
+              <a:t>enum</a:t>
+            </a:r>
+            <a:r>
+              <a:rPr lang="en-US" sz="2000" b="0" dirty="0">
+                <a:solidFill>
+                  <a:srgbClr val="D4D4D4"/>
+                </a:solidFill>
+                <a:effectLst/>
+                <a:latin typeface="Consolas" panose="020B0609020204030204" pitchFamily="49" charset="0"/>
+              </a:rPr>
+              <a:t> </a:t>
+            </a:r>
+            <a:r>
+              <a:rPr lang="en-US" sz="2000" b="0" dirty="0" err="1">
+                <a:solidFill>
+                  <a:srgbClr val="4EC9B0"/>
+                </a:solidFill>
+                <a:effectLst/>
+                <a:latin typeface="Consolas" panose="020B0609020204030204" pitchFamily="49" charset="0"/>
+              </a:rPr>
+              <a:t>ViewState</a:t>
+            </a:r>
+            <a:r>
+              <a:rPr lang="en-US" sz="2000" b="0" dirty="0">
+                <a:solidFill>
+                  <a:srgbClr val="D4D4D4"/>
+                </a:solidFill>
+                <a:effectLst/>
+                <a:latin typeface="Consolas" panose="020B0609020204030204" pitchFamily="49" charset="0"/>
+              </a:rPr>
+              <a:t> {</a:t>
+            </a:r>
+          </a:p>
+          <a:p>
+            <a:pPr marL="0" indent="0">
+              <a:buNone/>
+            </a:pPr>
+            <a:r>
+              <a:rPr lang="en-US" sz="2000" b="0" dirty="0">
+                <a:solidFill>
+                  <a:srgbClr val="D4D4D4"/>
+                </a:solidFill>
+                <a:effectLst/>
+                <a:latin typeface="Consolas" panose="020B0609020204030204" pitchFamily="49" charset="0"/>
+              </a:rPr>
+              <a:t>    </a:t>
+            </a:r>
+            <a:r>
+              <a:rPr lang="en-US" sz="2000" b="0" dirty="0">
+                <a:solidFill>
+                  <a:srgbClr val="C586C0"/>
+                </a:solidFill>
+                <a:effectLst/>
+                <a:latin typeface="Consolas" panose="020B0609020204030204" pitchFamily="49" charset="0"/>
+              </a:rPr>
+              <a:t>case</a:t>
+            </a:r>
+            <a:r>
+              <a:rPr lang="en-US" sz="2000" b="0" dirty="0">
+                <a:solidFill>
+                  <a:srgbClr val="D4D4D4"/>
+                </a:solidFill>
+                <a:effectLst/>
+                <a:latin typeface="Consolas" panose="020B0609020204030204" pitchFamily="49" charset="0"/>
+              </a:rPr>
+              <a:t> LOGIN, REGISTER, HOME, PROFILE, FRIENDSLIST, GAMEOVERVIEW, GAME</a:t>
+            </a:r>
+          </a:p>
+          <a:p>
+            <a:pPr marL="0" indent="0">
+              <a:buNone/>
+            </a:pPr>
+            <a:r>
+              <a:rPr lang="en-US" sz="2000" b="0" dirty="0">
+                <a:solidFill>
+                  <a:srgbClr val="D4D4D4"/>
+                </a:solidFill>
+                <a:effectLst/>
+                <a:latin typeface="Consolas" panose="020B0609020204030204" pitchFamily="49" charset="0"/>
+              </a:rPr>
+              <a:t>}</a:t>
+            </a:r>
+          </a:p>
+        </p:txBody>
+      </p:sp>
+      <p:sp>
+        <p:nvSpPr>
+          <p:cNvPr id="4" name="Fußzeilenplatzhalter 3">
+            <a:extLst>
+              <a:ext uri="{FF2B5EF4-FFF2-40B4-BE49-F238E27FC236}">
+                <a16:creationId xmlns:a16="http://schemas.microsoft.com/office/drawing/2014/main" id="{81CEF2CA-6420-431C-A158-01E2828D1687}"/>
+              </a:ext>
+            </a:extLst>
+          </p:cNvPr>
+          <p:cNvSpPr>
+            <a:spLocks noGrp="1"/>
+          </p:cNvSpPr>
+          <p:nvPr>
+            <p:ph type="ftr" sz="quarter" idx="11"/>
+          </p:nvPr>
+        </p:nvSpPr>
+        <p:spPr/>
+        <p:txBody>
+          <a:bodyPr/>
+          <a:lstStyle/>
+          <a:p>
+            <a:r>
+              <a:rPr lang="de-DE"/>
+              <a:t>Swift-Programmierung unter iOS: Accessibility</a:t>
+            </a:r>
+          </a:p>
+        </p:txBody>
+      </p:sp>
+      <p:sp>
+        <p:nvSpPr>
+          <p:cNvPr id="5" name="Foliennummernplatzhalter 4">
+            <a:extLst>
+              <a:ext uri="{FF2B5EF4-FFF2-40B4-BE49-F238E27FC236}">
+                <a16:creationId xmlns:a16="http://schemas.microsoft.com/office/drawing/2014/main" id="{441B3260-4A18-441C-BD12-B45A33B69B2A}"/>
+              </a:ext>
+            </a:extLst>
+          </p:cNvPr>
+          <p:cNvSpPr>
+            <a:spLocks noGrp="1"/>
+          </p:cNvSpPr>
+          <p:nvPr>
+            <p:ph type="sldNum" sz="quarter" idx="12"/>
+          </p:nvPr>
+        </p:nvSpPr>
+        <p:spPr/>
+        <p:txBody>
+          <a:bodyPr/>
+          <a:lstStyle/>
+          <a:p>
+            <a:fld id="{49969A2D-4621-42E2-BC1F-C9E4503934D0}" type="slidenum">
+              <a:rPr lang="de-DE" smtClean="0"/>
+              <a:t>12</a:t>
+            </a:fld>
+            <a:endParaRPr lang="de-DE"/>
+          </a:p>
+        </p:txBody>
+      </p:sp>
+    </p:spTree>
+    <p:extLst>
+      <p:ext uri="{BB962C8B-B14F-4D97-AF65-F5344CB8AC3E}">
+        <p14:creationId xmlns:p14="http://schemas.microsoft.com/office/powerpoint/2010/main" val="2891519851"/>
+      </p:ext>
+    </p:extLst>
+  </p:cSld>
+  <p:clrMapOvr>
+    <a:masterClrMapping/>
+  </p:clrMapOvr>
+</p:sld>
+</file>
+
+<file path=ppt/slides/slide14.xml><?xml version="1.0" encoding="utf-8"?>
+<p:sld xmlns:a="http://schemas.openxmlformats.org/drawingml/2006/main" xmlns:r="http://schemas.openxmlformats.org/officeDocument/2006/relationships" xmlns:p="http://schemas.openxmlformats.org/presentationml/2006/main">
+  <p:cSld>
+    <p:spTree>
+      <p:nvGrpSpPr>
+        <p:cNvPr id="1" name=""/>
+        <p:cNvGrpSpPr/>
+        <p:nvPr/>
+      </p:nvGrpSpPr>
+      <p:grpSpPr>
+        <a:xfrm>
+          <a:off x="0" y="0"/>
+          <a:ext cx="0" cy="0"/>
+          <a:chOff x="0" y="0"/>
+          <a:chExt cx="0" cy="0"/>
+        </a:xfrm>
+      </p:grpSpPr>
+      <p:sp>
+        <p:nvSpPr>
+          <p:cNvPr id="2" name="Titel 1">
+            <a:extLst>
+              <a:ext uri="{FF2B5EF4-FFF2-40B4-BE49-F238E27FC236}">
+                <a16:creationId xmlns:a16="http://schemas.microsoft.com/office/drawing/2014/main" id="{7D8338AB-DEC6-4AF3-8919-02AE84BE3E20}"/>
+              </a:ext>
+            </a:extLst>
+          </p:cNvPr>
+          <p:cNvSpPr>
+            <a:spLocks noGrp="1"/>
+          </p:cNvSpPr>
+          <p:nvPr>
+            <p:ph type="title"/>
+          </p:nvPr>
+        </p:nvSpPr>
+        <p:spPr>
+          <a:xfrm>
+            <a:off x="838200" y="639232"/>
+            <a:ext cx="10515600" cy="1051455"/>
+          </a:xfrm>
+        </p:spPr>
+        <p:txBody>
+          <a:bodyPr/>
+          <a:lstStyle/>
+          <a:p>
+            <a:pPr algn="ctr"/>
+            <a:r>
+              <a:rPr lang="de-DE" b="1" dirty="0"/>
+              <a:t>Eigene </a:t>
+            </a:r>
+            <a:r>
+              <a:rPr lang="de-DE" b="1" dirty="0" err="1"/>
+              <a:t>Navigationsstuktur</a:t>
+            </a:r>
+            <a:r>
+              <a:rPr lang="de-DE" b="1" dirty="0"/>
+              <a:t>: Auswahl des Views</a:t>
+            </a:r>
+          </a:p>
+        </p:txBody>
+      </p:sp>
+      <p:sp>
+        <p:nvSpPr>
+          <p:cNvPr id="3" name="Inhaltsplatzhalter 2">
+            <a:extLst>
+              <a:ext uri="{FF2B5EF4-FFF2-40B4-BE49-F238E27FC236}">
+                <a16:creationId xmlns:a16="http://schemas.microsoft.com/office/drawing/2014/main" id="{9C213694-542D-41DD-8ABF-9753D0226206}"/>
+              </a:ext>
+            </a:extLst>
+          </p:cNvPr>
+          <p:cNvSpPr>
+            <a:spLocks noGrp="1"/>
+          </p:cNvSpPr>
+          <p:nvPr>
+            <p:ph idx="1"/>
+          </p:nvPr>
+        </p:nvSpPr>
+        <p:spPr/>
+        <p:txBody>
+          <a:bodyPr>
+            <a:normAutofit fontScale="85000" lnSpcReduction="20000"/>
+          </a:bodyPr>
+          <a:lstStyle/>
+          <a:p>
+            <a:pPr marL="0" indent="0">
+              <a:buNone/>
+            </a:pPr>
+            <a:r>
+              <a:rPr lang="de-DE" b="1" dirty="0" err="1"/>
+              <a:t>Main.swift</a:t>
+            </a:r>
+            <a:r>
+              <a:rPr lang="de-DE" b="1" dirty="0"/>
+              <a:t> (Ausschnitt)</a:t>
+            </a:r>
+          </a:p>
+          <a:p>
+            <a:pPr marL="0" indent="0">
+              <a:buNone/>
+            </a:pPr>
+            <a:r>
+              <a:rPr lang="de-DE" sz="2800" b="0" dirty="0" err="1">
+                <a:solidFill>
+                  <a:srgbClr val="569CD6"/>
+                </a:solidFill>
+                <a:effectLst/>
+                <a:latin typeface="Consolas" panose="020B0609020204030204" pitchFamily="49" charset="0"/>
+              </a:rPr>
+              <a:t>struct</a:t>
+            </a:r>
+            <a:r>
+              <a:rPr lang="de-DE" sz="2800" b="0" dirty="0">
+                <a:solidFill>
+                  <a:srgbClr val="D4D4D4"/>
+                </a:solidFill>
+                <a:effectLst/>
+                <a:latin typeface="Consolas" panose="020B0609020204030204" pitchFamily="49" charset="0"/>
+              </a:rPr>
+              <a:t> </a:t>
+            </a:r>
+            <a:r>
+              <a:rPr lang="de-DE" sz="2800" b="0" dirty="0">
+                <a:solidFill>
+                  <a:srgbClr val="4EC9B0"/>
+                </a:solidFill>
+                <a:effectLst/>
+                <a:latin typeface="Consolas" panose="020B0609020204030204" pitchFamily="49" charset="0"/>
+              </a:rPr>
+              <a:t>Main</a:t>
+            </a:r>
+            <a:r>
+              <a:rPr lang="de-DE" sz="2800" b="0" dirty="0">
+                <a:solidFill>
+                  <a:srgbClr val="D4D4D4"/>
+                </a:solidFill>
+                <a:effectLst/>
+                <a:latin typeface="Consolas" panose="020B0609020204030204" pitchFamily="49" charset="0"/>
+              </a:rPr>
+              <a:t>: View {</a:t>
+            </a:r>
+          </a:p>
+          <a:p>
+            <a:pPr marL="0" indent="0">
+              <a:buNone/>
+            </a:pPr>
+            <a:r>
+              <a:rPr lang="de-DE" sz="2800" b="0" dirty="0">
+                <a:solidFill>
+                  <a:srgbClr val="D4D4D4"/>
+                </a:solidFill>
+                <a:effectLst/>
+                <a:latin typeface="Consolas" panose="020B0609020204030204" pitchFamily="49" charset="0"/>
+              </a:rPr>
+              <a:t>    </a:t>
+            </a:r>
+            <a:r>
+              <a:rPr lang="de-DE" sz="2800" b="0" dirty="0">
+                <a:solidFill>
+                  <a:srgbClr val="569CD6"/>
+                </a:solidFill>
+                <a:effectLst/>
+                <a:latin typeface="Consolas" panose="020B0609020204030204" pitchFamily="49" charset="0"/>
+              </a:rPr>
+              <a:t>@State</a:t>
+            </a:r>
+            <a:r>
+              <a:rPr lang="de-DE" sz="2800" b="0" dirty="0">
+                <a:solidFill>
+                  <a:srgbClr val="D4D4D4"/>
+                </a:solidFill>
+                <a:effectLst/>
+                <a:latin typeface="Consolas" panose="020B0609020204030204" pitchFamily="49" charset="0"/>
+              </a:rPr>
+              <a:t> </a:t>
+            </a:r>
+            <a:r>
+              <a:rPr lang="de-DE" sz="2800" b="0" dirty="0" err="1">
+                <a:solidFill>
+                  <a:srgbClr val="569CD6"/>
+                </a:solidFill>
+                <a:effectLst/>
+                <a:latin typeface="Consolas" panose="020B0609020204030204" pitchFamily="49" charset="0"/>
+              </a:rPr>
+              <a:t>var</a:t>
+            </a:r>
+            <a:r>
+              <a:rPr lang="de-DE" sz="2800" b="0" dirty="0">
+                <a:solidFill>
+                  <a:srgbClr val="D4D4D4"/>
+                </a:solidFill>
+                <a:effectLst/>
+                <a:latin typeface="Consolas" panose="020B0609020204030204" pitchFamily="49" charset="0"/>
+              </a:rPr>
+              <a:t> </a:t>
+            </a:r>
+            <a:r>
+              <a:rPr lang="de-DE" sz="2800" b="0" dirty="0" err="1">
+                <a:solidFill>
+                  <a:srgbClr val="D4D4D4"/>
+                </a:solidFill>
+                <a:effectLst/>
+                <a:latin typeface="Consolas" panose="020B0609020204030204" pitchFamily="49" charset="0"/>
+              </a:rPr>
+              <a:t>viewState</a:t>
+            </a:r>
+            <a:r>
+              <a:rPr lang="de-DE" sz="2800" b="0" dirty="0">
+                <a:solidFill>
+                  <a:srgbClr val="D4D4D4"/>
+                </a:solidFill>
+                <a:effectLst/>
+                <a:latin typeface="Consolas" panose="020B0609020204030204" pitchFamily="49" charset="0"/>
+              </a:rPr>
+              <a:t>: </a:t>
+            </a:r>
+            <a:r>
+              <a:rPr lang="de-DE" sz="2800" b="0" dirty="0" err="1">
+                <a:solidFill>
+                  <a:srgbClr val="D4D4D4"/>
+                </a:solidFill>
+                <a:effectLst/>
+                <a:latin typeface="Consolas" panose="020B0609020204030204" pitchFamily="49" charset="0"/>
+              </a:rPr>
+              <a:t>ViewState</a:t>
+            </a:r>
+            <a:endParaRPr lang="de-DE" sz="2800" b="0" dirty="0">
+              <a:solidFill>
+                <a:srgbClr val="D4D4D4"/>
+              </a:solidFill>
+              <a:effectLst/>
+              <a:latin typeface="Consolas" panose="020B0609020204030204" pitchFamily="49" charset="0"/>
+            </a:endParaRPr>
+          </a:p>
+          <a:p>
+            <a:pPr marL="0" indent="0">
+              <a:buNone/>
+            </a:pPr>
+            <a:r>
+              <a:rPr lang="de-DE" sz="2800" b="0" dirty="0">
+                <a:solidFill>
+                  <a:srgbClr val="D4D4D4"/>
+                </a:solidFill>
+                <a:effectLst/>
+                <a:latin typeface="Consolas" panose="020B0609020204030204" pitchFamily="49" charset="0"/>
+              </a:rPr>
+              <a:t>        </a:t>
+            </a:r>
+          </a:p>
+          <a:p>
+            <a:pPr marL="0" indent="0">
+              <a:buNone/>
+            </a:pPr>
+            <a:r>
+              <a:rPr lang="de-DE" sz="2800" b="0" dirty="0">
+                <a:solidFill>
+                  <a:srgbClr val="D4D4D4"/>
+                </a:solidFill>
+                <a:effectLst/>
+                <a:latin typeface="Consolas" panose="020B0609020204030204" pitchFamily="49" charset="0"/>
+              </a:rPr>
+              <a:t>    </a:t>
+            </a:r>
+            <a:r>
+              <a:rPr lang="de-DE" sz="2800" b="0" dirty="0" err="1">
+                <a:solidFill>
+                  <a:srgbClr val="569CD6"/>
+                </a:solidFill>
+                <a:effectLst/>
+                <a:latin typeface="Consolas" panose="020B0609020204030204" pitchFamily="49" charset="0"/>
+              </a:rPr>
+              <a:t>var</a:t>
+            </a:r>
+            <a:r>
+              <a:rPr lang="de-DE" sz="2800" b="0" dirty="0">
+                <a:solidFill>
+                  <a:srgbClr val="D4D4D4"/>
+                </a:solidFill>
+                <a:effectLst/>
+                <a:latin typeface="Consolas" panose="020B0609020204030204" pitchFamily="49" charset="0"/>
+              </a:rPr>
+              <a:t> </a:t>
+            </a:r>
+            <a:r>
+              <a:rPr lang="de-DE" sz="2800" b="0" dirty="0" err="1">
+                <a:solidFill>
+                  <a:srgbClr val="D4D4D4"/>
+                </a:solidFill>
+                <a:effectLst/>
+                <a:latin typeface="Consolas" panose="020B0609020204030204" pitchFamily="49" charset="0"/>
+              </a:rPr>
+              <a:t>body</a:t>
+            </a:r>
+            <a:r>
+              <a:rPr lang="de-DE" sz="2800" b="0" dirty="0">
+                <a:solidFill>
+                  <a:srgbClr val="D4D4D4"/>
+                </a:solidFill>
+                <a:effectLst/>
+                <a:latin typeface="Consolas" panose="020B0609020204030204" pitchFamily="49" charset="0"/>
+              </a:rPr>
+              <a:t>: </a:t>
+            </a:r>
+            <a:r>
+              <a:rPr lang="de-DE" sz="2800" b="0" dirty="0" err="1">
+                <a:solidFill>
+                  <a:srgbClr val="D4D4D4"/>
+                </a:solidFill>
+                <a:effectLst/>
+                <a:latin typeface="Consolas" panose="020B0609020204030204" pitchFamily="49" charset="0"/>
+              </a:rPr>
+              <a:t>some</a:t>
+            </a:r>
+            <a:r>
+              <a:rPr lang="de-DE" sz="2800" b="0" dirty="0">
+                <a:solidFill>
+                  <a:srgbClr val="D4D4D4"/>
+                </a:solidFill>
+                <a:effectLst/>
+                <a:latin typeface="Consolas" panose="020B0609020204030204" pitchFamily="49" charset="0"/>
+              </a:rPr>
+              <a:t> View {</a:t>
+            </a:r>
+          </a:p>
+          <a:p>
+            <a:pPr marL="0" indent="0">
+              <a:buNone/>
+            </a:pPr>
+            <a:r>
+              <a:rPr lang="de-DE" sz="2800" b="0" dirty="0">
+                <a:solidFill>
+                  <a:srgbClr val="D4D4D4"/>
+                </a:solidFill>
+                <a:effectLst/>
+                <a:latin typeface="Consolas" panose="020B0609020204030204" pitchFamily="49" charset="0"/>
+              </a:rPr>
+              <a:t>        </a:t>
+            </a:r>
+            <a:r>
+              <a:rPr lang="de-DE" sz="2800" b="0" dirty="0">
+                <a:solidFill>
+                  <a:srgbClr val="C586C0"/>
+                </a:solidFill>
+                <a:effectLst/>
+                <a:latin typeface="Consolas" panose="020B0609020204030204" pitchFamily="49" charset="0"/>
+              </a:rPr>
+              <a:t>switch</a:t>
+            </a:r>
+            <a:r>
+              <a:rPr lang="de-DE" sz="2800" b="0" dirty="0">
+                <a:solidFill>
+                  <a:srgbClr val="D4D4D4"/>
+                </a:solidFill>
+                <a:effectLst/>
+                <a:latin typeface="Consolas" panose="020B0609020204030204" pitchFamily="49" charset="0"/>
+              </a:rPr>
+              <a:t>(</a:t>
+            </a:r>
+            <a:r>
+              <a:rPr lang="de-DE" sz="2800" b="0" dirty="0" err="1">
+                <a:solidFill>
+                  <a:srgbClr val="D4D4D4"/>
+                </a:solidFill>
+                <a:effectLst/>
+                <a:latin typeface="Consolas" panose="020B0609020204030204" pitchFamily="49" charset="0"/>
+              </a:rPr>
+              <a:t>viewState</a:t>
+            </a:r>
+            <a:r>
+              <a:rPr lang="de-DE" sz="2800" b="0" dirty="0">
+                <a:solidFill>
+                  <a:srgbClr val="D4D4D4"/>
+                </a:solidFill>
+                <a:effectLst/>
+                <a:latin typeface="Consolas" panose="020B0609020204030204" pitchFamily="49" charset="0"/>
+              </a:rPr>
+              <a:t>) {</a:t>
+            </a:r>
+          </a:p>
+          <a:p>
+            <a:pPr marL="0" indent="0">
+              <a:buNone/>
+            </a:pPr>
+            <a:r>
+              <a:rPr lang="de-DE" sz="2800" b="0" dirty="0">
+                <a:solidFill>
+                  <a:srgbClr val="D4D4D4"/>
+                </a:solidFill>
+                <a:effectLst/>
+                <a:latin typeface="Consolas" panose="020B0609020204030204" pitchFamily="49" charset="0"/>
+              </a:rPr>
+              <a:t>        </a:t>
+            </a:r>
+            <a:r>
+              <a:rPr lang="de-DE" sz="2800" b="0" dirty="0" err="1">
+                <a:solidFill>
+                  <a:srgbClr val="C586C0"/>
+                </a:solidFill>
+                <a:effectLst/>
+                <a:latin typeface="Consolas" panose="020B0609020204030204" pitchFamily="49" charset="0"/>
+              </a:rPr>
+              <a:t>case</a:t>
+            </a:r>
+            <a:r>
+              <a:rPr lang="de-DE" sz="2800" b="0" dirty="0">
+                <a:solidFill>
+                  <a:srgbClr val="D4D4D4"/>
+                </a:solidFill>
+                <a:effectLst/>
+                <a:latin typeface="Consolas" panose="020B0609020204030204" pitchFamily="49" charset="0"/>
+              </a:rPr>
+              <a:t> .</a:t>
+            </a:r>
+            <a:r>
+              <a:rPr lang="de-DE" sz="2800" b="0" dirty="0">
+                <a:solidFill>
+                  <a:srgbClr val="9CDCFE"/>
+                </a:solidFill>
+                <a:effectLst/>
+                <a:latin typeface="Consolas" panose="020B0609020204030204" pitchFamily="49" charset="0"/>
+              </a:rPr>
+              <a:t>LOGIN</a:t>
+            </a:r>
+            <a:r>
+              <a:rPr lang="de-DE" sz="2800" b="0" dirty="0">
+                <a:solidFill>
+                  <a:srgbClr val="D4D4D4"/>
+                </a:solidFill>
+                <a:effectLst/>
+                <a:latin typeface="Consolas" panose="020B0609020204030204" pitchFamily="49" charset="0"/>
+              </a:rPr>
+              <a:t>, .</a:t>
+            </a:r>
+            <a:r>
+              <a:rPr lang="de-DE" sz="2800" b="0" dirty="0">
+                <a:solidFill>
+                  <a:srgbClr val="9CDCFE"/>
+                </a:solidFill>
+                <a:effectLst/>
+                <a:latin typeface="Consolas" panose="020B0609020204030204" pitchFamily="49" charset="0"/>
+              </a:rPr>
+              <a:t>REGISTER</a:t>
+            </a:r>
+            <a:r>
+              <a:rPr lang="de-DE" sz="2800" b="0" dirty="0">
+                <a:solidFill>
+                  <a:srgbClr val="D4D4D4"/>
+                </a:solidFill>
+                <a:effectLst/>
+                <a:latin typeface="Consolas" panose="020B0609020204030204" pitchFamily="49" charset="0"/>
+              </a:rPr>
+              <a:t>:</a:t>
+            </a:r>
+          </a:p>
+          <a:p>
+            <a:pPr marL="0" indent="0">
+              <a:buNone/>
+            </a:pPr>
+            <a:r>
+              <a:rPr lang="de-DE" sz="2800" b="0" dirty="0">
+                <a:solidFill>
+                  <a:srgbClr val="D4D4D4"/>
+                </a:solidFill>
+                <a:effectLst/>
+                <a:latin typeface="Consolas" panose="020B0609020204030204" pitchFamily="49" charset="0"/>
+              </a:rPr>
+              <a:t>            </a:t>
+            </a:r>
+            <a:r>
+              <a:rPr lang="de-DE" sz="2800" b="0" dirty="0" err="1">
+                <a:solidFill>
+                  <a:srgbClr val="DCDCAA"/>
+                </a:solidFill>
+                <a:effectLst/>
+                <a:latin typeface="Consolas" panose="020B0609020204030204" pitchFamily="49" charset="0"/>
+              </a:rPr>
+              <a:t>LoginRegisterScreen</a:t>
+            </a:r>
+            <a:r>
+              <a:rPr lang="de-DE" sz="2800" b="0" dirty="0">
+                <a:solidFill>
+                  <a:srgbClr val="D4D4D4"/>
+                </a:solidFill>
+                <a:effectLst/>
+                <a:latin typeface="Consolas" panose="020B0609020204030204" pitchFamily="49" charset="0"/>
+              </a:rPr>
+              <a:t>(</a:t>
+            </a:r>
+            <a:r>
+              <a:rPr lang="de-DE" sz="2800" b="0" dirty="0" err="1">
+                <a:solidFill>
+                  <a:srgbClr val="DCDCAA"/>
+                </a:solidFill>
+                <a:effectLst/>
+                <a:latin typeface="Consolas" panose="020B0609020204030204" pitchFamily="49" charset="0"/>
+              </a:rPr>
+              <a:t>viewState</a:t>
+            </a:r>
+            <a:r>
+              <a:rPr lang="de-DE" sz="2800" b="0" dirty="0">
+                <a:solidFill>
+                  <a:srgbClr val="D4D4D4"/>
+                </a:solidFill>
+                <a:effectLst/>
+                <a:latin typeface="Consolas" panose="020B0609020204030204" pitchFamily="49" charset="0"/>
+              </a:rPr>
+              <a:t>: $</a:t>
+            </a:r>
+            <a:r>
+              <a:rPr lang="de-DE" sz="2800" b="0" dirty="0" err="1">
+                <a:solidFill>
+                  <a:srgbClr val="D4D4D4"/>
+                </a:solidFill>
+                <a:effectLst/>
+                <a:latin typeface="Consolas" panose="020B0609020204030204" pitchFamily="49" charset="0"/>
+              </a:rPr>
+              <a:t>viewState</a:t>
+            </a:r>
+            <a:r>
+              <a:rPr lang="de-DE" sz="2800" b="0" dirty="0">
+                <a:solidFill>
+                  <a:srgbClr val="D4D4D4"/>
+                </a:solidFill>
+                <a:effectLst/>
+                <a:latin typeface="Consolas" panose="020B0609020204030204" pitchFamily="49" charset="0"/>
+              </a:rPr>
+              <a:t>)</a:t>
+            </a:r>
+          </a:p>
+          <a:p>
+            <a:pPr marL="0" indent="0">
+              <a:buNone/>
+            </a:pPr>
+            <a:r>
+              <a:rPr lang="de-DE" sz="2800" b="0" dirty="0">
+                <a:solidFill>
+                  <a:srgbClr val="D4D4D4"/>
+                </a:solidFill>
+                <a:effectLst/>
+                <a:latin typeface="Consolas" panose="020B0609020204030204" pitchFamily="49" charset="0"/>
+              </a:rPr>
+              <a:t>        </a:t>
+            </a:r>
+            <a:r>
+              <a:rPr lang="de-DE" sz="2800" b="0" dirty="0" err="1">
+                <a:solidFill>
+                  <a:srgbClr val="C586C0"/>
+                </a:solidFill>
+                <a:effectLst/>
+                <a:latin typeface="Consolas" panose="020B0609020204030204" pitchFamily="49" charset="0"/>
+              </a:rPr>
+              <a:t>case</a:t>
+            </a:r>
+            <a:r>
+              <a:rPr lang="de-DE" sz="2800" b="0" dirty="0">
+                <a:solidFill>
+                  <a:srgbClr val="D4D4D4"/>
+                </a:solidFill>
+                <a:effectLst/>
+                <a:latin typeface="Consolas" panose="020B0609020204030204" pitchFamily="49" charset="0"/>
+              </a:rPr>
+              <a:t> .</a:t>
+            </a:r>
+            <a:r>
+              <a:rPr lang="de-DE" sz="2800" b="0" dirty="0">
+                <a:solidFill>
+                  <a:srgbClr val="9CDCFE"/>
+                </a:solidFill>
+                <a:effectLst/>
+                <a:latin typeface="Consolas" panose="020B0609020204030204" pitchFamily="49" charset="0"/>
+              </a:rPr>
+              <a:t>HOME</a:t>
+            </a:r>
+            <a:r>
+              <a:rPr lang="de-DE" sz="2800" b="0" dirty="0">
+                <a:solidFill>
+                  <a:srgbClr val="D4D4D4"/>
+                </a:solidFill>
+                <a:effectLst/>
+                <a:latin typeface="Consolas" panose="020B0609020204030204" pitchFamily="49" charset="0"/>
+              </a:rPr>
+              <a:t>:</a:t>
+            </a:r>
+          </a:p>
+          <a:p>
+            <a:pPr marL="0" indent="0">
+              <a:buNone/>
+            </a:pPr>
+            <a:r>
+              <a:rPr lang="de-DE" sz="2800" b="0" dirty="0">
+                <a:solidFill>
+                  <a:srgbClr val="D4D4D4"/>
+                </a:solidFill>
+                <a:effectLst/>
+                <a:latin typeface="Consolas" panose="020B0609020204030204" pitchFamily="49" charset="0"/>
+              </a:rPr>
+              <a:t>            </a:t>
+            </a:r>
+            <a:r>
+              <a:rPr lang="de-DE" sz="2800" b="0" dirty="0" err="1">
+                <a:solidFill>
+                  <a:srgbClr val="DCDCAA"/>
+                </a:solidFill>
+                <a:effectLst/>
+                <a:latin typeface="Consolas" panose="020B0609020204030204" pitchFamily="49" charset="0"/>
+              </a:rPr>
+              <a:t>QuizMainScreen</a:t>
+            </a:r>
+            <a:r>
+              <a:rPr lang="de-DE" sz="2800" b="0" dirty="0">
+                <a:solidFill>
+                  <a:srgbClr val="D4D4D4"/>
+                </a:solidFill>
+                <a:effectLst/>
+                <a:latin typeface="Consolas" panose="020B0609020204030204" pitchFamily="49" charset="0"/>
+              </a:rPr>
+              <a:t>(</a:t>
+            </a:r>
+            <a:r>
+              <a:rPr lang="de-DE" sz="2800" b="0" dirty="0" err="1">
+                <a:solidFill>
+                  <a:srgbClr val="DCDCAA"/>
+                </a:solidFill>
+                <a:effectLst/>
+                <a:latin typeface="Consolas" panose="020B0609020204030204" pitchFamily="49" charset="0"/>
+              </a:rPr>
+              <a:t>viewState</a:t>
+            </a:r>
+            <a:r>
+              <a:rPr lang="de-DE" sz="2800" b="0" dirty="0">
+                <a:solidFill>
+                  <a:srgbClr val="D4D4D4"/>
+                </a:solidFill>
+                <a:effectLst/>
+                <a:latin typeface="Consolas" panose="020B0609020204030204" pitchFamily="49" charset="0"/>
+              </a:rPr>
+              <a:t>: $</a:t>
+            </a:r>
+            <a:r>
+              <a:rPr lang="de-DE" sz="2800" b="0" dirty="0" err="1">
+                <a:solidFill>
+                  <a:srgbClr val="D4D4D4"/>
+                </a:solidFill>
+                <a:effectLst/>
+                <a:latin typeface="Consolas" panose="020B0609020204030204" pitchFamily="49" charset="0"/>
+              </a:rPr>
+              <a:t>viewState</a:t>
+            </a:r>
+            <a:r>
+              <a:rPr lang="de-DE" dirty="0">
+                <a:solidFill>
+                  <a:srgbClr val="D4D4D4"/>
+                </a:solidFill>
+                <a:latin typeface="Consolas" panose="020B0609020204030204" pitchFamily="49" charset="0"/>
+              </a:rPr>
+              <a:t>, …)</a:t>
+            </a:r>
+          </a:p>
+          <a:p>
+            <a:pPr marL="0" indent="0">
+              <a:buNone/>
+            </a:pPr>
+            <a:r>
+              <a:rPr lang="de-DE" sz="2800" b="0" dirty="0">
+                <a:solidFill>
+                  <a:srgbClr val="D4D4D4"/>
+                </a:solidFill>
+                <a:effectLst/>
+                <a:latin typeface="Consolas" panose="020B0609020204030204" pitchFamily="49" charset="0"/>
+              </a:rPr>
+              <a:t>        …</a:t>
+            </a:r>
+          </a:p>
+        </p:txBody>
+      </p:sp>
+      <p:sp>
+        <p:nvSpPr>
+          <p:cNvPr id="4" name="Fußzeilenplatzhalter 3">
+            <a:extLst>
+              <a:ext uri="{FF2B5EF4-FFF2-40B4-BE49-F238E27FC236}">
+                <a16:creationId xmlns:a16="http://schemas.microsoft.com/office/drawing/2014/main" id="{3FA9F42D-1F45-49A5-8972-2EF3B623F652}"/>
+              </a:ext>
+            </a:extLst>
+          </p:cNvPr>
+          <p:cNvSpPr>
+            <a:spLocks noGrp="1"/>
+          </p:cNvSpPr>
+          <p:nvPr>
+            <p:ph type="ftr" sz="quarter" idx="11"/>
+          </p:nvPr>
+        </p:nvSpPr>
+        <p:spPr/>
+        <p:txBody>
+          <a:bodyPr/>
+          <a:lstStyle/>
+          <a:p>
+            <a:r>
+              <a:rPr lang="de-DE"/>
+              <a:t>Swift-Programmierung unter iOS: Accessibility</a:t>
+            </a:r>
+          </a:p>
+        </p:txBody>
+      </p:sp>
+      <p:sp>
+        <p:nvSpPr>
+          <p:cNvPr id="5" name="Foliennummernplatzhalter 4">
+            <a:extLst>
+              <a:ext uri="{FF2B5EF4-FFF2-40B4-BE49-F238E27FC236}">
+                <a16:creationId xmlns:a16="http://schemas.microsoft.com/office/drawing/2014/main" id="{3BCD7471-1669-494D-8356-EB759251E220}"/>
+              </a:ext>
+            </a:extLst>
+          </p:cNvPr>
+          <p:cNvSpPr>
+            <a:spLocks noGrp="1"/>
+          </p:cNvSpPr>
+          <p:nvPr>
+            <p:ph type="sldNum" sz="quarter" idx="12"/>
+          </p:nvPr>
+        </p:nvSpPr>
+        <p:spPr/>
+        <p:txBody>
+          <a:bodyPr/>
+          <a:lstStyle/>
+          <a:p>
+            <a:fld id="{49969A2D-4621-42E2-BC1F-C9E4503934D0}" type="slidenum">
+              <a:rPr lang="de-DE" smtClean="0"/>
+              <a:t>13</a:t>
+            </a:fld>
+            <a:endParaRPr lang="de-DE"/>
+          </a:p>
+        </p:txBody>
+      </p:sp>
+    </p:spTree>
+    <p:extLst>
+      <p:ext uri="{BB962C8B-B14F-4D97-AF65-F5344CB8AC3E}">
+        <p14:creationId xmlns:p14="http://schemas.microsoft.com/office/powerpoint/2010/main" val="1956839749"/>
+      </p:ext>
+    </p:extLst>
+  </p:cSld>
+  <p:clrMapOvr>
+    <a:masterClrMapping/>
+  </p:clrMapOvr>
+</p:sld>
+</file>
+
+<file path=ppt/slides/slide15.xml><?xml version="1.0" encoding="utf-8"?>
+<p:sld xmlns:a="http://schemas.openxmlformats.org/drawingml/2006/main" xmlns:r="http://schemas.openxmlformats.org/officeDocument/2006/relationships" xmlns:p="http://schemas.openxmlformats.org/presentationml/2006/main">
+  <p:cSld>
+    <p:spTree>
+      <p:nvGrpSpPr>
+        <p:cNvPr id="1" name=""/>
+        <p:cNvGrpSpPr/>
+        <p:nvPr/>
+      </p:nvGrpSpPr>
+      <p:grpSpPr>
+        <a:xfrm>
+          <a:off x="0" y="0"/>
+          <a:ext cx="0" cy="0"/>
+          <a:chOff x="0" y="0"/>
+          <a:chExt cx="0" cy="0"/>
+        </a:xfrm>
+      </p:grpSpPr>
+      <p:sp>
+        <p:nvSpPr>
+          <p:cNvPr id="2" name="Titel 1">
+            <a:extLst>
+              <a:ext uri="{FF2B5EF4-FFF2-40B4-BE49-F238E27FC236}">
+                <a16:creationId xmlns:a16="http://schemas.microsoft.com/office/drawing/2014/main" id="{2138AEEA-0477-45AC-BBEA-82CC33F24169}"/>
+              </a:ext>
+            </a:extLst>
+          </p:cNvPr>
+          <p:cNvSpPr>
+            <a:spLocks noGrp="1"/>
+          </p:cNvSpPr>
+          <p:nvPr>
+            <p:ph type="title"/>
+          </p:nvPr>
+        </p:nvSpPr>
+        <p:spPr>
+          <a:xfrm>
+            <a:off x="838200" y="766233"/>
+            <a:ext cx="10515600" cy="924455"/>
+          </a:xfrm>
+        </p:spPr>
+        <p:txBody>
+          <a:bodyPr/>
+          <a:lstStyle/>
+          <a:p>
+            <a:pPr algn="ctr"/>
+            <a:r>
+              <a:rPr lang="de-DE" b="1" dirty="0"/>
+              <a:t>Eigene Navigationsstruktur: View-Wechsel</a:t>
+            </a:r>
+          </a:p>
+        </p:txBody>
+      </p:sp>
+      <p:sp>
+        <p:nvSpPr>
+          <p:cNvPr id="3" name="Inhaltsplatzhalter 2">
+            <a:extLst>
+              <a:ext uri="{FF2B5EF4-FFF2-40B4-BE49-F238E27FC236}">
+                <a16:creationId xmlns:a16="http://schemas.microsoft.com/office/drawing/2014/main" id="{3838727C-6582-4BC1-ACD9-26A00E8579F9}"/>
+              </a:ext>
+            </a:extLst>
+          </p:cNvPr>
+          <p:cNvSpPr>
+            <a:spLocks noGrp="1"/>
+          </p:cNvSpPr>
+          <p:nvPr>
+            <p:ph idx="1"/>
+          </p:nvPr>
+        </p:nvSpPr>
+        <p:spPr>
+          <a:xfrm>
+            <a:off x="1562470" y="1854201"/>
+            <a:ext cx="9791330" cy="4322762"/>
+          </a:xfrm>
+        </p:spPr>
+        <p:txBody>
+          <a:bodyPr>
+            <a:normAutofit/>
+          </a:bodyPr>
+          <a:lstStyle/>
+          <a:p>
+            <a:pPr marL="0" indent="0">
+              <a:buNone/>
+            </a:pPr>
+            <a:r>
+              <a:rPr lang="de-DE" b="1" dirty="0" err="1"/>
+              <a:t>Login.swift</a:t>
+            </a:r>
+            <a:r>
+              <a:rPr lang="de-DE" b="1" dirty="0"/>
+              <a:t> (Ausschnitt)</a:t>
+            </a:r>
+          </a:p>
+          <a:p>
+            <a:pPr marL="0" indent="0">
+              <a:buNone/>
+            </a:pPr>
+            <a:r>
+              <a:rPr lang="de-DE" b="0" dirty="0">
+                <a:solidFill>
+                  <a:srgbClr val="DCDCAA"/>
+                </a:solidFill>
+                <a:effectLst/>
+                <a:latin typeface="Consolas" panose="020B0609020204030204" pitchFamily="49" charset="0"/>
+              </a:rPr>
+              <a:t>Button</a:t>
+            </a:r>
+            <a:r>
+              <a:rPr lang="de-DE" b="0" dirty="0">
+                <a:solidFill>
+                  <a:srgbClr val="D4D4D4"/>
+                </a:solidFill>
+                <a:effectLst/>
+                <a:latin typeface="Consolas" panose="020B0609020204030204" pitchFamily="49" charset="0"/>
+              </a:rPr>
+              <a:t>(</a:t>
+            </a:r>
+            <a:r>
+              <a:rPr lang="de-DE" b="0" dirty="0">
+                <a:solidFill>
+                  <a:srgbClr val="CE9178"/>
+                </a:solidFill>
+                <a:effectLst/>
+                <a:latin typeface="Consolas" panose="020B0609020204030204" pitchFamily="49" charset="0"/>
+              </a:rPr>
+              <a:t>"Jetzt Konto erstellen"</a:t>
+            </a:r>
+            <a:r>
+              <a:rPr lang="de-DE" b="0" dirty="0">
+                <a:solidFill>
+                  <a:srgbClr val="D4D4D4"/>
+                </a:solidFill>
+                <a:effectLst/>
+                <a:latin typeface="Consolas" panose="020B0609020204030204" pitchFamily="49" charset="0"/>
+              </a:rPr>
+              <a:t>) {</a:t>
+            </a:r>
+          </a:p>
+          <a:p>
+            <a:pPr marL="0" indent="0">
+              <a:buNone/>
+            </a:pPr>
+            <a:r>
+              <a:rPr lang="de-DE" dirty="0">
+                <a:solidFill>
+                  <a:srgbClr val="D4D4D4"/>
+                </a:solidFill>
+                <a:latin typeface="Consolas" panose="020B0609020204030204" pitchFamily="49" charset="0"/>
+              </a:rPr>
+              <a:t>    </a:t>
+            </a:r>
+            <a:r>
+              <a:rPr lang="de-DE" b="0" dirty="0" err="1">
+                <a:solidFill>
+                  <a:srgbClr val="D4D4D4"/>
+                </a:solidFill>
+                <a:effectLst/>
+                <a:latin typeface="Consolas" panose="020B0609020204030204" pitchFamily="49" charset="0"/>
+              </a:rPr>
+              <a:t>withAnimation</a:t>
+            </a:r>
+            <a:r>
+              <a:rPr lang="de-DE" b="0" dirty="0">
+                <a:solidFill>
+                  <a:srgbClr val="D4D4D4"/>
+                </a:solidFill>
+                <a:effectLst/>
+                <a:latin typeface="Consolas" panose="020B0609020204030204" pitchFamily="49" charset="0"/>
+              </a:rPr>
+              <a:t> {</a:t>
+            </a:r>
+          </a:p>
+          <a:p>
+            <a:pPr marL="0" indent="0">
+              <a:buNone/>
+            </a:pPr>
+            <a:r>
+              <a:rPr lang="de-DE" b="0" dirty="0">
+                <a:solidFill>
+                  <a:srgbClr val="D4D4D4"/>
+                </a:solidFill>
+                <a:effectLst/>
+                <a:latin typeface="Consolas" panose="020B0609020204030204" pitchFamily="49" charset="0"/>
+              </a:rPr>
+              <a:t>        </a:t>
+            </a:r>
+            <a:r>
+              <a:rPr lang="de-DE" b="0" dirty="0" err="1">
+                <a:solidFill>
+                  <a:srgbClr val="D4D4D4"/>
+                </a:solidFill>
+                <a:effectLst/>
+                <a:latin typeface="Consolas" panose="020B0609020204030204" pitchFamily="49" charset="0"/>
+              </a:rPr>
+              <a:t>viewState</a:t>
+            </a:r>
+            <a:r>
+              <a:rPr lang="de-DE" b="0" dirty="0">
+                <a:solidFill>
+                  <a:srgbClr val="D4D4D4"/>
+                </a:solidFill>
+                <a:effectLst/>
+                <a:latin typeface="Consolas" panose="020B0609020204030204" pitchFamily="49" charset="0"/>
+              </a:rPr>
+              <a:t> = .</a:t>
+            </a:r>
+            <a:r>
+              <a:rPr lang="de-DE" b="0" dirty="0">
+                <a:solidFill>
+                  <a:srgbClr val="9CDCFE"/>
+                </a:solidFill>
+                <a:effectLst/>
+                <a:latin typeface="Consolas" panose="020B0609020204030204" pitchFamily="49" charset="0"/>
+              </a:rPr>
+              <a:t>REGISTER</a:t>
+            </a:r>
+            <a:endParaRPr lang="de-DE" b="0" dirty="0">
+              <a:solidFill>
+                <a:srgbClr val="D4D4D4"/>
+              </a:solidFill>
+              <a:effectLst/>
+              <a:latin typeface="Consolas" panose="020B0609020204030204" pitchFamily="49" charset="0"/>
+            </a:endParaRPr>
+          </a:p>
+          <a:p>
+            <a:pPr marL="0" indent="0">
+              <a:buNone/>
+            </a:pPr>
+            <a:r>
+              <a:rPr lang="de-DE" dirty="0">
+                <a:solidFill>
+                  <a:srgbClr val="D4D4D4"/>
+                </a:solidFill>
+                <a:latin typeface="Consolas" panose="020B0609020204030204" pitchFamily="49" charset="0"/>
+              </a:rPr>
+              <a:t>    </a:t>
+            </a:r>
+            <a:r>
+              <a:rPr lang="de-DE" b="0" dirty="0">
+                <a:solidFill>
+                  <a:srgbClr val="D4D4D4"/>
+                </a:solidFill>
+                <a:effectLst/>
+                <a:latin typeface="Consolas" panose="020B0609020204030204" pitchFamily="49" charset="0"/>
+              </a:rPr>
+              <a:t>}</a:t>
+            </a:r>
+          </a:p>
+          <a:p>
+            <a:pPr marL="0" indent="0">
+              <a:buNone/>
+            </a:pPr>
+            <a:r>
+              <a:rPr lang="de-DE" b="0" dirty="0">
+                <a:solidFill>
+                  <a:srgbClr val="D4D4D4"/>
+                </a:solidFill>
+                <a:effectLst/>
+                <a:latin typeface="Consolas" panose="020B0609020204030204" pitchFamily="49" charset="0"/>
+              </a:rPr>
+              <a:t>}</a:t>
+            </a:r>
+          </a:p>
+          <a:p>
+            <a:pPr marL="0" indent="0">
+              <a:buNone/>
+            </a:pPr>
+            <a:endParaRPr lang="de-DE" b="1" dirty="0"/>
+          </a:p>
+          <a:p>
+            <a:pPr marL="0" indent="0">
+              <a:buNone/>
+            </a:pPr>
+            <a:r>
+              <a:rPr lang="de-DE" sz="2300" dirty="0"/>
+              <a:t>Ob der aktuell angezeigte View „Login“ oder „Register ist, wird durch ein ähnlichen View, wie auf der vorherigen Folie geregelt.</a:t>
+            </a:r>
+          </a:p>
+        </p:txBody>
+      </p:sp>
+      <p:sp>
+        <p:nvSpPr>
+          <p:cNvPr id="4" name="Fußzeilenplatzhalter 3">
+            <a:extLst>
+              <a:ext uri="{FF2B5EF4-FFF2-40B4-BE49-F238E27FC236}">
+                <a16:creationId xmlns:a16="http://schemas.microsoft.com/office/drawing/2014/main" id="{D607F8BB-6A53-4CEE-BDBD-4F564690F323}"/>
+              </a:ext>
+            </a:extLst>
+          </p:cNvPr>
+          <p:cNvSpPr>
+            <a:spLocks noGrp="1"/>
+          </p:cNvSpPr>
+          <p:nvPr>
+            <p:ph type="ftr" sz="quarter" idx="11"/>
+          </p:nvPr>
+        </p:nvSpPr>
+        <p:spPr/>
+        <p:txBody>
+          <a:bodyPr/>
+          <a:lstStyle/>
+          <a:p>
+            <a:r>
+              <a:rPr lang="de-DE"/>
+              <a:t>Swift-Programmierung unter iOS: Accessibility</a:t>
+            </a:r>
+          </a:p>
+        </p:txBody>
+      </p:sp>
+      <p:sp>
+        <p:nvSpPr>
+          <p:cNvPr id="5" name="Foliennummernplatzhalter 4">
+            <a:extLst>
+              <a:ext uri="{FF2B5EF4-FFF2-40B4-BE49-F238E27FC236}">
+                <a16:creationId xmlns:a16="http://schemas.microsoft.com/office/drawing/2014/main" id="{F40DFE93-379D-4899-B5F6-21A8964A0ABC}"/>
+              </a:ext>
+            </a:extLst>
+          </p:cNvPr>
+          <p:cNvSpPr>
+            <a:spLocks noGrp="1"/>
+          </p:cNvSpPr>
+          <p:nvPr>
+            <p:ph type="sldNum" sz="quarter" idx="12"/>
+          </p:nvPr>
+        </p:nvSpPr>
+        <p:spPr/>
+        <p:txBody>
+          <a:bodyPr/>
+          <a:lstStyle/>
+          <a:p>
+            <a:fld id="{49969A2D-4621-42E2-BC1F-C9E4503934D0}" type="slidenum">
+              <a:rPr lang="de-DE" smtClean="0"/>
+              <a:t>14</a:t>
+            </a:fld>
+            <a:endParaRPr lang="de-DE"/>
+          </a:p>
+        </p:txBody>
+      </p:sp>
+      <p:pic>
+        <p:nvPicPr>
+          <p:cNvPr id="6" name="Grafik 5" descr="Informationen mit einfarbiger Füllung">
+            <a:extLst>
+              <a:ext uri="{FF2B5EF4-FFF2-40B4-BE49-F238E27FC236}">
+                <a16:creationId xmlns:a16="http://schemas.microsoft.com/office/drawing/2014/main" id="{C083E6A2-B8D5-43C3-8FF6-83570FE6A98A}"/>
+              </a:ext>
+            </a:extLst>
+          </p:cNvPr>
+          <p:cNvPicPr>
+            <a:picLocks noChangeAspect="1"/>
+          </p:cNvPicPr>
+          <p:nvPr/>
+        </p:nvPicPr>
+        <p:blipFill>
+          <a:blip r:embed="rId2">
+            <a:extLst>
+              <a:ext uri="{28A0092B-C50C-407E-A947-70E740481C1C}">
+                <a14:useLocalDpi xmlns:a14="http://schemas.microsoft.com/office/drawing/2010/main" val="0"/>
+              </a:ext>
+              <a:ext uri="{96DAC541-7B7A-43D3-8B79-37D633B846F1}">
+                <asvg:svgBlip xmlns:asvg="http://schemas.microsoft.com/office/drawing/2016/SVG/main" r:embed="rId3"/>
+              </a:ext>
+            </a:extLst>
+          </a:blip>
+          <a:stretch>
+            <a:fillRect/>
+          </a:stretch>
+        </p:blipFill>
+        <p:spPr>
+          <a:xfrm>
+            <a:off x="838200" y="5435502"/>
+            <a:ext cx="693683" cy="693683"/>
+          </a:xfrm>
+          <a:prstGeom prst="rect">
+            <a:avLst/>
+          </a:prstGeom>
+        </p:spPr>
+      </p:pic>
+    </p:spTree>
+    <p:extLst>
+      <p:ext uri="{BB962C8B-B14F-4D97-AF65-F5344CB8AC3E}">
+        <p14:creationId xmlns:p14="http://schemas.microsoft.com/office/powerpoint/2010/main" val="3127332294"/>
+      </p:ext>
+    </p:extLst>
+  </p:cSld>
+  <p:clrMapOvr>
+    <a:masterClrMapping/>
+  </p:clrMapOvr>
+</p:sld>
+</file>
+
+<file path=ppt/slides/slide16.xml><?xml version="1.0" encoding="utf-8"?>
+<p:sld xmlns:a="http://schemas.openxmlformats.org/drawingml/2006/main" xmlns:r="http://schemas.openxmlformats.org/officeDocument/2006/relationships" xmlns:p="http://schemas.openxmlformats.org/presentationml/2006/main">
+  <p:cSld>
+    <p:spTree>
+      <p:nvGrpSpPr>
+        <p:cNvPr id="1" name=""/>
+        <p:cNvGrpSpPr/>
+        <p:nvPr/>
+      </p:nvGrpSpPr>
+      <p:grpSpPr>
+        <a:xfrm>
+          <a:off x="0" y="0"/>
+          <a:ext cx="0" cy="0"/>
+          <a:chOff x="0" y="0"/>
+          <a:chExt cx="0" cy="0"/>
+        </a:xfrm>
+      </p:grpSpPr>
+      <p:sp>
+        <p:nvSpPr>
+          <p:cNvPr id="2" name="Titel 1">
+            <a:extLst>
+              <a:ext uri="{FF2B5EF4-FFF2-40B4-BE49-F238E27FC236}">
+                <a16:creationId xmlns:a16="http://schemas.microsoft.com/office/drawing/2014/main" id="{587B4619-50EE-49BF-B53E-208B7D14B1E0}"/>
+              </a:ext>
+            </a:extLst>
+          </p:cNvPr>
+          <p:cNvSpPr>
+            <a:spLocks noGrp="1"/>
+          </p:cNvSpPr>
+          <p:nvPr>
+            <p:ph type="title"/>
+          </p:nvPr>
+        </p:nvSpPr>
+        <p:spPr>
+          <a:xfrm>
+            <a:off x="838200" y="681037"/>
+            <a:ext cx="10515600" cy="1009651"/>
+          </a:xfrm>
+        </p:spPr>
+        <p:txBody>
+          <a:bodyPr/>
+          <a:lstStyle/>
+          <a:p>
+            <a:pPr algn="ctr"/>
+            <a:r>
+              <a:rPr lang="de-DE" b="1" dirty="0"/>
+              <a:t>Vermeidung der „Callback-Hell“</a:t>
+            </a:r>
+          </a:p>
+        </p:txBody>
+      </p:sp>
+      <p:sp>
+        <p:nvSpPr>
+          <p:cNvPr id="3" name="Inhaltsplatzhalter 2">
+            <a:extLst>
+              <a:ext uri="{FF2B5EF4-FFF2-40B4-BE49-F238E27FC236}">
+                <a16:creationId xmlns:a16="http://schemas.microsoft.com/office/drawing/2014/main" id="{151E6A0A-C6F6-4270-A0F2-89B094A7FA8E}"/>
+              </a:ext>
+            </a:extLst>
+          </p:cNvPr>
+          <p:cNvSpPr>
+            <a:spLocks noGrp="1"/>
+          </p:cNvSpPr>
+          <p:nvPr>
+            <p:ph idx="1"/>
+          </p:nvPr>
+        </p:nvSpPr>
+        <p:spPr/>
+        <p:txBody>
+          <a:bodyPr/>
+          <a:lstStyle/>
+          <a:p>
+            <a:r>
+              <a:rPr lang="de-DE" dirty="0"/>
+              <a:t>Funktionen von </a:t>
+            </a:r>
+            <a:r>
+              <a:rPr lang="de-DE" dirty="0" err="1"/>
+              <a:t>Firebase</a:t>
+            </a:r>
+            <a:r>
+              <a:rPr lang="de-DE" dirty="0"/>
+              <a:t> sind asynchron</a:t>
+            </a:r>
+          </a:p>
+          <a:p>
+            <a:pPr lvl="1"/>
+            <a:r>
+              <a:rPr lang="de-DE" dirty="0"/>
+              <a:t>Um Aktion durchzuführen, nachdem </a:t>
+            </a:r>
+            <a:r>
+              <a:rPr lang="de-DE" dirty="0" err="1"/>
+              <a:t>Firebase</a:t>
+            </a:r>
+            <a:r>
+              <a:rPr lang="de-DE" dirty="0"/>
+              <a:t>-Operation abgeschlossen ist, kann ein </a:t>
+            </a:r>
+            <a:r>
+              <a:rPr lang="de-DE" dirty="0" err="1"/>
+              <a:t>Completion</a:t>
+            </a:r>
+            <a:r>
+              <a:rPr lang="de-DE" dirty="0"/>
+              <a:t>-Handler übergeben werden</a:t>
+            </a:r>
+          </a:p>
+          <a:p>
+            <a:r>
+              <a:rPr lang="de-DE" dirty="0"/>
+              <a:t>Voneinander abhängige Abfragen sorgen für tiefe Verschachtelung</a:t>
+            </a:r>
+          </a:p>
+          <a:p>
+            <a:pPr lvl="1"/>
+            <a:r>
+              <a:rPr lang="de-DE" dirty="0"/>
+              <a:t>Diese Verschachtelung wird umgangssprachlich als „Callback-Hell“ bezeichnet</a:t>
+            </a:r>
+          </a:p>
+          <a:p>
+            <a:r>
+              <a:rPr lang="de-DE" dirty="0"/>
+              <a:t>In „Quiz </a:t>
+            </a:r>
+            <a:r>
+              <a:rPr lang="de-DE" dirty="0" err="1"/>
+              <a:t>With</a:t>
+            </a:r>
+            <a:r>
+              <a:rPr lang="de-DE" dirty="0"/>
+              <a:t> Me“ wird dies zum Problem bei Spielerstellung</a:t>
+            </a:r>
+          </a:p>
+          <a:p>
+            <a:pPr lvl="1"/>
+            <a:r>
+              <a:rPr lang="de-DE" dirty="0"/>
+              <a:t>Hier werden zunächst alle Nutzer-IDs benötigt</a:t>
+            </a:r>
+          </a:p>
+          <a:p>
+            <a:pPr lvl="1"/>
+            <a:r>
+              <a:rPr lang="de-DE" dirty="0"/>
+              <a:t>Aus diesen wird Gegner ermittelt und konkreter Nutzer abgefragt</a:t>
+            </a:r>
+          </a:p>
+          <a:p>
+            <a:pPr lvl="1"/>
+            <a:r>
+              <a:rPr lang="de-DE" dirty="0"/>
+              <a:t>Ablauf geht weiter, es ist aber jetzt schon zu sehen, dass tiefe Verschachtelung entsteht</a:t>
+            </a:r>
+          </a:p>
+        </p:txBody>
+      </p:sp>
+      <p:sp>
+        <p:nvSpPr>
+          <p:cNvPr id="4" name="Fußzeilenplatzhalter 3">
+            <a:extLst>
+              <a:ext uri="{FF2B5EF4-FFF2-40B4-BE49-F238E27FC236}">
+                <a16:creationId xmlns:a16="http://schemas.microsoft.com/office/drawing/2014/main" id="{CEDD9F26-9B61-4692-89B1-62AC90293453}"/>
+              </a:ext>
+            </a:extLst>
+          </p:cNvPr>
+          <p:cNvSpPr>
+            <a:spLocks noGrp="1"/>
+          </p:cNvSpPr>
+          <p:nvPr>
+            <p:ph type="ftr" sz="quarter" idx="11"/>
+          </p:nvPr>
+        </p:nvSpPr>
+        <p:spPr/>
+        <p:txBody>
+          <a:bodyPr/>
+          <a:lstStyle/>
+          <a:p>
+            <a:r>
+              <a:rPr lang="de-DE"/>
+              <a:t>Swift-Programmierung unter iOS: Accessibility</a:t>
+            </a:r>
+          </a:p>
+        </p:txBody>
+      </p:sp>
+      <p:sp>
+        <p:nvSpPr>
+          <p:cNvPr id="5" name="Foliennummernplatzhalter 4">
+            <a:extLst>
+              <a:ext uri="{FF2B5EF4-FFF2-40B4-BE49-F238E27FC236}">
+                <a16:creationId xmlns:a16="http://schemas.microsoft.com/office/drawing/2014/main" id="{B46FD638-A069-4C7C-8176-862811053600}"/>
+              </a:ext>
+            </a:extLst>
+          </p:cNvPr>
+          <p:cNvSpPr>
+            <a:spLocks noGrp="1"/>
+          </p:cNvSpPr>
+          <p:nvPr>
+            <p:ph type="sldNum" sz="quarter" idx="12"/>
+          </p:nvPr>
+        </p:nvSpPr>
+        <p:spPr/>
+        <p:txBody>
+          <a:bodyPr/>
+          <a:lstStyle/>
+          <a:p>
+            <a:fld id="{49969A2D-4621-42E2-BC1F-C9E4503934D0}" type="slidenum">
+              <a:rPr lang="de-DE" smtClean="0"/>
+              <a:t>15</a:t>
+            </a:fld>
+            <a:endParaRPr lang="de-DE"/>
+          </a:p>
+        </p:txBody>
+      </p:sp>
+    </p:spTree>
+    <p:extLst>
+      <p:ext uri="{BB962C8B-B14F-4D97-AF65-F5344CB8AC3E}">
+        <p14:creationId xmlns:p14="http://schemas.microsoft.com/office/powerpoint/2010/main" val="1184670408"/>
+      </p:ext>
+    </p:extLst>
+  </p:cSld>
+  <p:clrMapOvr>
+    <a:masterClrMapping/>
+  </p:clrMapOvr>
+</p:sld>
+</file>
+
+<file path=ppt/slides/slide17.xml><?xml version="1.0" encoding="utf-8"?>
+<p:sld xmlns:a="http://schemas.openxmlformats.org/drawingml/2006/main" xmlns:r="http://schemas.openxmlformats.org/officeDocument/2006/relationships" xmlns:p="http://schemas.openxmlformats.org/presentationml/2006/main">
+  <p:cSld>
+    <p:spTree>
+      <p:nvGrpSpPr>
+        <p:cNvPr id="1" name=""/>
+        <p:cNvGrpSpPr/>
+        <p:nvPr/>
+      </p:nvGrpSpPr>
+      <p:grpSpPr>
+        <a:xfrm>
+          <a:off x="0" y="0"/>
+          <a:ext cx="0" cy="0"/>
+          <a:chOff x="0" y="0"/>
+          <a:chExt cx="0" cy="0"/>
+        </a:xfrm>
+      </p:grpSpPr>
+      <p:sp>
+        <p:nvSpPr>
+          <p:cNvPr id="2" name="Titel 1">
+            <a:extLst>
+              <a:ext uri="{FF2B5EF4-FFF2-40B4-BE49-F238E27FC236}">
+                <a16:creationId xmlns:a16="http://schemas.microsoft.com/office/drawing/2014/main" id="{7AFE0639-69CC-4F90-8D68-A0D52C7E3587}"/>
+              </a:ext>
+            </a:extLst>
+          </p:cNvPr>
+          <p:cNvSpPr>
+            <a:spLocks noGrp="1"/>
+          </p:cNvSpPr>
+          <p:nvPr>
+            <p:ph type="title"/>
+          </p:nvPr>
+        </p:nvSpPr>
+        <p:spPr/>
+        <p:txBody>
+          <a:bodyPr/>
+          <a:lstStyle/>
+          <a:p>
+            <a:pPr algn="ctr"/>
+            <a:r>
+              <a:rPr lang="de-DE" b="1" dirty="0"/>
+              <a:t>Callback-Hell: Beispiel</a:t>
+            </a:r>
+          </a:p>
+        </p:txBody>
+      </p:sp>
+      <p:sp>
+        <p:nvSpPr>
+          <p:cNvPr id="3" name="Inhaltsplatzhalter 2">
+            <a:extLst>
+              <a:ext uri="{FF2B5EF4-FFF2-40B4-BE49-F238E27FC236}">
+                <a16:creationId xmlns:a16="http://schemas.microsoft.com/office/drawing/2014/main" id="{F16CBBDD-B778-4428-BEA4-58A2A93CF9E6}"/>
+              </a:ext>
+            </a:extLst>
+          </p:cNvPr>
+          <p:cNvSpPr>
+            <a:spLocks noGrp="1"/>
+          </p:cNvSpPr>
+          <p:nvPr>
+            <p:ph idx="1"/>
+          </p:nvPr>
+        </p:nvSpPr>
+        <p:spPr>
+          <a:xfrm>
+            <a:off x="838200" y="2425699"/>
+            <a:ext cx="10515600" cy="3751263"/>
+          </a:xfrm>
+        </p:spPr>
+        <p:txBody>
+          <a:bodyPr>
+            <a:normAutofit/>
+          </a:bodyPr>
+          <a:lstStyle/>
+          <a:p>
+            <a:pPr marL="0" indent="0">
+              <a:buNone/>
+            </a:pPr>
+            <a:r>
+              <a:rPr lang="de-DE" sz="1800" b="0" dirty="0" err="1">
+                <a:solidFill>
+                  <a:srgbClr val="569CD6"/>
+                </a:solidFill>
+                <a:effectLst/>
+                <a:latin typeface="Consolas" panose="020B0609020204030204" pitchFamily="49" charset="0"/>
+              </a:rPr>
+              <a:t>func</a:t>
+            </a:r>
+            <a:r>
+              <a:rPr lang="de-DE" sz="1800" b="0" dirty="0">
+                <a:solidFill>
+                  <a:srgbClr val="D4D4D4"/>
+                </a:solidFill>
+                <a:effectLst/>
+                <a:latin typeface="Consolas" panose="020B0609020204030204" pitchFamily="49" charset="0"/>
+              </a:rPr>
+              <a:t> </a:t>
+            </a:r>
+            <a:r>
+              <a:rPr lang="de-DE" sz="1800" b="0" dirty="0" err="1">
+                <a:solidFill>
+                  <a:srgbClr val="DCDCAA"/>
+                </a:solidFill>
+                <a:effectLst/>
+                <a:latin typeface="Consolas" panose="020B0609020204030204" pitchFamily="49" charset="0"/>
+              </a:rPr>
+              <a:t>createNewGame</a:t>
+            </a:r>
+            <a:r>
+              <a:rPr lang="de-DE" sz="1800" b="0" dirty="0">
+                <a:solidFill>
+                  <a:srgbClr val="D4D4D4"/>
+                </a:solidFill>
+                <a:effectLst/>
+                <a:latin typeface="Consolas" panose="020B0609020204030204" pitchFamily="49" charset="0"/>
+              </a:rPr>
+              <a:t>(</a:t>
+            </a:r>
+            <a:r>
+              <a:rPr lang="de-DE" sz="1800" b="0" dirty="0" err="1">
+                <a:solidFill>
+                  <a:srgbClr val="DCDCAA"/>
+                </a:solidFill>
+                <a:effectLst/>
+                <a:latin typeface="Consolas" panose="020B0609020204030204" pitchFamily="49" charset="0"/>
+              </a:rPr>
+              <a:t>completion</a:t>
+            </a:r>
+            <a:r>
+              <a:rPr lang="de-DE" sz="1800" b="0" dirty="0">
+                <a:solidFill>
+                  <a:srgbClr val="D4D4D4"/>
+                </a:solidFill>
+                <a:effectLst/>
+                <a:latin typeface="Consolas" panose="020B0609020204030204" pitchFamily="49" charset="0"/>
+              </a:rPr>
+              <a:t>: </a:t>
+            </a:r>
+            <a:r>
+              <a:rPr lang="de-DE" sz="1800" b="0" dirty="0">
+                <a:solidFill>
+                  <a:srgbClr val="569CD6"/>
+                </a:solidFill>
+                <a:effectLst/>
+                <a:latin typeface="Consolas" panose="020B0609020204030204" pitchFamily="49" charset="0"/>
+              </a:rPr>
+              <a:t>@escaping</a:t>
+            </a:r>
+            <a:r>
+              <a:rPr lang="de-DE" sz="1800" b="0" dirty="0">
+                <a:solidFill>
+                  <a:srgbClr val="D4D4D4"/>
+                </a:solidFill>
+                <a:effectLst/>
+                <a:latin typeface="Consolas" panose="020B0609020204030204" pitchFamily="49" charset="0"/>
+              </a:rPr>
+              <a:t> (</a:t>
+            </a:r>
+            <a:r>
+              <a:rPr lang="de-DE" sz="1800" b="0" dirty="0" err="1">
+                <a:solidFill>
+                  <a:srgbClr val="D4D4D4"/>
+                </a:solidFill>
+                <a:effectLst/>
+                <a:latin typeface="Consolas" panose="020B0609020204030204" pitchFamily="49" charset="0"/>
+              </a:rPr>
+              <a:t>quizGame</a:t>
+            </a:r>
+            <a:r>
+              <a:rPr lang="de-DE" sz="1800" b="0" dirty="0">
+                <a:solidFill>
+                  <a:srgbClr val="D4D4D4"/>
+                </a:solidFill>
+                <a:effectLst/>
+                <a:latin typeface="Consolas" panose="020B0609020204030204" pitchFamily="49" charset="0"/>
+              </a:rPr>
+              <a:t>: </a:t>
+            </a:r>
+            <a:r>
+              <a:rPr lang="de-DE" sz="1800" b="0" dirty="0" err="1">
+                <a:solidFill>
+                  <a:srgbClr val="D4D4D4"/>
+                </a:solidFill>
+                <a:effectLst/>
+                <a:latin typeface="Consolas" panose="020B0609020204030204" pitchFamily="49" charset="0"/>
+              </a:rPr>
+              <a:t>QuizGame</a:t>
+            </a:r>
+            <a:r>
+              <a:rPr lang="de-DE" sz="1800" b="0" dirty="0">
+                <a:solidFill>
+                  <a:srgbClr val="D4D4D4"/>
+                </a:solidFill>
+                <a:effectLst/>
+                <a:latin typeface="Consolas" panose="020B0609020204030204" pitchFamily="49" charset="0"/>
+              </a:rPr>
+              <a:t>) -&gt; </a:t>
+            </a:r>
+            <a:r>
+              <a:rPr lang="de-DE" sz="1800" b="0" dirty="0" err="1">
+                <a:solidFill>
+                  <a:srgbClr val="4EC9B0"/>
+                </a:solidFill>
+                <a:effectLst/>
+                <a:latin typeface="Consolas" panose="020B0609020204030204" pitchFamily="49" charset="0"/>
+              </a:rPr>
+              <a:t>Void</a:t>
+            </a:r>
+            <a:r>
+              <a:rPr lang="de-DE" sz="1800" b="0" dirty="0">
+                <a:solidFill>
+                  <a:srgbClr val="D4D4D4"/>
+                </a:solidFill>
+                <a:effectLst/>
+                <a:latin typeface="Consolas" panose="020B0609020204030204" pitchFamily="49" charset="0"/>
+              </a:rPr>
+              <a:t>) -&gt; </a:t>
+            </a:r>
+            <a:r>
+              <a:rPr lang="de-DE" sz="1800" b="0" dirty="0" err="1">
+                <a:solidFill>
+                  <a:srgbClr val="4EC9B0"/>
+                </a:solidFill>
+                <a:effectLst/>
+                <a:latin typeface="Consolas" panose="020B0609020204030204" pitchFamily="49" charset="0"/>
+              </a:rPr>
+              <a:t>Void</a:t>
+            </a:r>
+            <a:r>
+              <a:rPr lang="de-DE" sz="1800" b="0" dirty="0">
+                <a:solidFill>
+                  <a:srgbClr val="D4D4D4"/>
+                </a:solidFill>
+                <a:effectLst/>
+                <a:latin typeface="Consolas" panose="020B0609020204030204" pitchFamily="49" charset="0"/>
+              </a:rPr>
+              <a:t> {</a:t>
+            </a:r>
+          </a:p>
+          <a:p>
+            <a:pPr marL="0" indent="0">
+              <a:buNone/>
+            </a:pPr>
+            <a:r>
+              <a:rPr lang="de-DE" sz="1800" b="0" dirty="0">
+                <a:solidFill>
+                  <a:srgbClr val="D4D4D4"/>
+                </a:solidFill>
+                <a:effectLst/>
+                <a:latin typeface="Consolas" panose="020B0609020204030204" pitchFamily="49" charset="0"/>
+              </a:rPr>
+              <a:t>            </a:t>
+            </a:r>
+            <a:r>
+              <a:rPr lang="de-DE" sz="1800" b="0" dirty="0" err="1">
+                <a:solidFill>
+                  <a:srgbClr val="DCDCAA"/>
+                </a:solidFill>
+                <a:effectLst/>
+                <a:latin typeface="Consolas" panose="020B0609020204030204" pitchFamily="49" charset="0"/>
+              </a:rPr>
+              <a:t>getUserIDs</a:t>
+            </a:r>
+            <a:r>
+              <a:rPr lang="de-DE" sz="1800" b="0" dirty="0">
+                <a:solidFill>
+                  <a:srgbClr val="D4D4D4"/>
+                </a:solidFill>
+                <a:effectLst/>
+                <a:latin typeface="Consolas" panose="020B0609020204030204" pitchFamily="49" charset="0"/>
+              </a:rPr>
+              <a:t>() { (</a:t>
+            </a:r>
+            <a:r>
+              <a:rPr lang="de-DE" sz="1800" b="0" dirty="0" err="1">
+                <a:solidFill>
+                  <a:srgbClr val="DCDCAA"/>
+                </a:solidFill>
+                <a:effectLst/>
+                <a:latin typeface="Consolas" panose="020B0609020204030204" pitchFamily="49" charset="0"/>
+              </a:rPr>
+              <a:t>userIDs</a:t>
+            </a:r>
+            <a:r>
+              <a:rPr lang="de-DE" sz="1800" b="0" dirty="0">
+                <a:solidFill>
+                  <a:srgbClr val="D4D4D4"/>
+                </a:solidFill>
+                <a:effectLst/>
+                <a:latin typeface="Consolas" panose="020B0609020204030204" pitchFamily="49" charset="0"/>
+              </a:rPr>
+              <a:t>: [</a:t>
+            </a:r>
+            <a:r>
+              <a:rPr lang="de-DE" sz="1800" b="0" dirty="0">
+                <a:solidFill>
+                  <a:srgbClr val="4EC9B0"/>
+                </a:solidFill>
+                <a:effectLst/>
+                <a:latin typeface="Consolas" panose="020B0609020204030204" pitchFamily="49" charset="0"/>
+              </a:rPr>
+              <a:t>String</a:t>
+            </a:r>
+            <a:r>
+              <a:rPr lang="de-DE" sz="1800" b="0" dirty="0">
+                <a:solidFill>
+                  <a:srgbClr val="D4D4D4"/>
+                </a:solidFill>
+                <a:effectLst/>
+                <a:latin typeface="Consolas" panose="020B0609020204030204" pitchFamily="49" charset="0"/>
+              </a:rPr>
+              <a:t>]?) </a:t>
+            </a:r>
+            <a:r>
+              <a:rPr lang="de-DE" sz="1800" b="0" dirty="0">
+                <a:solidFill>
+                  <a:srgbClr val="C586C0"/>
+                </a:solidFill>
+                <a:effectLst/>
+                <a:latin typeface="Consolas" panose="020B0609020204030204" pitchFamily="49" charset="0"/>
+              </a:rPr>
+              <a:t>in</a:t>
+            </a:r>
+            <a:endParaRPr lang="de-DE" sz="1800" b="0" dirty="0">
+              <a:solidFill>
+                <a:srgbClr val="D4D4D4"/>
+              </a:solidFill>
+              <a:effectLst/>
+              <a:latin typeface="Consolas" panose="020B0609020204030204" pitchFamily="49" charset="0"/>
+            </a:endParaRPr>
+          </a:p>
+          <a:p>
+            <a:pPr marL="0" indent="0">
+              <a:buNone/>
+            </a:pPr>
+            <a:r>
+              <a:rPr lang="de-DE" sz="1800" b="0" dirty="0">
+                <a:solidFill>
+                  <a:srgbClr val="D4D4D4"/>
+                </a:solidFill>
+                <a:effectLst/>
+                <a:latin typeface="Consolas" panose="020B0609020204030204" pitchFamily="49" charset="0"/>
+              </a:rPr>
+              <a:t>            </a:t>
+            </a:r>
+            <a:r>
+              <a:rPr lang="de-DE" sz="1800" b="0" dirty="0">
+                <a:solidFill>
+                  <a:srgbClr val="6A9955"/>
+                </a:solidFill>
+                <a:effectLst/>
+                <a:latin typeface="Consolas" panose="020B0609020204030204" pitchFamily="49" charset="0"/>
+              </a:rPr>
+              <a:t>// Do </a:t>
+            </a:r>
+            <a:r>
+              <a:rPr lang="de-DE" sz="1800" b="0" dirty="0" err="1">
+                <a:solidFill>
+                  <a:srgbClr val="6A9955"/>
+                </a:solidFill>
+                <a:effectLst/>
+                <a:latin typeface="Consolas" panose="020B0609020204030204" pitchFamily="49" charset="0"/>
+              </a:rPr>
+              <a:t>something</a:t>
+            </a:r>
+            <a:r>
+              <a:rPr lang="de-DE" sz="1800" b="0" dirty="0">
+                <a:solidFill>
+                  <a:srgbClr val="6A9955"/>
+                </a:solidFill>
+                <a:effectLst/>
+                <a:latin typeface="Consolas" panose="020B0609020204030204" pitchFamily="49" charset="0"/>
+              </a:rPr>
+              <a:t> </a:t>
+            </a:r>
+            <a:r>
+              <a:rPr lang="de-DE" sz="1800" b="0" dirty="0" err="1">
+                <a:solidFill>
+                  <a:srgbClr val="6A9955"/>
+                </a:solidFill>
+                <a:effectLst/>
+                <a:latin typeface="Consolas" panose="020B0609020204030204" pitchFamily="49" charset="0"/>
+              </a:rPr>
+              <a:t>with</a:t>
+            </a:r>
+            <a:r>
+              <a:rPr lang="de-DE" sz="1800" b="0" dirty="0">
+                <a:solidFill>
+                  <a:srgbClr val="6A9955"/>
+                </a:solidFill>
+                <a:effectLst/>
+                <a:latin typeface="Consolas" panose="020B0609020204030204" pitchFamily="49" charset="0"/>
+              </a:rPr>
+              <a:t> </a:t>
+            </a:r>
+            <a:r>
+              <a:rPr lang="de-DE" sz="1800" b="0" dirty="0" err="1">
+                <a:solidFill>
+                  <a:srgbClr val="6A9955"/>
+                </a:solidFill>
+                <a:effectLst/>
+                <a:latin typeface="Consolas" panose="020B0609020204030204" pitchFamily="49" charset="0"/>
+              </a:rPr>
+              <a:t>the</a:t>
+            </a:r>
+            <a:r>
+              <a:rPr lang="de-DE" sz="1800" b="0" dirty="0">
+                <a:solidFill>
+                  <a:srgbClr val="6A9955"/>
+                </a:solidFill>
+                <a:effectLst/>
+                <a:latin typeface="Consolas" panose="020B0609020204030204" pitchFamily="49" charset="0"/>
+              </a:rPr>
+              <a:t> </a:t>
+            </a:r>
+            <a:r>
+              <a:rPr lang="de-DE" sz="1800" b="0" dirty="0" err="1">
+                <a:solidFill>
+                  <a:srgbClr val="6A9955"/>
+                </a:solidFill>
+                <a:effectLst/>
+                <a:latin typeface="Consolas" panose="020B0609020204030204" pitchFamily="49" charset="0"/>
+              </a:rPr>
+              <a:t>userIDs</a:t>
+            </a:r>
+            <a:endParaRPr lang="de-DE" sz="1800" b="0" dirty="0">
+              <a:solidFill>
+                <a:srgbClr val="D4D4D4"/>
+              </a:solidFill>
+              <a:effectLst/>
+              <a:latin typeface="Consolas" panose="020B0609020204030204" pitchFamily="49" charset="0"/>
+            </a:endParaRPr>
+          </a:p>
+          <a:p>
+            <a:pPr marL="0" indent="0">
+              <a:buNone/>
+            </a:pPr>
+            <a:r>
+              <a:rPr lang="de-DE" sz="1800" b="0" dirty="0">
+                <a:solidFill>
+                  <a:srgbClr val="D4D4D4"/>
+                </a:solidFill>
+                <a:effectLst/>
+                <a:latin typeface="Consolas" panose="020B0609020204030204" pitchFamily="49" charset="0"/>
+              </a:rPr>
+              <a:t>            </a:t>
+            </a:r>
+            <a:r>
+              <a:rPr lang="de-DE" sz="1800" b="0" dirty="0" err="1">
+                <a:solidFill>
+                  <a:srgbClr val="569CD6"/>
+                </a:solidFill>
+                <a:effectLst/>
+                <a:latin typeface="Consolas" panose="020B0609020204030204" pitchFamily="49" charset="0"/>
+              </a:rPr>
+              <a:t>self</a:t>
+            </a:r>
+            <a:r>
+              <a:rPr lang="de-DE" sz="1800" b="0" dirty="0" err="1">
+                <a:solidFill>
+                  <a:srgbClr val="D4D4D4"/>
+                </a:solidFill>
+                <a:effectLst/>
+                <a:latin typeface="Consolas" panose="020B0609020204030204" pitchFamily="49" charset="0"/>
+              </a:rPr>
+              <a:t>.</a:t>
+            </a:r>
+            <a:r>
+              <a:rPr lang="de-DE" sz="1800" b="0" dirty="0" err="1">
+                <a:solidFill>
+                  <a:srgbClr val="DCDCAA"/>
+                </a:solidFill>
+                <a:effectLst/>
+                <a:latin typeface="Consolas" panose="020B0609020204030204" pitchFamily="49" charset="0"/>
+              </a:rPr>
+              <a:t>getUser</a:t>
+            </a:r>
+            <a:r>
+              <a:rPr lang="de-DE" sz="1800" b="0" dirty="0">
+                <a:solidFill>
+                  <a:srgbClr val="D4D4D4"/>
+                </a:solidFill>
+                <a:effectLst/>
+                <a:latin typeface="Consolas" panose="020B0609020204030204" pitchFamily="49" charset="0"/>
+              </a:rPr>
+              <a:t>(</a:t>
+            </a:r>
+            <a:r>
+              <a:rPr lang="de-DE" sz="1800" b="0" dirty="0" err="1">
+                <a:solidFill>
+                  <a:srgbClr val="DCDCAA"/>
+                </a:solidFill>
+                <a:effectLst/>
+                <a:latin typeface="Consolas" panose="020B0609020204030204" pitchFamily="49" charset="0"/>
+              </a:rPr>
+              <a:t>uid</a:t>
+            </a:r>
+            <a:r>
+              <a:rPr lang="de-DE" sz="1800" b="0" dirty="0">
+                <a:solidFill>
+                  <a:srgbClr val="D4D4D4"/>
+                </a:solidFill>
+                <a:effectLst/>
+                <a:latin typeface="Consolas" panose="020B0609020204030204" pitchFamily="49" charset="0"/>
+              </a:rPr>
+              <a:t>: </a:t>
+            </a:r>
+            <a:r>
+              <a:rPr lang="de-DE" sz="1800" b="0" dirty="0" err="1">
+                <a:solidFill>
+                  <a:srgbClr val="D4D4D4"/>
+                </a:solidFill>
+                <a:effectLst/>
+                <a:latin typeface="Consolas" panose="020B0609020204030204" pitchFamily="49" charset="0"/>
+              </a:rPr>
+              <a:t>ownUID</a:t>
+            </a:r>
+            <a:r>
+              <a:rPr lang="de-DE" sz="1800" b="0" dirty="0">
+                <a:solidFill>
+                  <a:srgbClr val="D4D4D4"/>
+                </a:solidFill>
+                <a:effectLst/>
+                <a:latin typeface="Consolas" panose="020B0609020204030204" pitchFamily="49" charset="0"/>
+              </a:rPr>
+              <a:t>) { (</a:t>
+            </a:r>
+            <a:r>
+              <a:rPr lang="de-DE" sz="1800" b="0" dirty="0" err="1">
+                <a:solidFill>
+                  <a:srgbClr val="DCDCAA"/>
+                </a:solidFill>
+                <a:effectLst/>
+                <a:latin typeface="Consolas" panose="020B0609020204030204" pitchFamily="49" charset="0"/>
+              </a:rPr>
+              <a:t>quizUSer</a:t>
+            </a:r>
+            <a:r>
+              <a:rPr lang="de-DE" sz="1800" b="0" dirty="0">
+                <a:solidFill>
+                  <a:srgbClr val="D4D4D4"/>
+                </a:solidFill>
+                <a:effectLst/>
+                <a:latin typeface="Consolas" panose="020B0609020204030204" pitchFamily="49" charset="0"/>
+              </a:rPr>
+              <a:t>: </a:t>
+            </a:r>
+            <a:r>
+              <a:rPr lang="de-DE" sz="1800" b="0" dirty="0" err="1">
+                <a:solidFill>
+                  <a:srgbClr val="D4D4D4"/>
+                </a:solidFill>
+                <a:effectLst/>
+                <a:latin typeface="Consolas" panose="020B0609020204030204" pitchFamily="49" charset="0"/>
+              </a:rPr>
+              <a:t>QuizUser</a:t>
+            </a:r>
+            <a:r>
+              <a:rPr lang="de-DE" sz="1800" b="0" dirty="0">
+                <a:solidFill>
+                  <a:srgbClr val="D4D4D4"/>
+                </a:solidFill>
+                <a:effectLst/>
+                <a:latin typeface="Consolas" panose="020B0609020204030204" pitchFamily="49" charset="0"/>
+              </a:rPr>
+              <a:t>) </a:t>
+            </a:r>
+            <a:r>
+              <a:rPr lang="de-DE" sz="1800" b="0" dirty="0">
+                <a:solidFill>
+                  <a:srgbClr val="C586C0"/>
+                </a:solidFill>
+                <a:effectLst/>
+                <a:latin typeface="Consolas" panose="020B0609020204030204" pitchFamily="49" charset="0"/>
+              </a:rPr>
+              <a:t>in</a:t>
+            </a:r>
+            <a:r>
+              <a:rPr lang="de-DE" sz="1800" b="0" dirty="0">
+                <a:solidFill>
+                  <a:srgbClr val="D4D4D4"/>
+                </a:solidFill>
+                <a:effectLst/>
+                <a:latin typeface="Consolas" panose="020B0609020204030204" pitchFamily="49" charset="0"/>
+              </a:rPr>
+              <a:t> </a:t>
+            </a:r>
+          </a:p>
+          <a:p>
+            <a:pPr marL="0" indent="0">
+              <a:buNone/>
+            </a:pPr>
+            <a:r>
+              <a:rPr lang="de-DE" sz="1800" b="0" dirty="0">
+                <a:solidFill>
+                  <a:srgbClr val="D4D4D4"/>
+                </a:solidFill>
+                <a:effectLst/>
+                <a:latin typeface="Consolas" panose="020B0609020204030204" pitchFamily="49" charset="0"/>
+              </a:rPr>
+              <a:t>                </a:t>
+            </a:r>
+            <a:r>
+              <a:rPr lang="de-DE" sz="1800" b="0" dirty="0">
+                <a:solidFill>
+                  <a:srgbClr val="6A9955"/>
+                </a:solidFill>
+                <a:effectLst/>
+                <a:latin typeface="Consolas" panose="020B0609020204030204" pitchFamily="49" charset="0"/>
+              </a:rPr>
+              <a:t>// Do </a:t>
+            </a:r>
+            <a:r>
+              <a:rPr lang="de-DE" sz="1800" b="0" dirty="0" err="1">
+                <a:solidFill>
+                  <a:srgbClr val="6A9955"/>
+                </a:solidFill>
+                <a:effectLst/>
+                <a:latin typeface="Consolas" panose="020B0609020204030204" pitchFamily="49" charset="0"/>
+              </a:rPr>
+              <a:t>something</a:t>
+            </a:r>
+            <a:r>
+              <a:rPr lang="de-DE" sz="1800" b="0" dirty="0">
+                <a:solidFill>
+                  <a:srgbClr val="6A9955"/>
+                </a:solidFill>
+                <a:effectLst/>
+                <a:latin typeface="Consolas" panose="020B0609020204030204" pitchFamily="49" charset="0"/>
+              </a:rPr>
+              <a:t> </a:t>
+            </a:r>
+            <a:r>
+              <a:rPr lang="de-DE" sz="1800" b="0" dirty="0" err="1">
+                <a:solidFill>
+                  <a:srgbClr val="6A9955"/>
+                </a:solidFill>
+                <a:effectLst/>
+                <a:latin typeface="Consolas" panose="020B0609020204030204" pitchFamily="49" charset="0"/>
+              </a:rPr>
+              <a:t>with</a:t>
+            </a:r>
+            <a:r>
+              <a:rPr lang="de-DE" sz="1800" b="0" dirty="0">
+                <a:solidFill>
+                  <a:srgbClr val="6A9955"/>
+                </a:solidFill>
+                <a:effectLst/>
+                <a:latin typeface="Consolas" panose="020B0609020204030204" pitchFamily="49" charset="0"/>
+              </a:rPr>
+              <a:t> </a:t>
+            </a:r>
+            <a:r>
+              <a:rPr lang="de-DE" sz="1800" b="0" dirty="0" err="1">
+                <a:solidFill>
+                  <a:srgbClr val="6A9955"/>
+                </a:solidFill>
+                <a:effectLst/>
+                <a:latin typeface="Consolas" panose="020B0609020204030204" pitchFamily="49" charset="0"/>
+              </a:rPr>
+              <a:t>the</a:t>
+            </a:r>
+            <a:r>
+              <a:rPr lang="de-DE" sz="1800" b="0" dirty="0">
+                <a:solidFill>
+                  <a:srgbClr val="6A9955"/>
+                </a:solidFill>
+                <a:effectLst/>
+                <a:latin typeface="Consolas" panose="020B0609020204030204" pitchFamily="49" charset="0"/>
+              </a:rPr>
+              <a:t> </a:t>
+            </a:r>
+            <a:r>
+              <a:rPr lang="de-DE" sz="1800" b="0" dirty="0" err="1">
+                <a:solidFill>
+                  <a:srgbClr val="6A9955"/>
+                </a:solidFill>
+                <a:effectLst/>
+                <a:latin typeface="Consolas" panose="020B0609020204030204" pitchFamily="49" charset="0"/>
+              </a:rPr>
+              <a:t>user</a:t>
+            </a:r>
+            <a:endParaRPr lang="de-DE" sz="1800" b="0" dirty="0">
+              <a:solidFill>
+                <a:srgbClr val="D4D4D4"/>
+              </a:solidFill>
+              <a:effectLst/>
+              <a:latin typeface="Consolas" panose="020B0609020204030204" pitchFamily="49" charset="0"/>
+            </a:endParaRPr>
+          </a:p>
+          <a:p>
+            <a:pPr marL="0" indent="0">
+              <a:buNone/>
+            </a:pPr>
+            <a:r>
+              <a:rPr lang="de-DE" sz="1800" b="0" dirty="0">
+                <a:solidFill>
+                  <a:srgbClr val="D4D4D4"/>
+                </a:solidFill>
+                <a:effectLst/>
+                <a:latin typeface="Consolas" panose="020B0609020204030204" pitchFamily="49" charset="0"/>
+              </a:rPr>
+              <a:t>            }</a:t>
+            </a:r>
+          </a:p>
+          <a:p>
+            <a:pPr marL="0" indent="0">
+              <a:buNone/>
+            </a:pPr>
+            <a:r>
+              <a:rPr lang="de-DE" sz="1800" b="0" dirty="0">
+                <a:solidFill>
+                  <a:srgbClr val="D4D4D4"/>
+                </a:solidFill>
+                <a:effectLst/>
+                <a:latin typeface="Consolas" panose="020B0609020204030204" pitchFamily="49" charset="0"/>
+              </a:rPr>
+              <a:t>        }</a:t>
+            </a:r>
+          </a:p>
+          <a:p>
+            <a:pPr marL="0" indent="0">
+              <a:buNone/>
+            </a:pPr>
+            <a:r>
+              <a:rPr lang="de-DE" sz="1800" b="0" dirty="0">
+                <a:solidFill>
+                  <a:srgbClr val="D4D4D4"/>
+                </a:solidFill>
+                <a:effectLst/>
+                <a:latin typeface="Consolas" panose="020B0609020204030204" pitchFamily="49" charset="0"/>
+              </a:rPr>
+              <a:t>}</a:t>
+            </a:r>
+          </a:p>
+          <a:p>
+            <a:pPr marL="0" indent="0">
+              <a:buNone/>
+            </a:pPr>
+            <a:endParaRPr lang="de-DE" sz="1800" dirty="0"/>
+          </a:p>
+        </p:txBody>
+      </p:sp>
+      <p:sp>
+        <p:nvSpPr>
+          <p:cNvPr id="4" name="Fußzeilenplatzhalter 3">
+            <a:extLst>
+              <a:ext uri="{FF2B5EF4-FFF2-40B4-BE49-F238E27FC236}">
+                <a16:creationId xmlns:a16="http://schemas.microsoft.com/office/drawing/2014/main" id="{6C9F9A7E-F788-41C1-B5DB-00631A5D7485}"/>
+              </a:ext>
+            </a:extLst>
+          </p:cNvPr>
+          <p:cNvSpPr>
+            <a:spLocks noGrp="1"/>
+          </p:cNvSpPr>
+          <p:nvPr>
+            <p:ph type="ftr" sz="quarter" idx="11"/>
+          </p:nvPr>
+        </p:nvSpPr>
+        <p:spPr/>
+        <p:txBody>
+          <a:bodyPr/>
+          <a:lstStyle/>
+          <a:p>
+            <a:r>
+              <a:rPr lang="de-DE"/>
+              <a:t>Swift-Programmierung unter iOS: Accessibility</a:t>
+            </a:r>
+          </a:p>
+        </p:txBody>
+      </p:sp>
+      <p:sp>
+        <p:nvSpPr>
+          <p:cNvPr id="5" name="Foliennummernplatzhalter 4">
+            <a:extLst>
+              <a:ext uri="{FF2B5EF4-FFF2-40B4-BE49-F238E27FC236}">
+                <a16:creationId xmlns:a16="http://schemas.microsoft.com/office/drawing/2014/main" id="{A7F4FBE9-5627-4CF2-A352-E65A2B4BA33A}"/>
+              </a:ext>
+            </a:extLst>
+          </p:cNvPr>
+          <p:cNvSpPr>
+            <a:spLocks noGrp="1"/>
+          </p:cNvSpPr>
+          <p:nvPr>
+            <p:ph type="sldNum" sz="quarter" idx="12"/>
+          </p:nvPr>
+        </p:nvSpPr>
+        <p:spPr/>
+        <p:txBody>
+          <a:bodyPr/>
+          <a:lstStyle/>
+          <a:p>
+            <a:fld id="{49969A2D-4621-42E2-BC1F-C9E4503934D0}" type="slidenum">
+              <a:rPr lang="de-DE" smtClean="0"/>
+              <a:t>16</a:t>
+            </a:fld>
+            <a:endParaRPr lang="de-DE"/>
+          </a:p>
+        </p:txBody>
+      </p:sp>
+    </p:spTree>
+    <p:extLst>
+      <p:ext uri="{BB962C8B-B14F-4D97-AF65-F5344CB8AC3E}">
+        <p14:creationId xmlns:p14="http://schemas.microsoft.com/office/powerpoint/2010/main" val="3248875023"/>
+      </p:ext>
+    </p:extLst>
+  </p:cSld>
+  <p:clrMapOvr>
+    <a:masterClrMapping/>
+  </p:clrMapOvr>
+</p:sld>
+</file>
+
+<file path=ppt/slides/slide18.xml><?xml version="1.0" encoding="utf-8"?>
+<p:sld xmlns:a="http://schemas.openxmlformats.org/drawingml/2006/main" xmlns:r="http://schemas.openxmlformats.org/officeDocument/2006/relationships" xmlns:p="http://schemas.openxmlformats.org/presentationml/2006/main">
+  <p:cSld>
+    <p:spTree>
+      <p:nvGrpSpPr>
+        <p:cNvPr id="1" name=""/>
+        <p:cNvGrpSpPr/>
+        <p:nvPr/>
+      </p:nvGrpSpPr>
+      <p:grpSpPr>
+        <a:xfrm>
+          <a:off x="0" y="0"/>
+          <a:ext cx="0" cy="0"/>
+          <a:chOff x="0" y="0"/>
+          <a:chExt cx="0" cy="0"/>
+        </a:xfrm>
+      </p:grpSpPr>
+      <p:sp>
+        <p:nvSpPr>
+          <p:cNvPr id="2" name="Titel 1">
+            <a:extLst>
+              <a:ext uri="{FF2B5EF4-FFF2-40B4-BE49-F238E27FC236}">
+                <a16:creationId xmlns:a16="http://schemas.microsoft.com/office/drawing/2014/main" id="{2974A037-533C-46C3-BE6E-7DF30E90515E}"/>
+              </a:ext>
+            </a:extLst>
+          </p:cNvPr>
+          <p:cNvSpPr>
+            <a:spLocks noGrp="1"/>
+          </p:cNvSpPr>
+          <p:nvPr>
+            <p:ph type="title"/>
+          </p:nvPr>
+        </p:nvSpPr>
+        <p:spPr>
+          <a:xfrm>
+            <a:off x="838200" y="681037"/>
+            <a:ext cx="10515600" cy="1009651"/>
+          </a:xfrm>
+        </p:spPr>
+        <p:txBody>
+          <a:bodyPr/>
+          <a:lstStyle/>
+          <a:p>
+            <a:pPr algn="ctr"/>
+            <a:r>
+              <a:rPr lang="de-DE" b="1" dirty="0"/>
+              <a:t>Auflösung der Callback-Hell: </a:t>
+            </a:r>
+            <a:r>
+              <a:rPr lang="de-DE" b="1" dirty="0" err="1"/>
+              <a:t>Promises</a:t>
+            </a:r>
+            <a:endParaRPr lang="de-DE" b="1" dirty="0"/>
+          </a:p>
+        </p:txBody>
+      </p:sp>
+      <p:sp>
+        <p:nvSpPr>
+          <p:cNvPr id="3" name="Inhaltsplatzhalter 2">
+            <a:extLst>
+              <a:ext uri="{FF2B5EF4-FFF2-40B4-BE49-F238E27FC236}">
+                <a16:creationId xmlns:a16="http://schemas.microsoft.com/office/drawing/2014/main" id="{E741A5C4-82AB-43E2-817F-04176D7C54A5}"/>
+              </a:ext>
+            </a:extLst>
+          </p:cNvPr>
+          <p:cNvSpPr>
+            <a:spLocks noGrp="1"/>
+          </p:cNvSpPr>
+          <p:nvPr>
+            <p:ph idx="1"/>
+          </p:nvPr>
+        </p:nvSpPr>
+        <p:spPr/>
+        <p:txBody>
+          <a:bodyPr/>
+          <a:lstStyle/>
+          <a:p>
+            <a:r>
+              <a:rPr lang="de-DE" dirty="0"/>
+              <a:t>Ein </a:t>
+            </a:r>
+            <a:r>
+              <a:rPr lang="de-DE" dirty="0" err="1"/>
+              <a:t>Promise</a:t>
+            </a:r>
+            <a:r>
+              <a:rPr lang="de-DE" dirty="0"/>
+              <a:t> ist ein Versprechen, dass eine Funktion einen Wert zurückgeben wird</a:t>
+            </a:r>
+          </a:p>
+          <a:p>
+            <a:pPr lvl="1"/>
+            <a:r>
+              <a:rPr lang="de-DE" dirty="0"/>
+              <a:t>Mittels Funktionen (</a:t>
+            </a:r>
+            <a:r>
+              <a:rPr lang="de-DE" dirty="0" err="1"/>
+              <a:t>done</a:t>
+            </a:r>
+            <a:r>
+              <a:rPr lang="de-DE" dirty="0"/>
+              <a:t>, </a:t>
+            </a:r>
+            <a:r>
+              <a:rPr lang="de-DE" dirty="0" err="1"/>
+              <a:t>then</a:t>
+            </a:r>
+            <a:r>
+              <a:rPr lang="de-DE" dirty="0"/>
+              <a:t>) kann auf Wert gewartet werden</a:t>
+            </a:r>
+          </a:p>
+          <a:p>
+            <a:pPr lvl="1"/>
+            <a:r>
+              <a:rPr lang="de-DE" dirty="0"/>
+              <a:t>Funktion </a:t>
+            </a:r>
+            <a:r>
+              <a:rPr lang="de-DE" dirty="0" err="1">
+                <a:latin typeface="Consolas" panose="020B0609020204030204" pitchFamily="49" charset="0"/>
+              </a:rPr>
+              <a:t>then</a:t>
+            </a:r>
+            <a:r>
+              <a:rPr lang="de-DE" dirty="0">
+                <a:latin typeface="Consolas" panose="020B0609020204030204" pitchFamily="49" charset="0"/>
+              </a:rPr>
+              <a:t> </a:t>
+            </a:r>
+            <a:r>
+              <a:rPr lang="de-DE" dirty="0"/>
+              <a:t>kann selbst </a:t>
+            </a:r>
+            <a:r>
+              <a:rPr lang="de-DE" dirty="0" err="1"/>
+              <a:t>Promise</a:t>
+            </a:r>
+            <a:r>
+              <a:rPr lang="de-DE" dirty="0"/>
+              <a:t> zurückgeben</a:t>
+            </a:r>
+          </a:p>
+          <a:p>
+            <a:pPr lvl="1"/>
+            <a:r>
+              <a:rPr lang="de-DE" dirty="0"/>
+              <a:t>Dadurch kann wieder auf Rückgabe gewartet werden</a:t>
+            </a:r>
+            <a:endParaRPr lang="de-DE" dirty="0">
+              <a:latin typeface="Consolas" panose="020B0609020204030204" pitchFamily="49" charset="0"/>
+            </a:endParaRPr>
+          </a:p>
+          <a:p>
+            <a:r>
+              <a:rPr lang="de-DE" dirty="0"/>
+              <a:t>Keine Reduzierung von Klammern, allerdings von Verschachtelung</a:t>
+            </a:r>
+          </a:p>
+          <a:p>
+            <a:r>
+              <a:rPr lang="de-DE" dirty="0"/>
+              <a:t>Framework </a:t>
+            </a:r>
+            <a:r>
+              <a:rPr lang="de-DE" dirty="0" err="1"/>
+              <a:t>PromiseKit</a:t>
+            </a:r>
+            <a:r>
+              <a:rPr lang="de-DE" dirty="0"/>
+              <a:t> stellt </a:t>
+            </a:r>
+            <a:r>
+              <a:rPr lang="de-DE" dirty="0" err="1"/>
+              <a:t>Promises</a:t>
+            </a:r>
+            <a:r>
+              <a:rPr lang="de-DE" dirty="0"/>
+              <a:t> für Swift zur Verfügung</a:t>
+            </a:r>
+          </a:p>
+        </p:txBody>
+      </p:sp>
+      <p:sp>
+        <p:nvSpPr>
+          <p:cNvPr id="4" name="Fußzeilenplatzhalter 3">
+            <a:extLst>
+              <a:ext uri="{FF2B5EF4-FFF2-40B4-BE49-F238E27FC236}">
+                <a16:creationId xmlns:a16="http://schemas.microsoft.com/office/drawing/2014/main" id="{5B3A0D63-9313-4EAB-9715-C503F62D9213}"/>
+              </a:ext>
+            </a:extLst>
+          </p:cNvPr>
+          <p:cNvSpPr>
+            <a:spLocks noGrp="1"/>
+          </p:cNvSpPr>
+          <p:nvPr>
+            <p:ph type="ftr" sz="quarter" idx="11"/>
+          </p:nvPr>
+        </p:nvSpPr>
+        <p:spPr/>
+        <p:txBody>
+          <a:bodyPr/>
+          <a:lstStyle/>
+          <a:p>
+            <a:r>
+              <a:rPr lang="de-DE"/>
+              <a:t>Swift-Programmierung unter iOS: Accessibility</a:t>
+            </a:r>
+          </a:p>
+        </p:txBody>
+      </p:sp>
+      <p:sp>
+        <p:nvSpPr>
+          <p:cNvPr id="5" name="Foliennummernplatzhalter 4">
+            <a:extLst>
+              <a:ext uri="{FF2B5EF4-FFF2-40B4-BE49-F238E27FC236}">
+                <a16:creationId xmlns:a16="http://schemas.microsoft.com/office/drawing/2014/main" id="{29251B95-4545-4819-9EDE-90392A425D31}"/>
+              </a:ext>
+            </a:extLst>
+          </p:cNvPr>
+          <p:cNvSpPr>
+            <a:spLocks noGrp="1"/>
+          </p:cNvSpPr>
+          <p:nvPr>
+            <p:ph type="sldNum" sz="quarter" idx="12"/>
+          </p:nvPr>
+        </p:nvSpPr>
+        <p:spPr/>
+        <p:txBody>
+          <a:bodyPr/>
+          <a:lstStyle/>
+          <a:p>
+            <a:fld id="{49969A2D-4621-42E2-BC1F-C9E4503934D0}" type="slidenum">
+              <a:rPr lang="de-DE" smtClean="0"/>
+              <a:t>17</a:t>
+            </a:fld>
+            <a:endParaRPr lang="de-DE"/>
+          </a:p>
+        </p:txBody>
+      </p:sp>
+    </p:spTree>
+    <p:extLst>
+      <p:ext uri="{BB962C8B-B14F-4D97-AF65-F5344CB8AC3E}">
+        <p14:creationId xmlns:p14="http://schemas.microsoft.com/office/powerpoint/2010/main" val="2443016401"/>
+      </p:ext>
+    </p:extLst>
+  </p:cSld>
+  <p:clrMapOvr>
+    <a:masterClrMapping/>
+  </p:clrMapOvr>
+</p:sld>
+</file>
+
+<file path=ppt/slides/slide19.xml><?xml version="1.0" encoding="utf-8"?>
+<p:sld xmlns:a="http://schemas.openxmlformats.org/drawingml/2006/main" xmlns:r="http://schemas.openxmlformats.org/officeDocument/2006/relationships" xmlns:p="http://schemas.openxmlformats.org/presentationml/2006/main">
+  <p:cSld>
+    <p:spTree>
+      <p:nvGrpSpPr>
+        <p:cNvPr id="1" name=""/>
+        <p:cNvGrpSpPr/>
+        <p:nvPr/>
+      </p:nvGrpSpPr>
+      <p:grpSpPr>
+        <a:xfrm>
+          <a:off x="0" y="0"/>
+          <a:ext cx="0" cy="0"/>
+          <a:chOff x="0" y="0"/>
+          <a:chExt cx="0" cy="0"/>
+        </a:xfrm>
+      </p:grpSpPr>
+      <p:sp>
+        <p:nvSpPr>
+          <p:cNvPr id="2" name="Titel 1">
+            <a:extLst>
+              <a:ext uri="{FF2B5EF4-FFF2-40B4-BE49-F238E27FC236}">
+                <a16:creationId xmlns:a16="http://schemas.microsoft.com/office/drawing/2014/main" id="{7069CF27-8D23-4BB9-A61E-12FF5EA0EA7B}"/>
+              </a:ext>
+            </a:extLst>
+          </p:cNvPr>
+          <p:cNvSpPr>
+            <a:spLocks noGrp="1"/>
+          </p:cNvSpPr>
+          <p:nvPr>
+            <p:ph type="title"/>
+          </p:nvPr>
+        </p:nvSpPr>
+        <p:spPr/>
+        <p:txBody>
+          <a:bodyPr/>
+          <a:lstStyle/>
+          <a:p>
+            <a:pPr algn="ctr"/>
+            <a:r>
+              <a:rPr lang="de-DE" b="1" dirty="0"/>
+              <a:t>Verwendung von </a:t>
+            </a:r>
+            <a:r>
+              <a:rPr lang="de-DE" b="1" dirty="0" err="1"/>
+              <a:t>Promises</a:t>
+            </a:r>
+            <a:r>
+              <a:rPr lang="de-DE" b="1" dirty="0"/>
+              <a:t>: Beispiel</a:t>
+            </a:r>
+          </a:p>
+        </p:txBody>
+      </p:sp>
+      <p:sp>
+        <p:nvSpPr>
+          <p:cNvPr id="3" name="Inhaltsplatzhalter 2">
+            <a:extLst>
+              <a:ext uri="{FF2B5EF4-FFF2-40B4-BE49-F238E27FC236}">
+                <a16:creationId xmlns:a16="http://schemas.microsoft.com/office/drawing/2014/main" id="{2679FC5A-6171-4763-949D-41B53D3F8A65}"/>
+              </a:ext>
+            </a:extLst>
+          </p:cNvPr>
+          <p:cNvSpPr>
+            <a:spLocks noGrp="1"/>
+          </p:cNvSpPr>
+          <p:nvPr>
+            <p:ph idx="1"/>
+          </p:nvPr>
+        </p:nvSpPr>
+        <p:spPr>
+          <a:xfrm>
+            <a:off x="838200" y="1825625"/>
+            <a:ext cx="10515600" cy="4351338"/>
+          </a:xfrm>
+        </p:spPr>
+        <p:txBody>
+          <a:bodyPr>
+            <a:normAutofit fontScale="70000" lnSpcReduction="20000"/>
+          </a:bodyPr>
+          <a:lstStyle/>
+          <a:p>
+            <a:pPr marL="0" indent="0">
+              <a:buNone/>
+            </a:pPr>
+            <a:r>
+              <a:rPr lang="de-DE" b="0" dirty="0" err="1">
+                <a:solidFill>
+                  <a:srgbClr val="569CD6"/>
+                </a:solidFill>
+                <a:effectLst/>
+                <a:latin typeface="Consolas" panose="020B0609020204030204" pitchFamily="49" charset="0"/>
+              </a:rPr>
+              <a:t>func</a:t>
+            </a:r>
+            <a:r>
+              <a:rPr lang="de-DE" b="0" dirty="0">
+                <a:solidFill>
+                  <a:srgbClr val="D4D4D4"/>
+                </a:solidFill>
+                <a:effectLst/>
+                <a:latin typeface="Consolas" panose="020B0609020204030204" pitchFamily="49" charset="0"/>
+              </a:rPr>
+              <a:t> </a:t>
+            </a:r>
+            <a:r>
+              <a:rPr lang="de-DE" b="0" dirty="0" err="1">
+                <a:solidFill>
+                  <a:srgbClr val="DCDCAA"/>
+                </a:solidFill>
+                <a:effectLst/>
+                <a:latin typeface="Consolas" panose="020B0609020204030204" pitchFamily="49" charset="0"/>
+              </a:rPr>
+              <a:t>createNewGame</a:t>
+            </a:r>
+            <a:r>
+              <a:rPr lang="de-DE" b="0" dirty="0">
+                <a:solidFill>
+                  <a:srgbClr val="D4D4D4"/>
+                </a:solidFill>
+                <a:effectLst/>
+                <a:latin typeface="Consolas" panose="020B0609020204030204" pitchFamily="49" charset="0"/>
+              </a:rPr>
+              <a:t>() </a:t>
+            </a:r>
+            <a:r>
+              <a:rPr lang="de-DE" b="0" dirty="0" err="1">
+                <a:solidFill>
+                  <a:srgbClr val="C586C0"/>
+                </a:solidFill>
+                <a:effectLst/>
+                <a:latin typeface="Consolas" panose="020B0609020204030204" pitchFamily="49" charset="0"/>
+              </a:rPr>
+              <a:t>throws</a:t>
+            </a:r>
+            <a:r>
+              <a:rPr lang="de-DE" b="0" dirty="0">
+                <a:solidFill>
+                  <a:srgbClr val="D4D4D4"/>
+                </a:solidFill>
+                <a:effectLst/>
+                <a:latin typeface="Consolas" panose="020B0609020204030204" pitchFamily="49" charset="0"/>
+              </a:rPr>
+              <a:t> -&gt; </a:t>
+            </a:r>
+            <a:r>
+              <a:rPr lang="de-DE" b="0" dirty="0" err="1">
+                <a:solidFill>
+                  <a:srgbClr val="D4D4D4"/>
+                </a:solidFill>
+                <a:effectLst/>
+                <a:latin typeface="Consolas" panose="020B0609020204030204" pitchFamily="49" charset="0"/>
+              </a:rPr>
+              <a:t>Promise</a:t>
+            </a:r>
+            <a:r>
+              <a:rPr lang="de-DE" b="0" dirty="0">
+                <a:solidFill>
+                  <a:srgbClr val="D4D4D4"/>
+                </a:solidFill>
+                <a:effectLst/>
+                <a:latin typeface="Consolas" panose="020B0609020204030204" pitchFamily="49" charset="0"/>
+              </a:rPr>
+              <a:t>&lt;(</a:t>
+            </a:r>
+            <a:r>
+              <a:rPr lang="de-DE" b="0" dirty="0">
+                <a:solidFill>
+                  <a:srgbClr val="4EC9B0"/>
+                </a:solidFill>
+                <a:effectLst/>
+                <a:latin typeface="Consolas" panose="020B0609020204030204" pitchFamily="49" charset="0"/>
+              </a:rPr>
+              <a:t>String</a:t>
+            </a:r>
+            <a:r>
+              <a:rPr lang="de-DE" b="0" dirty="0">
+                <a:solidFill>
+                  <a:srgbClr val="D4D4D4"/>
+                </a:solidFill>
+                <a:effectLst/>
+                <a:latin typeface="Consolas" panose="020B0609020204030204" pitchFamily="49" charset="0"/>
+              </a:rPr>
+              <a:t>, </a:t>
+            </a:r>
+            <a:r>
+              <a:rPr lang="de-DE" b="0" dirty="0" err="1">
+                <a:solidFill>
+                  <a:srgbClr val="D4D4D4"/>
+                </a:solidFill>
+                <a:effectLst/>
+                <a:latin typeface="Consolas" panose="020B0609020204030204" pitchFamily="49" charset="0"/>
+              </a:rPr>
+              <a:t>QuizGame</a:t>
+            </a:r>
+            <a:r>
+              <a:rPr lang="de-DE" b="0" dirty="0">
+                <a:solidFill>
+                  <a:srgbClr val="D4D4D4"/>
+                </a:solidFill>
+                <a:effectLst/>
+                <a:latin typeface="Consolas" panose="020B0609020204030204" pitchFamily="49" charset="0"/>
+              </a:rPr>
+              <a:t>)?&gt; {</a:t>
+            </a:r>
+          </a:p>
+          <a:p>
+            <a:pPr marL="0" indent="0">
+              <a:buNone/>
+            </a:pPr>
+            <a:r>
+              <a:rPr lang="de-DE" b="0" dirty="0">
+                <a:solidFill>
+                  <a:srgbClr val="D4D4D4"/>
+                </a:solidFill>
+                <a:effectLst/>
+                <a:latin typeface="Consolas" panose="020B0609020204030204" pitchFamily="49" charset="0"/>
+              </a:rPr>
+              <a:t>        </a:t>
+            </a:r>
+            <a:r>
+              <a:rPr lang="de-DE" b="0" dirty="0" err="1">
+                <a:solidFill>
+                  <a:srgbClr val="C586C0"/>
+                </a:solidFill>
+                <a:effectLst/>
+                <a:latin typeface="Consolas" panose="020B0609020204030204" pitchFamily="49" charset="0"/>
+              </a:rPr>
+              <a:t>return</a:t>
+            </a:r>
+            <a:r>
+              <a:rPr lang="de-DE" b="0" dirty="0">
+                <a:solidFill>
+                  <a:srgbClr val="D4D4D4"/>
+                </a:solidFill>
+                <a:effectLst/>
+                <a:latin typeface="Consolas" panose="020B0609020204030204" pitchFamily="49" charset="0"/>
+              </a:rPr>
+              <a:t> </a:t>
+            </a:r>
+            <a:r>
+              <a:rPr lang="de-DE" b="0" dirty="0" err="1">
+                <a:solidFill>
+                  <a:srgbClr val="D4D4D4"/>
+                </a:solidFill>
+                <a:effectLst/>
+                <a:latin typeface="Consolas" panose="020B0609020204030204" pitchFamily="49" charset="0"/>
+              </a:rPr>
+              <a:t>Promise</a:t>
+            </a:r>
+            <a:r>
+              <a:rPr lang="de-DE" b="0" dirty="0">
+                <a:solidFill>
+                  <a:srgbClr val="D4D4D4"/>
+                </a:solidFill>
+                <a:effectLst/>
+                <a:latin typeface="Consolas" panose="020B0609020204030204" pitchFamily="49" charset="0"/>
+              </a:rPr>
+              <a:t> { </a:t>
+            </a:r>
+            <a:r>
+              <a:rPr lang="de-DE" b="0" dirty="0" err="1">
+                <a:solidFill>
+                  <a:srgbClr val="D4D4D4"/>
+                </a:solidFill>
+                <a:effectLst/>
+                <a:latin typeface="Consolas" panose="020B0609020204030204" pitchFamily="49" charset="0"/>
+              </a:rPr>
+              <a:t>promise</a:t>
+            </a:r>
+            <a:r>
+              <a:rPr lang="de-DE" b="0" dirty="0">
+                <a:solidFill>
+                  <a:srgbClr val="D4D4D4"/>
+                </a:solidFill>
+                <a:effectLst/>
+                <a:latin typeface="Consolas" panose="020B0609020204030204" pitchFamily="49" charset="0"/>
+              </a:rPr>
+              <a:t> </a:t>
+            </a:r>
+            <a:r>
+              <a:rPr lang="de-DE" b="0" dirty="0">
+                <a:solidFill>
+                  <a:srgbClr val="C586C0"/>
+                </a:solidFill>
+                <a:effectLst/>
+                <a:latin typeface="Consolas" panose="020B0609020204030204" pitchFamily="49" charset="0"/>
+              </a:rPr>
+              <a:t>in</a:t>
+            </a:r>
+            <a:endParaRPr lang="de-DE" b="0" dirty="0">
+              <a:solidFill>
+                <a:srgbClr val="D4D4D4"/>
+              </a:solidFill>
+              <a:effectLst/>
+              <a:latin typeface="Consolas" panose="020B0609020204030204" pitchFamily="49" charset="0"/>
+            </a:endParaRPr>
+          </a:p>
+          <a:p>
+            <a:pPr marL="0" indent="0">
+              <a:buNone/>
+            </a:pPr>
+            <a:r>
+              <a:rPr lang="de-DE" b="0" dirty="0">
+                <a:solidFill>
+                  <a:srgbClr val="D4D4D4"/>
+                </a:solidFill>
+                <a:effectLst/>
+                <a:latin typeface="Consolas" panose="020B0609020204030204" pitchFamily="49" charset="0"/>
+              </a:rPr>
+              <a:t>            </a:t>
+            </a:r>
+            <a:r>
+              <a:rPr lang="de-DE" b="0" dirty="0">
+                <a:solidFill>
+                  <a:srgbClr val="9CDCFE"/>
+                </a:solidFill>
+                <a:effectLst/>
+                <a:latin typeface="Consolas" panose="020B0609020204030204" pitchFamily="49" charset="0"/>
+              </a:rPr>
+              <a:t>_</a:t>
+            </a:r>
+            <a:r>
+              <a:rPr lang="de-DE" b="0" dirty="0">
+                <a:solidFill>
+                  <a:srgbClr val="D4D4D4"/>
+                </a:solidFill>
+                <a:effectLst/>
+                <a:latin typeface="Consolas" panose="020B0609020204030204" pitchFamily="49" charset="0"/>
+              </a:rPr>
+              <a:t> = </a:t>
+            </a:r>
+            <a:r>
+              <a:rPr lang="de-DE" b="0" dirty="0" err="1">
+                <a:solidFill>
+                  <a:srgbClr val="DCDCAA"/>
+                </a:solidFill>
+                <a:effectLst/>
+                <a:latin typeface="Consolas" panose="020B0609020204030204" pitchFamily="49" charset="0"/>
+              </a:rPr>
+              <a:t>getUserIDs</a:t>
+            </a:r>
+            <a:r>
+              <a:rPr lang="de-DE" b="0" dirty="0">
+                <a:solidFill>
+                  <a:srgbClr val="D4D4D4"/>
+                </a:solidFill>
+                <a:effectLst/>
+                <a:latin typeface="Consolas" panose="020B0609020204030204" pitchFamily="49" charset="0"/>
+              </a:rPr>
+              <a:t>().</a:t>
+            </a:r>
+            <a:r>
+              <a:rPr lang="de-DE" b="0" dirty="0" err="1">
+                <a:solidFill>
+                  <a:srgbClr val="9CDCFE"/>
+                </a:solidFill>
+                <a:effectLst/>
+                <a:latin typeface="Consolas" panose="020B0609020204030204" pitchFamily="49" charset="0"/>
+              </a:rPr>
+              <a:t>then</a:t>
+            </a:r>
+            <a:r>
+              <a:rPr lang="de-DE" b="0" dirty="0">
+                <a:solidFill>
+                  <a:srgbClr val="D4D4D4"/>
+                </a:solidFill>
+                <a:effectLst/>
+                <a:latin typeface="Consolas" panose="020B0609020204030204" pitchFamily="49" charset="0"/>
+              </a:rPr>
+              <a:t> { (</a:t>
+            </a:r>
+            <a:r>
+              <a:rPr lang="de-DE" b="0" dirty="0" err="1">
+                <a:solidFill>
+                  <a:srgbClr val="DCDCAA"/>
+                </a:solidFill>
+                <a:effectLst/>
+                <a:latin typeface="Consolas" panose="020B0609020204030204" pitchFamily="49" charset="0"/>
+              </a:rPr>
+              <a:t>response</a:t>
+            </a:r>
+            <a:r>
+              <a:rPr lang="de-DE" b="0" dirty="0">
+                <a:solidFill>
+                  <a:srgbClr val="D4D4D4"/>
+                </a:solidFill>
+                <a:effectLst/>
+                <a:latin typeface="Consolas" panose="020B0609020204030204" pitchFamily="49" charset="0"/>
+              </a:rPr>
+              <a:t>: [</a:t>
+            </a:r>
+            <a:r>
+              <a:rPr lang="de-DE" b="0" dirty="0">
+                <a:solidFill>
+                  <a:srgbClr val="4EC9B0"/>
+                </a:solidFill>
+                <a:effectLst/>
+                <a:latin typeface="Consolas" panose="020B0609020204030204" pitchFamily="49" charset="0"/>
+              </a:rPr>
+              <a:t>String</a:t>
+            </a:r>
+            <a:r>
+              <a:rPr lang="de-DE" b="0" dirty="0">
+                <a:solidFill>
+                  <a:srgbClr val="D4D4D4"/>
+                </a:solidFill>
+                <a:effectLst/>
+                <a:latin typeface="Consolas" panose="020B0609020204030204" pitchFamily="49" charset="0"/>
+              </a:rPr>
+              <a:t>]?) -&gt; </a:t>
+            </a:r>
+            <a:r>
+              <a:rPr lang="de-DE" b="0" dirty="0" err="1">
+                <a:solidFill>
+                  <a:srgbClr val="D4D4D4"/>
+                </a:solidFill>
+                <a:effectLst/>
+                <a:latin typeface="Consolas" panose="020B0609020204030204" pitchFamily="49" charset="0"/>
+              </a:rPr>
+              <a:t>Promise</a:t>
+            </a:r>
+            <a:r>
+              <a:rPr lang="de-DE" b="0" dirty="0">
+                <a:solidFill>
+                  <a:srgbClr val="D4D4D4"/>
+                </a:solidFill>
+                <a:effectLst/>
+                <a:latin typeface="Consolas" panose="020B0609020204030204" pitchFamily="49" charset="0"/>
+              </a:rPr>
+              <a:t> </a:t>
+            </a:r>
+            <a:r>
+              <a:rPr lang="de-DE" b="0" dirty="0">
+                <a:solidFill>
+                  <a:srgbClr val="C586C0"/>
+                </a:solidFill>
+                <a:effectLst/>
+                <a:latin typeface="Consolas" panose="020B0609020204030204" pitchFamily="49" charset="0"/>
+              </a:rPr>
+              <a:t>in</a:t>
+            </a:r>
+            <a:endParaRPr lang="de-DE" b="0" dirty="0">
+              <a:solidFill>
+                <a:srgbClr val="D4D4D4"/>
+              </a:solidFill>
+              <a:effectLst/>
+              <a:latin typeface="Consolas" panose="020B0609020204030204" pitchFamily="49" charset="0"/>
+            </a:endParaRPr>
+          </a:p>
+          <a:p>
+            <a:pPr marL="0" indent="0">
+              <a:buNone/>
+            </a:pPr>
+            <a:r>
+              <a:rPr lang="de-DE" b="0" dirty="0">
+                <a:solidFill>
+                  <a:srgbClr val="D4D4D4"/>
+                </a:solidFill>
+                <a:effectLst/>
+                <a:latin typeface="Consolas" panose="020B0609020204030204" pitchFamily="49" charset="0"/>
+              </a:rPr>
+              <a:t>                </a:t>
+            </a:r>
+            <a:r>
+              <a:rPr lang="de-DE" b="0" dirty="0">
+                <a:solidFill>
+                  <a:srgbClr val="6A9955"/>
+                </a:solidFill>
+                <a:effectLst/>
+                <a:latin typeface="Consolas" panose="020B0609020204030204" pitchFamily="49" charset="0"/>
+              </a:rPr>
+              <a:t>// Do </a:t>
+            </a:r>
+            <a:r>
+              <a:rPr lang="de-DE" b="0" dirty="0" err="1">
+                <a:solidFill>
+                  <a:srgbClr val="6A9955"/>
+                </a:solidFill>
+                <a:effectLst/>
+                <a:latin typeface="Consolas" panose="020B0609020204030204" pitchFamily="49" charset="0"/>
+              </a:rPr>
+              <a:t>something</a:t>
+            </a:r>
+            <a:r>
+              <a:rPr lang="de-DE" b="0" dirty="0">
+                <a:solidFill>
+                  <a:srgbClr val="6A9955"/>
+                </a:solidFill>
+                <a:effectLst/>
+                <a:latin typeface="Consolas" panose="020B0609020204030204" pitchFamily="49" charset="0"/>
+              </a:rPr>
+              <a:t> </a:t>
+            </a:r>
+            <a:r>
+              <a:rPr lang="de-DE" b="0" dirty="0" err="1">
+                <a:solidFill>
+                  <a:srgbClr val="6A9955"/>
+                </a:solidFill>
+                <a:effectLst/>
+                <a:latin typeface="Consolas" panose="020B0609020204030204" pitchFamily="49" charset="0"/>
+              </a:rPr>
+              <a:t>with</a:t>
+            </a:r>
+            <a:r>
+              <a:rPr lang="de-DE" b="0" dirty="0">
+                <a:solidFill>
+                  <a:srgbClr val="6A9955"/>
+                </a:solidFill>
+                <a:effectLst/>
+                <a:latin typeface="Consolas" panose="020B0609020204030204" pitchFamily="49" charset="0"/>
+              </a:rPr>
+              <a:t> </a:t>
+            </a:r>
+            <a:r>
+              <a:rPr lang="de-DE" b="0" dirty="0" err="1">
+                <a:solidFill>
+                  <a:srgbClr val="6A9955"/>
+                </a:solidFill>
+                <a:effectLst/>
+                <a:latin typeface="Consolas" panose="020B0609020204030204" pitchFamily="49" charset="0"/>
+              </a:rPr>
+              <a:t>the</a:t>
+            </a:r>
+            <a:r>
+              <a:rPr lang="de-DE" b="0" dirty="0">
+                <a:solidFill>
+                  <a:srgbClr val="6A9955"/>
+                </a:solidFill>
+                <a:effectLst/>
+                <a:latin typeface="Consolas" panose="020B0609020204030204" pitchFamily="49" charset="0"/>
+              </a:rPr>
+              <a:t> </a:t>
+            </a:r>
+            <a:r>
+              <a:rPr lang="de-DE" b="0" dirty="0" err="1">
+                <a:solidFill>
+                  <a:srgbClr val="6A9955"/>
+                </a:solidFill>
+                <a:effectLst/>
+                <a:latin typeface="Consolas" panose="020B0609020204030204" pitchFamily="49" charset="0"/>
+              </a:rPr>
+              <a:t>response</a:t>
+            </a:r>
+            <a:endParaRPr lang="de-DE" b="0" dirty="0">
+              <a:solidFill>
+                <a:srgbClr val="D4D4D4"/>
+              </a:solidFill>
+              <a:effectLst/>
+              <a:latin typeface="Consolas" panose="020B0609020204030204" pitchFamily="49" charset="0"/>
+            </a:endParaRPr>
+          </a:p>
+          <a:p>
+            <a:pPr marL="0" indent="0">
+              <a:buNone/>
+            </a:pPr>
+            <a:r>
+              <a:rPr lang="de-DE" b="0" dirty="0">
+                <a:solidFill>
+                  <a:srgbClr val="D4D4D4"/>
+                </a:solidFill>
+                <a:effectLst/>
+                <a:latin typeface="Consolas" panose="020B0609020204030204" pitchFamily="49" charset="0"/>
+              </a:rPr>
+              <a:t>                </a:t>
+            </a:r>
+            <a:r>
+              <a:rPr lang="de-DE" b="0" dirty="0" err="1">
+                <a:solidFill>
+                  <a:srgbClr val="C586C0"/>
+                </a:solidFill>
+                <a:effectLst/>
+                <a:latin typeface="Consolas" panose="020B0609020204030204" pitchFamily="49" charset="0"/>
+              </a:rPr>
+              <a:t>return</a:t>
+            </a:r>
+            <a:r>
+              <a:rPr lang="de-DE" b="0" dirty="0">
+                <a:solidFill>
+                  <a:srgbClr val="D4D4D4"/>
+                </a:solidFill>
+                <a:effectLst/>
+                <a:latin typeface="Consolas" panose="020B0609020204030204" pitchFamily="49" charset="0"/>
+              </a:rPr>
+              <a:t> </a:t>
+            </a:r>
+            <a:r>
+              <a:rPr lang="de-DE" b="0" dirty="0" err="1">
+                <a:solidFill>
+                  <a:srgbClr val="569CD6"/>
+                </a:solidFill>
+                <a:effectLst/>
+                <a:latin typeface="Consolas" panose="020B0609020204030204" pitchFamily="49" charset="0"/>
+              </a:rPr>
+              <a:t>self</a:t>
+            </a:r>
+            <a:r>
+              <a:rPr lang="de-DE" b="0" dirty="0" err="1">
+                <a:solidFill>
+                  <a:srgbClr val="D4D4D4"/>
+                </a:solidFill>
+                <a:effectLst/>
+                <a:latin typeface="Consolas" panose="020B0609020204030204" pitchFamily="49" charset="0"/>
+              </a:rPr>
+              <a:t>.</a:t>
+            </a:r>
+            <a:r>
+              <a:rPr lang="de-DE" b="0" dirty="0" err="1">
+                <a:solidFill>
+                  <a:srgbClr val="DCDCAA"/>
+                </a:solidFill>
+                <a:effectLst/>
+                <a:latin typeface="Consolas" panose="020B0609020204030204" pitchFamily="49" charset="0"/>
+              </a:rPr>
+              <a:t>getUser</a:t>
+            </a:r>
+            <a:r>
+              <a:rPr lang="de-DE" b="0" dirty="0">
+                <a:solidFill>
+                  <a:srgbClr val="D4D4D4"/>
+                </a:solidFill>
+                <a:effectLst/>
+                <a:latin typeface="Consolas" panose="020B0609020204030204" pitchFamily="49" charset="0"/>
+              </a:rPr>
+              <a:t>(</a:t>
+            </a:r>
+            <a:r>
+              <a:rPr lang="de-DE" b="0" dirty="0" err="1">
+                <a:solidFill>
+                  <a:srgbClr val="DCDCAA"/>
+                </a:solidFill>
+                <a:effectLst/>
+                <a:latin typeface="Consolas" panose="020B0609020204030204" pitchFamily="49" charset="0"/>
+              </a:rPr>
+              <a:t>uid</a:t>
+            </a:r>
+            <a:r>
+              <a:rPr lang="de-DE" b="0" dirty="0">
+                <a:solidFill>
+                  <a:srgbClr val="D4D4D4"/>
+                </a:solidFill>
+                <a:effectLst/>
+                <a:latin typeface="Consolas" panose="020B0609020204030204" pitchFamily="49" charset="0"/>
+              </a:rPr>
+              <a:t>: </a:t>
+            </a:r>
+            <a:r>
+              <a:rPr lang="de-DE" b="0" dirty="0" err="1">
+                <a:solidFill>
+                  <a:srgbClr val="D4D4D4"/>
+                </a:solidFill>
+                <a:effectLst/>
+                <a:latin typeface="Consolas" panose="020B0609020204030204" pitchFamily="49" charset="0"/>
+              </a:rPr>
+              <a:t>ownUID</a:t>
+            </a:r>
+            <a:r>
+              <a:rPr lang="de-DE" b="0" dirty="0">
+                <a:solidFill>
+                  <a:srgbClr val="D4D4D4"/>
+                </a:solidFill>
+                <a:effectLst/>
+                <a:latin typeface="Consolas" panose="020B0609020204030204" pitchFamily="49" charset="0"/>
+              </a:rPr>
+              <a:t>)</a:t>
+            </a:r>
+          </a:p>
+          <a:p>
+            <a:pPr marL="0" indent="0">
+              <a:buNone/>
+            </a:pPr>
+            <a:r>
+              <a:rPr lang="de-DE" b="0" dirty="0">
+                <a:solidFill>
+                  <a:srgbClr val="D4D4D4"/>
+                </a:solidFill>
+                <a:effectLst/>
+                <a:latin typeface="Consolas" panose="020B0609020204030204" pitchFamily="49" charset="0"/>
+              </a:rPr>
+              <a:t>            }.</a:t>
+            </a:r>
+            <a:r>
+              <a:rPr lang="de-DE" b="0" dirty="0" err="1">
+                <a:solidFill>
+                  <a:srgbClr val="9CDCFE"/>
+                </a:solidFill>
+                <a:effectLst/>
+                <a:latin typeface="Consolas" panose="020B0609020204030204" pitchFamily="49" charset="0"/>
+              </a:rPr>
+              <a:t>then</a:t>
+            </a:r>
+            <a:r>
+              <a:rPr lang="de-DE" b="0" dirty="0">
+                <a:solidFill>
+                  <a:srgbClr val="D4D4D4"/>
+                </a:solidFill>
+                <a:effectLst/>
+                <a:latin typeface="Consolas" panose="020B0609020204030204" pitchFamily="49" charset="0"/>
+              </a:rPr>
+              <a:t> { (</a:t>
+            </a:r>
+            <a:r>
+              <a:rPr lang="de-DE" b="0" dirty="0" err="1">
+                <a:solidFill>
+                  <a:srgbClr val="DCDCAA"/>
+                </a:solidFill>
+                <a:effectLst/>
+                <a:latin typeface="Consolas" panose="020B0609020204030204" pitchFamily="49" charset="0"/>
+              </a:rPr>
+              <a:t>response</a:t>
+            </a:r>
+            <a:r>
+              <a:rPr lang="de-DE" b="0" dirty="0">
+                <a:solidFill>
+                  <a:srgbClr val="D4D4D4"/>
+                </a:solidFill>
+                <a:effectLst/>
+                <a:latin typeface="Consolas" panose="020B0609020204030204" pitchFamily="49" charset="0"/>
+              </a:rPr>
+              <a:t>: </a:t>
+            </a:r>
+            <a:r>
+              <a:rPr lang="de-DE" b="0" dirty="0" err="1">
+                <a:solidFill>
+                  <a:srgbClr val="D4D4D4"/>
+                </a:solidFill>
+                <a:effectLst/>
+                <a:latin typeface="Consolas" panose="020B0609020204030204" pitchFamily="49" charset="0"/>
+              </a:rPr>
+              <a:t>QuizUser</a:t>
+            </a:r>
+            <a:r>
+              <a:rPr lang="de-DE" b="0" dirty="0">
+                <a:solidFill>
+                  <a:srgbClr val="D4D4D4"/>
+                </a:solidFill>
+                <a:effectLst/>
+                <a:latin typeface="Consolas" panose="020B0609020204030204" pitchFamily="49" charset="0"/>
+              </a:rPr>
+              <a:t>?) -&gt; </a:t>
+            </a:r>
+            <a:r>
+              <a:rPr lang="de-DE" b="0" dirty="0" err="1">
+                <a:solidFill>
+                  <a:srgbClr val="D4D4D4"/>
+                </a:solidFill>
+                <a:effectLst/>
+                <a:latin typeface="Consolas" panose="020B0609020204030204" pitchFamily="49" charset="0"/>
+              </a:rPr>
+              <a:t>Promise</a:t>
+            </a:r>
+            <a:r>
+              <a:rPr lang="de-DE" b="0" dirty="0">
+                <a:solidFill>
+                  <a:srgbClr val="D4D4D4"/>
+                </a:solidFill>
+                <a:effectLst/>
+                <a:latin typeface="Consolas" panose="020B0609020204030204" pitchFamily="49" charset="0"/>
+              </a:rPr>
+              <a:t> </a:t>
+            </a:r>
+            <a:r>
+              <a:rPr lang="de-DE" b="0" dirty="0">
+                <a:solidFill>
+                  <a:srgbClr val="C586C0"/>
+                </a:solidFill>
+                <a:effectLst/>
+                <a:latin typeface="Consolas" panose="020B0609020204030204" pitchFamily="49" charset="0"/>
+              </a:rPr>
+              <a:t>in</a:t>
+            </a:r>
+            <a:endParaRPr lang="de-DE" b="0" dirty="0">
+              <a:solidFill>
+                <a:srgbClr val="D4D4D4"/>
+              </a:solidFill>
+              <a:effectLst/>
+              <a:latin typeface="Consolas" panose="020B0609020204030204" pitchFamily="49" charset="0"/>
+            </a:endParaRPr>
+          </a:p>
+          <a:p>
+            <a:pPr marL="0" indent="0">
+              <a:buNone/>
+            </a:pPr>
+            <a:r>
+              <a:rPr lang="de-DE" b="0" dirty="0">
+                <a:solidFill>
+                  <a:srgbClr val="D4D4D4"/>
+                </a:solidFill>
+                <a:effectLst/>
+                <a:latin typeface="Consolas" panose="020B0609020204030204" pitchFamily="49" charset="0"/>
+              </a:rPr>
+              <a:t>                </a:t>
+            </a:r>
+            <a:r>
+              <a:rPr lang="de-DE" b="0" dirty="0">
+                <a:solidFill>
+                  <a:srgbClr val="6A9955"/>
+                </a:solidFill>
+                <a:effectLst/>
+                <a:latin typeface="Consolas" panose="020B0609020204030204" pitchFamily="49" charset="0"/>
+              </a:rPr>
+              <a:t>// Do </a:t>
+            </a:r>
+            <a:r>
+              <a:rPr lang="de-DE" b="0" dirty="0" err="1">
+                <a:solidFill>
+                  <a:srgbClr val="6A9955"/>
+                </a:solidFill>
+                <a:effectLst/>
+                <a:latin typeface="Consolas" panose="020B0609020204030204" pitchFamily="49" charset="0"/>
+              </a:rPr>
+              <a:t>something</a:t>
+            </a:r>
+            <a:r>
+              <a:rPr lang="de-DE" b="0" dirty="0">
+                <a:solidFill>
+                  <a:srgbClr val="6A9955"/>
+                </a:solidFill>
+                <a:effectLst/>
+                <a:latin typeface="Consolas" panose="020B0609020204030204" pitchFamily="49" charset="0"/>
+              </a:rPr>
+              <a:t> </a:t>
+            </a:r>
+            <a:r>
+              <a:rPr lang="de-DE" b="0" dirty="0" err="1">
+                <a:solidFill>
+                  <a:srgbClr val="6A9955"/>
+                </a:solidFill>
+                <a:effectLst/>
+                <a:latin typeface="Consolas" panose="020B0609020204030204" pitchFamily="49" charset="0"/>
+              </a:rPr>
+              <a:t>with</a:t>
+            </a:r>
+            <a:r>
+              <a:rPr lang="de-DE" b="0" dirty="0">
+                <a:solidFill>
+                  <a:srgbClr val="6A9955"/>
+                </a:solidFill>
+                <a:effectLst/>
+                <a:latin typeface="Consolas" panose="020B0609020204030204" pitchFamily="49" charset="0"/>
+              </a:rPr>
+              <a:t> </a:t>
+            </a:r>
+            <a:r>
+              <a:rPr lang="de-DE" b="0" dirty="0" err="1">
+                <a:solidFill>
+                  <a:srgbClr val="6A9955"/>
+                </a:solidFill>
+                <a:effectLst/>
+                <a:latin typeface="Consolas" panose="020B0609020204030204" pitchFamily="49" charset="0"/>
+              </a:rPr>
+              <a:t>the</a:t>
+            </a:r>
+            <a:r>
+              <a:rPr lang="de-DE" b="0" dirty="0">
+                <a:solidFill>
+                  <a:srgbClr val="6A9955"/>
+                </a:solidFill>
+                <a:effectLst/>
+                <a:latin typeface="Consolas" panose="020B0609020204030204" pitchFamily="49" charset="0"/>
+              </a:rPr>
+              <a:t> </a:t>
+            </a:r>
+            <a:r>
+              <a:rPr lang="de-DE" b="0" dirty="0" err="1">
+                <a:solidFill>
+                  <a:srgbClr val="6A9955"/>
+                </a:solidFill>
+                <a:effectLst/>
+                <a:latin typeface="Consolas" panose="020B0609020204030204" pitchFamily="49" charset="0"/>
+              </a:rPr>
+              <a:t>response</a:t>
+            </a:r>
+            <a:endParaRPr lang="de-DE" b="0" dirty="0">
+              <a:solidFill>
+                <a:srgbClr val="D4D4D4"/>
+              </a:solidFill>
+              <a:effectLst/>
+              <a:latin typeface="Consolas" panose="020B0609020204030204" pitchFamily="49" charset="0"/>
+            </a:endParaRPr>
+          </a:p>
+          <a:p>
+            <a:pPr marL="0" indent="0">
+              <a:buNone/>
+            </a:pPr>
+            <a:r>
+              <a:rPr lang="de-DE" b="0" dirty="0">
+                <a:solidFill>
+                  <a:srgbClr val="D4D4D4"/>
+                </a:solidFill>
+                <a:effectLst/>
+                <a:latin typeface="Consolas" panose="020B0609020204030204" pitchFamily="49" charset="0"/>
+              </a:rPr>
+              <a:t>            }.</a:t>
+            </a:r>
+            <a:r>
+              <a:rPr lang="de-DE" b="0" dirty="0" err="1">
+                <a:solidFill>
+                  <a:srgbClr val="9CDCFE"/>
+                </a:solidFill>
+                <a:effectLst/>
+                <a:latin typeface="Consolas" panose="020B0609020204030204" pitchFamily="49" charset="0"/>
+              </a:rPr>
+              <a:t>then</a:t>
+            </a:r>
+            <a:r>
+              <a:rPr lang="de-DE" b="0" dirty="0">
+                <a:solidFill>
+                  <a:srgbClr val="D4D4D4"/>
+                </a:solidFill>
+                <a:effectLst/>
+                <a:latin typeface="Consolas" panose="020B0609020204030204" pitchFamily="49" charset="0"/>
+              </a:rPr>
+              <a:t> { </a:t>
+            </a:r>
+            <a:r>
+              <a:rPr lang="de-DE" b="0" dirty="0">
+                <a:solidFill>
+                  <a:srgbClr val="6A9955"/>
+                </a:solidFill>
+                <a:effectLst/>
+                <a:latin typeface="Consolas" panose="020B0609020204030204" pitchFamily="49" charset="0"/>
+              </a:rPr>
+              <a:t>/* More </a:t>
+            </a:r>
+            <a:r>
+              <a:rPr lang="de-DE" b="0" dirty="0" err="1">
+                <a:solidFill>
+                  <a:srgbClr val="6A9955"/>
+                </a:solidFill>
+                <a:effectLst/>
+                <a:latin typeface="Consolas" panose="020B0609020204030204" pitchFamily="49" charset="0"/>
+              </a:rPr>
+              <a:t>stuff</a:t>
+            </a:r>
+            <a:r>
+              <a:rPr lang="de-DE" b="0" dirty="0">
+                <a:solidFill>
+                  <a:srgbClr val="6A9955"/>
+                </a:solidFill>
+                <a:effectLst/>
+                <a:latin typeface="Consolas" panose="020B0609020204030204" pitchFamily="49" charset="0"/>
+              </a:rPr>
+              <a:t>*/</a:t>
+            </a:r>
+            <a:r>
+              <a:rPr lang="de-DE" b="0" dirty="0">
+                <a:solidFill>
+                  <a:srgbClr val="D4D4D4"/>
+                </a:solidFill>
+                <a:effectLst/>
+                <a:latin typeface="Consolas" panose="020B0609020204030204" pitchFamily="49" charset="0"/>
+              </a:rPr>
+              <a:t> }</a:t>
+            </a:r>
+          </a:p>
+          <a:p>
+            <a:pPr marL="0" indent="0">
+              <a:buNone/>
+            </a:pPr>
+            <a:r>
+              <a:rPr lang="de-DE" b="0" dirty="0">
+                <a:solidFill>
+                  <a:srgbClr val="D4D4D4"/>
+                </a:solidFill>
+                <a:effectLst/>
+                <a:latin typeface="Consolas" panose="020B0609020204030204" pitchFamily="49" charset="0"/>
+              </a:rPr>
+              <a:t>            </a:t>
+            </a:r>
+            <a:r>
+              <a:rPr lang="de-DE" b="0" dirty="0">
+                <a:solidFill>
+                  <a:srgbClr val="6A9955"/>
+                </a:solidFill>
+                <a:effectLst/>
+                <a:latin typeface="Consolas" panose="020B0609020204030204" pitchFamily="49" charset="0"/>
+              </a:rPr>
+              <a:t>// More .</a:t>
+            </a:r>
+            <a:r>
+              <a:rPr lang="de-DE" b="0" dirty="0" err="1">
+                <a:solidFill>
+                  <a:srgbClr val="6A9955"/>
+                </a:solidFill>
+                <a:effectLst/>
+                <a:latin typeface="Consolas" panose="020B0609020204030204" pitchFamily="49" charset="0"/>
+              </a:rPr>
+              <a:t>then</a:t>
+            </a:r>
+            <a:r>
+              <a:rPr lang="de-DE" b="0" dirty="0">
+                <a:solidFill>
+                  <a:srgbClr val="6A9955"/>
+                </a:solidFill>
+                <a:effectLst/>
+                <a:latin typeface="Consolas" panose="020B0609020204030204" pitchFamily="49" charset="0"/>
+              </a:rPr>
+              <a:t> </a:t>
+            </a:r>
+            <a:r>
+              <a:rPr lang="de-DE" b="0" dirty="0" err="1">
+                <a:solidFill>
+                  <a:srgbClr val="6A9955"/>
+                </a:solidFill>
+                <a:effectLst/>
+                <a:latin typeface="Consolas" panose="020B0609020204030204" pitchFamily="49" charset="0"/>
+              </a:rPr>
+              <a:t>calls</a:t>
+            </a:r>
+            <a:endParaRPr lang="de-DE" b="0" dirty="0">
+              <a:solidFill>
+                <a:srgbClr val="D4D4D4"/>
+              </a:solidFill>
+              <a:effectLst/>
+              <a:latin typeface="Consolas" panose="020B0609020204030204" pitchFamily="49" charset="0"/>
+            </a:endParaRPr>
+          </a:p>
+          <a:p>
+            <a:pPr marL="0" indent="0">
+              <a:buNone/>
+            </a:pPr>
+            <a:r>
+              <a:rPr lang="de-DE" b="0" dirty="0">
+                <a:solidFill>
+                  <a:srgbClr val="D4D4D4"/>
+                </a:solidFill>
+                <a:effectLst/>
+                <a:latin typeface="Consolas" panose="020B0609020204030204" pitchFamily="49" charset="0"/>
+              </a:rPr>
+              <a:t>            }.</a:t>
+            </a:r>
+            <a:r>
+              <a:rPr lang="de-DE" b="0" dirty="0" err="1">
+                <a:solidFill>
+                  <a:srgbClr val="9CDCFE"/>
+                </a:solidFill>
+                <a:effectLst/>
+                <a:latin typeface="Consolas" panose="020B0609020204030204" pitchFamily="49" charset="0"/>
+              </a:rPr>
+              <a:t>done</a:t>
+            </a:r>
+            <a:r>
+              <a:rPr lang="de-DE" b="0" dirty="0">
+                <a:solidFill>
+                  <a:srgbClr val="D4D4D4"/>
+                </a:solidFill>
+                <a:effectLst/>
+                <a:latin typeface="Consolas" panose="020B0609020204030204" pitchFamily="49" charset="0"/>
+              </a:rPr>
+              <a:t> {</a:t>
+            </a:r>
+            <a:r>
+              <a:rPr lang="de-DE" b="0" dirty="0">
+                <a:solidFill>
+                  <a:srgbClr val="6A9955"/>
+                </a:solidFill>
+                <a:effectLst/>
+                <a:latin typeface="Consolas" panose="020B0609020204030204" pitchFamily="49" charset="0"/>
+              </a:rPr>
+              <a:t>/* Last </a:t>
+            </a:r>
+            <a:r>
+              <a:rPr lang="de-DE" b="0" dirty="0" err="1">
+                <a:solidFill>
+                  <a:srgbClr val="6A9955"/>
+                </a:solidFill>
+                <a:effectLst/>
+                <a:latin typeface="Consolas" panose="020B0609020204030204" pitchFamily="49" charset="0"/>
+              </a:rPr>
+              <a:t>step</a:t>
+            </a:r>
+            <a:r>
+              <a:rPr lang="de-DE" b="0" dirty="0">
+                <a:solidFill>
+                  <a:srgbClr val="6A9955"/>
+                </a:solidFill>
+                <a:effectLst/>
+                <a:latin typeface="Consolas" panose="020B0609020204030204" pitchFamily="49" charset="0"/>
+              </a:rPr>
+              <a:t> in a </a:t>
+            </a:r>
+            <a:r>
+              <a:rPr lang="de-DE" b="0" dirty="0" err="1">
+                <a:solidFill>
+                  <a:srgbClr val="6A9955"/>
+                </a:solidFill>
+                <a:effectLst/>
+                <a:latin typeface="Consolas" panose="020B0609020204030204" pitchFamily="49" charset="0"/>
+              </a:rPr>
+              <a:t>promise</a:t>
+            </a:r>
+            <a:r>
+              <a:rPr lang="de-DE" b="0" dirty="0">
+                <a:solidFill>
+                  <a:srgbClr val="6A9955"/>
+                </a:solidFill>
+                <a:effectLst/>
+                <a:latin typeface="Consolas" panose="020B0609020204030204" pitchFamily="49" charset="0"/>
+              </a:rPr>
+              <a:t>*/</a:t>
+            </a:r>
+            <a:r>
+              <a:rPr lang="de-DE" b="0" dirty="0">
+                <a:solidFill>
+                  <a:srgbClr val="D4D4D4"/>
+                </a:solidFill>
+                <a:effectLst/>
+                <a:latin typeface="Consolas" panose="020B0609020204030204" pitchFamily="49" charset="0"/>
+              </a:rPr>
+              <a:t> }</a:t>
+            </a:r>
+          </a:p>
+          <a:p>
+            <a:pPr marL="0" indent="0">
+              <a:buNone/>
+            </a:pPr>
+            <a:r>
+              <a:rPr lang="de-DE" b="0" dirty="0">
+                <a:solidFill>
+                  <a:srgbClr val="D4D4D4"/>
+                </a:solidFill>
+                <a:effectLst/>
+                <a:latin typeface="Consolas" panose="020B0609020204030204" pitchFamily="49" charset="0"/>
+              </a:rPr>
+              <a:t>        }</a:t>
+            </a:r>
+          </a:p>
+          <a:p>
+            <a:pPr marL="0" indent="0">
+              <a:buNone/>
+            </a:pPr>
+            <a:r>
+              <a:rPr lang="de-DE" b="0" dirty="0">
+                <a:solidFill>
+                  <a:srgbClr val="D4D4D4"/>
+                </a:solidFill>
+                <a:effectLst/>
+                <a:latin typeface="Consolas" panose="020B0609020204030204" pitchFamily="49" charset="0"/>
+              </a:rPr>
+              <a:t>}</a:t>
+            </a:r>
+          </a:p>
+          <a:p>
+            <a:pPr marL="0" indent="0">
+              <a:buNone/>
+            </a:pPr>
+            <a:endParaRPr lang="de-DE" dirty="0"/>
+          </a:p>
+        </p:txBody>
+      </p:sp>
+      <p:sp>
+        <p:nvSpPr>
+          <p:cNvPr id="4" name="Fußzeilenplatzhalter 3">
+            <a:extLst>
+              <a:ext uri="{FF2B5EF4-FFF2-40B4-BE49-F238E27FC236}">
+                <a16:creationId xmlns:a16="http://schemas.microsoft.com/office/drawing/2014/main" id="{CEF14D52-B6AC-46A2-97D3-E3A3235D2CB0}"/>
+              </a:ext>
+            </a:extLst>
+          </p:cNvPr>
+          <p:cNvSpPr>
+            <a:spLocks noGrp="1"/>
+          </p:cNvSpPr>
+          <p:nvPr>
+            <p:ph type="ftr" sz="quarter" idx="11"/>
+          </p:nvPr>
+        </p:nvSpPr>
+        <p:spPr/>
+        <p:txBody>
+          <a:bodyPr/>
+          <a:lstStyle/>
+          <a:p>
+            <a:r>
+              <a:rPr lang="de-DE"/>
+              <a:t>Swift-Programmierung unter iOS: Accessibility</a:t>
+            </a:r>
+          </a:p>
+        </p:txBody>
+      </p:sp>
+      <p:sp>
+        <p:nvSpPr>
+          <p:cNvPr id="5" name="Foliennummernplatzhalter 4">
+            <a:extLst>
+              <a:ext uri="{FF2B5EF4-FFF2-40B4-BE49-F238E27FC236}">
+                <a16:creationId xmlns:a16="http://schemas.microsoft.com/office/drawing/2014/main" id="{C6CFA60C-15A7-41E9-9FEE-F82907B5CF07}"/>
+              </a:ext>
+            </a:extLst>
+          </p:cNvPr>
+          <p:cNvSpPr>
+            <a:spLocks noGrp="1"/>
+          </p:cNvSpPr>
+          <p:nvPr>
+            <p:ph type="sldNum" sz="quarter" idx="12"/>
+          </p:nvPr>
+        </p:nvSpPr>
+        <p:spPr/>
+        <p:txBody>
+          <a:bodyPr/>
+          <a:lstStyle/>
+          <a:p>
+            <a:fld id="{49969A2D-4621-42E2-BC1F-C9E4503934D0}" type="slidenum">
+              <a:rPr lang="de-DE" smtClean="0"/>
+              <a:t>18</a:t>
+            </a:fld>
+            <a:endParaRPr lang="de-DE"/>
+          </a:p>
+        </p:txBody>
+      </p:sp>
+    </p:spTree>
+    <p:extLst>
+      <p:ext uri="{BB962C8B-B14F-4D97-AF65-F5344CB8AC3E}">
+        <p14:creationId xmlns:p14="http://schemas.microsoft.com/office/powerpoint/2010/main" val="638849722"/>
+      </p:ext>
+    </p:extLst>
+  </p:cSld>
+  <p:clrMapOvr>
+    <a:masterClrMapping/>
+  </p:clrMapOvr>
+</p:sld>
+</file>
+
 <file path=ppt/slides/slide2.xml><?xml version="1.0" encoding="utf-8"?>
 <p:sld xmlns:a="http://schemas.openxmlformats.org/drawingml/2006/main" xmlns:r="http://schemas.openxmlformats.org/officeDocument/2006/relationships" xmlns:p="http://schemas.openxmlformats.org/presentationml/2006/main">
   <p:cSld>
@@ -5752,6 +10445,1692 @@
       <p:bldP spid="3" grpId="0" build="p"/>
     </p:bldLst>
   </p:timing>
+</p:sld>
+</file>
+
+<file path=ppt/slides/slide20.xml><?xml version="1.0" encoding="utf-8"?>
+<p:sld xmlns:a="http://schemas.openxmlformats.org/drawingml/2006/main" xmlns:r="http://schemas.openxmlformats.org/officeDocument/2006/relationships" xmlns:p="http://schemas.openxmlformats.org/presentationml/2006/main">
+  <p:cSld>
+    <p:spTree>
+      <p:nvGrpSpPr>
+        <p:cNvPr id="1" name=""/>
+        <p:cNvGrpSpPr/>
+        <p:nvPr/>
+      </p:nvGrpSpPr>
+      <p:grpSpPr>
+        <a:xfrm>
+          <a:off x="0" y="0"/>
+          <a:ext cx="0" cy="0"/>
+          <a:chOff x="0" y="0"/>
+          <a:chExt cx="0" cy="0"/>
+        </a:xfrm>
+      </p:grpSpPr>
+      <p:sp>
+        <p:nvSpPr>
+          <p:cNvPr id="2" name="Titel 1">
+            <a:extLst>
+              <a:ext uri="{FF2B5EF4-FFF2-40B4-BE49-F238E27FC236}">
+                <a16:creationId xmlns:a16="http://schemas.microsoft.com/office/drawing/2014/main" id="{9242CB0C-8749-4E9C-9178-6D60ACAA55EB}"/>
+              </a:ext>
+            </a:extLst>
+          </p:cNvPr>
+          <p:cNvSpPr>
+            <a:spLocks noGrp="1"/>
+          </p:cNvSpPr>
+          <p:nvPr>
+            <p:ph type="title"/>
+          </p:nvPr>
+        </p:nvSpPr>
+        <p:spPr/>
+        <p:txBody>
+          <a:bodyPr/>
+          <a:lstStyle/>
+          <a:p>
+            <a:r>
+              <a:rPr lang="de-DE" dirty="0"/>
+              <a:t>4. Projektfazit</a:t>
+            </a:r>
+          </a:p>
+        </p:txBody>
+      </p:sp>
+      <p:sp>
+        <p:nvSpPr>
+          <p:cNvPr id="3" name="Textplatzhalter 2">
+            <a:extLst>
+              <a:ext uri="{FF2B5EF4-FFF2-40B4-BE49-F238E27FC236}">
+                <a16:creationId xmlns:a16="http://schemas.microsoft.com/office/drawing/2014/main" id="{2FA38DC9-6459-4FF6-BA4E-9450BF15D66B}"/>
+              </a:ext>
+            </a:extLst>
+          </p:cNvPr>
+          <p:cNvSpPr>
+            <a:spLocks noGrp="1"/>
+          </p:cNvSpPr>
+          <p:nvPr>
+            <p:ph type="body" idx="1"/>
+          </p:nvPr>
+        </p:nvSpPr>
+        <p:spPr/>
+        <p:txBody>
+          <a:bodyPr/>
+          <a:lstStyle/>
+          <a:p>
+            <a:r>
+              <a:rPr lang="de-DE" dirty="0"/>
+              <a:t>Was war positiv? Gab es Frustmomente?</a:t>
+            </a:r>
+          </a:p>
+        </p:txBody>
+      </p:sp>
+      <p:sp>
+        <p:nvSpPr>
+          <p:cNvPr id="4" name="Fußzeilenplatzhalter 3">
+            <a:extLst>
+              <a:ext uri="{FF2B5EF4-FFF2-40B4-BE49-F238E27FC236}">
+                <a16:creationId xmlns:a16="http://schemas.microsoft.com/office/drawing/2014/main" id="{25650CE0-E24E-4178-B52A-9197029DEA00}"/>
+              </a:ext>
+            </a:extLst>
+          </p:cNvPr>
+          <p:cNvSpPr>
+            <a:spLocks noGrp="1"/>
+          </p:cNvSpPr>
+          <p:nvPr>
+            <p:ph type="ftr" sz="quarter" idx="11"/>
+          </p:nvPr>
+        </p:nvSpPr>
+        <p:spPr/>
+        <p:txBody>
+          <a:bodyPr/>
+          <a:lstStyle/>
+          <a:p>
+            <a:r>
+              <a:rPr lang="de-DE"/>
+              <a:t>Swift-Programmierung unter iOS: Quiz With Me</a:t>
+            </a:r>
+          </a:p>
+        </p:txBody>
+      </p:sp>
+      <p:sp>
+        <p:nvSpPr>
+          <p:cNvPr id="5" name="Foliennummernplatzhalter 4">
+            <a:extLst>
+              <a:ext uri="{FF2B5EF4-FFF2-40B4-BE49-F238E27FC236}">
+                <a16:creationId xmlns:a16="http://schemas.microsoft.com/office/drawing/2014/main" id="{D090A591-087D-4EA7-BF93-BBA2EFB6421D}"/>
+              </a:ext>
+            </a:extLst>
+          </p:cNvPr>
+          <p:cNvSpPr>
+            <a:spLocks noGrp="1"/>
+          </p:cNvSpPr>
+          <p:nvPr>
+            <p:ph type="sldNum" sz="quarter" idx="12"/>
+          </p:nvPr>
+        </p:nvSpPr>
+        <p:spPr/>
+        <p:txBody>
+          <a:bodyPr/>
+          <a:lstStyle/>
+          <a:p>
+            <a:fld id="{49969A2D-4621-42E2-BC1F-C9E4503934D0}" type="slidenum">
+              <a:rPr lang="de-DE" smtClean="0"/>
+              <a:t>19</a:t>
+            </a:fld>
+            <a:endParaRPr lang="de-DE"/>
+          </a:p>
+        </p:txBody>
+      </p:sp>
+    </p:spTree>
+    <p:extLst>
+      <p:ext uri="{BB962C8B-B14F-4D97-AF65-F5344CB8AC3E}">
+        <p14:creationId xmlns:p14="http://schemas.microsoft.com/office/powerpoint/2010/main" val="314923948"/>
+      </p:ext>
+    </p:extLst>
+  </p:cSld>
+  <p:clrMapOvr>
+    <a:masterClrMapping/>
+  </p:clrMapOvr>
+</p:sld>
+</file>
+
+<file path=ppt/slides/slide21.xml><?xml version="1.0" encoding="utf-8"?>
+<p:sld xmlns:a="http://schemas.openxmlformats.org/drawingml/2006/main" xmlns:r="http://schemas.openxmlformats.org/officeDocument/2006/relationships" xmlns:p="http://schemas.openxmlformats.org/presentationml/2006/main">
+  <p:cSld>
+    <p:spTree>
+      <p:nvGrpSpPr>
+        <p:cNvPr id="1" name=""/>
+        <p:cNvGrpSpPr/>
+        <p:nvPr/>
+      </p:nvGrpSpPr>
+      <p:grpSpPr>
+        <a:xfrm>
+          <a:off x="0" y="0"/>
+          <a:ext cx="0" cy="0"/>
+          <a:chOff x="0" y="0"/>
+          <a:chExt cx="0" cy="0"/>
+        </a:xfrm>
+      </p:grpSpPr>
+      <p:sp>
+        <p:nvSpPr>
+          <p:cNvPr id="2" name="Titel 1">
+            <a:extLst>
+              <a:ext uri="{FF2B5EF4-FFF2-40B4-BE49-F238E27FC236}">
+                <a16:creationId xmlns:a16="http://schemas.microsoft.com/office/drawing/2014/main" id="{9FA7EB08-FC6D-4325-8D5C-CB510D192CFA}"/>
+              </a:ext>
+            </a:extLst>
+          </p:cNvPr>
+          <p:cNvSpPr>
+            <a:spLocks noGrp="1"/>
+          </p:cNvSpPr>
+          <p:nvPr>
+            <p:ph type="title"/>
+          </p:nvPr>
+        </p:nvSpPr>
+        <p:spPr>
+          <a:xfrm>
+            <a:off x="838200" y="728133"/>
+            <a:ext cx="10515600" cy="962555"/>
+          </a:xfrm>
+        </p:spPr>
+        <p:txBody>
+          <a:bodyPr/>
+          <a:lstStyle/>
+          <a:p>
+            <a:pPr algn="ctr"/>
+            <a:r>
+              <a:rPr lang="de-DE" b="1" dirty="0"/>
+              <a:t>Unser Fazit</a:t>
+            </a:r>
+          </a:p>
+        </p:txBody>
+      </p:sp>
+      <p:sp>
+        <p:nvSpPr>
+          <p:cNvPr id="3" name="Inhaltsplatzhalter 2">
+            <a:extLst>
+              <a:ext uri="{FF2B5EF4-FFF2-40B4-BE49-F238E27FC236}">
+                <a16:creationId xmlns:a16="http://schemas.microsoft.com/office/drawing/2014/main" id="{78E7D6A3-E264-4CBA-B911-9E7EC6C8FC9A}"/>
+              </a:ext>
+            </a:extLst>
+          </p:cNvPr>
+          <p:cNvSpPr>
+            <a:spLocks noGrp="1"/>
+          </p:cNvSpPr>
+          <p:nvPr>
+            <p:ph sz="half" idx="1"/>
+          </p:nvPr>
+        </p:nvSpPr>
+        <p:spPr/>
+        <p:txBody>
+          <a:bodyPr/>
+          <a:lstStyle/>
+          <a:p>
+            <a:pPr marL="0" indent="0">
+              <a:buNone/>
+            </a:pPr>
+            <a:r>
+              <a:rPr lang="de-DE" b="1" dirty="0"/>
+              <a:t>Positives / Erfolgsmomente</a:t>
+            </a:r>
+          </a:p>
+          <a:p>
+            <a:r>
+              <a:rPr lang="de-DE" dirty="0"/>
+              <a:t>Gute Art Swift vertieft zu lernen</a:t>
+            </a:r>
+          </a:p>
+          <a:p>
+            <a:r>
+              <a:rPr lang="de-DE" dirty="0"/>
+              <a:t>Umgang mit neuen Mechaniken</a:t>
+            </a:r>
+          </a:p>
+          <a:p>
+            <a:r>
+              <a:rPr lang="de-DE" dirty="0"/>
+              <a:t>Gute Zusammenarbeit</a:t>
+            </a:r>
+          </a:p>
+          <a:p>
+            <a:r>
+              <a:rPr lang="de-DE" dirty="0"/>
+              <a:t>Rundes Schlussprodukt</a:t>
+            </a:r>
+          </a:p>
+        </p:txBody>
+      </p:sp>
+      <p:sp>
+        <p:nvSpPr>
+          <p:cNvPr id="4" name="Inhaltsplatzhalter 3">
+            <a:extLst>
+              <a:ext uri="{FF2B5EF4-FFF2-40B4-BE49-F238E27FC236}">
+                <a16:creationId xmlns:a16="http://schemas.microsoft.com/office/drawing/2014/main" id="{78EC4748-B862-4F84-BDAD-EEBFAE23C77C}"/>
+              </a:ext>
+            </a:extLst>
+          </p:cNvPr>
+          <p:cNvSpPr>
+            <a:spLocks noGrp="1"/>
+          </p:cNvSpPr>
+          <p:nvPr>
+            <p:ph sz="half" idx="2"/>
+          </p:nvPr>
+        </p:nvSpPr>
+        <p:spPr/>
+        <p:txBody>
+          <a:bodyPr/>
+          <a:lstStyle/>
+          <a:p>
+            <a:pPr marL="0" indent="0">
+              <a:buNone/>
+            </a:pPr>
+            <a:r>
+              <a:rPr lang="de-DE" b="1" dirty="0"/>
+              <a:t>Negatives / Frustmomente</a:t>
+            </a:r>
+          </a:p>
+          <a:p>
+            <a:r>
+              <a:rPr lang="de-DE" sz="2000" dirty="0"/>
+              <a:t>Kompilierfehler, die nicht existieren</a:t>
+            </a:r>
+          </a:p>
+          <a:p>
+            <a:r>
+              <a:rPr lang="de-DE" sz="2000" dirty="0"/>
+              <a:t>Suche für eigene </a:t>
+            </a:r>
+            <a:r>
+              <a:rPr lang="de-DE" sz="2000" dirty="0" err="1"/>
+              <a:t>Navigationsstuktur</a:t>
+            </a:r>
+            <a:endParaRPr lang="de-DE" sz="2000" dirty="0"/>
+          </a:p>
+          <a:p>
+            <a:r>
+              <a:rPr lang="de-DE" sz="2000" dirty="0"/>
+              <a:t>Umgang mit asynchronen Methoden</a:t>
+            </a:r>
+          </a:p>
+        </p:txBody>
+      </p:sp>
+      <p:sp>
+        <p:nvSpPr>
+          <p:cNvPr id="5" name="Fußzeilenplatzhalter 4">
+            <a:extLst>
+              <a:ext uri="{FF2B5EF4-FFF2-40B4-BE49-F238E27FC236}">
+                <a16:creationId xmlns:a16="http://schemas.microsoft.com/office/drawing/2014/main" id="{D9CDFAC9-B42B-4D8D-8C69-2DC00D66D9E0}"/>
+              </a:ext>
+            </a:extLst>
+          </p:cNvPr>
+          <p:cNvSpPr>
+            <a:spLocks noGrp="1"/>
+          </p:cNvSpPr>
+          <p:nvPr>
+            <p:ph type="ftr" sz="quarter" idx="11"/>
+          </p:nvPr>
+        </p:nvSpPr>
+        <p:spPr/>
+        <p:txBody>
+          <a:bodyPr/>
+          <a:lstStyle/>
+          <a:p>
+            <a:r>
+              <a:rPr lang="de-DE"/>
+              <a:t>Swift-Programmierung unter iOS: Accessibility</a:t>
+            </a:r>
+          </a:p>
+        </p:txBody>
+      </p:sp>
+      <p:sp>
+        <p:nvSpPr>
+          <p:cNvPr id="6" name="Foliennummernplatzhalter 5">
+            <a:extLst>
+              <a:ext uri="{FF2B5EF4-FFF2-40B4-BE49-F238E27FC236}">
+                <a16:creationId xmlns:a16="http://schemas.microsoft.com/office/drawing/2014/main" id="{25E871A1-A76D-4FAB-960A-08EA138F4500}"/>
+              </a:ext>
+            </a:extLst>
+          </p:cNvPr>
+          <p:cNvSpPr>
+            <a:spLocks noGrp="1"/>
+          </p:cNvSpPr>
+          <p:nvPr>
+            <p:ph type="sldNum" sz="quarter" idx="12"/>
+          </p:nvPr>
+        </p:nvSpPr>
+        <p:spPr/>
+        <p:txBody>
+          <a:bodyPr/>
+          <a:lstStyle/>
+          <a:p>
+            <a:fld id="{49969A2D-4621-42E2-BC1F-C9E4503934D0}" type="slidenum">
+              <a:rPr lang="de-DE" smtClean="0"/>
+              <a:t>20</a:t>
+            </a:fld>
+            <a:endParaRPr lang="de-DE"/>
+          </a:p>
+        </p:txBody>
+      </p:sp>
+    </p:spTree>
+    <p:extLst>
+      <p:ext uri="{BB962C8B-B14F-4D97-AF65-F5344CB8AC3E}">
+        <p14:creationId xmlns:p14="http://schemas.microsoft.com/office/powerpoint/2010/main" val="4016438916"/>
+      </p:ext>
+    </p:extLst>
+  </p:cSld>
+  <p:clrMapOvr>
+    <a:masterClrMapping/>
+  </p:clrMapOvr>
+</p:sld>
+</file>
+
+<file path=ppt/slides/slide3.xml><?xml version="1.0" encoding="utf-8"?>
+<p:sld xmlns:a="http://schemas.openxmlformats.org/drawingml/2006/main" xmlns:r="http://schemas.openxmlformats.org/officeDocument/2006/relationships" xmlns:p="http://schemas.openxmlformats.org/presentationml/2006/main">
+  <p:cSld>
+    <p:spTree>
+      <p:nvGrpSpPr>
+        <p:cNvPr id="1" name=""/>
+        <p:cNvGrpSpPr/>
+        <p:nvPr/>
+      </p:nvGrpSpPr>
+      <p:grpSpPr>
+        <a:xfrm>
+          <a:off x="0" y="0"/>
+          <a:ext cx="0" cy="0"/>
+          <a:chOff x="0" y="0"/>
+          <a:chExt cx="0" cy="0"/>
+        </a:xfrm>
+      </p:grpSpPr>
+      <p:sp>
+        <p:nvSpPr>
+          <p:cNvPr id="2" name="Titel 1">
+            <a:extLst>
+              <a:ext uri="{FF2B5EF4-FFF2-40B4-BE49-F238E27FC236}">
+                <a16:creationId xmlns:a16="http://schemas.microsoft.com/office/drawing/2014/main" id="{C7239A2A-9901-4D4C-AE71-AD48A2E4DBB4}"/>
+              </a:ext>
+            </a:extLst>
+          </p:cNvPr>
+          <p:cNvSpPr>
+            <a:spLocks noGrp="1"/>
+          </p:cNvSpPr>
+          <p:nvPr>
+            <p:ph type="title"/>
+          </p:nvPr>
+        </p:nvSpPr>
+        <p:spPr>
+          <a:xfrm>
+            <a:off x="831850" y="1709738"/>
+            <a:ext cx="5679017" cy="2852737"/>
+          </a:xfrm>
+        </p:spPr>
+        <p:txBody>
+          <a:bodyPr/>
+          <a:lstStyle/>
+          <a:p>
+            <a:pPr algn="ctr"/>
+            <a:r>
+              <a:rPr lang="de-DE" dirty="0"/>
+              <a:t>1.</a:t>
+            </a:r>
+            <a:br>
+              <a:rPr lang="de-DE" dirty="0"/>
+            </a:br>
+            <a:r>
+              <a:rPr lang="de-DE" dirty="0"/>
+              <a:t>Unser</a:t>
+            </a:r>
+            <a:br>
+              <a:rPr lang="de-DE" dirty="0"/>
+            </a:br>
+            <a:r>
+              <a:rPr lang="de-DE" dirty="0"/>
+              <a:t>Projekt</a:t>
+            </a:r>
+          </a:p>
+        </p:txBody>
+      </p:sp>
+      <p:sp>
+        <p:nvSpPr>
+          <p:cNvPr id="4" name="Fußzeilenplatzhalter 3">
+            <a:extLst>
+              <a:ext uri="{FF2B5EF4-FFF2-40B4-BE49-F238E27FC236}">
+                <a16:creationId xmlns:a16="http://schemas.microsoft.com/office/drawing/2014/main" id="{741D9F66-8122-4740-9C01-DCAD52AC6BEA}"/>
+              </a:ext>
+            </a:extLst>
+          </p:cNvPr>
+          <p:cNvSpPr>
+            <a:spLocks noGrp="1"/>
+          </p:cNvSpPr>
+          <p:nvPr>
+            <p:ph type="ftr" sz="quarter" idx="11"/>
+          </p:nvPr>
+        </p:nvSpPr>
+        <p:spPr/>
+        <p:txBody>
+          <a:bodyPr/>
+          <a:lstStyle/>
+          <a:p>
+            <a:r>
+              <a:rPr lang="de-DE"/>
+              <a:t>Swift-Programmierung unter iOS: Accessibility</a:t>
+            </a:r>
+          </a:p>
+        </p:txBody>
+      </p:sp>
+      <p:sp>
+        <p:nvSpPr>
+          <p:cNvPr id="5" name="Foliennummernplatzhalter 4">
+            <a:extLst>
+              <a:ext uri="{FF2B5EF4-FFF2-40B4-BE49-F238E27FC236}">
+                <a16:creationId xmlns:a16="http://schemas.microsoft.com/office/drawing/2014/main" id="{A1B47D31-6D8D-4DB4-867C-2C3C2F548AD5}"/>
+              </a:ext>
+            </a:extLst>
+          </p:cNvPr>
+          <p:cNvSpPr>
+            <a:spLocks noGrp="1"/>
+          </p:cNvSpPr>
+          <p:nvPr>
+            <p:ph type="sldNum" sz="quarter" idx="12"/>
+          </p:nvPr>
+        </p:nvSpPr>
+        <p:spPr/>
+        <p:txBody>
+          <a:bodyPr/>
+          <a:lstStyle/>
+          <a:p>
+            <a:fld id="{49969A2D-4621-42E2-BC1F-C9E4503934D0}" type="slidenum">
+              <a:rPr lang="de-DE" smtClean="0"/>
+              <a:t>2</a:t>
+            </a:fld>
+            <a:endParaRPr lang="de-DE"/>
+          </a:p>
+        </p:txBody>
+      </p:sp>
+      <p:pic>
+        <p:nvPicPr>
+          <p:cNvPr id="9" name="Grafik 8" descr="Ein Bild, das Text enthält.&#10;&#10;Automatisch generierte Beschreibung">
+            <a:extLst>
+              <a:ext uri="{FF2B5EF4-FFF2-40B4-BE49-F238E27FC236}">
+                <a16:creationId xmlns:a16="http://schemas.microsoft.com/office/drawing/2014/main" id="{DE255057-6895-49AE-8A6C-3495C2ECB2E9}"/>
+              </a:ext>
+            </a:extLst>
+          </p:cNvPr>
+          <p:cNvPicPr>
+            <a:picLocks noChangeAspect="1"/>
+          </p:cNvPicPr>
+          <p:nvPr/>
+        </p:nvPicPr>
+        <p:blipFill>
+          <a:blip r:embed="rId2">
+            <a:extLst>
+              <a:ext uri="{28A0092B-C50C-407E-A947-70E740481C1C}">
+                <a14:useLocalDpi xmlns:a14="http://schemas.microsoft.com/office/drawing/2010/main" val="0"/>
+              </a:ext>
+            </a:extLst>
+          </a:blip>
+          <a:stretch>
+            <a:fillRect/>
+          </a:stretch>
+        </p:blipFill>
+        <p:spPr>
+          <a:xfrm>
+            <a:off x="6415878" y="-71021"/>
+            <a:ext cx="3168763" cy="6858000"/>
+          </a:xfrm>
+          <a:prstGeom prst="rect">
+            <a:avLst/>
+          </a:prstGeom>
+        </p:spPr>
+      </p:pic>
+    </p:spTree>
+    <p:extLst>
+      <p:ext uri="{BB962C8B-B14F-4D97-AF65-F5344CB8AC3E}">
+        <p14:creationId xmlns:p14="http://schemas.microsoft.com/office/powerpoint/2010/main" val="948311639"/>
+      </p:ext>
+    </p:extLst>
+  </p:cSld>
+  <p:clrMapOvr>
+    <a:masterClrMapping/>
+  </p:clrMapOvr>
+</p:sld>
+</file>
+
+<file path=ppt/slides/slide4.xml><?xml version="1.0" encoding="utf-8"?>
+<p:sld xmlns:a="http://schemas.openxmlformats.org/drawingml/2006/main" xmlns:r="http://schemas.openxmlformats.org/officeDocument/2006/relationships" xmlns:p="http://schemas.openxmlformats.org/presentationml/2006/main">
+  <p:cSld>
+    <p:spTree>
+      <p:nvGrpSpPr>
+        <p:cNvPr id="1" name=""/>
+        <p:cNvGrpSpPr/>
+        <p:nvPr/>
+      </p:nvGrpSpPr>
+      <p:grpSpPr>
+        <a:xfrm>
+          <a:off x="0" y="0"/>
+          <a:ext cx="0" cy="0"/>
+          <a:chOff x="0" y="0"/>
+          <a:chExt cx="0" cy="0"/>
+        </a:xfrm>
+      </p:grpSpPr>
+      <p:sp>
+        <p:nvSpPr>
+          <p:cNvPr id="2" name="Titel 1">
+            <a:extLst>
+              <a:ext uri="{FF2B5EF4-FFF2-40B4-BE49-F238E27FC236}">
+                <a16:creationId xmlns:a16="http://schemas.microsoft.com/office/drawing/2014/main" id="{2682DBBC-68DE-4109-AE7E-D39FAA2CDE23}"/>
+              </a:ext>
+            </a:extLst>
+          </p:cNvPr>
+          <p:cNvSpPr>
+            <a:spLocks noGrp="1"/>
+          </p:cNvSpPr>
+          <p:nvPr>
+            <p:ph type="title"/>
+          </p:nvPr>
+        </p:nvSpPr>
+        <p:spPr>
+          <a:xfrm>
+            <a:off x="838200" y="581487"/>
+            <a:ext cx="10515600" cy="1109201"/>
+          </a:xfrm>
+        </p:spPr>
+        <p:txBody>
+          <a:bodyPr/>
+          <a:lstStyle/>
+          <a:p>
+            <a:pPr algn="ctr"/>
+            <a:r>
+              <a:rPr lang="de-DE" b="1" dirty="0"/>
+              <a:t>Projektbeschreibung</a:t>
+            </a:r>
+          </a:p>
+        </p:txBody>
+      </p:sp>
+      <p:sp>
+        <p:nvSpPr>
+          <p:cNvPr id="3" name="Inhaltsplatzhalter 2">
+            <a:extLst>
+              <a:ext uri="{FF2B5EF4-FFF2-40B4-BE49-F238E27FC236}">
+                <a16:creationId xmlns:a16="http://schemas.microsoft.com/office/drawing/2014/main" id="{926C99CF-CC6B-406D-884E-0DC1CCA18457}"/>
+              </a:ext>
+            </a:extLst>
+          </p:cNvPr>
+          <p:cNvSpPr>
+            <a:spLocks noGrp="1"/>
+          </p:cNvSpPr>
+          <p:nvPr>
+            <p:ph idx="1"/>
+          </p:nvPr>
+        </p:nvSpPr>
+        <p:spPr/>
+        <p:txBody>
+          <a:bodyPr/>
+          <a:lstStyle/>
+          <a:p>
+            <a:r>
+              <a:rPr lang="de-DE" dirty="0"/>
+              <a:t>„Quiz </a:t>
+            </a:r>
+            <a:r>
+              <a:rPr lang="de-DE" dirty="0" err="1"/>
+              <a:t>With</a:t>
+            </a:r>
+            <a:r>
+              <a:rPr lang="de-DE" dirty="0"/>
+              <a:t> Me“ ist eine Quiz-App</a:t>
+            </a:r>
+          </a:p>
+          <a:p>
+            <a:r>
+              <a:rPr lang="de-DE" dirty="0"/>
+              <a:t>Spiel (Quiz) besteht aus zwei menschlichen Gegnern</a:t>
+            </a:r>
+          </a:p>
+          <a:p>
+            <a:pPr lvl="1"/>
+            <a:r>
+              <a:rPr lang="de-DE" dirty="0"/>
+              <a:t>Erstellung eines Spiels erzeugt Spiel mit zufälligem Gegner</a:t>
+            </a:r>
+          </a:p>
+          <a:p>
+            <a:pPr lvl="1"/>
+            <a:r>
+              <a:rPr lang="de-DE" dirty="0"/>
+              <a:t>Spieler haben freie Endscheidung, wann sie spielen</a:t>
+            </a:r>
+          </a:p>
+          <a:p>
+            <a:r>
+              <a:rPr lang="de-DE" dirty="0"/>
+              <a:t>Ein Quiz besteht aus 10 Fragen</a:t>
+            </a:r>
+          </a:p>
+          <a:p>
+            <a:pPr lvl="1"/>
+            <a:r>
+              <a:rPr lang="de-DE" dirty="0"/>
+              <a:t>Wer die meisten richtigen Antworten hat, gewinnt</a:t>
+            </a:r>
+          </a:p>
+          <a:p>
+            <a:pPr lvl="1"/>
+            <a:r>
+              <a:rPr lang="de-DE" dirty="0"/>
+              <a:t>Ein </a:t>
+            </a:r>
+            <a:r>
+              <a:rPr lang="de-DE" dirty="0" err="1"/>
+              <a:t>Unendschieden</a:t>
+            </a:r>
+            <a:r>
+              <a:rPr lang="de-DE" dirty="0"/>
+              <a:t> wird auch zugelassen</a:t>
+            </a:r>
+          </a:p>
+          <a:p>
+            <a:r>
+              <a:rPr lang="de-DE" dirty="0"/>
+              <a:t>Spieler können weiterhin ihr Profil einsehen und sich ausloggen</a:t>
+            </a:r>
+          </a:p>
+        </p:txBody>
+      </p:sp>
+      <p:sp>
+        <p:nvSpPr>
+          <p:cNvPr id="4" name="Fußzeilenplatzhalter 3">
+            <a:extLst>
+              <a:ext uri="{FF2B5EF4-FFF2-40B4-BE49-F238E27FC236}">
+                <a16:creationId xmlns:a16="http://schemas.microsoft.com/office/drawing/2014/main" id="{28545887-EC48-4BC5-AAD6-23ACEDC0E420}"/>
+              </a:ext>
+            </a:extLst>
+          </p:cNvPr>
+          <p:cNvSpPr>
+            <a:spLocks noGrp="1"/>
+          </p:cNvSpPr>
+          <p:nvPr>
+            <p:ph type="ftr" sz="quarter" idx="11"/>
+          </p:nvPr>
+        </p:nvSpPr>
+        <p:spPr/>
+        <p:txBody>
+          <a:bodyPr/>
+          <a:lstStyle/>
+          <a:p>
+            <a:r>
+              <a:rPr lang="de-DE"/>
+              <a:t>Swift-Programmierung unter iOS: Accessibility</a:t>
+            </a:r>
+          </a:p>
+        </p:txBody>
+      </p:sp>
+      <p:sp>
+        <p:nvSpPr>
+          <p:cNvPr id="5" name="Foliennummernplatzhalter 4">
+            <a:extLst>
+              <a:ext uri="{FF2B5EF4-FFF2-40B4-BE49-F238E27FC236}">
+                <a16:creationId xmlns:a16="http://schemas.microsoft.com/office/drawing/2014/main" id="{F799D6EB-7196-45AA-B2EE-6E0E9593F6A9}"/>
+              </a:ext>
+            </a:extLst>
+          </p:cNvPr>
+          <p:cNvSpPr>
+            <a:spLocks noGrp="1"/>
+          </p:cNvSpPr>
+          <p:nvPr>
+            <p:ph type="sldNum" sz="quarter" idx="12"/>
+          </p:nvPr>
+        </p:nvSpPr>
+        <p:spPr/>
+        <p:txBody>
+          <a:bodyPr/>
+          <a:lstStyle/>
+          <a:p>
+            <a:fld id="{49969A2D-4621-42E2-BC1F-C9E4503934D0}" type="slidenum">
+              <a:rPr lang="de-DE" smtClean="0"/>
+              <a:t>3</a:t>
+            </a:fld>
+            <a:endParaRPr lang="de-DE"/>
+          </a:p>
+        </p:txBody>
+      </p:sp>
+    </p:spTree>
+    <p:extLst>
+      <p:ext uri="{BB962C8B-B14F-4D97-AF65-F5344CB8AC3E}">
+        <p14:creationId xmlns:p14="http://schemas.microsoft.com/office/powerpoint/2010/main" val="1017724180"/>
+      </p:ext>
+    </p:extLst>
+  </p:cSld>
+  <p:clrMapOvr>
+    <a:masterClrMapping/>
+  </p:clrMapOvr>
+</p:sld>
+</file>
+
+<file path=ppt/slides/slide5.xml><?xml version="1.0" encoding="utf-8"?>
+<p:sld xmlns:a="http://schemas.openxmlformats.org/drawingml/2006/main" xmlns:r="http://schemas.openxmlformats.org/officeDocument/2006/relationships" xmlns:p="http://schemas.openxmlformats.org/presentationml/2006/main">
+  <p:cSld>
+    <p:spTree>
+      <p:nvGrpSpPr>
+        <p:cNvPr id="1" name=""/>
+        <p:cNvGrpSpPr/>
+        <p:nvPr/>
+      </p:nvGrpSpPr>
+      <p:grpSpPr>
+        <a:xfrm>
+          <a:off x="0" y="0"/>
+          <a:ext cx="0" cy="0"/>
+          <a:chOff x="0" y="0"/>
+          <a:chExt cx="0" cy="0"/>
+        </a:xfrm>
+      </p:grpSpPr>
+      <p:sp>
+        <p:nvSpPr>
+          <p:cNvPr id="2" name="Titel 1">
+            <a:extLst>
+              <a:ext uri="{FF2B5EF4-FFF2-40B4-BE49-F238E27FC236}">
+                <a16:creationId xmlns:a16="http://schemas.microsoft.com/office/drawing/2014/main" id="{C4FB757A-6AF6-41C8-B8DC-57636ECE24E9}"/>
+              </a:ext>
+            </a:extLst>
+          </p:cNvPr>
+          <p:cNvSpPr>
+            <a:spLocks noGrp="1"/>
+          </p:cNvSpPr>
+          <p:nvPr>
+            <p:ph type="title"/>
+          </p:nvPr>
+        </p:nvSpPr>
+        <p:spPr/>
+        <p:txBody>
+          <a:bodyPr/>
+          <a:lstStyle/>
+          <a:p>
+            <a:r>
+              <a:rPr lang="de-DE" dirty="0"/>
+              <a:t>2. Softwareentwicklungsprozess</a:t>
+            </a:r>
+          </a:p>
+        </p:txBody>
+      </p:sp>
+      <p:sp>
+        <p:nvSpPr>
+          <p:cNvPr id="3" name="Textplatzhalter 2">
+            <a:extLst>
+              <a:ext uri="{FF2B5EF4-FFF2-40B4-BE49-F238E27FC236}">
+                <a16:creationId xmlns:a16="http://schemas.microsoft.com/office/drawing/2014/main" id="{263A9418-11E9-49D9-84EB-F72038627361}"/>
+              </a:ext>
+            </a:extLst>
+          </p:cNvPr>
+          <p:cNvSpPr>
+            <a:spLocks noGrp="1"/>
+          </p:cNvSpPr>
+          <p:nvPr>
+            <p:ph type="body" idx="1"/>
+          </p:nvPr>
+        </p:nvSpPr>
+        <p:spPr/>
+        <p:txBody>
+          <a:bodyPr/>
+          <a:lstStyle/>
+          <a:p>
+            <a:r>
+              <a:rPr lang="de-DE" dirty="0"/>
+              <a:t>Welche Tools haben wir benutzt und wie sind wir vorgegangen?</a:t>
+            </a:r>
+          </a:p>
+        </p:txBody>
+      </p:sp>
+      <p:sp>
+        <p:nvSpPr>
+          <p:cNvPr id="4" name="Fußzeilenplatzhalter 3">
+            <a:extLst>
+              <a:ext uri="{FF2B5EF4-FFF2-40B4-BE49-F238E27FC236}">
+                <a16:creationId xmlns:a16="http://schemas.microsoft.com/office/drawing/2014/main" id="{E36F6327-CD98-4416-A2D0-CDBEB2F8DBF9}"/>
+              </a:ext>
+            </a:extLst>
+          </p:cNvPr>
+          <p:cNvSpPr>
+            <a:spLocks noGrp="1"/>
+          </p:cNvSpPr>
+          <p:nvPr>
+            <p:ph type="ftr" sz="quarter" idx="11"/>
+          </p:nvPr>
+        </p:nvSpPr>
+        <p:spPr/>
+        <p:txBody>
+          <a:bodyPr/>
+          <a:lstStyle/>
+          <a:p>
+            <a:r>
+              <a:rPr lang="de-DE"/>
+              <a:t>Swift-Programmierung unter iOS: Accessibility</a:t>
+            </a:r>
+          </a:p>
+        </p:txBody>
+      </p:sp>
+      <p:sp>
+        <p:nvSpPr>
+          <p:cNvPr id="5" name="Foliennummernplatzhalter 4">
+            <a:extLst>
+              <a:ext uri="{FF2B5EF4-FFF2-40B4-BE49-F238E27FC236}">
+                <a16:creationId xmlns:a16="http://schemas.microsoft.com/office/drawing/2014/main" id="{4BDAE8A1-0120-4000-AE70-3880D5122AD9}"/>
+              </a:ext>
+            </a:extLst>
+          </p:cNvPr>
+          <p:cNvSpPr>
+            <a:spLocks noGrp="1"/>
+          </p:cNvSpPr>
+          <p:nvPr>
+            <p:ph type="sldNum" sz="quarter" idx="12"/>
+          </p:nvPr>
+        </p:nvSpPr>
+        <p:spPr/>
+        <p:txBody>
+          <a:bodyPr/>
+          <a:lstStyle/>
+          <a:p>
+            <a:fld id="{49969A2D-4621-42E2-BC1F-C9E4503934D0}" type="slidenum">
+              <a:rPr lang="de-DE" smtClean="0"/>
+              <a:t>4</a:t>
+            </a:fld>
+            <a:endParaRPr lang="de-DE"/>
+          </a:p>
+        </p:txBody>
+      </p:sp>
+    </p:spTree>
+    <p:extLst>
+      <p:ext uri="{BB962C8B-B14F-4D97-AF65-F5344CB8AC3E}">
+        <p14:creationId xmlns:p14="http://schemas.microsoft.com/office/powerpoint/2010/main" val="4177185702"/>
+      </p:ext>
+    </p:extLst>
+  </p:cSld>
+  <p:clrMapOvr>
+    <a:masterClrMapping/>
+  </p:clrMapOvr>
+</p:sld>
+</file>
+
+<file path=ppt/slides/slide6.xml><?xml version="1.0" encoding="utf-8"?>
+<p:sld xmlns:a="http://schemas.openxmlformats.org/drawingml/2006/main" xmlns:r="http://schemas.openxmlformats.org/officeDocument/2006/relationships" xmlns:p="http://schemas.openxmlformats.org/presentationml/2006/main">
+  <p:cSld>
+    <p:spTree>
+      <p:nvGrpSpPr>
+        <p:cNvPr id="1" name=""/>
+        <p:cNvGrpSpPr/>
+        <p:nvPr/>
+      </p:nvGrpSpPr>
+      <p:grpSpPr>
+        <a:xfrm>
+          <a:off x="0" y="0"/>
+          <a:ext cx="0" cy="0"/>
+          <a:chOff x="0" y="0"/>
+          <a:chExt cx="0" cy="0"/>
+        </a:xfrm>
+      </p:grpSpPr>
+      <p:sp>
+        <p:nvSpPr>
+          <p:cNvPr id="2" name="Titel 1">
+            <a:extLst>
+              <a:ext uri="{FF2B5EF4-FFF2-40B4-BE49-F238E27FC236}">
+                <a16:creationId xmlns:a16="http://schemas.microsoft.com/office/drawing/2014/main" id="{A9802E99-0A81-4F85-B5C8-A3AFB9C93B3B}"/>
+              </a:ext>
+            </a:extLst>
+          </p:cNvPr>
+          <p:cNvSpPr>
+            <a:spLocks noGrp="1"/>
+          </p:cNvSpPr>
+          <p:nvPr>
+            <p:ph type="title"/>
+          </p:nvPr>
+        </p:nvSpPr>
+        <p:spPr>
+          <a:xfrm>
+            <a:off x="838200" y="529167"/>
+            <a:ext cx="10515600" cy="1161521"/>
+          </a:xfrm>
+        </p:spPr>
+        <p:txBody>
+          <a:bodyPr/>
+          <a:lstStyle/>
+          <a:p>
+            <a:pPr algn="ctr"/>
+            <a:r>
+              <a:rPr lang="de-DE" b="1" dirty="0"/>
+              <a:t>Verwendete Tools</a:t>
+            </a:r>
+          </a:p>
+        </p:txBody>
+      </p:sp>
+      <p:sp>
+        <p:nvSpPr>
+          <p:cNvPr id="3" name="Inhaltsplatzhalter 2">
+            <a:extLst>
+              <a:ext uri="{FF2B5EF4-FFF2-40B4-BE49-F238E27FC236}">
+                <a16:creationId xmlns:a16="http://schemas.microsoft.com/office/drawing/2014/main" id="{2774CBF0-E1C2-4C8E-92E3-E86DDA71E144}"/>
+              </a:ext>
+            </a:extLst>
+          </p:cNvPr>
+          <p:cNvSpPr>
+            <a:spLocks noGrp="1"/>
+          </p:cNvSpPr>
+          <p:nvPr>
+            <p:ph idx="1"/>
+          </p:nvPr>
+        </p:nvSpPr>
+        <p:spPr/>
+        <p:txBody>
+          <a:bodyPr/>
+          <a:lstStyle/>
+          <a:p>
+            <a:r>
+              <a:rPr lang="de-DE" dirty="0"/>
+              <a:t>Entwicklungsumgebung: </a:t>
+            </a:r>
+            <a:r>
+              <a:rPr lang="de-DE" dirty="0" err="1"/>
+              <a:t>Xcode</a:t>
+            </a:r>
+            <a:endParaRPr lang="de-DE" dirty="0"/>
+          </a:p>
+          <a:p>
+            <a:r>
+              <a:rPr lang="de-DE" dirty="0"/>
+              <a:t>Versionsverwaltungssystem: </a:t>
+            </a:r>
+            <a:r>
+              <a:rPr lang="de-DE" dirty="0" err="1"/>
+              <a:t>Git</a:t>
+            </a:r>
+            <a:r>
+              <a:rPr lang="de-DE" dirty="0"/>
+              <a:t> mit </a:t>
+            </a:r>
+            <a:r>
+              <a:rPr lang="de-DE" dirty="0" err="1"/>
+              <a:t>Github</a:t>
+            </a:r>
+            <a:endParaRPr lang="de-DE" dirty="0"/>
+          </a:p>
+          <a:p>
+            <a:r>
+              <a:rPr lang="de-DE" dirty="0"/>
+              <a:t>Konferenzsystem: Big Blue Button (BBB)</a:t>
+            </a:r>
+          </a:p>
+        </p:txBody>
+      </p:sp>
+      <p:sp>
+        <p:nvSpPr>
+          <p:cNvPr id="4" name="Fußzeilenplatzhalter 3">
+            <a:extLst>
+              <a:ext uri="{FF2B5EF4-FFF2-40B4-BE49-F238E27FC236}">
+                <a16:creationId xmlns:a16="http://schemas.microsoft.com/office/drawing/2014/main" id="{B7E9CBE9-3B54-434B-A577-80E706C43A14}"/>
+              </a:ext>
+            </a:extLst>
+          </p:cNvPr>
+          <p:cNvSpPr>
+            <a:spLocks noGrp="1"/>
+          </p:cNvSpPr>
+          <p:nvPr>
+            <p:ph type="ftr" sz="quarter" idx="11"/>
+          </p:nvPr>
+        </p:nvSpPr>
+        <p:spPr/>
+        <p:txBody>
+          <a:bodyPr/>
+          <a:lstStyle/>
+          <a:p>
+            <a:r>
+              <a:rPr lang="de-DE"/>
+              <a:t>Swift-Programmierung unter iOS: Accessibility</a:t>
+            </a:r>
+          </a:p>
+        </p:txBody>
+      </p:sp>
+      <p:sp>
+        <p:nvSpPr>
+          <p:cNvPr id="5" name="Foliennummernplatzhalter 4">
+            <a:extLst>
+              <a:ext uri="{FF2B5EF4-FFF2-40B4-BE49-F238E27FC236}">
+                <a16:creationId xmlns:a16="http://schemas.microsoft.com/office/drawing/2014/main" id="{67403ABF-2A54-431A-A780-1379F33E4CF7}"/>
+              </a:ext>
+            </a:extLst>
+          </p:cNvPr>
+          <p:cNvSpPr>
+            <a:spLocks noGrp="1"/>
+          </p:cNvSpPr>
+          <p:nvPr>
+            <p:ph type="sldNum" sz="quarter" idx="12"/>
+          </p:nvPr>
+        </p:nvSpPr>
+        <p:spPr/>
+        <p:txBody>
+          <a:bodyPr/>
+          <a:lstStyle/>
+          <a:p>
+            <a:fld id="{49969A2D-4621-42E2-BC1F-C9E4503934D0}" type="slidenum">
+              <a:rPr lang="de-DE" smtClean="0"/>
+              <a:t>5</a:t>
+            </a:fld>
+            <a:endParaRPr lang="de-DE"/>
+          </a:p>
+        </p:txBody>
+      </p:sp>
+    </p:spTree>
+    <p:extLst>
+      <p:ext uri="{BB962C8B-B14F-4D97-AF65-F5344CB8AC3E}">
+        <p14:creationId xmlns:p14="http://schemas.microsoft.com/office/powerpoint/2010/main" val="917574912"/>
+      </p:ext>
+    </p:extLst>
+  </p:cSld>
+  <p:clrMapOvr>
+    <a:masterClrMapping/>
+  </p:clrMapOvr>
+</p:sld>
+</file>
+
+<file path=ppt/slides/slide7.xml><?xml version="1.0" encoding="utf-8"?>
+<p:sld xmlns:a="http://schemas.openxmlformats.org/drawingml/2006/main" xmlns:r="http://schemas.openxmlformats.org/officeDocument/2006/relationships" xmlns:p="http://schemas.openxmlformats.org/presentationml/2006/main">
+  <p:cSld>
+    <p:spTree>
+      <p:nvGrpSpPr>
+        <p:cNvPr id="1" name=""/>
+        <p:cNvGrpSpPr/>
+        <p:nvPr/>
+      </p:nvGrpSpPr>
+      <p:grpSpPr>
+        <a:xfrm>
+          <a:off x="0" y="0"/>
+          <a:ext cx="0" cy="0"/>
+          <a:chOff x="0" y="0"/>
+          <a:chExt cx="0" cy="0"/>
+        </a:xfrm>
+      </p:grpSpPr>
+      <p:sp>
+        <p:nvSpPr>
+          <p:cNvPr id="2" name="Titel 1">
+            <a:extLst>
+              <a:ext uri="{FF2B5EF4-FFF2-40B4-BE49-F238E27FC236}">
+                <a16:creationId xmlns:a16="http://schemas.microsoft.com/office/drawing/2014/main" id="{FBA60281-6CDD-422F-AA63-2CEAF7E9162F}"/>
+              </a:ext>
+            </a:extLst>
+          </p:cNvPr>
+          <p:cNvSpPr>
+            <a:spLocks noGrp="1"/>
+          </p:cNvSpPr>
+          <p:nvPr>
+            <p:ph type="title"/>
+          </p:nvPr>
+        </p:nvSpPr>
+        <p:spPr>
+          <a:xfrm>
+            <a:off x="838200" y="681037"/>
+            <a:ext cx="10515600" cy="1009651"/>
+          </a:xfrm>
+        </p:spPr>
+        <p:txBody>
+          <a:bodyPr/>
+          <a:lstStyle/>
+          <a:p>
+            <a:pPr algn="ctr"/>
+            <a:r>
+              <a:rPr lang="de-DE" b="1" dirty="0" err="1"/>
+              <a:t>Github</a:t>
+            </a:r>
+            <a:r>
+              <a:rPr lang="de-DE" b="1" dirty="0"/>
+              <a:t> Automatisierungen</a:t>
+            </a:r>
+          </a:p>
+        </p:txBody>
+      </p:sp>
+      <p:sp>
+        <p:nvSpPr>
+          <p:cNvPr id="3" name="Inhaltsplatzhalter 2">
+            <a:extLst>
+              <a:ext uri="{FF2B5EF4-FFF2-40B4-BE49-F238E27FC236}">
+                <a16:creationId xmlns:a16="http://schemas.microsoft.com/office/drawing/2014/main" id="{2BB1F77B-C15C-449A-ACE4-5FE8A8DA9DDB}"/>
+              </a:ext>
+            </a:extLst>
+          </p:cNvPr>
+          <p:cNvSpPr>
+            <a:spLocks noGrp="1"/>
+          </p:cNvSpPr>
+          <p:nvPr>
+            <p:ph idx="1"/>
+          </p:nvPr>
+        </p:nvSpPr>
+        <p:spPr/>
+        <p:txBody>
+          <a:bodyPr/>
+          <a:lstStyle/>
+          <a:p>
+            <a:r>
+              <a:rPr lang="de-DE" dirty="0"/>
+              <a:t>Verwendung eines Project-Boards</a:t>
+            </a:r>
+          </a:p>
+          <a:p>
+            <a:pPr lvl="1"/>
+            <a:r>
+              <a:rPr lang="de-DE" dirty="0"/>
+              <a:t>Spalten „TODO“, „In Progress“, „Review“ und „</a:t>
+            </a:r>
+            <a:r>
+              <a:rPr lang="de-DE" dirty="0" err="1"/>
+              <a:t>Done</a:t>
+            </a:r>
+            <a:r>
+              <a:rPr lang="de-DE" dirty="0"/>
+              <a:t>“</a:t>
+            </a:r>
+          </a:p>
+          <a:p>
+            <a:pPr lvl="1"/>
+            <a:r>
+              <a:rPr lang="de-DE" dirty="0"/>
+              <a:t>Bei </a:t>
+            </a:r>
+            <a:r>
+              <a:rPr lang="de-DE" dirty="0" err="1"/>
+              <a:t>Issue</a:t>
+            </a:r>
+            <a:r>
+              <a:rPr lang="de-DE" dirty="0"/>
+              <a:t>-Erstellung kann Project-Board zugewiesen werden (Neues </a:t>
+            </a:r>
+            <a:r>
+              <a:rPr lang="de-DE" dirty="0" err="1"/>
+              <a:t>Issue</a:t>
+            </a:r>
+            <a:r>
+              <a:rPr lang="de-DE" dirty="0"/>
+              <a:t> erscheint unter „TODO“)</a:t>
+            </a:r>
+          </a:p>
+          <a:p>
+            <a:r>
+              <a:rPr lang="de-DE" dirty="0"/>
+              <a:t>Erstellung von </a:t>
+            </a:r>
+            <a:r>
+              <a:rPr lang="de-DE" dirty="0" err="1"/>
+              <a:t>Branches</a:t>
+            </a:r>
+            <a:r>
+              <a:rPr lang="de-DE" dirty="0"/>
+              <a:t> und Pull-</a:t>
+            </a:r>
+            <a:r>
+              <a:rPr lang="de-DE" dirty="0" err="1"/>
+              <a:t>Requests</a:t>
+            </a:r>
+            <a:endParaRPr lang="de-DE" dirty="0"/>
+          </a:p>
+          <a:p>
+            <a:pPr lvl="1"/>
+            <a:r>
+              <a:rPr lang="de-DE" dirty="0"/>
+              <a:t>Branch-Erstellung bei Verschiebung eines </a:t>
+            </a:r>
+            <a:r>
+              <a:rPr lang="de-DE" dirty="0" err="1"/>
+              <a:t>Issue</a:t>
+            </a:r>
+            <a:r>
+              <a:rPr lang="de-DE" dirty="0"/>
+              <a:t> auf „In Progress“</a:t>
+            </a:r>
+          </a:p>
+          <a:p>
+            <a:pPr lvl="1"/>
+            <a:r>
+              <a:rPr lang="de-DE" dirty="0"/>
+              <a:t>Pull-Request in Main-Branch bei Verschieben von </a:t>
+            </a:r>
+            <a:r>
+              <a:rPr lang="de-DE" dirty="0" err="1"/>
+              <a:t>Issue</a:t>
+            </a:r>
+            <a:r>
+              <a:rPr lang="de-DE" dirty="0"/>
+              <a:t> auf „Review“</a:t>
+            </a:r>
+          </a:p>
+          <a:p>
+            <a:r>
+              <a:rPr lang="de-DE" dirty="0" err="1"/>
+              <a:t>Issues</a:t>
+            </a:r>
+            <a:r>
+              <a:rPr lang="de-DE" dirty="0"/>
+              <a:t>, welche auf „Review“ stehen, wurden vom anderen Teammitglied bzw. zusammen kontrolliert</a:t>
+            </a:r>
+          </a:p>
+        </p:txBody>
+      </p:sp>
+      <p:sp>
+        <p:nvSpPr>
+          <p:cNvPr id="4" name="Fußzeilenplatzhalter 3">
+            <a:extLst>
+              <a:ext uri="{FF2B5EF4-FFF2-40B4-BE49-F238E27FC236}">
+                <a16:creationId xmlns:a16="http://schemas.microsoft.com/office/drawing/2014/main" id="{5EBC3EA6-80F5-42B4-BEC2-0AF485CFF56A}"/>
+              </a:ext>
+            </a:extLst>
+          </p:cNvPr>
+          <p:cNvSpPr>
+            <a:spLocks noGrp="1"/>
+          </p:cNvSpPr>
+          <p:nvPr>
+            <p:ph type="ftr" sz="quarter" idx="11"/>
+          </p:nvPr>
+        </p:nvSpPr>
+        <p:spPr/>
+        <p:txBody>
+          <a:bodyPr/>
+          <a:lstStyle/>
+          <a:p>
+            <a:r>
+              <a:rPr lang="de-DE"/>
+              <a:t>Swift-Programmierung unter iOS: Accessibility</a:t>
+            </a:r>
+          </a:p>
+        </p:txBody>
+      </p:sp>
+      <p:sp>
+        <p:nvSpPr>
+          <p:cNvPr id="5" name="Foliennummernplatzhalter 4">
+            <a:extLst>
+              <a:ext uri="{FF2B5EF4-FFF2-40B4-BE49-F238E27FC236}">
+                <a16:creationId xmlns:a16="http://schemas.microsoft.com/office/drawing/2014/main" id="{443DD46B-F047-4249-8558-603AD6A01B22}"/>
+              </a:ext>
+            </a:extLst>
+          </p:cNvPr>
+          <p:cNvSpPr>
+            <a:spLocks noGrp="1"/>
+          </p:cNvSpPr>
+          <p:nvPr>
+            <p:ph type="sldNum" sz="quarter" idx="12"/>
+          </p:nvPr>
+        </p:nvSpPr>
+        <p:spPr/>
+        <p:txBody>
+          <a:bodyPr/>
+          <a:lstStyle/>
+          <a:p>
+            <a:fld id="{49969A2D-4621-42E2-BC1F-C9E4503934D0}" type="slidenum">
+              <a:rPr lang="de-DE" smtClean="0"/>
+              <a:t>6</a:t>
+            </a:fld>
+            <a:endParaRPr lang="de-DE"/>
+          </a:p>
+        </p:txBody>
+      </p:sp>
+    </p:spTree>
+    <p:extLst>
+      <p:ext uri="{BB962C8B-B14F-4D97-AF65-F5344CB8AC3E}">
+        <p14:creationId xmlns:p14="http://schemas.microsoft.com/office/powerpoint/2010/main" val="3310579221"/>
+      </p:ext>
+    </p:extLst>
+  </p:cSld>
+  <p:clrMapOvr>
+    <a:masterClrMapping/>
+  </p:clrMapOvr>
+</p:sld>
+</file>
+
+<file path=ppt/slides/slide8.xml><?xml version="1.0" encoding="utf-8"?>
+<p:sld xmlns:a="http://schemas.openxmlformats.org/drawingml/2006/main" xmlns:r="http://schemas.openxmlformats.org/officeDocument/2006/relationships" xmlns:p="http://schemas.openxmlformats.org/presentationml/2006/main">
+  <p:cSld>
+    <p:spTree>
+      <p:nvGrpSpPr>
+        <p:cNvPr id="1" name=""/>
+        <p:cNvGrpSpPr/>
+        <p:nvPr/>
+      </p:nvGrpSpPr>
+      <p:grpSpPr>
+        <a:xfrm>
+          <a:off x="0" y="0"/>
+          <a:ext cx="0" cy="0"/>
+          <a:chOff x="0" y="0"/>
+          <a:chExt cx="0" cy="0"/>
+        </a:xfrm>
+      </p:grpSpPr>
+      <p:sp>
+        <p:nvSpPr>
+          <p:cNvPr id="2" name="Titel 1">
+            <a:extLst>
+              <a:ext uri="{FF2B5EF4-FFF2-40B4-BE49-F238E27FC236}">
+                <a16:creationId xmlns:a16="http://schemas.microsoft.com/office/drawing/2014/main" id="{BC808466-71E3-426B-80E2-0717BE232FD6}"/>
+              </a:ext>
+            </a:extLst>
+          </p:cNvPr>
+          <p:cNvSpPr>
+            <a:spLocks noGrp="1"/>
+          </p:cNvSpPr>
+          <p:nvPr>
+            <p:ph type="title"/>
+          </p:nvPr>
+        </p:nvSpPr>
+        <p:spPr>
+          <a:xfrm>
+            <a:off x="838200" y="626533"/>
+            <a:ext cx="10515600" cy="1064155"/>
+          </a:xfrm>
+        </p:spPr>
+        <p:txBody>
+          <a:bodyPr/>
+          <a:lstStyle/>
+          <a:p>
+            <a:pPr algn="ctr"/>
+            <a:r>
+              <a:rPr lang="de-DE" b="1" dirty="0"/>
+              <a:t>Project Board (Beispiel)</a:t>
+            </a:r>
+          </a:p>
+        </p:txBody>
+      </p:sp>
+      <p:pic>
+        <p:nvPicPr>
+          <p:cNvPr id="9" name="Inhaltsplatzhalter 8" descr="Ein Bild, das Text, Monitor, Screenshot, drinnen enthält.&#10;&#10;Automatisch generierte Beschreibung">
+            <a:extLst>
+              <a:ext uri="{FF2B5EF4-FFF2-40B4-BE49-F238E27FC236}">
+                <a16:creationId xmlns:a16="http://schemas.microsoft.com/office/drawing/2014/main" id="{F9078950-673D-44BF-9246-D60BB50054AB}"/>
+              </a:ext>
+            </a:extLst>
+          </p:cNvPr>
+          <p:cNvPicPr>
+            <a:picLocks noGrp="1" noChangeAspect="1"/>
+          </p:cNvPicPr>
+          <p:nvPr>
+            <p:ph idx="1"/>
+          </p:nvPr>
+        </p:nvPicPr>
+        <p:blipFill>
+          <a:blip r:embed="rId2">
+            <a:extLst>
+              <a:ext uri="{28A0092B-C50C-407E-A947-70E740481C1C}">
+                <a14:useLocalDpi xmlns:a14="http://schemas.microsoft.com/office/drawing/2010/main" val="0"/>
+              </a:ext>
+            </a:extLst>
+          </a:blip>
+          <a:stretch>
+            <a:fillRect/>
+          </a:stretch>
+        </p:blipFill>
+        <p:spPr>
+          <a:xfrm>
+            <a:off x="2228144" y="1825625"/>
+            <a:ext cx="7735711" cy="4351338"/>
+          </a:xfrm>
+        </p:spPr>
+      </p:pic>
+      <p:sp>
+        <p:nvSpPr>
+          <p:cNvPr id="4" name="Fußzeilenplatzhalter 3">
+            <a:extLst>
+              <a:ext uri="{FF2B5EF4-FFF2-40B4-BE49-F238E27FC236}">
+                <a16:creationId xmlns:a16="http://schemas.microsoft.com/office/drawing/2014/main" id="{CEE1B4ED-5507-48FD-A1D8-78F3EA0FFE03}"/>
+              </a:ext>
+            </a:extLst>
+          </p:cNvPr>
+          <p:cNvSpPr>
+            <a:spLocks noGrp="1"/>
+          </p:cNvSpPr>
+          <p:nvPr>
+            <p:ph type="ftr" sz="quarter" idx="11"/>
+          </p:nvPr>
+        </p:nvSpPr>
+        <p:spPr/>
+        <p:txBody>
+          <a:bodyPr/>
+          <a:lstStyle/>
+          <a:p>
+            <a:r>
+              <a:rPr lang="de-DE"/>
+              <a:t>Swift-Programmierung unter iOS: Accessibility</a:t>
+            </a:r>
+          </a:p>
+        </p:txBody>
+      </p:sp>
+      <p:sp>
+        <p:nvSpPr>
+          <p:cNvPr id="5" name="Foliennummernplatzhalter 4">
+            <a:extLst>
+              <a:ext uri="{FF2B5EF4-FFF2-40B4-BE49-F238E27FC236}">
+                <a16:creationId xmlns:a16="http://schemas.microsoft.com/office/drawing/2014/main" id="{2134ED55-E316-4BE7-A281-CF06FC319F54}"/>
+              </a:ext>
+            </a:extLst>
+          </p:cNvPr>
+          <p:cNvSpPr>
+            <a:spLocks noGrp="1"/>
+          </p:cNvSpPr>
+          <p:nvPr>
+            <p:ph type="sldNum" sz="quarter" idx="12"/>
+          </p:nvPr>
+        </p:nvSpPr>
+        <p:spPr/>
+        <p:txBody>
+          <a:bodyPr/>
+          <a:lstStyle/>
+          <a:p>
+            <a:fld id="{49969A2D-4621-42E2-BC1F-C9E4503934D0}" type="slidenum">
+              <a:rPr lang="de-DE" smtClean="0"/>
+              <a:t>7</a:t>
+            </a:fld>
+            <a:endParaRPr lang="de-DE"/>
+          </a:p>
+        </p:txBody>
+      </p:sp>
+    </p:spTree>
+    <p:extLst>
+      <p:ext uri="{BB962C8B-B14F-4D97-AF65-F5344CB8AC3E}">
+        <p14:creationId xmlns:p14="http://schemas.microsoft.com/office/powerpoint/2010/main" val="1455058992"/>
+      </p:ext>
+    </p:extLst>
+  </p:cSld>
+  <p:clrMapOvr>
+    <a:masterClrMapping/>
+  </p:clrMapOvr>
+</p:sld>
+</file>
+
+<file path=ppt/slides/slide9.xml><?xml version="1.0" encoding="utf-8"?>
+<p:sld xmlns:a="http://schemas.openxmlformats.org/drawingml/2006/main" xmlns:r="http://schemas.openxmlformats.org/officeDocument/2006/relationships" xmlns:p="http://schemas.openxmlformats.org/presentationml/2006/main">
+  <p:cSld>
+    <p:spTree>
+      <p:nvGrpSpPr>
+        <p:cNvPr id="1" name=""/>
+        <p:cNvGrpSpPr/>
+        <p:nvPr/>
+      </p:nvGrpSpPr>
+      <p:grpSpPr>
+        <a:xfrm>
+          <a:off x="0" y="0"/>
+          <a:ext cx="0" cy="0"/>
+          <a:chOff x="0" y="0"/>
+          <a:chExt cx="0" cy="0"/>
+        </a:xfrm>
+      </p:grpSpPr>
+      <p:sp>
+        <p:nvSpPr>
+          <p:cNvPr id="2" name="Titel 1">
+            <a:extLst>
+              <a:ext uri="{FF2B5EF4-FFF2-40B4-BE49-F238E27FC236}">
+                <a16:creationId xmlns:a16="http://schemas.microsoft.com/office/drawing/2014/main" id="{C374D12D-8010-4923-9B72-F0B61E0DC36A}"/>
+              </a:ext>
+            </a:extLst>
+          </p:cNvPr>
+          <p:cNvSpPr>
+            <a:spLocks noGrp="1"/>
+          </p:cNvSpPr>
+          <p:nvPr>
+            <p:ph type="title"/>
+          </p:nvPr>
+        </p:nvSpPr>
+        <p:spPr>
+          <a:xfrm>
+            <a:off x="838200" y="732408"/>
+            <a:ext cx="10515600" cy="958280"/>
+          </a:xfrm>
+        </p:spPr>
+        <p:txBody>
+          <a:bodyPr/>
+          <a:lstStyle/>
+          <a:p>
+            <a:pPr algn="ctr"/>
+            <a:r>
+              <a:rPr lang="de-DE" b="1" dirty="0"/>
+              <a:t>Meetings und Arbeitsaufteilung</a:t>
+            </a:r>
+          </a:p>
+        </p:txBody>
+      </p:sp>
+      <p:sp>
+        <p:nvSpPr>
+          <p:cNvPr id="3" name="Inhaltsplatzhalter 2">
+            <a:extLst>
+              <a:ext uri="{FF2B5EF4-FFF2-40B4-BE49-F238E27FC236}">
+                <a16:creationId xmlns:a16="http://schemas.microsoft.com/office/drawing/2014/main" id="{CAD98F3D-9557-4D5C-A6D2-A8D13868FD68}"/>
+              </a:ext>
+            </a:extLst>
+          </p:cNvPr>
+          <p:cNvSpPr>
+            <a:spLocks noGrp="1"/>
+          </p:cNvSpPr>
+          <p:nvPr>
+            <p:ph idx="1"/>
+          </p:nvPr>
+        </p:nvSpPr>
+        <p:spPr/>
+        <p:txBody>
+          <a:bodyPr/>
+          <a:lstStyle/>
+          <a:p>
+            <a:r>
+              <a:rPr lang="de-DE" dirty="0"/>
+              <a:t>Meetings</a:t>
+            </a:r>
+          </a:p>
+          <a:p>
+            <a:pPr lvl="1"/>
+            <a:r>
+              <a:rPr lang="de-DE" u="sng" dirty="0"/>
+              <a:t>Montags:</a:t>
+            </a:r>
+            <a:r>
+              <a:rPr lang="de-DE" dirty="0"/>
+              <a:t> Aufgabenverteilung für kommende Woche</a:t>
+            </a:r>
+          </a:p>
+          <a:p>
+            <a:pPr lvl="1"/>
+            <a:r>
+              <a:rPr lang="de-DE" u="sng" dirty="0"/>
+              <a:t>Freitags:</a:t>
+            </a:r>
+            <a:r>
+              <a:rPr lang="de-DE" dirty="0"/>
+              <a:t> Besprechung des Fortschritts und Pair-</a:t>
+            </a:r>
+            <a:r>
+              <a:rPr lang="de-DE" dirty="0" err="1"/>
+              <a:t>Programming</a:t>
+            </a:r>
+            <a:endParaRPr lang="de-DE" dirty="0"/>
+          </a:p>
+          <a:p>
+            <a:r>
+              <a:rPr lang="de-DE" dirty="0"/>
+              <a:t>Arbeitsaufteilung</a:t>
+            </a:r>
+          </a:p>
+          <a:p>
+            <a:pPr lvl="1"/>
+            <a:r>
+              <a:rPr lang="de-DE" dirty="0"/>
+              <a:t>Jedes Mitglied erhält pro Woche etwa gleichviele Aufgaben</a:t>
+            </a:r>
+          </a:p>
+          <a:p>
+            <a:pPr lvl="1"/>
+            <a:r>
+              <a:rPr lang="de-DE" dirty="0"/>
+              <a:t>Aufgaben waren sowohl Bugfixes, Style-Anpassungen und neue Features</a:t>
+            </a:r>
+          </a:p>
+          <a:p>
+            <a:pPr lvl="1"/>
+            <a:r>
+              <a:rPr lang="de-DE" dirty="0"/>
+              <a:t>Aufgaben sollten immer bis zum nächsten Meeting bearbeitet sein</a:t>
+            </a:r>
+          </a:p>
+        </p:txBody>
+      </p:sp>
+      <p:sp>
+        <p:nvSpPr>
+          <p:cNvPr id="4" name="Fußzeilenplatzhalter 3">
+            <a:extLst>
+              <a:ext uri="{FF2B5EF4-FFF2-40B4-BE49-F238E27FC236}">
+                <a16:creationId xmlns:a16="http://schemas.microsoft.com/office/drawing/2014/main" id="{117C089B-977F-44C9-86FB-0112E427B680}"/>
+              </a:ext>
+            </a:extLst>
+          </p:cNvPr>
+          <p:cNvSpPr>
+            <a:spLocks noGrp="1"/>
+          </p:cNvSpPr>
+          <p:nvPr>
+            <p:ph type="ftr" sz="quarter" idx="11"/>
+          </p:nvPr>
+        </p:nvSpPr>
+        <p:spPr/>
+        <p:txBody>
+          <a:bodyPr/>
+          <a:lstStyle/>
+          <a:p>
+            <a:r>
+              <a:rPr lang="de-DE"/>
+              <a:t>Swift-Programmierung unter iOS: Accessibility</a:t>
+            </a:r>
+          </a:p>
+        </p:txBody>
+      </p:sp>
+      <p:sp>
+        <p:nvSpPr>
+          <p:cNvPr id="5" name="Foliennummernplatzhalter 4">
+            <a:extLst>
+              <a:ext uri="{FF2B5EF4-FFF2-40B4-BE49-F238E27FC236}">
+                <a16:creationId xmlns:a16="http://schemas.microsoft.com/office/drawing/2014/main" id="{3BDB5A47-5F55-49CC-AD0A-E3249A53C0DC}"/>
+              </a:ext>
+            </a:extLst>
+          </p:cNvPr>
+          <p:cNvSpPr>
+            <a:spLocks noGrp="1"/>
+          </p:cNvSpPr>
+          <p:nvPr>
+            <p:ph type="sldNum" sz="quarter" idx="12"/>
+          </p:nvPr>
+        </p:nvSpPr>
+        <p:spPr/>
+        <p:txBody>
+          <a:bodyPr/>
+          <a:lstStyle/>
+          <a:p>
+            <a:fld id="{49969A2D-4621-42E2-BC1F-C9E4503934D0}" type="slidenum">
+              <a:rPr lang="de-DE" smtClean="0"/>
+              <a:t>8</a:t>
+            </a:fld>
+            <a:endParaRPr lang="de-DE"/>
+          </a:p>
+        </p:txBody>
+      </p:sp>
+    </p:spTree>
+    <p:extLst>
+      <p:ext uri="{BB962C8B-B14F-4D97-AF65-F5344CB8AC3E}">
+        <p14:creationId xmlns:p14="http://schemas.microsoft.com/office/powerpoint/2010/main" val="1729980665"/>
+      </p:ext>
+    </p:extLst>
+  </p:cSld>
+  <p:clrMapOvr>
+    <a:masterClrMapping/>
+  </p:clrMapOvr>
 </p:sld>
 </file>
 

--- a/Präsentation/Quiz With Me.pptx
+++ b/Präsentation/Quiz With Me.pptx
@@ -5,10 +5,10 @@
     <p:sldMasterId id="2147483660" r:id="rId1"/>
   </p:sldMasterIdLst>
   <p:notesMasterIdLst>
-    <p:notesMasterId r:id="rId23"/>
+    <p:notesMasterId r:id="rId25"/>
   </p:notesMasterIdLst>
   <p:handoutMasterIdLst>
-    <p:handoutMasterId r:id="rId24"/>
+    <p:handoutMasterId r:id="rId26"/>
   </p:handoutMasterIdLst>
   <p:sldIdLst>
     <p:sldId id="256" r:id="rId2"/>
@@ -32,6 +32,8 @@
     <p:sldId id="274" r:id="rId20"/>
     <p:sldId id="275" r:id="rId21"/>
     <p:sldId id="276" r:id="rId22"/>
+    <p:sldId id="277" r:id="rId23"/>
+    <p:sldId id="278" r:id="rId24"/>
   </p:sldIdLst>
   <p:sldSz cx="12192000" cy="6858000"/>
   <p:notesSz cx="6858000" cy="9144000"/>
@@ -156,6 +158,8 @@
             <p14:sldId id="274"/>
             <p14:sldId id="275"/>
             <p14:sldId id="276"/>
+            <p14:sldId id="277"/>
+            <p14:sldId id="278"/>
           </p14:sldIdLst>
         </p14:section>
       </p14:sectionLst>
@@ -1483,7 +1487,7 @@
           <a:p>
             <a:fld id="{54F19D18-8B19-46CD-9945-D473D203DC62}" type="datetimeFigureOut">
               <a:rPr lang="de-DE" smtClean="0"/>
-              <a:t>27.06.2021</a:t>
+              <a:t>29.06.2021</a:t>
             </a:fld>
             <a:endParaRPr lang="de-DE"/>
           </a:p>
@@ -1660,7 +1664,7 @@
           <a:p>
             <a:fld id="{55C1D5A6-4300-422B-B653-7AE01DFE6238}" type="datetimeFigureOut">
               <a:rPr lang="de-DE" smtClean="0"/>
-              <a:t>27.06.2021</a:t>
+              <a:t>29.06.2021</a:t>
             </a:fld>
             <a:endParaRPr lang="de-DE"/>
           </a:p>
@@ -2142,7 +2146,7 @@
           <a:p>
             <a:fld id="{D8A19376-E955-4925-9EA0-2A7DB6BAD835}" type="datetime1">
               <a:rPr lang="de-DE" smtClean="0"/>
-              <a:t>27.06.2021</a:t>
+              <a:t>29.06.2021</a:t>
             </a:fld>
             <a:endParaRPr lang="de-DE"/>
           </a:p>
@@ -2315,7 +2319,7 @@
           <a:p>
             <a:fld id="{F1108507-F884-4F9F-B071-3D30EBB8A7D4}" type="datetime1">
               <a:rPr lang="de-DE" smtClean="0"/>
-              <a:t>27.06.2021</a:t>
+              <a:t>29.06.2021</a:t>
             </a:fld>
             <a:endParaRPr lang="de-DE"/>
           </a:p>
@@ -2498,7 +2502,7 @@
           <a:p>
             <a:fld id="{F72011DE-5B3A-4166-8C73-FCF3C153995C}" type="datetime1">
               <a:rPr lang="de-DE" smtClean="0"/>
-              <a:t>27.06.2021</a:t>
+              <a:t>29.06.2021</a:t>
             </a:fld>
             <a:endParaRPr lang="de-DE"/>
           </a:p>
@@ -2671,7 +2675,7 @@
           <a:p>
             <a:fld id="{32039728-7564-466C-990A-59FEFE8A68B2}" type="datetime1">
               <a:rPr lang="de-DE" smtClean="0"/>
-              <a:t>27.06.2021</a:t>
+              <a:t>29.06.2021</a:t>
             </a:fld>
             <a:endParaRPr lang="de-DE"/>
           </a:p>
@@ -2920,7 +2924,7 @@
           <a:p>
             <a:fld id="{2BF4FC10-CBCF-4523-9905-E5CF601A79DD}" type="datetime1">
               <a:rPr lang="de-DE" smtClean="0"/>
-              <a:t>27.06.2021</a:t>
+              <a:t>29.06.2021</a:t>
             </a:fld>
             <a:endParaRPr lang="de-DE"/>
           </a:p>
@@ -3155,7 +3159,7 @@
           <a:p>
             <a:fld id="{AD1A4B27-F142-471B-A5EF-2BCAE931C055}" type="datetime1">
               <a:rPr lang="de-DE" smtClean="0"/>
-              <a:t>27.06.2021</a:t>
+              <a:t>29.06.2021</a:t>
             </a:fld>
             <a:endParaRPr lang="de-DE"/>
           </a:p>
@@ -3561,7 +3565,7 @@
           <a:p>
             <a:fld id="{3E886CAF-4360-4864-AE45-3A9CCCB2BF39}" type="datetime1">
               <a:rPr lang="de-DE" smtClean="0"/>
-              <a:t>27.06.2021</a:t>
+              <a:t>29.06.2021</a:t>
             </a:fld>
             <a:endParaRPr lang="de-DE"/>
           </a:p>
@@ -3682,7 +3686,7 @@
           <a:p>
             <a:fld id="{3AF4B984-8CD3-4740-832A-B70A050F58CE}" type="datetime1">
               <a:rPr lang="de-DE" smtClean="0"/>
-              <a:t>27.06.2021</a:t>
+              <a:t>29.06.2021</a:t>
             </a:fld>
             <a:endParaRPr lang="de-DE"/>
           </a:p>
@@ -3780,7 +3784,7 @@
           <a:p>
             <a:fld id="{A4D1AFD6-737E-4001-9DE6-1F6B7CA26136}" type="datetime1">
               <a:rPr lang="de-DE" smtClean="0"/>
-              <a:t>27.06.2021</a:t>
+              <a:t>29.06.2021</a:t>
             </a:fld>
             <a:endParaRPr lang="de-DE"/>
           </a:p>
@@ -4060,7 +4064,7 @@
           <a:p>
             <a:fld id="{4479FD83-085F-4957-B497-E70B143BA4C3}" type="datetime1">
               <a:rPr lang="de-DE" smtClean="0"/>
-              <a:t>27.06.2021</a:t>
+              <a:t>29.06.2021</a:t>
             </a:fld>
             <a:endParaRPr lang="de-DE"/>
           </a:p>
@@ -4320,7 +4324,7 @@
           <a:p>
             <a:fld id="{B4330FE9-4544-4D03-BD5F-38156A083000}" type="datetime1">
               <a:rPr lang="de-DE" smtClean="0"/>
-              <a:t>27.06.2021</a:t>
+              <a:t>29.06.2021</a:t>
             </a:fld>
             <a:endParaRPr lang="de-DE"/>
           </a:p>
@@ -4536,7 +4540,7 @@
           <a:p>
             <a:fld id="{68D95285-0EB6-45FF-A0FE-7D2BF38BCCE1}" type="datetime1">
               <a:rPr lang="de-DE" smtClean="0"/>
-              <a:t>27.06.2021</a:t>
+              <a:t>29.06.2021</a:t>
             </a:fld>
             <a:endParaRPr lang="de-DE"/>
           </a:p>
@@ -5443,6 +5447,9 @@
   <p:clrMapOvr>
     <a:masterClrMapping/>
   </p:clrMapOvr>
+  <p:transition spd="med">
+    <p:pull/>
+  </p:transition>
 </p:sld>
 </file>
 
@@ -5586,6 +5593,9 @@
   <p:clrMapOvr>
     <a:masterClrMapping/>
   </p:clrMapOvr>
+  <p:transition spd="slow">
+    <p:push dir="u"/>
+  </p:transition>
 </p:sld>
 </file>
 
@@ -5857,6 +5867,9 @@
   <p:clrMapOvr>
     <a:masterClrMapping/>
   </p:clrMapOvr>
+  <p:transition spd="med">
+    <p:pull/>
+  </p:transition>
 </p:sld>
 </file>
 
@@ -6107,6 +6120,9 @@
   <p:clrMapOvr>
     <a:masterClrMapping/>
   </p:clrMapOvr>
+  <p:transition spd="med">
+    <p:pull/>
+  </p:transition>
 </p:sld>
 </file>
 
@@ -6849,6 +6865,9 @@
   <p:clrMapOvr>
     <a:masterClrMapping/>
   </p:clrMapOvr>
+  <p:transition spd="med">
+    <p:pull/>
+  </p:transition>
 </p:sld>
 </file>
 
@@ -7236,6 +7255,9 @@
   <p:clrMapOvr>
     <a:masterClrMapping/>
   </p:clrMapOvr>
+  <p:transition spd="med">
+    <p:pull/>
+  </p:transition>
 </p:sld>
 </file>
 
@@ -7464,6 +7486,9 @@
   <p:clrMapOvr>
     <a:masterClrMapping/>
   </p:clrMapOvr>
+  <p:transition spd="med">
+    <p:pull/>
+  </p:transition>
 </p:sld>
 </file>
 
@@ -8276,6 +8301,9 @@
   <p:clrMapOvr>
     <a:masterClrMapping/>
   </p:clrMapOvr>
+  <p:transition spd="med">
+    <p:pull/>
+  </p:transition>
 </p:sld>
 </file>
 
@@ -8530,6 +8558,9 @@
   <p:clrMapOvr>
     <a:masterClrMapping/>
   </p:clrMapOvr>
+  <p:transition spd="med">
+    <p:pull/>
+  </p:transition>
 </p:sld>
 </file>
 
@@ -9751,6 +9782,9 @@
   <p:clrMapOvr>
     <a:masterClrMapping/>
   </p:clrMapOvr>
+  <p:transition spd="med">
+    <p:pull/>
+  </p:transition>
 </p:sld>
 </file>
 
@@ -10588,6 +10622,9 @@
   <p:clrMapOvr>
     <a:masterClrMapping/>
   </p:clrMapOvr>
+  <p:transition spd="slow">
+    <p:wipe/>
+  </p:transition>
 </p:sld>
 </file>
 
@@ -10818,6 +10855,316 @@
   <p:clrMapOvr>
     <a:masterClrMapping/>
   </p:clrMapOvr>
+  <p:transition spd="med">
+    <p:pull/>
+  </p:transition>
+</p:sld>
+</file>
+
+<file path=ppt/slides/slide22.xml><?xml version="1.0" encoding="utf-8"?>
+<p:sld xmlns:a="http://schemas.openxmlformats.org/drawingml/2006/main" xmlns:r="http://schemas.openxmlformats.org/officeDocument/2006/relationships" xmlns:p="http://schemas.openxmlformats.org/presentationml/2006/main">
+  <p:cSld>
+    <p:spTree>
+      <p:nvGrpSpPr>
+        <p:cNvPr id="1" name=""/>
+        <p:cNvGrpSpPr/>
+        <p:nvPr/>
+      </p:nvGrpSpPr>
+      <p:grpSpPr>
+        <a:xfrm>
+          <a:off x="0" y="0"/>
+          <a:ext cx="0" cy="0"/>
+          <a:chOff x="0" y="0"/>
+          <a:chExt cx="0" cy="0"/>
+        </a:xfrm>
+      </p:grpSpPr>
+      <p:sp>
+        <p:nvSpPr>
+          <p:cNvPr id="2" name="Titel 1">
+            <a:extLst>
+              <a:ext uri="{FF2B5EF4-FFF2-40B4-BE49-F238E27FC236}">
+                <a16:creationId xmlns:a16="http://schemas.microsoft.com/office/drawing/2014/main" id="{DF9C8520-3344-4E03-9FFA-A731F0DB0E95}"/>
+              </a:ext>
+            </a:extLst>
+          </p:cNvPr>
+          <p:cNvSpPr>
+            <a:spLocks noGrp="1"/>
+          </p:cNvSpPr>
+          <p:nvPr>
+            <p:ph type="title"/>
+          </p:nvPr>
+        </p:nvSpPr>
+        <p:spPr/>
+        <p:txBody>
+          <a:bodyPr/>
+          <a:lstStyle/>
+          <a:p>
+            <a:r>
+              <a:rPr lang="de-DE" dirty="0"/>
+              <a:t>Quellen</a:t>
+            </a:r>
+          </a:p>
+        </p:txBody>
+      </p:sp>
+      <p:sp>
+        <p:nvSpPr>
+          <p:cNvPr id="4" name="Fußzeilenplatzhalter 3">
+            <a:extLst>
+              <a:ext uri="{FF2B5EF4-FFF2-40B4-BE49-F238E27FC236}">
+                <a16:creationId xmlns:a16="http://schemas.microsoft.com/office/drawing/2014/main" id="{F43C305A-3BE1-411C-9E60-B820CE4BF4CA}"/>
+              </a:ext>
+            </a:extLst>
+          </p:cNvPr>
+          <p:cNvSpPr>
+            <a:spLocks noGrp="1"/>
+          </p:cNvSpPr>
+          <p:nvPr>
+            <p:ph type="ftr" sz="quarter" idx="11"/>
+          </p:nvPr>
+        </p:nvSpPr>
+        <p:spPr/>
+        <p:txBody>
+          <a:bodyPr/>
+          <a:lstStyle/>
+          <a:p>
+            <a:r>
+              <a:rPr lang="de-DE"/>
+              <a:t>Swift-Programmierung unter iOS: Accessibility</a:t>
+            </a:r>
+          </a:p>
+        </p:txBody>
+      </p:sp>
+      <p:sp>
+        <p:nvSpPr>
+          <p:cNvPr id="5" name="Foliennummernplatzhalter 4">
+            <a:extLst>
+              <a:ext uri="{FF2B5EF4-FFF2-40B4-BE49-F238E27FC236}">
+                <a16:creationId xmlns:a16="http://schemas.microsoft.com/office/drawing/2014/main" id="{B0B9F3E1-9127-47DC-A522-60D372D6F664}"/>
+              </a:ext>
+            </a:extLst>
+          </p:cNvPr>
+          <p:cNvSpPr>
+            <a:spLocks noGrp="1"/>
+          </p:cNvSpPr>
+          <p:nvPr>
+            <p:ph type="sldNum" sz="quarter" idx="12"/>
+          </p:nvPr>
+        </p:nvSpPr>
+        <p:spPr/>
+        <p:txBody>
+          <a:bodyPr/>
+          <a:lstStyle/>
+          <a:p>
+            <a:fld id="{49969A2D-4621-42E2-BC1F-C9E4503934D0}" type="slidenum">
+              <a:rPr lang="de-DE" smtClean="0"/>
+              <a:t>21</a:t>
+            </a:fld>
+            <a:endParaRPr lang="de-DE"/>
+          </a:p>
+        </p:txBody>
+      </p:sp>
+    </p:spTree>
+    <p:extLst>
+      <p:ext uri="{BB962C8B-B14F-4D97-AF65-F5344CB8AC3E}">
+        <p14:creationId xmlns:p14="http://schemas.microsoft.com/office/powerpoint/2010/main" val="2783589156"/>
+      </p:ext>
+    </p:extLst>
+  </p:cSld>
+  <p:clrMapOvr>
+    <a:masterClrMapping/>
+  </p:clrMapOvr>
+  <p:transition spd="slow">
+    <p:push dir="u"/>
+  </p:transition>
+</p:sld>
+</file>
+
+<file path=ppt/slides/slide23.xml><?xml version="1.0" encoding="utf-8"?>
+<p:sld xmlns:a="http://schemas.openxmlformats.org/drawingml/2006/main" xmlns:r="http://schemas.openxmlformats.org/officeDocument/2006/relationships" xmlns:p="http://schemas.openxmlformats.org/presentationml/2006/main">
+  <p:cSld>
+    <p:spTree>
+      <p:nvGrpSpPr>
+        <p:cNvPr id="1" name=""/>
+        <p:cNvGrpSpPr/>
+        <p:nvPr/>
+      </p:nvGrpSpPr>
+      <p:grpSpPr>
+        <a:xfrm>
+          <a:off x="0" y="0"/>
+          <a:ext cx="0" cy="0"/>
+          <a:chOff x="0" y="0"/>
+          <a:chExt cx="0" cy="0"/>
+        </a:xfrm>
+      </p:grpSpPr>
+      <p:sp>
+        <p:nvSpPr>
+          <p:cNvPr id="2" name="Titel 1">
+            <a:extLst>
+              <a:ext uri="{FF2B5EF4-FFF2-40B4-BE49-F238E27FC236}">
+                <a16:creationId xmlns:a16="http://schemas.microsoft.com/office/drawing/2014/main" id="{52CAB2F8-1ABD-43CA-8067-8CC5BC221BAD}"/>
+              </a:ext>
+            </a:extLst>
+          </p:cNvPr>
+          <p:cNvSpPr>
+            <a:spLocks noGrp="1"/>
+          </p:cNvSpPr>
+          <p:nvPr>
+            <p:ph type="title"/>
+          </p:nvPr>
+        </p:nvSpPr>
+        <p:spPr>
+          <a:xfrm>
+            <a:off x="838200" y="605367"/>
+            <a:ext cx="10515600" cy="1085321"/>
+          </a:xfrm>
+        </p:spPr>
+        <p:txBody>
+          <a:bodyPr/>
+          <a:lstStyle/>
+          <a:p>
+            <a:pPr algn="ctr"/>
+            <a:r>
+              <a:rPr lang="de-DE" b="1" dirty="0"/>
+              <a:t>Quellen</a:t>
+            </a:r>
+          </a:p>
+        </p:txBody>
+      </p:sp>
+      <p:sp>
+        <p:nvSpPr>
+          <p:cNvPr id="3" name="Inhaltsplatzhalter 2">
+            <a:extLst>
+              <a:ext uri="{FF2B5EF4-FFF2-40B4-BE49-F238E27FC236}">
+                <a16:creationId xmlns:a16="http://schemas.microsoft.com/office/drawing/2014/main" id="{C9FB1D23-DBE9-45BD-A46B-41DE33A2D607}"/>
+              </a:ext>
+            </a:extLst>
+          </p:cNvPr>
+          <p:cNvSpPr>
+            <a:spLocks noGrp="1"/>
+          </p:cNvSpPr>
+          <p:nvPr>
+            <p:ph idx="1"/>
+          </p:nvPr>
+        </p:nvSpPr>
+        <p:spPr/>
+        <p:txBody>
+          <a:bodyPr/>
+          <a:lstStyle/>
+          <a:p>
+            <a:r>
+              <a:rPr lang="de-DE" dirty="0"/>
+              <a:t>17.12.2018, „</a:t>
+            </a:r>
+            <a:r>
+              <a:rPr lang="de-DE" dirty="0" err="1"/>
+              <a:t>Avoiding</a:t>
+            </a:r>
+            <a:r>
+              <a:rPr lang="de-DE" dirty="0"/>
+              <a:t> Callback Hell in Swift“:</a:t>
+            </a:r>
+            <a:br>
+              <a:rPr lang="de-DE" dirty="0"/>
+            </a:br>
+            <a:r>
+              <a:rPr lang="de-DE" dirty="0">
+                <a:hlinkClick r:id="rId2"/>
+              </a:rPr>
+              <a:t>https://swiftrocks.com/avoiding-callback-hell-in-swift</a:t>
+            </a:r>
+            <a:endParaRPr lang="de-DE" dirty="0"/>
+          </a:p>
+          <a:p>
+            <a:r>
+              <a:rPr lang="de-DE" dirty="0"/>
+              <a:t>SWTP-SS20-Kammer-2 (Projekt-Repository):</a:t>
+            </a:r>
+            <a:br>
+              <a:rPr lang="de-DE" dirty="0"/>
+            </a:br>
+            <a:r>
+              <a:rPr lang="de-DE" dirty="0">
+                <a:hlinkClick r:id="rId3"/>
+              </a:rPr>
+              <a:t>https://github.com/SWTP-SS20-Kammer-2/Data-Analytics</a:t>
+            </a:r>
+            <a:r>
+              <a:rPr lang="de-DE" dirty="0"/>
+              <a:t> </a:t>
+            </a:r>
+          </a:p>
+        </p:txBody>
+      </p:sp>
+      <p:sp>
+        <p:nvSpPr>
+          <p:cNvPr id="4" name="Fußzeilenplatzhalter 3">
+            <a:extLst>
+              <a:ext uri="{FF2B5EF4-FFF2-40B4-BE49-F238E27FC236}">
+                <a16:creationId xmlns:a16="http://schemas.microsoft.com/office/drawing/2014/main" id="{F7BC7236-A4F0-480F-9560-7DA531A3B31C}"/>
+              </a:ext>
+            </a:extLst>
+          </p:cNvPr>
+          <p:cNvSpPr>
+            <a:spLocks noGrp="1"/>
+          </p:cNvSpPr>
+          <p:nvPr>
+            <p:ph type="ftr" sz="quarter" idx="11"/>
+          </p:nvPr>
+        </p:nvSpPr>
+        <p:spPr/>
+        <p:txBody>
+          <a:bodyPr/>
+          <a:lstStyle/>
+          <a:p>
+            <a:r>
+              <a:rPr lang="de-DE"/>
+              <a:t>Swift-Programmierung unter iOS: Accessibility</a:t>
+            </a:r>
+          </a:p>
+        </p:txBody>
+      </p:sp>
+      <p:sp>
+        <p:nvSpPr>
+          <p:cNvPr id="5" name="Foliennummernplatzhalter 4">
+            <a:extLst>
+              <a:ext uri="{FF2B5EF4-FFF2-40B4-BE49-F238E27FC236}">
+                <a16:creationId xmlns:a16="http://schemas.microsoft.com/office/drawing/2014/main" id="{A98E7668-23F6-44C0-B077-F27B2F05A6B9}"/>
+              </a:ext>
+            </a:extLst>
+          </p:cNvPr>
+          <p:cNvSpPr>
+            <a:spLocks noGrp="1"/>
+          </p:cNvSpPr>
+          <p:nvPr>
+            <p:ph type="sldNum" sz="quarter" idx="12"/>
+          </p:nvPr>
+        </p:nvSpPr>
+        <p:spPr/>
+        <p:txBody>
+          <a:bodyPr/>
+          <a:lstStyle/>
+          <a:p>
+            <a:fld id="{49969A2D-4621-42E2-BC1F-C9E4503934D0}" type="slidenum">
+              <a:rPr lang="de-DE" smtClean="0"/>
+              <a:t>22</a:t>
+            </a:fld>
+            <a:endParaRPr lang="de-DE"/>
+          </a:p>
+        </p:txBody>
+      </p:sp>
+    </p:spTree>
+    <p:extLst>
+      <p:ext uri="{BB962C8B-B14F-4D97-AF65-F5344CB8AC3E}">
+        <p14:creationId xmlns:p14="http://schemas.microsoft.com/office/powerpoint/2010/main" val="309301293"/>
+      </p:ext>
+    </p:extLst>
+  </p:cSld>
+  <p:clrMapOvr>
+    <a:masterClrMapping/>
+  </p:clrMapOvr>
+  <p:transition spd="med">
+    <p:pull/>
+  </p:transition>
 </p:sld>
 </file>
 
@@ -10989,6 +11336,9 @@
   <p:clrMapOvr>
     <a:masterClrMapping/>
   </p:clrMapOvr>
+  <p:transition spd="slow">
+    <p:push dir="u"/>
+  </p:transition>
 </p:sld>
 </file>
 
@@ -11200,6 +11550,9 @@
   <p:clrMapOvr>
     <a:masterClrMapping/>
   </p:clrMapOvr>
+  <p:transition spd="med">
+    <p:pull/>
+  </p:transition>
 </p:sld>
 </file>
 
@@ -11343,6 +11696,9 @@
   <p:clrMapOvr>
     <a:masterClrMapping/>
   </p:clrMapOvr>
+  <p:transition spd="slow">
+    <p:push dir="u"/>
+  </p:transition>
 </p:sld>
 </file>
 
@@ -11522,6 +11878,9 @@
   <p:clrMapOvr>
     <a:masterClrMapping/>
   </p:clrMapOvr>
+  <p:transition spd="med">
+    <p:pull/>
+  </p:transition>
 </p:sld>
 </file>
 
@@ -11772,6 +12131,9 @@
   <p:clrMapOvr>
     <a:masterClrMapping/>
   </p:clrMapOvr>
+  <p:transition spd="med">
+    <p:pull/>
+  </p:transition>
 </p:sld>
 </file>
 
@@ -11928,6 +12290,9 @@
   <p:clrMapOvr>
     <a:masterClrMapping/>
   </p:clrMapOvr>
+  <p:transition spd="med">
+    <p:pull/>
+  </p:transition>
 </p:sld>
 </file>
 
@@ -12131,6 +12496,9 @@
   <p:clrMapOvr>
     <a:masterClrMapping/>
   </p:clrMapOvr>
+  <p:transition spd="med">
+    <p:pull/>
+  </p:transition>
 </p:sld>
 </file>
 

--- a/Präsentation/Quiz With Me.pptx
+++ b/Präsentation/Quiz With Me.pptx
@@ -5161,7 +5161,7 @@
             <p:ph idx="1"/>
             <p:extLst>
               <p:ext uri="{D42A27DB-BD31-4B8C-83A1-F6EECF244321}">
-                <p14:modId xmlns:p14="http://schemas.microsoft.com/office/powerpoint/2010/main" val="2960856763"/>
+                <p14:modId xmlns:p14="http://schemas.microsoft.com/office/powerpoint/2010/main" val="4211647106"/>
               </p:ext>
             </p:extLst>
           </p:nvPr>
@@ -5221,7 +5221,7 @@
                     <a:p>
                       <a:r>
                         <a:rPr lang="de-DE" sz="2800" dirty="0"/>
-                        <a:t>Ca 1950</a:t>
+                        <a:t>Ca 1970</a:t>
                       </a:r>
                     </a:p>
                   </a:txBody>
@@ -5255,7 +5255,7 @@
                     <a:p>
                       <a:r>
                         <a:rPr lang="de-DE" sz="2800" dirty="0"/>
-                        <a:t>Ca. 140</a:t>
+                        <a:t>Ca. 150</a:t>
                       </a:r>
                     </a:p>
                   </a:txBody>

--- a/Präsentation/Quiz With Me.pptx
+++ b/Präsentation/Quiz With Me.pptx
@@ -5,10 +5,10 @@
     <p:sldMasterId id="2147483660" r:id="rId1"/>
   </p:sldMasterIdLst>
   <p:notesMasterIdLst>
-    <p:notesMasterId r:id="rId25"/>
+    <p:notesMasterId r:id="rId20"/>
   </p:notesMasterIdLst>
   <p:handoutMasterIdLst>
-    <p:handoutMasterId r:id="rId26"/>
+    <p:handoutMasterId r:id="rId21"/>
   </p:handoutMasterIdLst>
   <p:sldIdLst>
     <p:sldId id="256" r:id="rId2"/>
@@ -20,20 +20,15 @@
     <p:sldId id="262" r:id="rId8"/>
     <p:sldId id="263" r:id="rId9"/>
     <p:sldId id="264" r:id="rId10"/>
-    <p:sldId id="265" r:id="rId11"/>
-    <p:sldId id="266" r:id="rId12"/>
-    <p:sldId id="267" r:id="rId13"/>
-    <p:sldId id="268" r:id="rId14"/>
-    <p:sldId id="269" r:id="rId15"/>
-    <p:sldId id="270" r:id="rId16"/>
-    <p:sldId id="271" r:id="rId17"/>
-    <p:sldId id="272" r:id="rId18"/>
-    <p:sldId id="273" r:id="rId19"/>
-    <p:sldId id="274" r:id="rId20"/>
-    <p:sldId id="275" r:id="rId21"/>
-    <p:sldId id="276" r:id="rId22"/>
-    <p:sldId id="277" r:id="rId23"/>
-    <p:sldId id="278" r:id="rId24"/>
+    <p:sldId id="266" r:id="rId11"/>
+    <p:sldId id="271" r:id="rId12"/>
+    <p:sldId id="272" r:id="rId13"/>
+    <p:sldId id="273" r:id="rId14"/>
+    <p:sldId id="274" r:id="rId15"/>
+    <p:sldId id="275" r:id="rId16"/>
+    <p:sldId id="276" r:id="rId17"/>
+    <p:sldId id="277" r:id="rId18"/>
+    <p:sldId id="278" r:id="rId19"/>
   </p:sldIdLst>
   <p:sldSz cx="12192000" cy="6858000"/>
   <p:notesSz cx="6858000" cy="9144000"/>
@@ -146,12 +141,7 @@
             <p14:sldId id="262"/>
             <p14:sldId id="263"/>
             <p14:sldId id="264"/>
-            <p14:sldId id="265"/>
             <p14:sldId id="266"/>
-            <p14:sldId id="267"/>
-            <p14:sldId id="268"/>
-            <p14:sldId id="269"/>
-            <p14:sldId id="270"/>
             <p14:sldId id="271"/>
             <p14:sldId id="272"/>
             <p14:sldId id="273"/>
@@ -1487,7 +1477,7 @@
           <a:p>
             <a:fld id="{54F19D18-8B19-46CD-9945-D473D203DC62}" type="datetimeFigureOut">
               <a:rPr lang="de-DE" smtClean="0"/>
-              <a:t>29.06.2021</a:t>
+              <a:t>02.07.2021</a:t>
             </a:fld>
             <a:endParaRPr lang="de-DE"/>
           </a:p>
@@ -1664,7 +1654,7 @@
           <a:p>
             <a:fld id="{55C1D5A6-4300-422B-B653-7AE01DFE6238}" type="datetimeFigureOut">
               <a:rPr lang="de-DE" smtClean="0"/>
-              <a:t>29.06.2021</a:t>
+              <a:t>02.07.2021</a:t>
             </a:fld>
             <a:endParaRPr lang="de-DE"/>
           </a:p>
@@ -2146,7 +2136,7 @@
           <a:p>
             <a:fld id="{D8A19376-E955-4925-9EA0-2A7DB6BAD835}" type="datetime1">
               <a:rPr lang="de-DE" smtClean="0"/>
-              <a:t>29.06.2021</a:t>
+              <a:t>02.07.2021</a:t>
             </a:fld>
             <a:endParaRPr lang="de-DE"/>
           </a:p>
@@ -2319,7 +2309,7 @@
           <a:p>
             <a:fld id="{F1108507-F884-4F9F-B071-3D30EBB8A7D4}" type="datetime1">
               <a:rPr lang="de-DE" smtClean="0"/>
-              <a:t>29.06.2021</a:t>
+              <a:t>02.07.2021</a:t>
             </a:fld>
             <a:endParaRPr lang="de-DE"/>
           </a:p>
@@ -2502,7 +2492,7 @@
           <a:p>
             <a:fld id="{F72011DE-5B3A-4166-8C73-FCF3C153995C}" type="datetime1">
               <a:rPr lang="de-DE" smtClean="0"/>
-              <a:t>29.06.2021</a:t>
+              <a:t>02.07.2021</a:t>
             </a:fld>
             <a:endParaRPr lang="de-DE"/>
           </a:p>
@@ -2675,7 +2665,7 @@
           <a:p>
             <a:fld id="{32039728-7564-466C-990A-59FEFE8A68B2}" type="datetime1">
               <a:rPr lang="de-DE" smtClean="0"/>
-              <a:t>29.06.2021</a:t>
+              <a:t>02.07.2021</a:t>
             </a:fld>
             <a:endParaRPr lang="de-DE"/>
           </a:p>
@@ -2924,7 +2914,7 @@
           <a:p>
             <a:fld id="{2BF4FC10-CBCF-4523-9905-E5CF601A79DD}" type="datetime1">
               <a:rPr lang="de-DE" smtClean="0"/>
-              <a:t>29.06.2021</a:t>
+              <a:t>02.07.2021</a:t>
             </a:fld>
             <a:endParaRPr lang="de-DE"/>
           </a:p>
@@ -3159,7 +3149,7 @@
           <a:p>
             <a:fld id="{AD1A4B27-F142-471B-A5EF-2BCAE931C055}" type="datetime1">
               <a:rPr lang="de-DE" smtClean="0"/>
-              <a:t>29.06.2021</a:t>
+              <a:t>02.07.2021</a:t>
             </a:fld>
             <a:endParaRPr lang="de-DE"/>
           </a:p>
@@ -3565,7 +3555,7 @@
           <a:p>
             <a:fld id="{3E886CAF-4360-4864-AE45-3A9CCCB2BF39}" type="datetime1">
               <a:rPr lang="de-DE" smtClean="0"/>
-              <a:t>29.06.2021</a:t>
+              <a:t>02.07.2021</a:t>
             </a:fld>
             <a:endParaRPr lang="de-DE"/>
           </a:p>
@@ -3686,7 +3676,7 @@
           <a:p>
             <a:fld id="{3AF4B984-8CD3-4740-832A-B70A050F58CE}" type="datetime1">
               <a:rPr lang="de-DE" smtClean="0"/>
-              <a:t>29.06.2021</a:t>
+              <a:t>02.07.2021</a:t>
             </a:fld>
             <a:endParaRPr lang="de-DE"/>
           </a:p>
@@ -3784,7 +3774,7 @@
           <a:p>
             <a:fld id="{A4D1AFD6-737E-4001-9DE6-1F6B7CA26136}" type="datetime1">
               <a:rPr lang="de-DE" smtClean="0"/>
-              <a:t>29.06.2021</a:t>
+              <a:t>02.07.2021</a:t>
             </a:fld>
             <a:endParaRPr lang="de-DE"/>
           </a:p>
@@ -4064,7 +4054,7 @@
           <a:p>
             <a:fld id="{4479FD83-085F-4957-B497-E70B143BA4C3}" type="datetime1">
               <a:rPr lang="de-DE" smtClean="0"/>
-              <a:t>29.06.2021</a:t>
+              <a:t>02.07.2021</a:t>
             </a:fld>
             <a:endParaRPr lang="de-DE"/>
           </a:p>
@@ -4324,7 +4314,7 @@
           <a:p>
             <a:fld id="{B4330FE9-4544-4D03-BD5F-38156A083000}" type="datetime1">
               <a:rPr lang="de-DE" smtClean="0"/>
-              <a:t>29.06.2021</a:t>
+              <a:t>02.07.2021</a:t>
             </a:fld>
             <a:endParaRPr lang="de-DE"/>
           </a:p>
@@ -4540,7 +4530,7 @@
           <a:p>
             <a:fld id="{68D95285-0EB6-45FF-A0FE-7D2BF38BCCE1}" type="datetime1">
               <a:rPr lang="de-DE" smtClean="0"/>
-              <a:t>29.06.2021</a:t>
+              <a:t>02.07.2021</a:t>
             </a:fld>
             <a:endParaRPr lang="de-DE"/>
           </a:p>
@@ -5108,12 +5098,12 @@
           <a:chExt cx="0" cy="0"/>
         </a:xfrm>
       </p:grpSpPr>
-      <p:sp useBgFill="1">
+      <p:sp>
         <p:nvSpPr>
           <p:cNvPr id="2" name="Titel 1">
             <a:extLst>
               <a:ext uri="{FF2B5EF4-FFF2-40B4-BE49-F238E27FC236}">
-                <a16:creationId xmlns:a16="http://schemas.microsoft.com/office/drawing/2014/main" id="{2EFC865D-173E-45CA-A8A0-A5BB5078D174}"/>
+                <a16:creationId xmlns:a16="http://schemas.microsoft.com/office/drawing/2014/main" id="{7D89A980-0C43-454D-9303-EF07EC814011}"/>
               </a:ext>
             </a:extLst>
           </p:cNvPr>
@@ -5124,268 +5114,52 @@
             <p:ph type="title"/>
           </p:nvPr>
         </p:nvSpPr>
-        <p:spPr>
-          <a:xfrm>
-            <a:off x="838200" y="820833"/>
-            <a:ext cx="10515600" cy="873624"/>
-          </a:xfrm>
-          <a:ln>
-            <a:noFill/>
-          </a:ln>
-        </p:spPr>
+        <p:spPr/>
         <p:txBody>
           <a:bodyPr/>
           <a:lstStyle/>
           <a:p>
-            <a:pPr algn="ctr"/>
-            <a:r>
-              <a:rPr lang="de-DE" b="1" dirty="0"/>
-              <a:t>Arbeitsleistung in Zahlen</a:t>
-            </a:r>
-          </a:p>
-        </p:txBody>
-      </p:sp>
-      <p:graphicFrame>
-        <p:nvGraphicFramePr>
-          <p:cNvPr id="7" name="Tabelle 7">
+            <a:r>
+              <a:rPr lang="de-DE" dirty="0"/>
+              <a:t>3. Herausforderung</a:t>
+            </a:r>
+          </a:p>
+        </p:txBody>
+      </p:sp>
+      <p:sp>
+        <p:nvSpPr>
+          <p:cNvPr id="3" name="Textplatzhalter 2">
             <a:extLst>
               <a:ext uri="{FF2B5EF4-FFF2-40B4-BE49-F238E27FC236}">
-                <a16:creationId xmlns:a16="http://schemas.microsoft.com/office/drawing/2014/main" id="{CB170DE2-9EE7-43DC-8FB5-5CF13E6902DE}"/>
+                <a16:creationId xmlns:a16="http://schemas.microsoft.com/office/drawing/2014/main" id="{24EE4213-D186-4EE9-BDBF-14FF2C472F3D}"/>
               </a:ext>
             </a:extLst>
           </p:cNvPr>
-          <p:cNvGraphicFramePr>
-            <a:graphicFrameLocks noGrp="1"/>
-          </p:cNvGraphicFramePr>
-          <p:nvPr>
-            <p:ph idx="1"/>
-            <p:extLst>
-              <p:ext uri="{D42A27DB-BD31-4B8C-83A1-F6EECF244321}">
-                <p14:modId xmlns:p14="http://schemas.microsoft.com/office/powerpoint/2010/main" val="4211647106"/>
-              </p:ext>
-            </p:extLst>
-          </p:nvPr>
-        </p:nvGraphicFramePr>
-        <p:xfrm>
-          <a:off x="998545" y="2475672"/>
-          <a:ext cx="10515600" cy="2590800"/>
-        </p:xfrm>
-        <a:graphic>
-          <a:graphicData uri="http://schemas.openxmlformats.org/drawingml/2006/table">
-            <a:tbl>
-              <a:tblPr>
-                <a:tableStyleId>{2D5ABB26-0587-4C30-8999-92F81FD0307C}</a:tableStyleId>
-              </a:tblPr>
-              <a:tblGrid>
-                <a:gridCol w="5257800">
-                  <a:extLst>
-                    <a:ext uri="{9D8B030D-6E8A-4147-A177-3AD203B41FA5}">
-                      <a16:colId xmlns:a16="http://schemas.microsoft.com/office/drawing/2014/main" val="4033457367"/>
-                    </a:ext>
-                  </a:extLst>
-                </a:gridCol>
-                <a:gridCol w="5257800">
-                  <a:extLst>
-                    <a:ext uri="{9D8B030D-6E8A-4147-A177-3AD203B41FA5}">
-                      <a16:colId xmlns:a16="http://schemas.microsoft.com/office/drawing/2014/main" val="330040343"/>
-                    </a:ext>
-                  </a:extLst>
-                </a:gridCol>
-              </a:tblGrid>
-              <a:tr h="370840">
-                <a:tc>
-                  <a:txBody>
-                    <a:bodyPr/>
-                    <a:lstStyle/>
-                    <a:p>
-                      <a:r>
-                        <a:rPr lang="de-DE" sz="2800" dirty="0"/>
-                        <a:t>Code-Zeilen (</a:t>
-                      </a:r>
-                      <a:r>
-                        <a:rPr lang="de-DE" sz="2800" dirty="0" err="1"/>
-                        <a:t>Loc</a:t>
-                      </a:r>
-                      <a:r>
-                        <a:rPr lang="de-DE" sz="2800" dirty="0"/>
-                        <a:t>)</a:t>
-                      </a:r>
-                    </a:p>
-                  </a:txBody>
-                  <a:tcPr/>
-                </a:tc>
-                <a:tc>
-                  <a:txBody>
-                    <a:bodyPr/>
-                    <a:lstStyle/>
-                    <a:p>
-                      <a:r>
-                        <a:rPr lang="de-DE" sz="2800" dirty="0"/>
-                        <a:t>Ca 1970</a:t>
-                      </a:r>
-                    </a:p>
-                  </a:txBody>
-                  <a:tcPr/>
-                </a:tc>
-                <a:extLst>
-                  <a:ext uri="{0D108BD9-81ED-4DB2-BD59-A6C34878D82A}">
-                    <a16:rowId xmlns:a16="http://schemas.microsoft.com/office/drawing/2014/main" val="1013833805"/>
-                  </a:ext>
-                </a:extLst>
-              </a:tr>
-              <a:tr h="370840">
-                <a:tc>
-                  <a:txBody>
-                    <a:bodyPr/>
-                    <a:lstStyle/>
-                    <a:p>
-                      <a:r>
-                        <a:rPr lang="de-DE" sz="2800" dirty="0" err="1"/>
-                        <a:t>Commits</a:t>
-                      </a:r>
-                      <a:endParaRPr lang="de-DE" sz="2800" dirty="0"/>
-                    </a:p>
-                  </a:txBody>
-                  <a:tcPr/>
-                </a:tc>
-                <a:tc>
-                  <a:txBody>
-                    <a:bodyPr/>
-                    <a:lstStyle/>
-                    <a:p>
-                      <a:r>
-                        <a:rPr lang="de-DE" sz="2800" dirty="0"/>
-                        <a:t>Ca. 150</a:t>
-                      </a:r>
-                    </a:p>
-                  </a:txBody>
-                  <a:tcPr/>
-                </a:tc>
-                <a:extLst>
-                  <a:ext uri="{0D108BD9-81ED-4DB2-BD59-A6C34878D82A}">
-                    <a16:rowId xmlns:a16="http://schemas.microsoft.com/office/drawing/2014/main" val="2880316524"/>
-                  </a:ext>
-                </a:extLst>
-              </a:tr>
-              <a:tr h="370840">
-                <a:tc>
-                  <a:txBody>
-                    <a:bodyPr/>
-                    <a:lstStyle/>
-                    <a:p>
-                      <a:r>
-                        <a:rPr lang="de-DE" sz="2800" dirty="0"/>
-                        <a:t>Geschlossene Pull-</a:t>
-                      </a:r>
-                      <a:r>
-                        <a:rPr lang="de-DE" sz="2800" dirty="0" err="1"/>
-                        <a:t>Requests</a:t>
-                      </a:r>
-                      <a:endParaRPr lang="de-DE" sz="2800" dirty="0"/>
-                    </a:p>
-                  </a:txBody>
-                  <a:tcPr/>
-                </a:tc>
-                <a:tc>
-                  <a:txBody>
-                    <a:bodyPr/>
-                    <a:lstStyle/>
-                    <a:p>
-                      <a:r>
-                        <a:rPr lang="de-DE" sz="2800" dirty="0"/>
-                        <a:t>30</a:t>
-                      </a:r>
-                    </a:p>
-                  </a:txBody>
-                  <a:tcPr/>
-                </a:tc>
-                <a:extLst>
-                  <a:ext uri="{0D108BD9-81ED-4DB2-BD59-A6C34878D82A}">
-                    <a16:rowId xmlns:a16="http://schemas.microsoft.com/office/drawing/2014/main" val="1861135954"/>
-                  </a:ext>
-                </a:extLst>
-              </a:tr>
-              <a:tr h="370840">
-                <a:tc>
-                  <a:txBody>
-                    <a:bodyPr/>
-                    <a:lstStyle/>
-                    <a:p>
-                      <a:r>
-                        <a:rPr lang="de-DE" sz="2800" dirty="0"/>
-                        <a:t>Geschlossene </a:t>
-                      </a:r>
-                      <a:r>
-                        <a:rPr lang="de-DE" sz="2800" dirty="0" err="1"/>
-                        <a:t>Issues</a:t>
-                      </a:r>
-                      <a:endParaRPr lang="de-DE" sz="2800" dirty="0"/>
-                    </a:p>
-                  </a:txBody>
-                  <a:tcPr/>
-                </a:tc>
-                <a:tc>
-                  <a:txBody>
-                    <a:bodyPr/>
-                    <a:lstStyle/>
-                    <a:p>
-                      <a:r>
-                        <a:rPr lang="de-DE" sz="2800" dirty="0"/>
-                        <a:t>27</a:t>
-                      </a:r>
-                    </a:p>
-                  </a:txBody>
-                  <a:tcPr/>
-                </a:tc>
-                <a:extLst>
-                  <a:ext uri="{0D108BD9-81ED-4DB2-BD59-A6C34878D82A}">
-                    <a16:rowId xmlns:a16="http://schemas.microsoft.com/office/drawing/2014/main" val="1455589696"/>
-                  </a:ext>
-                </a:extLst>
-              </a:tr>
-              <a:tr h="370840">
-                <a:tc>
-                  <a:txBody>
-                    <a:bodyPr/>
-                    <a:lstStyle/>
-                    <a:p>
-                      <a:r>
-                        <a:rPr lang="de-DE" sz="2800" dirty="0"/>
-                        <a:t>Swift-Dateien</a:t>
-                      </a:r>
-                    </a:p>
-                  </a:txBody>
-                  <a:tcPr/>
-                </a:tc>
-                <a:tc>
-                  <a:txBody>
-                    <a:bodyPr/>
-                    <a:lstStyle/>
-                    <a:p>
-                      <a:r>
-                        <a:rPr lang="de-DE" sz="2800" dirty="0"/>
-                        <a:t>40</a:t>
-                      </a:r>
-                    </a:p>
-                  </a:txBody>
-                  <a:tcPr/>
-                </a:tc>
-                <a:extLst>
-                  <a:ext uri="{0D108BD9-81ED-4DB2-BD59-A6C34878D82A}">
-                    <a16:rowId xmlns:a16="http://schemas.microsoft.com/office/drawing/2014/main" val="3751265702"/>
-                  </a:ext>
-                </a:extLst>
-              </a:tr>
-            </a:tbl>
-          </a:graphicData>
-        </a:graphic>
-      </p:graphicFrame>
+          <p:cNvSpPr>
+            <a:spLocks noGrp="1"/>
+          </p:cNvSpPr>
+          <p:nvPr>
+            <p:ph type="body" idx="1"/>
+          </p:nvPr>
+        </p:nvSpPr>
+        <p:spPr/>
+        <p:txBody>
+          <a:bodyPr/>
+          <a:lstStyle/>
+          <a:p>
+            <a:r>
+              <a:rPr lang="de-DE" dirty="0"/>
+              <a:t>Vermeidung der „Callback Hell“</a:t>
+            </a:r>
+          </a:p>
+        </p:txBody>
+      </p:sp>
       <p:sp>
         <p:nvSpPr>
           <p:cNvPr id="4" name="Fußzeilenplatzhalter 3">
             <a:extLst>
               <a:ext uri="{FF2B5EF4-FFF2-40B4-BE49-F238E27FC236}">
-                <a16:creationId xmlns:a16="http://schemas.microsoft.com/office/drawing/2014/main" id="{8DB4ABD6-C487-4E97-81C7-07A82F860447}"/>
+                <a16:creationId xmlns:a16="http://schemas.microsoft.com/office/drawing/2014/main" id="{E126004E-FF0C-4E35-AC49-5CCE20730E37}"/>
               </a:ext>
             </a:extLst>
           </p:cNvPr>
@@ -5413,7 +5187,7 @@
           <p:cNvPr id="5" name="Foliennummernplatzhalter 4">
             <a:extLst>
               <a:ext uri="{FF2B5EF4-FFF2-40B4-BE49-F238E27FC236}">
-                <a16:creationId xmlns:a16="http://schemas.microsoft.com/office/drawing/2014/main" id="{611761AF-9446-44C6-8DD7-50BB0BF3D97D}"/>
+                <a16:creationId xmlns:a16="http://schemas.microsoft.com/office/drawing/2014/main" id="{A96B2519-0EFA-4C4A-AB7D-22804F7DA7D2}"/>
               </a:ext>
             </a:extLst>
           </p:cNvPr>
@@ -5440,15 +5214,15 @@
     </p:spTree>
     <p:extLst>
       <p:ext uri="{BB962C8B-B14F-4D97-AF65-F5344CB8AC3E}">
-        <p14:creationId xmlns:p14="http://schemas.microsoft.com/office/powerpoint/2010/main" val="2302447997"/>
+        <p14:creationId xmlns:p14="http://schemas.microsoft.com/office/powerpoint/2010/main" val="1774779825"/>
       </p:ext>
     </p:extLst>
   </p:cSld>
   <p:clrMapOvr>
     <a:masterClrMapping/>
   </p:clrMapOvr>
-  <p:transition spd="med">
-    <p:pull/>
+  <p:transition spd="slow">
+    <p:push dir="u"/>
   </p:transition>
 </p:sld>
 </file>
@@ -5475,7 +5249,7 @@
           <p:cNvPr id="2" name="Titel 1">
             <a:extLst>
               <a:ext uri="{FF2B5EF4-FFF2-40B4-BE49-F238E27FC236}">
-                <a16:creationId xmlns:a16="http://schemas.microsoft.com/office/drawing/2014/main" id="{7D89A980-0C43-454D-9303-EF07EC814011}"/>
+                <a16:creationId xmlns:a16="http://schemas.microsoft.com/office/drawing/2014/main" id="{587B4619-50EE-49BF-B53E-208B7D14B1E0}"/>
               </a:ext>
             </a:extLst>
           </p:cNvPr>
@@ -5486,24 +5260,30 @@
             <p:ph type="title"/>
           </p:nvPr>
         </p:nvSpPr>
-        <p:spPr/>
+        <p:spPr>
+          <a:xfrm>
+            <a:off x="838200" y="681037"/>
+            <a:ext cx="10515600" cy="1009651"/>
+          </a:xfrm>
+        </p:spPr>
         <p:txBody>
           <a:bodyPr/>
           <a:lstStyle/>
           <a:p>
-            <a:r>
-              <a:rPr lang="de-DE" dirty="0"/>
-              <a:t>3. Herausforderungen</a:t>
-            </a:r>
-          </a:p>
-        </p:txBody>
-      </p:sp>
-      <p:sp>
-        <p:nvSpPr>
-          <p:cNvPr id="3" name="Textplatzhalter 2">
+            <a:pPr algn="ctr"/>
+            <a:r>
+              <a:rPr lang="de-DE" b="1" dirty="0"/>
+              <a:t>Vermeidung der „Callback-Hell“</a:t>
+            </a:r>
+          </a:p>
+        </p:txBody>
+      </p:sp>
+      <p:sp>
+        <p:nvSpPr>
+          <p:cNvPr id="3" name="Inhaltsplatzhalter 2">
             <a:extLst>
               <a:ext uri="{FF2B5EF4-FFF2-40B4-BE49-F238E27FC236}">
-                <a16:creationId xmlns:a16="http://schemas.microsoft.com/office/drawing/2014/main" id="{24EE4213-D186-4EE9-BDBF-14FF2C472F3D}"/>
+                <a16:creationId xmlns:a16="http://schemas.microsoft.com/office/drawing/2014/main" id="{151E6A0A-C6F6-4270-A0F2-89B094A7FA8E}"/>
               </a:ext>
             </a:extLst>
           </p:cNvPr>
@@ -5511,7 +5291,7 @@
             <a:spLocks noGrp="1"/>
           </p:cNvSpPr>
           <p:nvPr>
-            <p:ph type="body" idx="1"/>
+            <p:ph idx="1"/>
           </p:nvPr>
         </p:nvSpPr>
         <p:spPr/>
@@ -5521,7 +5301,86 @@
           <a:p>
             <a:r>
               <a:rPr lang="de-DE" dirty="0"/>
-              <a:t>Eigene Navigationsstruktur und „Callback-Hell“ bei asynchronen Methoden</a:t>
+              <a:t>Funktionen von </a:t>
+            </a:r>
+            <a:r>
+              <a:rPr lang="de-DE" dirty="0" err="1"/>
+              <a:t>Firebase</a:t>
+            </a:r>
+            <a:r>
+              <a:rPr lang="de-DE" dirty="0"/>
+              <a:t> sind asynchron</a:t>
+            </a:r>
+          </a:p>
+          <a:p>
+            <a:pPr lvl="1"/>
+            <a:r>
+              <a:rPr lang="de-DE" dirty="0"/>
+              <a:t>Um Aktion durchzuführen, nachdem </a:t>
+            </a:r>
+            <a:r>
+              <a:rPr lang="de-DE" dirty="0" err="1"/>
+              <a:t>Firebase</a:t>
+            </a:r>
+            <a:r>
+              <a:rPr lang="de-DE" dirty="0"/>
+              <a:t>-Operation abgeschlossen ist, kann ein </a:t>
+            </a:r>
+            <a:r>
+              <a:rPr lang="de-DE" dirty="0" err="1"/>
+              <a:t>Completion</a:t>
+            </a:r>
+            <a:r>
+              <a:rPr lang="de-DE" dirty="0"/>
+              <a:t>-Handler übergeben werden</a:t>
+            </a:r>
+          </a:p>
+          <a:p>
+            <a:r>
+              <a:rPr lang="de-DE" dirty="0"/>
+              <a:t>Voneinander abhängige Abfragen sorgen für tiefe Verschachtelung</a:t>
+            </a:r>
+          </a:p>
+          <a:p>
+            <a:pPr lvl="1"/>
+            <a:r>
+              <a:rPr lang="de-DE" dirty="0"/>
+              <a:t>Diese Verschachtelung wird umgangssprachlich als „Callback-Hell“ bezeichnet</a:t>
+            </a:r>
+          </a:p>
+          <a:p>
+            <a:r>
+              <a:rPr lang="de-DE" dirty="0"/>
+              <a:t>In „Quiz </a:t>
+            </a:r>
+            <a:r>
+              <a:rPr lang="de-DE" dirty="0" err="1"/>
+              <a:t>With</a:t>
+            </a:r>
+            <a:r>
+              <a:rPr lang="de-DE" dirty="0"/>
+              <a:t> Me“ wird dies zum Problem bei Spielerstellung</a:t>
+            </a:r>
+          </a:p>
+          <a:p>
+            <a:pPr lvl="1"/>
+            <a:r>
+              <a:rPr lang="de-DE" dirty="0"/>
+              <a:t>Hier werden zunächst alle Nutzer-IDs benötigt</a:t>
+            </a:r>
+          </a:p>
+          <a:p>
+            <a:pPr lvl="1"/>
+            <a:r>
+              <a:rPr lang="de-DE" dirty="0"/>
+              <a:t>Aus diesen wird Gegner ermittelt und konkreter Nutzer abgefragt</a:t>
+            </a:r>
+          </a:p>
+          <a:p>
+            <a:pPr lvl="1"/>
+            <a:r>
+              <a:rPr lang="de-DE" dirty="0"/>
+              <a:t>Ablauf geht weiter, es ist aber jetzt schon zu sehen, dass tiefe Verschachtelung entsteht</a:t>
             </a:r>
           </a:p>
         </p:txBody>
@@ -5531,7 +5390,7 @@
           <p:cNvPr id="4" name="Fußzeilenplatzhalter 3">
             <a:extLst>
               <a:ext uri="{FF2B5EF4-FFF2-40B4-BE49-F238E27FC236}">
-                <a16:creationId xmlns:a16="http://schemas.microsoft.com/office/drawing/2014/main" id="{E126004E-FF0C-4E35-AC49-5CCE20730E37}"/>
+                <a16:creationId xmlns:a16="http://schemas.microsoft.com/office/drawing/2014/main" id="{CEDD9F26-9B61-4692-89B1-62AC90293453}"/>
               </a:ext>
             </a:extLst>
           </p:cNvPr>
@@ -5559,7 +5418,7 @@
           <p:cNvPr id="5" name="Foliennummernplatzhalter 4">
             <a:extLst>
               <a:ext uri="{FF2B5EF4-FFF2-40B4-BE49-F238E27FC236}">
-                <a16:creationId xmlns:a16="http://schemas.microsoft.com/office/drawing/2014/main" id="{A96B2519-0EFA-4C4A-AB7D-22804F7DA7D2}"/>
+                <a16:creationId xmlns:a16="http://schemas.microsoft.com/office/drawing/2014/main" id="{B46FD638-A069-4C7C-8176-862811053600}"/>
               </a:ext>
             </a:extLst>
           </p:cNvPr>
@@ -5586,15 +5445,15 @@
     </p:spTree>
     <p:extLst>
       <p:ext uri="{BB962C8B-B14F-4D97-AF65-F5344CB8AC3E}">
-        <p14:creationId xmlns:p14="http://schemas.microsoft.com/office/powerpoint/2010/main" val="1774779825"/>
+        <p14:creationId xmlns:p14="http://schemas.microsoft.com/office/powerpoint/2010/main" val="1184670408"/>
       </p:ext>
     </p:extLst>
   </p:cSld>
   <p:clrMapOvr>
     <a:masterClrMapping/>
   </p:clrMapOvr>
-  <p:transition spd="slow">
-    <p:push dir="u"/>
+  <p:transition spd="med">
+    <p:pull/>
   </p:transition>
 </p:sld>
 </file>
@@ -5621,7 +5480,7 @@
           <p:cNvPr id="2" name="Titel 1">
             <a:extLst>
               <a:ext uri="{FF2B5EF4-FFF2-40B4-BE49-F238E27FC236}">
-                <a16:creationId xmlns:a16="http://schemas.microsoft.com/office/drawing/2014/main" id="{B5CA3737-E3C2-4D5A-B232-57CE1E73807B}"/>
+                <a16:creationId xmlns:a16="http://schemas.microsoft.com/office/drawing/2014/main" id="{7AFE0639-69CC-4F90-8D68-A0D52C7E3587}"/>
               </a:ext>
             </a:extLst>
           </p:cNvPr>
@@ -5632,12 +5491,7 @@
             <p:ph type="title"/>
           </p:nvPr>
         </p:nvSpPr>
-        <p:spPr>
-          <a:xfrm>
-            <a:off x="838200" y="748936"/>
-            <a:ext cx="10515600" cy="941751"/>
-          </a:xfrm>
-        </p:spPr>
+        <p:spPr/>
         <p:txBody>
           <a:bodyPr/>
           <a:lstStyle/>
@@ -5645,7 +5499,7 @@
             <a:pPr algn="ctr"/>
             <a:r>
               <a:rPr lang="de-DE" b="1" dirty="0"/>
-              <a:t>Eigene Navigationsstruktur: Wozu?</a:t>
+              <a:t>Callback-Hell: Beispiel</a:t>
             </a:r>
           </a:p>
         </p:txBody>
@@ -5655,7 +5509,7 @@
           <p:cNvPr id="3" name="Inhaltsplatzhalter 2">
             <a:extLst>
               <a:ext uri="{FF2B5EF4-FFF2-40B4-BE49-F238E27FC236}">
-                <a16:creationId xmlns:a16="http://schemas.microsoft.com/office/drawing/2014/main" id="{C4EF7671-48A9-4A08-8997-7D41632FA89A}"/>
+                <a16:creationId xmlns:a16="http://schemas.microsoft.com/office/drawing/2014/main" id="{F16CBBDD-B778-4428-BEA4-58A2A93CF9E6}"/>
               </a:ext>
             </a:extLst>
           </p:cNvPr>
@@ -5666,7 +5520,12 @@
             <p:ph idx="1"/>
           </p:nvPr>
         </p:nvSpPr>
-        <p:spPr/>
+        <p:spPr>
+          <a:xfrm>
+            <a:off x="838200" y="2425699"/>
+            <a:ext cx="10515600" cy="3751263"/>
+          </a:xfrm>
+        </p:spPr>
         <p:txBody>
           <a:bodyPr>
             <a:normAutofit/>
@@ -5677,126 +5536,667 @@
               <a:buNone/>
             </a:pPr>
             <a:r>
-              <a:rPr lang="de-DE" b="1" dirty="0"/>
-              <a:t>Problem:</a:t>
-            </a:r>
-            <a:endParaRPr lang="de-DE" b="1" dirty="0">
-              <a:latin typeface="Consolas" panose="020B0609020204030204" pitchFamily="49" charset="0"/>
-              <a:ea typeface="Meiryo" panose="020B0604030504040204" pitchFamily="34" charset="-128"/>
-            </a:endParaRPr>
-          </a:p>
-          <a:p>
-            <a:r>
-              <a:rPr lang="de-DE" dirty="0" err="1">
-                <a:latin typeface="Consolas" panose="020B0609020204030204" pitchFamily="49" charset="0"/>
-                <a:ea typeface="Meiryo" panose="020B0604030504040204" pitchFamily="34" charset="-128"/>
-              </a:rPr>
-              <a:t>NavigationView</a:t>
-            </a:r>
-            <a:r>
-              <a:rPr lang="de-DE" dirty="0">
-                <a:latin typeface="Consolas" panose="020B0609020204030204" pitchFamily="49" charset="0"/>
-                <a:ea typeface="Meiryo" panose="020B0604030504040204" pitchFamily="34" charset="-128"/>
-              </a:rPr>
-              <a:t> </a:t>
-            </a:r>
-            <a:r>
-              <a:rPr lang="de-DE" dirty="0" err="1"/>
-              <a:t>o.ä.ungeeignet</a:t>
-            </a:r>
-            <a:r>
-              <a:rPr lang="de-DE" dirty="0"/>
-              <a:t>, da unpassend für Spiel</a:t>
-            </a:r>
-            <a:endParaRPr lang="de-DE" dirty="0">
-              <a:ea typeface="Meiryo" panose="020B0604030504040204" pitchFamily="34" charset="-128"/>
-            </a:endParaRPr>
-          </a:p>
-          <a:p>
-            <a:pPr lvl="1"/>
-            <a:r>
-              <a:rPr lang="de-DE" dirty="0"/>
-              <a:t>Unser Design sieht kein „Banner“ oben vor</a:t>
-            </a:r>
-            <a:endParaRPr lang="de-DE" dirty="0">
-              <a:ea typeface="Meiryo" panose="020B0604030504040204" pitchFamily="34" charset="-128"/>
-            </a:endParaRPr>
-          </a:p>
-          <a:p>
-            <a:pPr lvl="1"/>
-            <a:r>
-              <a:rPr lang="de-DE" dirty="0"/>
-              <a:t>Mögliche Lösung wäre es, Leiste zu verstecken, sahen wir allerdings als unschöne Lösung an</a:t>
-            </a:r>
-            <a:endParaRPr lang="de-DE" dirty="0">
-              <a:ea typeface="Meiryo" panose="020B0604030504040204" pitchFamily="34" charset="-128"/>
-            </a:endParaRPr>
+              <a:rPr lang="de-DE" sz="1800" b="0" dirty="0" err="1">
+                <a:solidFill>
+                  <a:srgbClr val="569CD6"/>
+                </a:solidFill>
+                <a:effectLst/>
+                <a:latin typeface="Consolas" panose="020B0609020204030204" pitchFamily="49" charset="0"/>
+              </a:rPr>
+              <a:t>func</a:t>
+            </a:r>
+            <a:r>
+              <a:rPr lang="de-DE" sz="1800" b="0" dirty="0">
+                <a:solidFill>
+                  <a:srgbClr val="D4D4D4"/>
+                </a:solidFill>
+                <a:effectLst/>
+                <a:latin typeface="Consolas" panose="020B0609020204030204" pitchFamily="49" charset="0"/>
+              </a:rPr>
+              <a:t> </a:t>
+            </a:r>
+            <a:r>
+              <a:rPr lang="de-DE" sz="1800" b="0" dirty="0" err="1">
+                <a:solidFill>
+                  <a:srgbClr val="DCDCAA"/>
+                </a:solidFill>
+                <a:effectLst/>
+                <a:latin typeface="Consolas" panose="020B0609020204030204" pitchFamily="49" charset="0"/>
+              </a:rPr>
+              <a:t>createNewGame</a:t>
+            </a:r>
+            <a:r>
+              <a:rPr lang="de-DE" sz="1800" b="0" dirty="0">
+                <a:solidFill>
+                  <a:srgbClr val="D4D4D4"/>
+                </a:solidFill>
+                <a:effectLst/>
+                <a:latin typeface="Consolas" panose="020B0609020204030204" pitchFamily="49" charset="0"/>
+              </a:rPr>
+              <a:t>(</a:t>
+            </a:r>
+            <a:r>
+              <a:rPr lang="de-DE" sz="1800" b="0" dirty="0" err="1">
+                <a:solidFill>
+                  <a:srgbClr val="DCDCAA"/>
+                </a:solidFill>
+                <a:effectLst/>
+                <a:latin typeface="Consolas" panose="020B0609020204030204" pitchFamily="49" charset="0"/>
+              </a:rPr>
+              <a:t>completion</a:t>
+            </a:r>
+            <a:r>
+              <a:rPr lang="de-DE" sz="1800" b="0" dirty="0">
+                <a:solidFill>
+                  <a:srgbClr val="D4D4D4"/>
+                </a:solidFill>
+                <a:effectLst/>
+                <a:latin typeface="Consolas" panose="020B0609020204030204" pitchFamily="49" charset="0"/>
+              </a:rPr>
+              <a:t>: </a:t>
+            </a:r>
+            <a:r>
+              <a:rPr lang="de-DE" sz="1800" b="0" dirty="0">
+                <a:solidFill>
+                  <a:srgbClr val="569CD6"/>
+                </a:solidFill>
+                <a:effectLst/>
+                <a:latin typeface="Consolas" panose="020B0609020204030204" pitchFamily="49" charset="0"/>
+              </a:rPr>
+              <a:t>@escaping</a:t>
+            </a:r>
+            <a:r>
+              <a:rPr lang="de-DE" sz="1800" b="0" dirty="0">
+                <a:solidFill>
+                  <a:srgbClr val="D4D4D4"/>
+                </a:solidFill>
+                <a:effectLst/>
+                <a:latin typeface="Consolas" panose="020B0609020204030204" pitchFamily="49" charset="0"/>
+              </a:rPr>
+              <a:t> (</a:t>
+            </a:r>
+            <a:r>
+              <a:rPr lang="de-DE" sz="1800" b="0" dirty="0" err="1">
+                <a:solidFill>
+                  <a:srgbClr val="D4D4D4"/>
+                </a:solidFill>
+                <a:effectLst/>
+                <a:latin typeface="Consolas" panose="020B0609020204030204" pitchFamily="49" charset="0"/>
+              </a:rPr>
+              <a:t>quizGame</a:t>
+            </a:r>
+            <a:r>
+              <a:rPr lang="de-DE" sz="1800" b="0" dirty="0">
+                <a:solidFill>
+                  <a:srgbClr val="D4D4D4"/>
+                </a:solidFill>
+                <a:effectLst/>
+                <a:latin typeface="Consolas" panose="020B0609020204030204" pitchFamily="49" charset="0"/>
+              </a:rPr>
+              <a:t>: </a:t>
+            </a:r>
+            <a:r>
+              <a:rPr lang="de-DE" sz="1800" b="0" dirty="0" err="1">
+                <a:solidFill>
+                  <a:srgbClr val="D4D4D4"/>
+                </a:solidFill>
+                <a:effectLst/>
+                <a:latin typeface="Consolas" panose="020B0609020204030204" pitchFamily="49" charset="0"/>
+              </a:rPr>
+              <a:t>QuizGame</a:t>
+            </a:r>
+            <a:r>
+              <a:rPr lang="de-DE" sz="1800" b="0" dirty="0">
+                <a:solidFill>
+                  <a:srgbClr val="D4D4D4"/>
+                </a:solidFill>
+                <a:effectLst/>
+                <a:latin typeface="Consolas" panose="020B0609020204030204" pitchFamily="49" charset="0"/>
+              </a:rPr>
+              <a:t>) -&gt; </a:t>
+            </a:r>
+            <a:r>
+              <a:rPr lang="de-DE" sz="1800" b="0" dirty="0" err="1">
+                <a:solidFill>
+                  <a:srgbClr val="4EC9B0"/>
+                </a:solidFill>
+                <a:effectLst/>
+                <a:latin typeface="Consolas" panose="020B0609020204030204" pitchFamily="49" charset="0"/>
+              </a:rPr>
+              <a:t>Void</a:t>
+            </a:r>
+            <a:r>
+              <a:rPr lang="de-DE" sz="1800" b="0" dirty="0">
+                <a:solidFill>
+                  <a:srgbClr val="D4D4D4"/>
+                </a:solidFill>
+                <a:effectLst/>
+                <a:latin typeface="Consolas" panose="020B0609020204030204" pitchFamily="49" charset="0"/>
+              </a:rPr>
+              <a:t>) -&gt; </a:t>
+            </a:r>
+            <a:r>
+              <a:rPr lang="de-DE" sz="1800" b="0" dirty="0" err="1">
+                <a:solidFill>
+                  <a:srgbClr val="4EC9B0"/>
+                </a:solidFill>
+                <a:effectLst/>
+                <a:latin typeface="Consolas" panose="020B0609020204030204" pitchFamily="49" charset="0"/>
+              </a:rPr>
+              <a:t>Void</a:t>
+            </a:r>
+            <a:r>
+              <a:rPr lang="de-DE" sz="1800" b="0" dirty="0">
+                <a:solidFill>
+                  <a:srgbClr val="D4D4D4"/>
+                </a:solidFill>
+                <a:effectLst/>
+                <a:latin typeface="Consolas" panose="020B0609020204030204" pitchFamily="49" charset="0"/>
+              </a:rPr>
+              <a:t> {</a:t>
+            </a:r>
           </a:p>
           <a:p>
             <a:pPr marL="0" indent="0">
               <a:buNone/>
             </a:pPr>
             <a:r>
-              <a:rPr lang="de-DE" b="1" dirty="0"/>
-              <a:t>Lösung:</a:t>
-            </a:r>
-          </a:p>
-          <a:p>
-            <a:r>
-              <a:rPr lang="de-DE" dirty="0"/>
-              <a:t>Verwendung eines States (</a:t>
-            </a:r>
-            <a:r>
-              <a:rPr lang="de-DE" dirty="0" err="1">
-                <a:latin typeface="Consolas" panose="020B0609020204030204" pitchFamily="49" charset="0"/>
-              </a:rPr>
-              <a:t>ViewState</a:t>
-            </a:r>
-            <a:r>
-              <a:rPr lang="de-DE" dirty="0"/>
-              <a:t>), repräsentiert durch ein </a:t>
-            </a:r>
-            <a:r>
-              <a:rPr lang="de-DE" dirty="0" err="1"/>
-              <a:t>Enum</a:t>
-            </a:r>
-            <a:endParaRPr lang="de-DE" dirty="0"/>
-          </a:p>
-          <a:p>
-            <a:pPr lvl="1"/>
-            <a:r>
-              <a:rPr lang="de-DE" dirty="0"/>
-              <a:t>State wird mittels Binding an alle </a:t>
-            </a:r>
-            <a:r>
-              <a:rPr lang="de-DE" dirty="0" err="1"/>
-              <a:t>Subviews</a:t>
-            </a:r>
-            <a:r>
-              <a:rPr lang="de-DE" dirty="0"/>
-              <a:t> übergeben</a:t>
-            </a:r>
-          </a:p>
-          <a:p>
-            <a:pPr lvl="1"/>
-            <a:r>
-              <a:rPr lang="de-DE" dirty="0">
-                <a:ea typeface="Meiryo" panose="020B0604030504040204" pitchFamily="34" charset="-128"/>
-              </a:rPr>
-              <a:t>Wert des </a:t>
-            </a:r>
-            <a:r>
-              <a:rPr lang="de-DE" dirty="0" err="1">
-                <a:ea typeface="Meiryo" panose="020B0604030504040204" pitchFamily="34" charset="-128"/>
-              </a:rPr>
-              <a:t>Bindings</a:t>
-            </a:r>
-            <a:r>
-              <a:rPr lang="de-DE" dirty="0">
-                <a:ea typeface="Meiryo" panose="020B0604030504040204" pitchFamily="34" charset="-128"/>
-              </a:rPr>
-              <a:t> wird geändert, wenn View gewechselt werden soll</a:t>
-            </a:r>
+              <a:rPr lang="de-DE" sz="1800" b="0" dirty="0">
+                <a:solidFill>
+                  <a:srgbClr val="D4D4D4"/>
+                </a:solidFill>
+                <a:effectLst/>
+                <a:latin typeface="Consolas" panose="020B0609020204030204" pitchFamily="49" charset="0"/>
+              </a:rPr>
+              <a:t>            </a:t>
+            </a:r>
+            <a:r>
+              <a:rPr lang="de-DE" sz="1800" b="0" dirty="0" err="1">
+                <a:solidFill>
+                  <a:srgbClr val="DCDCAA"/>
+                </a:solidFill>
+                <a:effectLst/>
+                <a:latin typeface="Consolas" panose="020B0609020204030204" pitchFamily="49" charset="0"/>
+              </a:rPr>
+              <a:t>getUserIDs</a:t>
+            </a:r>
+            <a:r>
+              <a:rPr lang="de-DE" sz="1800" b="0" dirty="0">
+                <a:solidFill>
+                  <a:srgbClr val="D4D4D4"/>
+                </a:solidFill>
+                <a:effectLst/>
+                <a:latin typeface="Consolas" panose="020B0609020204030204" pitchFamily="49" charset="0"/>
+              </a:rPr>
+              <a:t>() { (</a:t>
+            </a:r>
+            <a:r>
+              <a:rPr lang="de-DE" sz="1800" b="0" dirty="0" err="1">
+                <a:solidFill>
+                  <a:srgbClr val="DCDCAA"/>
+                </a:solidFill>
+                <a:effectLst/>
+                <a:latin typeface="Consolas" panose="020B0609020204030204" pitchFamily="49" charset="0"/>
+              </a:rPr>
+              <a:t>userIDs</a:t>
+            </a:r>
+            <a:r>
+              <a:rPr lang="de-DE" sz="1800" b="0" dirty="0">
+                <a:solidFill>
+                  <a:srgbClr val="D4D4D4"/>
+                </a:solidFill>
+                <a:effectLst/>
+                <a:latin typeface="Consolas" panose="020B0609020204030204" pitchFamily="49" charset="0"/>
+              </a:rPr>
+              <a:t>: [</a:t>
+            </a:r>
+            <a:r>
+              <a:rPr lang="de-DE" sz="1800" b="0" dirty="0">
+                <a:solidFill>
+                  <a:srgbClr val="4EC9B0"/>
+                </a:solidFill>
+                <a:effectLst/>
+                <a:latin typeface="Consolas" panose="020B0609020204030204" pitchFamily="49" charset="0"/>
+              </a:rPr>
+              <a:t>String</a:t>
+            </a:r>
+            <a:r>
+              <a:rPr lang="de-DE" sz="1800" b="0" dirty="0">
+                <a:solidFill>
+                  <a:srgbClr val="D4D4D4"/>
+                </a:solidFill>
+                <a:effectLst/>
+                <a:latin typeface="Consolas" panose="020B0609020204030204" pitchFamily="49" charset="0"/>
+              </a:rPr>
+              <a:t>]?) </a:t>
+            </a:r>
+            <a:r>
+              <a:rPr lang="de-DE" sz="1800" b="0" dirty="0">
+                <a:solidFill>
+                  <a:srgbClr val="C586C0"/>
+                </a:solidFill>
+                <a:effectLst/>
+                <a:latin typeface="Consolas" panose="020B0609020204030204" pitchFamily="49" charset="0"/>
+              </a:rPr>
+              <a:t>in</a:t>
+            </a:r>
+            <a:endParaRPr lang="de-DE" sz="1800" b="0" dirty="0">
+              <a:solidFill>
+                <a:srgbClr val="D4D4D4"/>
+              </a:solidFill>
+              <a:effectLst/>
+              <a:latin typeface="Consolas" panose="020B0609020204030204" pitchFamily="49" charset="0"/>
+            </a:endParaRPr>
+          </a:p>
+          <a:p>
+            <a:pPr marL="0" indent="0">
+              <a:buNone/>
+            </a:pPr>
+            <a:r>
+              <a:rPr lang="de-DE" sz="1800" b="0" dirty="0">
+                <a:solidFill>
+                  <a:srgbClr val="D4D4D4"/>
+                </a:solidFill>
+                <a:effectLst/>
+                <a:latin typeface="Consolas" panose="020B0609020204030204" pitchFamily="49" charset="0"/>
+              </a:rPr>
+              <a:t>            </a:t>
+            </a:r>
+            <a:r>
+              <a:rPr lang="de-DE" sz="1800" b="0" dirty="0">
+                <a:solidFill>
+                  <a:srgbClr val="6A9955"/>
+                </a:solidFill>
+                <a:effectLst/>
+                <a:latin typeface="Consolas" panose="020B0609020204030204" pitchFamily="49" charset="0"/>
+              </a:rPr>
+              <a:t>// Do </a:t>
+            </a:r>
+            <a:r>
+              <a:rPr lang="de-DE" sz="1800" b="0" dirty="0" err="1">
+                <a:solidFill>
+                  <a:srgbClr val="6A9955"/>
+                </a:solidFill>
+                <a:effectLst/>
+                <a:latin typeface="Consolas" panose="020B0609020204030204" pitchFamily="49" charset="0"/>
+              </a:rPr>
+              <a:t>something</a:t>
+            </a:r>
+            <a:r>
+              <a:rPr lang="de-DE" sz="1800" b="0" dirty="0">
+                <a:solidFill>
+                  <a:srgbClr val="6A9955"/>
+                </a:solidFill>
+                <a:effectLst/>
+                <a:latin typeface="Consolas" panose="020B0609020204030204" pitchFamily="49" charset="0"/>
+              </a:rPr>
+              <a:t> </a:t>
+            </a:r>
+            <a:r>
+              <a:rPr lang="de-DE" sz="1800" b="0" dirty="0" err="1">
+                <a:solidFill>
+                  <a:srgbClr val="6A9955"/>
+                </a:solidFill>
+                <a:effectLst/>
+                <a:latin typeface="Consolas" panose="020B0609020204030204" pitchFamily="49" charset="0"/>
+              </a:rPr>
+              <a:t>with</a:t>
+            </a:r>
+            <a:r>
+              <a:rPr lang="de-DE" sz="1800" b="0" dirty="0">
+                <a:solidFill>
+                  <a:srgbClr val="6A9955"/>
+                </a:solidFill>
+                <a:effectLst/>
+                <a:latin typeface="Consolas" panose="020B0609020204030204" pitchFamily="49" charset="0"/>
+              </a:rPr>
+              <a:t> </a:t>
+            </a:r>
+            <a:r>
+              <a:rPr lang="de-DE" sz="1800" b="0" dirty="0" err="1">
+                <a:solidFill>
+                  <a:srgbClr val="6A9955"/>
+                </a:solidFill>
+                <a:effectLst/>
+                <a:latin typeface="Consolas" panose="020B0609020204030204" pitchFamily="49" charset="0"/>
+              </a:rPr>
+              <a:t>the</a:t>
+            </a:r>
+            <a:r>
+              <a:rPr lang="de-DE" sz="1800" b="0" dirty="0">
+                <a:solidFill>
+                  <a:srgbClr val="6A9955"/>
+                </a:solidFill>
+                <a:effectLst/>
+                <a:latin typeface="Consolas" panose="020B0609020204030204" pitchFamily="49" charset="0"/>
+              </a:rPr>
+              <a:t> </a:t>
+            </a:r>
+            <a:r>
+              <a:rPr lang="de-DE" sz="1800" b="0" dirty="0" err="1">
+                <a:solidFill>
+                  <a:srgbClr val="6A9955"/>
+                </a:solidFill>
+                <a:effectLst/>
+                <a:latin typeface="Consolas" panose="020B0609020204030204" pitchFamily="49" charset="0"/>
+              </a:rPr>
+              <a:t>userIDs</a:t>
+            </a:r>
+            <a:endParaRPr lang="de-DE" sz="1800" b="0" dirty="0">
+              <a:solidFill>
+                <a:srgbClr val="D4D4D4"/>
+              </a:solidFill>
+              <a:effectLst/>
+              <a:latin typeface="Consolas" panose="020B0609020204030204" pitchFamily="49" charset="0"/>
+            </a:endParaRPr>
+          </a:p>
+          <a:p>
+            <a:pPr marL="0" indent="0">
+              <a:buNone/>
+            </a:pPr>
+            <a:r>
+              <a:rPr lang="de-DE" sz="1800" b="0" dirty="0">
+                <a:solidFill>
+                  <a:srgbClr val="D4D4D4"/>
+                </a:solidFill>
+                <a:effectLst/>
+                <a:latin typeface="Consolas" panose="020B0609020204030204" pitchFamily="49" charset="0"/>
+              </a:rPr>
+              <a:t>            </a:t>
+            </a:r>
+            <a:r>
+              <a:rPr lang="de-DE" sz="1800" b="0" dirty="0" err="1">
+                <a:solidFill>
+                  <a:srgbClr val="569CD6"/>
+                </a:solidFill>
+                <a:effectLst/>
+                <a:latin typeface="Consolas" panose="020B0609020204030204" pitchFamily="49" charset="0"/>
+              </a:rPr>
+              <a:t>self</a:t>
+            </a:r>
+            <a:r>
+              <a:rPr lang="de-DE" sz="1800" b="0" dirty="0" err="1">
+                <a:solidFill>
+                  <a:srgbClr val="D4D4D4"/>
+                </a:solidFill>
+                <a:effectLst/>
+                <a:latin typeface="Consolas" panose="020B0609020204030204" pitchFamily="49" charset="0"/>
+              </a:rPr>
+              <a:t>.</a:t>
+            </a:r>
+            <a:r>
+              <a:rPr lang="de-DE" sz="1800" b="0" dirty="0" err="1">
+                <a:solidFill>
+                  <a:srgbClr val="DCDCAA"/>
+                </a:solidFill>
+                <a:effectLst/>
+                <a:latin typeface="Consolas" panose="020B0609020204030204" pitchFamily="49" charset="0"/>
+              </a:rPr>
+              <a:t>getUser</a:t>
+            </a:r>
+            <a:r>
+              <a:rPr lang="de-DE" sz="1800" b="0" dirty="0">
+                <a:solidFill>
+                  <a:srgbClr val="D4D4D4"/>
+                </a:solidFill>
+                <a:effectLst/>
+                <a:latin typeface="Consolas" panose="020B0609020204030204" pitchFamily="49" charset="0"/>
+              </a:rPr>
+              <a:t>(</a:t>
+            </a:r>
+            <a:r>
+              <a:rPr lang="de-DE" sz="1800" b="0" dirty="0" err="1">
+                <a:solidFill>
+                  <a:srgbClr val="DCDCAA"/>
+                </a:solidFill>
+                <a:effectLst/>
+                <a:latin typeface="Consolas" panose="020B0609020204030204" pitchFamily="49" charset="0"/>
+              </a:rPr>
+              <a:t>uid</a:t>
+            </a:r>
+            <a:r>
+              <a:rPr lang="de-DE" sz="1800" b="0" dirty="0">
+                <a:solidFill>
+                  <a:srgbClr val="D4D4D4"/>
+                </a:solidFill>
+                <a:effectLst/>
+                <a:latin typeface="Consolas" panose="020B0609020204030204" pitchFamily="49" charset="0"/>
+              </a:rPr>
+              <a:t>: </a:t>
+            </a:r>
+            <a:r>
+              <a:rPr lang="de-DE" sz="1800" b="0" dirty="0" err="1">
+                <a:solidFill>
+                  <a:srgbClr val="D4D4D4"/>
+                </a:solidFill>
+                <a:effectLst/>
+                <a:latin typeface="Consolas" panose="020B0609020204030204" pitchFamily="49" charset="0"/>
+              </a:rPr>
+              <a:t>ownUID</a:t>
+            </a:r>
+            <a:r>
+              <a:rPr lang="de-DE" sz="1800" b="0" dirty="0">
+                <a:solidFill>
+                  <a:srgbClr val="D4D4D4"/>
+                </a:solidFill>
+                <a:effectLst/>
+                <a:latin typeface="Consolas" panose="020B0609020204030204" pitchFamily="49" charset="0"/>
+              </a:rPr>
+              <a:t>) { (</a:t>
+            </a:r>
+            <a:r>
+              <a:rPr lang="de-DE" sz="1800" b="0" dirty="0" err="1">
+                <a:solidFill>
+                  <a:srgbClr val="DCDCAA"/>
+                </a:solidFill>
+                <a:effectLst/>
+                <a:latin typeface="Consolas" panose="020B0609020204030204" pitchFamily="49" charset="0"/>
+              </a:rPr>
+              <a:t>quizUser</a:t>
+            </a:r>
+            <a:r>
+              <a:rPr lang="de-DE" sz="1800" b="0" dirty="0">
+                <a:solidFill>
+                  <a:srgbClr val="D4D4D4"/>
+                </a:solidFill>
+                <a:effectLst/>
+                <a:latin typeface="Consolas" panose="020B0609020204030204" pitchFamily="49" charset="0"/>
+              </a:rPr>
+              <a:t>: </a:t>
+            </a:r>
+            <a:r>
+              <a:rPr lang="de-DE" sz="1800" b="0" dirty="0" err="1">
+                <a:solidFill>
+                  <a:srgbClr val="D4D4D4"/>
+                </a:solidFill>
+                <a:effectLst/>
+                <a:latin typeface="Consolas" panose="020B0609020204030204" pitchFamily="49" charset="0"/>
+              </a:rPr>
+              <a:t>QuizUser</a:t>
+            </a:r>
+            <a:r>
+              <a:rPr lang="de-DE" sz="1800" b="0" dirty="0">
+                <a:solidFill>
+                  <a:srgbClr val="D4D4D4"/>
+                </a:solidFill>
+                <a:effectLst/>
+                <a:latin typeface="Consolas" panose="020B0609020204030204" pitchFamily="49" charset="0"/>
+              </a:rPr>
+              <a:t>) </a:t>
+            </a:r>
+            <a:r>
+              <a:rPr lang="de-DE" sz="1800" b="0" dirty="0">
+                <a:solidFill>
+                  <a:srgbClr val="C586C0"/>
+                </a:solidFill>
+                <a:effectLst/>
+                <a:latin typeface="Consolas" panose="020B0609020204030204" pitchFamily="49" charset="0"/>
+              </a:rPr>
+              <a:t>in</a:t>
+            </a:r>
+            <a:r>
+              <a:rPr lang="de-DE" sz="1800" b="0" dirty="0">
+                <a:solidFill>
+                  <a:srgbClr val="D4D4D4"/>
+                </a:solidFill>
+                <a:effectLst/>
+                <a:latin typeface="Consolas" panose="020B0609020204030204" pitchFamily="49" charset="0"/>
+              </a:rPr>
+              <a:t> </a:t>
+            </a:r>
+          </a:p>
+          <a:p>
+            <a:pPr marL="0" indent="0">
+              <a:buNone/>
+            </a:pPr>
+            <a:r>
+              <a:rPr lang="de-DE" sz="1800" b="0" dirty="0">
+                <a:solidFill>
+                  <a:srgbClr val="D4D4D4"/>
+                </a:solidFill>
+                <a:effectLst/>
+                <a:latin typeface="Consolas" panose="020B0609020204030204" pitchFamily="49" charset="0"/>
+              </a:rPr>
+              <a:t>                </a:t>
+            </a:r>
+            <a:r>
+              <a:rPr lang="de-DE" sz="1800" b="0" dirty="0">
+                <a:solidFill>
+                  <a:srgbClr val="6A9955"/>
+                </a:solidFill>
+                <a:effectLst/>
+                <a:latin typeface="Consolas" panose="020B0609020204030204" pitchFamily="49" charset="0"/>
+              </a:rPr>
+              <a:t>// Do </a:t>
+            </a:r>
+            <a:r>
+              <a:rPr lang="de-DE" sz="1800" b="0" dirty="0" err="1">
+                <a:solidFill>
+                  <a:srgbClr val="6A9955"/>
+                </a:solidFill>
+                <a:effectLst/>
+                <a:latin typeface="Consolas" panose="020B0609020204030204" pitchFamily="49" charset="0"/>
+              </a:rPr>
+              <a:t>something</a:t>
+            </a:r>
+            <a:r>
+              <a:rPr lang="de-DE" sz="1800" b="0" dirty="0">
+                <a:solidFill>
+                  <a:srgbClr val="6A9955"/>
+                </a:solidFill>
+                <a:effectLst/>
+                <a:latin typeface="Consolas" panose="020B0609020204030204" pitchFamily="49" charset="0"/>
+              </a:rPr>
+              <a:t> </a:t>
+            </a:r>
+            <a:r>
+              <a:rPr lang="de-DE" sz="1800" b="0" dirty="0" err="1">
+                <a:solidFill>
+                  <a:srgbClr val="6A9955"/>
+                </a:solidFill>
+                <a:effectLst/>
+                <a:latin typeface="Consolas" panose="020B0609020204030204" pitchFamily="49" charset="0"/>
+              </a:rPr>
+              <a:t>with</a:t>
+            </a:r>
+            <a:r>
+              <a:rPr lang="de-DE" sz="1800" b="0" dirty="0">
+                <a:solidFill>
+                  <a:srgbClr val="6A9955"/>
+                </a:solidFill>
+                <a:effectLst/>
+                <a:latin typeface="Consolas" panose="020B0609020204030204" pitchFamily="49" charset="0"/>
+              </a:rPr>
+              <a:t> </a:t>
+            </a:r>
+            <a:r>
+              <a:rPr lang="de-DE" sz="1800" b="0" dirty="0" err="1">
+                <a:solidFill>
+                  <a:srgbClr val="6A9955"/>
+                </a:solidFill>
+                <a:effectLst/>
+                <a:latin typeface="Consolas" panose="020B0609020204030204" pitchFamily="49" charset="0"/>
+              </a:rPr>
+              <a:t>the</a:t>
+            </a:r>
+            <a:r>
+              <a:rPr lang="de-DE" sz="1800" b="0" dirty="0">
+                <a:solidFill>
+                  <a:srgbClr val="6A9955"/>
+                </a:solidFill>
+                <a:effectLst/>
+                <a:latin typeface="Consolas" panose="020B0609020204030204" pitchFamily="49" charset="0"/>
+              </a:rPr>
+              <a:t> </a:t>
+            </a:r>
+            <a:r>
+              <a:rPr lang="de-DE" sz="1800" b="0" dirty="0" err="1">
+                <a:solidFill>
+                  <a:srgbClr val="6A9955"/>
+                </a:solidFill>
+                <a:effectLst/>
+                <a:latin typeface="Consolas" panose="020B0609020204030204" pitchFamily="49" charset="0"/>
+              </a:rPr>
+              <a:t>user</a:t>
+            </a:r>
+            <a:endParaRPr lang="de-DE" sz="1800" b="0" dirty="0">
+              <a:solidFill>
+                <a:srgbClr val="D4D4D4"/>
+              </a:solidFill>
+              <a:effectLst/>
+              <a:latin typeface="Consolas" panose="020B0609020204030204" pitchFamily="49" charset="0"/>
+            </a:endParaRPr>
+          </a:p>
+          <a:p>
+            <a:pPr marL="0" indent="0">
+              <a:buNone/>
+            </a:pPr>
+            <a:r>
+              <a:rPr lang="de-DE" sz="1800" b="0" dirty="0">
+                <a:solidFill>
+                  <a:srgbClr val="D4D4D4"/>
+                </a:solidFill>
+                <a:effectLst/>
+                <a:latin typeface="Consolas" panose="020B0609020204030204" pitchFamily="49" charset="0"/>
+              </a:rPr>
+              <a:t>            }</a:t>
+            </a:r>
+          </a:p>
+          <a:p>
+            <a:pPr marL="0" indent="0">
+              <a:buNone/>
+            </a:pPr>
+            <a:r>
+              <a:rPr lang="de-DE" sz="1800" b="0" dirty="0">
+                <a:solidFill>
+                  <a:srgbClr val="D4D4D4"/>
+                </a:solidFill>
+                <a:effectLst/>
+                <a:latin typeface="Consolas" panose="020B0609020204030204" pitchFamily="49" charset="0"/>
+              </a:rPr>
+              <a:t>        }</a:t>
+            </a:r>
+          </a:p>
+          <a:p>
+            <a:pPr marL="0" indent="0">
+              <a:buNone/>
+            </a:pPr>
+            <a:r>
+              <a:rPr lang="de-DE" sz="1800" b="0" dirty="0">
+                <a:solidFill>
+                  <a:srgbClr val="D4D4D4"/>
+                </a:solidFill>
+                <a:effectLst/>
+                <a:latin typeface="Consolas" panose="020B0609020204030204" pitchFamily="49" charset="0"/>
+              </a:rPr>
+              <a:t>}</a:t>
+            </a:r>
+          </a:p>
+          <a:p>
+            <a:pPr marL="0" indent="0">
+              <a:buNone/>
+            </a:pPr>
+            <a:endParaRPr lang="de-DE" sz="1800" dirty="0"/>
           </a:p>
         </p:txBody>
       </p:sp>
@@ -5805,7 +6205,7 @@
           <p:cNvPr id="4" name="Fußzeilenplatzhalter 3">
             <a:extLst>
               <a:ext uri="{FF2B5EF4-FFF2-40B4-BE49-F238E27FC236}">
-                <a16:creationId xmlns:a16="http://schemas.microsoft.com/office/drawing/2014/main" id="{77337646-3A52-406A-AC3A-6A07C8E2DB5A}"/>
+                <a16:creationId xmlns:a16="http://schemas.microsoft.com/office/drawing/2014/main" id="{6C9F9A7E-F788-41C1-B5DB-00631A5D7485}"/>
               </a:ext>
             </a:extLst>
           </p:cNvPr>
@@ -5833,7 +6233,7 @@
           <p:cNvPr id="5" name="Foliennummernplatzhalter 4">
             <a:extLst>
               <a:ext uri="{FF2B5EF4-FFF2-40B4-BE49-F238E27FC236}">
-                <a16:creationId xmlns:a16="http://schemas.microsoft.com/office/drawing/2014/main" id="{A25B9EED-9417-4ABD-B6AF-A8EE82F5F139}"/>
+                <a16:creationId xmlns:a16="http://schemas.microsoft.com/office/drawing/2014/main" id="{A7F4FBE9-5627-4CF2-A352-E65A2B4BA33A}"/>
               </a:ext>
             </a:extLst>
           </p:cNvPr>
@@ -5860,7 +6260,7 @@
     </p:spTree>
     <p:extLst>
       <p:ext uri="{BB962C8B-B14F-4D97-AF65-F5344CB8AC3E}">
-        <p14:creationId xmlns:p14="http://schemas.microsoft.com/office/powerpoint/2010/main" val="2669515655"/>
+        <p14:creationId xmlns:p14="http://schemas.microsoft.com/office/powerpoint/2010/main" val="3248875023"/>
       </p:ext>
     </p:extLst>
   </p:cSld>
@@ -5895,7 +6295,7 @@
           <p:cNvPr id="2" name="Titel 1">
             <a:extLst>
               <a:ext uri="{FF2B5EF4-FFF2-40B4-BE49-F238E27FC236}">
-                <a16:creationId xmlns:a16="http://schemas.microsoft.com/office/drawing/2014/main" id="{4E6A548A-A95B-4464-839F-E070C18868FA}"/>
+                <a16:creationId xmlns:a16="http://schemas.microsoft.com/office/drawing/2014/main" id="{2974A037-533C-46C3-BE6E-7DF30E90515E}"/>
               </a:ext>
             </a:extLst>
           </p:cNvPr>
@@ -5906,7 +6306,12 @@
             <p:ph type="title"/>
           </p:nvPr>
         </p:nvSpPr>
-        <p:spPr/>
+        <p:spPr>
+          <a:xfrm>
+            <a:off x="838200" y="681037"/>
+            <a:ext cx="10515600" cy="1009651"/>
+          </a:xfrm>
+        </p:spPr>
         <p:txBody>
           <a:bodyPr/>
           <a:lstStyle/>
@@ -5914,8 +6319,13 @@
             <a:pPr algn="ctr"/>
             <a:r>
               <a:rPr lang="de-DE" b="1" dirty="0"/>
-              <a:t>Eigene Navigationsstruktur: Aufbau</a:t>
-            </a:r>
+              <a:t>Auflösung der Callback-Hell: </a:t>
+            </a:r>
+            <a:r>
+              <a:rPr lang="de-DE" b="1" dirty="0" err="1"/>
+              <a:t>Promises</a:t>
+            </a:r>
+            <a:endParaRPr lang="de-DE" b="1" dirty="0"/>
           </a:p>
         </p:txBody>
       </p:sp>
@@ -5924,7 +6334,7 @@
           <p:cNvPr id="3" name="Inhaltsplatzhalter 2">
             <a:extLst>
               <a:ext uri="{FF2B5EF4-FFF2-40B4-BE49-F238E27FC236}">
-                <a16:creationId xmlns:a16="http://schemas.microsoft.com/office/drawing/2014/main" id="{9988D052-665E-4AC3-9181-921B5A74D3B5}"/>
+                <a16:creationId xmlns:a16="http://schemas.microsoft.com/office/drawing/2014/main" id="{E741A5C4-82AB-43E2-817F-04176D7C54A5}"/>
               </a:ext>
             </a:extLst>
           </p:cNvPr>
@@ -5935,120 +6345,114 @@
             <p:ph idx="1"/>
           </p:nvPr>
         </p:nvSpPr>
-        <p:spPr>
-          <a:xfrm>
-            <a:off x="838200" y="2798233"/>
-            <a:ext cx="10515600" cy="3376944"/>
-          </a:xfrm>
-        </p:spPr>
-        <p:txBody>
-          <a:bodyPr>
-            <a:normAutofit/>
-          </a:bodyPr>
-          <a:lstStyle/>
-          <a:p>
-            <a:pPr marL="0" indent="0">
-              <a:buNone/>
-            </a:pPr>
-            <a:r>
-              <a:rPr lang="de-DE" b="1" dirty="0" err="1"/>
-              <a:t>ViewState.swift</a:t>
-            </a:r>
-            <a:endParaRPr lang="de-DE" b="1" dirty="0"/>
-          </a:p>
-          <a:p>
-            <a:pPr marL="0" indent="0">
-              <a:buNone/>
-            </a:pPr>
-            <a:r>
-              <a:rPr lang="en-US" sz="2000" b="0" dirty="0" err="1">
-                <a:solidFill>
-                  <a:srgbClr val="569CD6"/>
-                </a:solidFill>
-                <a:effectLst/>
-                <a:latin typeface="Consolas" panose="020B0609020204030204" pitchFamily="49" charset="0"/>
-              </a:rPr>
-              <a:t>enum</a:t>
-            </a:r>
-            <a:r>
-              <a:rPr lang="en-US" sz="2000" b="0" dirty="0">
-                <a:solidFill>
-                  <a:srgbClr val="D4D4D4"/>
-                </a:solidFill>
-                <a:effectLst/>
-                <a:latin typeface="Consolas" panose="020B0609020204030204" pitchFamily="49" charset="0"/>
-              </a:rPr>
-              <a:t> </a:t>
-            </a:r>
-            <a:r>
-              <a:rPr lang="en-US" sz="2000" b="0" dirty="0" err="1">
-                <a:solidFill>
-                  <a:srgbClr val="4EC9B0"/>
-                </a:solidFill>
-                <a:effectLst/>
-                <a:latin typeface="Consolas" panose="020B0609020204030204" pitchFamily="49" charset="0"/>
-              </a:rPr>
-              <a:t>ViewState</a:t>
-            </a:r>
-            <a:r>
-              <a:rPr lang="en-US" sz="2000" b="0" dirty="0">
-                <a:solidFill>
-                  <a:srgbClr val="D4D4D4"/>
-                </a:solidFill>
-                <a:effectLst/>
-                <a:latin typeface="Consolas" panose="020B0609020204030204" pitchFamily="49" charset="0"/>
-              </a:rPr>
-              <a:t> {</a:t>
-            </a:r>
-          </a:p>
-          <a:p>
-            <a:pPr marL="0" indent="0">
-              <a:buNone/>
-            </a:pPr>
-            <a:r>
-              <a:rPr lang="en-US" sz="2000" b="0" dirty="0">
-                <a:solidFill>
-                  <a:srgbClr val="D4D4D4"/>
-                </a:solidFill>
-                <a:effectLst/>
-                <a:latin typeface="Consolas" panose="020B0609020204030204" pitchFamily="49" charset="0"/>
-              </a:rPr>
-              <a:t>    </a:t>
-            </a:r>
-            <a:r>
-              <a:rPr lang="en-US" sz="2000" b="0" dirty="0">
-                <a:solidFill>
-                  <a:srgbClr val="C586C0"/>
-                </a:solidFill>
-                <a:effectLst/>
-                <a:latin typeface="Consolas" panose="020B0609020204030204" pitchFamily="49" charset="0"/>
-              </a:rPr>
-              <a:t>case</a:t>
-            </a:r>
-            <a:r>
-              <a:rPr lang="en-US" sz="2000" b="0" dirty="0">
-                <a:solidFill>
-                  <a:srgbClr val="D4D4D4"/>
-                </a:solidFill>
-                <a:effectLst/>
-                <a:latin typeface="Consolas" panose="020B0609020204030204" pitchFamily="49" charset="0"/>
-              </a:rPr>
-              <a:t> LOGIN, REGISTER, HOME, PROFILE, FRIENDSLIST, GAMEOVERVIEW, GAME</a:t>
-            </a:r>
-          </a:p>
-          <a:p>
-            <a:pPr marL="0" indent="0">
-              <a:buNone/>
-            </a:pPr>
-            <a:r>
-              <a:rPr lang="en-US" sz="2000" b="0" dirty="0">
-                <a:solidFill>
-                  <a:srgbClr val="D4D4D4"/>
-                </a:solidFill>
-                <a:effectLst/>
-                <a:latin typeface="Consolas" panose="020B0609020204030204" pitchFamily="49" charset="0"/>
-              </a:rPr>
-              <a:t>}</a:t>
+        <p:spPr/>
+        <p:txBody>
+          <a:bodyPr/>
+          <a:lstStyle/>
+          <a:p>
+            <a:r>
+              <a:rPr lang="de-DE" dirty="0"/>
+              <a:t>Ein </a:t>
+            </a:r>
+            <a:r>
+              <a:rPr lang="de-DE" dirty="0" err="1"/>
+              <a:t>Promise</a:t>
+            </a:r>
+            <a:r>
+              <a:rPr lang="de-DE" dirty="0"/>
+              <a:t> ist ein Versprechen, dass eine Funktion einen Wert zurückgeben wird</a:t>
+            </a:r>
+          </a:p>
+          <a:p>
+            <a:pPr lvl="1"/>
+            <a:r>
+              <a:rPr lang="de-DE" dirty="0"/>
+              <a:t>Mittels Funktionen (</a:t>
+            </a:r>
+            <a:r>
+              <a:rPr lang="de-DE" dirty="0" err="1"/>
+              <a:t>done</a:t>
+            </a:r>
+            <a:r>
+              <a:rPr lang="de-DE" dirty="0"/>
+              <a:t>, </a:t>
+            </a:r>
+            <a:r>
+              <a:rPr lang="de-DE" dirty="0" err="1"/>
+              <a:t>then</a:t>
+            </a:r>
+            <a:r>
+              <a:rPr lang="de-DE" dirty="0"/>
+              <a:t>) kann auf Wert gewartet werden</a:t>
+            </a:r>
+          </a:p>
+          <a:p>
+            <a:pPr lvl="1"/>
+            <a:r>
+              <a:rPr lang="de-DE" dirty="0"/>
+              <a:t>Funktion </a:t>
+            </a:r>
+            <a:r>
+              <a:rPr lang="de-DE" dirty="0" err="1">
+                <a:latin typeface="Consolas" panose="020B0609020204030204" pitchFamily="49" charset="0"/>
+              </a:rPr>
+              <a:t>then</a:t>
+            </a:r>
+            <a:r>
+              <a:rPr lang="de-DE" dirty="0">
+                <a:latin typeface="Consolas" panose="020B0609020204030204" pitchFamily="49" charset="0"/>
+              </a:rPr>
+              <a:t> </a:t>
+            </a:r>
+            <a:r>
+              <a:rPr lang="de-DE" dirty="0"/>
+              <a:t>kann selbst </a:t>
+            </a:r>
+            <a:r>
+              <a:rPr lang="de-DE" dirty="0" err="1"/>
+              <a:t>Promise</a:t>
+            </a:r>
+            <a:r>
+              <a:rPr lang="de-DE" dirty="0"/>
+              <a:t> zurückgeben</a:t>
+            </a:r>
+          </a:p>
+          <a:p>
+            <a:pPr lvl="1"/>
+            <a:r>
+              <a:rPr lang="de-DE" dirty="0"/>
+              <a:t>Dadurch kann wieder auf Rückgabe gewartet werden</a:t>
+            </a:r>
+            <a:endParaRPr lang="de-DE" dirty="0">
+              <a:latin typeface="Consolas" panose="020B0609020204030204" pitchFamily="49" charset="0"/>
+            </a:endParaRPr>
+          </a:p>
+          <a:p>
+            <a:r>
+              <a:rPr lang="de-DE" dirty="0"/>
+              <a:t>Keine Reduzierung von Klammern, allerdings von Verschachtelung</a:t>
+            </a:r>
+          </a:p>
+          <a:p>
+            <a:r>
+              <a:rPr lang="de-DE" dirty="0"/>
+              <a:t>Framework </a:t>
+            </a:r>
+            <a:r>
+              <a:rPr lang="de-DE" dirty="0" err="1"/>
+              <a:t>PromiseKit</a:t>
+            </a:r>
+            <a:r>
+              <a:rPr lang="de-DE" dirty="0"/>
+              <a:t> stellt </a:t>
+            </a:r>
+            <a:r>
+              <a:rPr lang="de-DE" dirty="0" err="1"/>
+              <a:t>Promises</a:t>
+            </a:r>
+            <a:r>
+              <a:rPr lang="de-DE" dirty="0"/>
+              <a:t> für Swift zur Verfügung</a:t>
             </a:r>
           </a:p>
         </p:txBody>
@@ -6058,7 +6462,7 @@
           <p:cNvPr id="4" name="Fußzeilenplatzhalter 3">
             <a:extLst>
               <a:ext uri="{FF2B5EF4-FFF2-40B4-BE49-F238E27FC236}">
-                <a16:creationId xmlns:a16="http://schemas.microsoft.com/office/drawing/2014/main" id="{81CEF2CA-6420-431C-A158-01E2828D1687}"/>
+                <a16:creationId xmlns:a16="http://schemas.microsoft.com/office/drawing/2014/main" id="{5B3A0D63-9313-4EAB-9715-C503F62D9213}"/>
               </a:ext>
             </a:extLst>
           </p:cNvPr>
@@ -6086,7 +6490,7 @@
           <p:cNvPr id="5" name="Foliennummernplatzhalter 4">
             <a:extLst>
               <a:ext uri="{FF2B5EF4-FFF2-40B4-BE49-F238E27FC236}">
-                <a16:creationId xmlns:a16="http://schemas.microsoft.com/office/drawing/2014/main" id="{441B3260-4A18-441C-BD12-B45A33B69B2A}"/>
+                <a16:creationId xmlns:a16="http://schemas.microsoft.com/office/drawing/2014/main" id="{29251B95-4545-4819-9EDE-90392A425D31}"/>
               </a:ext>
             </a:extLst>
           </p:cNvPr>
@@ -6113,7 +6517,7 @@
     </p:spTree>
     <p:extLst>
       <p:ext uri="{BB962C8B-B14F-4D97-AF65-F5344CB8AC3E}">
-        <p14:creationId xmlns:p14="http://schemas.microsoft.com/office/powerpoint/2010/main" val="2891519851"/>
+        <p14:creationId xmlns:p14="http://schemas.microsoft.com/office/powerpoint/2010/main" val="2443016401"/>
       </p:ext>
     </p:extLst>
   </p:cSld>
@@ -6148,7 +6552,7 @@
           <p:cNvPr id="2" name="Titel 1">
             <a:extLst>
               <a:ext uri="{FF2B5EF4-FFF2-40B4-BE49-F238E27FC236}">
-                <a16:creationId xmlns:a16="http://schemas.microsoft.com/office/drawing/2014/main" id="{7D8338AB-DEC6-4AF3-8919-02AE84BE3E20}"/>
+                <a16:creationId xmlns:a16="http://schemas.microsoft.com/office/drawing/2014/main" id="{7069CF27-8D23-4BB9-A61E-12FF5EA0EA7B}"/>
               </a:ext>
             </a:extLst>
           </p:cNvPr>
@@ -6159,12 +6563,7 @@
             <p:ph type="title"/>
           </p:nvPr>
         </p:nvSpPr>
-        <p:spPr>
-          <a:xfrm>
-            <a:off x="838200" y="639232"/>
-            <a:ext cx="10515600" cy="1051455"/>
-          </a:xfrm>
-        </p:spPr>
+        <p:spPr/>
         <p:txBody>
           <a:bodyPr/>
           <a:lstStyle/>
@@ -6172,15 +6571,15 @@
             <a:pPr algn="ctr"/>
             <a:r>
               <a:rPr lang="de-DE" b="1" dirty="0"/>
-              <a:t>Eigene </a:t>
+              <a:t>Verwendung von </a:t>
             </a:r>
             <a:r>
               <a:rPr lang="de-DE" b="1" dirty="0" err="1"/>
-              <a:t>Navigationsstuktur</a:t>
+              <a:t>Promises</a:t>
             </a:r>
             <a:r>
               <a:rPr lang="de-DE" b="1" dirty="0"/>
-              <a:t>: Auswahl des Views</a:t>
+              <a:t>: Beispiel</a:t>
             </a:r>
           </a:p>
         </p:txBody>
@@ -6190,7 +6589,7 @@
           <p:cNvPr id="3" name="Inhaltsplatzhalter 2">
             <a:extLst>
               <a:ext uri="{FF2B5EF4-FFF2-40B4-BE49-F238E27FC236}">
-                <a16:creationId xmlns:a16="http://schemas.microsoft.com/office/drawing/2014/main" id="{9C213694-542D-41DD-8ABF-9753D0226206}"/>
+                <a16:creationId xmlns:a16="http://schemas.microsoft.com/office/drawing/2014/main" id="{2679FC5A-6171-4763-949D-41B53D3F8A65}"/>
               </a:ext>
             </a:extLst>
           </p:cNvPr>
@@ -6201,10 +6600,15 @@
             <p:ph idx="1"/>
           </p:nvPr>
         </p:nvSpPr>
-        <p:spPr/>
+        <p:spPr>
+          <a:xfrm>
+            <a:off x="838200" y="1821392"/>
+            <a:ext cx="10515600" cy="4351338"/>
+          </a:xfrm>
+        </p:spPr>
         <p:txBody>
           <a:bodyPr>
-            <a:normAutofit fontScale="85000" lnSpcReduction="20000"/>
+            <a:normAutofit fontScale="70000" lnSpcReduction="20000"/>
           </a:bodyPr>
           <a:lstStyle/>
           <a:p>
@@ -6212,12 +6616,124 @@
               <a:buNone/>
             </a:pPr>
             <a:r>
-              <a:rPr lang="de-DE" b="1" dirty="0" err="1"/>
-              <a:t>Main.swift</a:t>
-            </a:r>
-            <a:r>
-              <a:rPr lang="de-DE" b="1" dirty="0"/>
-              <a:t> (Ausschnitt)</a:t>
+              <a:rPr lang="de-DE" b="0" dirty="0" err="1">
+                <a:solidFill>
+                  <a:srgbClr val="569CD6"/>
+                </a:solidFill>
+                <a:effectLst/>
+                <a:latin typeface="Consolas" panose="020B0609020204030204" pitchFamily="49" charset="0"/>
+              </a:rPr>
+              <a:t>func</a:t>
+            </a:r>
+            <a:r>
+              <a:rPr lang="de-DE" b="0" dirty="0">
+                <a:solidFill>
+                  <a:srgbClr val="D4D4D4"/>
+                </a:solidFill>
+                <a:effectLst/>
+                <a:latin typeface="Consolas" panose="020B0609020204030204" pitchFamily="49" charset="0"/>
+              </a:rPr>
+              <a:t> </a:t>
+            </a:r>
+            <a:r>
+              <a:rPr lang="de-DE" b="0" dirty="0" err="1">
+                <a:solidFill>
+                  <a:srgbClr val="DCDCAA"/>
+                </a:solidFill>
+                <a:effectLst/>
+                <a:latin typeface="Consolas" panose="020B0609020204030204" pitchFamily="49" charset="0"/>
+              </a:rPr>
+              <a:t>createNewGame</a:t>
+            </a:r>
+            <a:r>
+              <a:rPr lang="de-DE" b="0" dirty="0">
+                <a:solidFill>
+                  <a:srgbClr val="D4D4D4"/>
+                </a:solidFill>
+                <a:effectLst/>
+                <a:latin typeface="Consolas" panose="020B0609020204030204" pitchFamily="49" charset="0"/>
+              </a:rPr>
+              <a:t>() </a:t>
+            </a:r>
+            <a:r>
+              <a:rPr lang="de-DE" b="0" dirty="0" err="1">
+                <a:solidFill>
+                  <a:srgbClr val="C586C0"/>
+                </a:solidFill>
+                <a:effectLst/>
+                <a:latin typeface="Consolas" panose="020B0609020204030204" pitchFamily="49" charset="0"/>
+              </a:rPr>
+              <a:t>throws</a:t>
+            </a:r>
+            <a:r>
+              <a:rPr lang="de-DE" b="0" dirty="0">
+                <a:solidFill>
+                  <a:srgbClr val="D4D4D4"/>
+                </a:solidFill>
+                <a:effectLst/>
+                <a:latin typeface="Consolas" panose="020B0609020204030204" pitchFamily="49" charset="0"/>
+              </a:rPr>
+              <a:t> -&gt; </a:t>
+            </a:r>
+            <a:r>
+              <a:rPr lang="de-DE" b="0" dirty="0" err="1">
+                <a:solidFill>
+                  <a:srgbClr val="D4D4D4"/>
+                </a:solidFill>
+                <a:effectLst/>
+                <a:latin typeface="Consolas" panose="020B0609020204030204" pitchFamily="49" charset="0"/>
+              </a:rPr>
+              <a:t>Promise</a:t>
+            </a:r>
+            <a:r>
+              <a:rPr lang="de-DE" b="0" dirty="0">
+                <a:solidFill>
+                  <a:srgbClr val="D4D4D4"/>
+                </a:solidFill>
+                <a:effectLst/>
+                <a:latin typeface="Consolas" panose="020B0609020204030204" pitchFamily="49" charset="0"/>
+              </a:rPr>
+              <a:t>&lt;(</a:t>
+            </a:r>
+            <a:r>
+              <a:rPr lang="de-DE" b="0" dirty="0">
+                <a:solidFill>
+                  <a:srgbClr val="4EC9B0"/>
+                </a:solidFill>
+                <a:effectLst/>
+                <a:latin typeface="Consolas" panose="020B0609020204030204" pitchFamily="49" charset="0"/>
+              </a:rPr>
+              <a:t>String</a:t>
+            </a:r>
+            <a:r>
+              <a:rPr lang="de-DE" b="0" dirty="0">
+                <a:solidFill>
+                  <a:srgbClr val="D4D4D4"/>
+                </a:solidFill>
+                <a:effectLst/>
+                <a:latin typeface="Consolas" panose="020B0609020204030204" pitchFamily="49" charset="0"/>
+              </a:rPr>
+              <a:t>, </a:t>
+            </a:r>
+            <a:r>
+              <a:rPr lang="de-DE" b="0" dirty="0" err="1">
+                <a:solidFill>
+                  <a:srgbClr val="D4D4D4"/>
+                </a:solidFill>
+                <a:effectLst/>
+                <a:latin typeface="Consolas" panose="020B0609020204030204" pitchFamily="49" charset="0"/>
+              </a:rPr>
+              <a:t>QuizGame</a:t>
+            </a:r>
+            <a:r>
+              <a:rPr lang="de-DE" b="0" dirty="0">
+                <a:solidFill>
+                  <a:srgbClr val="D4D4D4"/>
+                </a:solidFill>
+                <a:effectLst/>
+                <a:latin typeface="Consolas" panose="020B0609020204030204" pitchFamily="49" charset="0"/>
+              </a:rPr>
+              <a:t>)?&gt; {</a:t>
             </a:r>
           </a:p>
           <a:p>
@@ -6225,131 +6741,86 @@
               <a:buNone/>
             </a:pPr>
             <a:r>
-              <a:rPr lang="de-DE" sz="2800" b="0" dirty="0" err="1">
-                <a:solidFill>
-                  <a:srgbClr val="569CD6"/>
-                </a:solidFill>
-                <a:effectLst/>
-                <a:latin typeface="Consolas" panose="020B0609020204030204" pitchFamily="49" charset="0"/>
-              </a:rPr>
-              <a:t>struct</a:t>
-            </a:r>
-            <a:r>
-              <a:rPr lang="de-DE" sz="2800" b="0" dirty="0">
+              <a:rPr lang="de-DE" b="0" dirty="0">
                 <a:solidFill>
                   <a:srgbClr val="D4D4D4"/>
                 </a:solidFill>
                 <a:effectLst/>
                 <a:latin typeface="Consolas" panose="020B0609020204030204" pitchFamily="49" charset="0"/>
               </a:rPr>
+              <a:t>        </a:t>
+            </a:r>
+            <a:r>
+              <a:rPr lang="de-DE" b="0" dirty="0" err="1">
+                <a:solidFill>
+                  <a:srgbClr val="C586C0"/>
+                </a:solidFill>
+                <a:effectLst/>
+                <a:latin typeface="Consolas" panose="020B0609020204030204" pitchFamily="49" charset="0"/>
+              </a:rPr>
+              <a:t>return</a:t>
+            </a:r>
+            <a:r>
+              <a:rPr lang="de-DE" b="0" dirty="0">
+                <a:solidFill>
+                  <a:srgbClr val="D4D4D4"/>
+                </a:solidFill>
+                <a:effectLst/>
+                <a:latin typeface="Consolas" panose="020B0609020204030204" pitchFamily="49" charset="0"/>
+              </a:rPr>
               <a:t> </a:t>
             </a:r>
             <a:r>
-              <a:rPr lang="de-DE" sz="2800" b="0" dirty="0">
-                <a:solidFill>
-                  <a:srgbClr val="4EC9B0"/>
-                </a:solidFill>
-                <a:effectLst/>
-                <a:latin typeface="Consolas" panose="020B0609020204030204" pitchFamily="49" charset="0"/>
-              </a:rPr>
-              <a:t>Main</a:t>
-            </a:r>
-            <a:r>
-              <a:rPr lang="de-DE" sz="2800" b="0" dirty="0">
+              <a:rPr lang="de-DE" b="0" dirty="0" err="1">
                 <a:solidFill>
                   <a:srgbClr val="D4D4D4"/>
                 </a:solidFill>
                 <a:effectLst/>
                 <a:latin typeface="Consolas" panose="020B0609020204030204" pitchFamily="49" charset="0"/>
               </a:rPr>
-              <a:t>: View {</a:t>
-            </a:r>
-          </a:p>
-          <a:p>
-            <a:pPr marL="0" indent="0">
-              <a:buNone/>
-            </a:pPr>
-            <a:r>
-              <a:rPr lang="de-DE" sz="2800" b="0" dirty="0">
+              <a:t>Promise</a:t>
+            </a:r>
+            <a:r>
+              <a:rPr lang="de-DE" b="0" dirty="0">
                 <a:solidFill>
                   <a:srgbClr val="D4D4D4"/>
                 </a:solidFill>
                 <a:effectLst/>
                 <a:latin typeface="Consolas" panose="020B0609020204030204" pitchFamily="49" charset="0"/>
               </a:rPr>
-              <a:t>    </a:t>
-            </a:r>
-            <a:r>
-              <a:rPr lang="de-DE" sz="2800" b="0" dirty="0">
-                <a:solidFill>
-                  <a:srgbClr val="569CD6"/>
-                </a:solidFill>
-                <a:effectLst/>
-                <a:latin typeface="Consolas" panose="020B0609020204030204" pitchFamily="49" charset="0"/>
-              </a:rPr>
-              <a:t>@State</a:t>
-            </a:r>
-            <a:r>
-              <a:rPr lang="de-DE" sz="2800" b="0" dirty="0">
+              <a:t> { </a:t>
+            </a:r>
+            <a:r>
+              <a:rPr lang="de-DE" b="0" dirty="0" err="1">
                 <a:solidFill>
                   <a:srgbClr val="D4D4D4"/>
                 </a:solidFill>
                 <a:effectLst/>
                 <a:latin typeface="Consolas" panose="020B0609020204030204" pitchFamily="49" charset="0"/>
               </a:rPr>
+              <a:t>promise</a:t>
+            </a:r>
+            <a:r>
+              <a:rPr lang="de-DE" b="0" dirty="0">
+                <a:solidFill>
+                  <a:srgbClr val="D4D4D4"/>
+                </a:solidFill>
+                <a:effectLst/>
+                <a:latin typeface="Consolas" panose="020B0609020204030204" pitchFamily="49" charset="0"/>
+              </a:rPr>
               <a:t> </a:t>
             </a:r>
             <a:r>
-              <a:rPr lang="de-DE" sz="2800" b="0" dirty="0" err="1">
-                <a:solidFill>
-                  <a:srgbClr val="569CD6"/>
-                </a:solidFill>
-                <a:effectLst/>
-                <a:latin typeface="Consolas" panose="020B0609020204030204" pitchFamily="49" charset="0"/>
-              </a:rPr>
-              <a:t>var</a:t>
-            </a:r>
-            <a:r>
-              <a:rPr lang="de-DE" sz="2800" b="0" dirty="0">
-                <a:solidFill>
-                  <a:srgbClr val="D4D4D4"/>
-                </a:solidFill>
-                <a:effectLst/>
-                <a:latin typeface="Consolas" panose="020B0609020204030204" pitchFamily="49" charset="0"/>
-              </a:rPr>
-              <a:t> </a:t>
-            </a:r>
-            <a:r>
-              <a:rPr lang="de-DE" sz="2800" b="0" dirty="0" err="1">
-                <a:solidFill>
-                  <a:srgbClr val="D4D4D4"/>
-                </a:solidFill>
-                <a:effectLst/>
-                <a:latin typeface="Consolas" panose="020B0609020204030204" pitchFamily="49" charset="0"/>
-              </a:rPr>
-              <a:t>viewState</a:t>
-            </a:r>
-            <a:r>
-              <a:rPr lang="de-DE" sz="2800" b="0" dirty="0">
-                <a:solidFill>
-                  <a:srgbClr val="D4D4D4"/>
-                </a:solidFill>
-                <a:effectLst/>
-                <a:latin typeface="Consolas" panose="020B0609020204030204" pitchFamily="49" charset="0"/>
-              </a:rPr>
-              <a:t>: </a:t>
-            </a:r>
-            <a:r>
-              <a:rPr lang="de-DE" sz="2800" b="0" dirty="0" err="1">
-                <a:solidFill>
-                  <a:srgbClr val="D4D4D4"/>
-                </a:solidFill>
-                <a:effectLst/>
-                <a:latin typeface="Consolas" panose="020B0609020204030204" pitchFamily="49" charset="0"/>
-              </a:rPr>
-              <a:t>ViewState</a:t>
-            </a:r>
-            <a:endParaRPr lang="de-DE" sz="2800" b="0" dirty="0">
+              <a:rPr lang="de-DE" b="0" dirty="0">
+                <a:solidFill>
+                  <a:srgbClr val="C586C0"/>
+                </a:solidFill>
+                <a:effectLst/>
+                <a:latin typeface="Consolas" panose="020B0609020204030204" pitchFamily="49" charset="0"/>
+              </a:rPr>
+              <a:t>in</a:t>
+            </a:r>
+            <a:endParaRPr lang="de-DE" b="0" dirty="0">
               <a:solidFill>
                 <a:srgbClr val="D4D4D4"/>
               </a:solidFill>
@@ -6362,44 +6833,191 @@
               <a:buNone/>
             </a:pPr>
             <a:r>
-              <a:rPr lang="de-DE" sz="2800" b="0" dirty="0">
+              <a:rPr lang="de-DE" b="0" dirty="0">
                 <a:solidFill>
                   <a:srgbClr val="D4D4D4"/>
                 </a:solidFill>
                 <a:effectLst/>
                 <a:latin typeface="Consolas" panose="020B0609020204030204" pitchFamily="49" charset="0"/>
               </a:rPr>
-              <a:t>        </a:t>
-            </a:r>
+              <a:t>            </a:t>
+            </a:r>
+            <a:r>
+              <a:rPr lang="de-DE" b="0" dirty="0">
+                <a:solidFill>
+                  <a:srgbClr val="9CDCFE"/>
+                </a:solidFill>
+                <a:effectLst/>
+                <a:latin typeface="Consolas" panose="020B0609020204030204" pitchFamily="49" charset="0"/>
+              </a:rPr>
+              <a:t>_</a:t>
+            </a:r>
+            <a:r>
+              <a:rPr lang="de-DE" b="0" dirty="0">
+                <a:solidFill>
+                  <a:srgbClr val="D4D4D4"/>
+                </a:solidFill>
+                <a:effectLst/>
+                <a:latin typeface="Consolas" panose="020B0609020204030204" pitchFamily="49" charset="0"/>
+              </a:rPr>
+              <a:t> = </a:t>
+            </a:r>
+            <a:r>
+              <a:rPr lang="de-DE" b="0" dirty="0" err="1">
+                <a:solidFill>
+                  <a:srgbClr val="DCDCAA"/>
+                </a:solidFill>
+                <a:effectLst/>
+                <a:latin typeface="Consolas" panose="020B0609020204030204" pitchFamily="49" charset="0"/>
+              </a:rPr>
+              <a:t>getUserIDs</a:t>
+            </a:r>
+            <a:r>
+              <a:rPr lang="de-DE" b="0" dirty="0">
+                <a:solidFill>
+                  <a:srgbClr val="D4D4D4"/>
+                </a:solidFill>
+                <a:effectLst/>
+                <a:latin typeface="Consolas" panose="020B0609020204030204" pitchFamily="49" charset="0"/>
+              </a:rPr>
+              <a:t>().</a:t>
+            </a:r>
+            <a:r>
+              <a:rPr lang="de-DE" b="0" dirty="0" err="1">
+                <a:solidFill>
+                  <a:srgbClr val="9CDCFE"/>
+                </a:solidFill>
+                <a:effectLst/>
+                <a:latin typeface="Consolas" panose="020B0609020204030204" pitchFamily="49" charset="0"/>
+              </a:rPr>
+              <a:t>then</a:t>
+            </a:r>
+            <a:r>
+              <a:rPr lang="de-DE" b="0" dirty="0">
+                <a:solidFill>
+                  <a:srgbClr val="D4D4D4"/>
+                </a:solidFill>
+                <a:effectLst/>
+                <a:latin typeface="Consolas" panose="020B0609020204030204" pitchFamily="49" charset="0"/>
+              </a:rPr>
+              <a:t> { (</a:t>
+            </a:r>
+            <a:r>
+              <a:rPr lang="de-DE" b="0" dirty="0" err="1">
+                <a:solidFill>
+                  <a:srgbClr val="DCDCAA"/>
+                </a:solidFill>
+                <a:effectLst/>
+                <a:latin typeface="Consolas" panose="020B0609020204030204" pitchFamily="49" charset="0"/>
+              </a:rPr>
+              <a:t>response</a:t>
+            </a:r>
+            <a:r>
+              <a:rPr lang="de-DE" b="0" dirty="0">
+                <a:solidFill>
+                  <a:srgbClr val="D4D4D4"/>
+                </a:solidFill>
+                <a:effectLst/>
+                <a:latin typeface="Consolas" panose="020B0609020204030204" pitchFamily="49" charset="0"/>
+              </a:rPr>
+              <a:t>: [</a:t>
+            </a:r>
+            <a:r>
+              <a:rPr lang="de-DE" b="0" dirty="0">
+                <a:solidFill>
+                  <a:srgbClr val="4EC9B0"/>
+                </a:solidFill>
+                <a:effectLst/>
+                <a:latin typeface="Consolas" panose="020B0609020204030204" pitchFamily="49" charset="0"/>
+              </a:rPr>
+              <a:t>String</a:t>
+            </a:r>
+            <a:r>
+              <a:rPr lang="de-DE" b="0" dirty="0">
+                <a:solidFill>
+                  <a:srgbClr val="D4D4D4"/>
+                </a:solidFill>
+                <a:effectLst/>
+                <a:latin typeface="Consolas" panose="020B0609020204030204" pitchFamily="49" charset="0"/>
+              </a:rPr>
+              <a:t>]?) -&gt; </a:t>
+            </a:r>
+            <a:r>
+              <a:rPr lang="de-DE" b="0" dirty="0" err="1">
+                <a:solidFill>
+                  <a:srgbClr val="D4D4D4"/>
+                </a:solidFill>
+                <a:effectLst/>
+                <a:latin typeface="Consolas" panose="020B0609020204030204" pitchFamily="49" charset="0"/>
+              </a:rPr>
+              <a:t>Promise</a:t>
+            </a:r>
+            <a:r>
+              <a:rPr lang="de-DE" b="0" dirty="0">
+                <a:solidFill>
+                  <a:srgbClr val="D4D4D4"/>
+                </a:solidFill>
+                <a:effectLst/>
+                <a:latin typeface="Consolas" panose="020B0609020204030204" pitchFamily="49" charset="0"/>
+              </a:rPr>
+              <a:t> </a:t>
+            </a:r>
+            <a:r>
+              <a:rPr lang="de-DE" b="0" dirty="0">
+                <a:solidFill>
+                  <a:srgbClr val="C586C0"/>
+                </a:solidFill>
+                <a:effectLst/>
+                <a:latin typeface="Consolas" panose="020B0609020204030204" pitchFamily="49" charset="0"/>
+              </a:rPr>
+              <a:t>in</a:t>
+            </a:r>
+            <a:endParaRPr lang="de-DE" b="0" dirty="0">
+              <a:solidFill>
+                <a:srgbClr val="D4D4D4"/>
+              </a:solidFill>
+              <a:effectLst/>
+              <a:latin typeface="Consolas" panose="020B0609020204030204" pitchFamily="49" charset="0"/>
+            </a:endParaRPr>
           </a:p>
           <a:p>
             <a:pPr marL="0" indent="0">
               <a:buNone/>
             </a:pPr>
             <a:r>
-              <a:rPr lang="de-DE" sz="2800" b="0" dirty="0">
+              <a:rPr lang="de-DE" b="0" dirty="0">
                 <a:solidFill>
                   <a:srgbClr val="D4D4D4"/>
                 </a:solidFill>
                 <a:effectLst/>
                 <a:latin typeface="Consolas" panose="020B0609020204030204" pitchFamily="49" charset="0"/>
               </a:rPr>
-              <a:t>    </a:t>
-            </a:r>
-            <a:r>
-              <a:rPr lang="de-DE" sz="2800" b="0" dirty="0" err="1">
-                <a:solidFill>
-                  <a:srgbClr val="569CD6"/>
-                </a:solidFill>
-                <a:effectLst/>
-                <a:latin typeface="Consolas" panose="020B0609020204030204" pitchFamily="49" charset="0"/>
-              </a:rPr>
-              <a:t>var</a:t>
-            </a:r>
-            <a:r>
-              <a:rPr lang="de-DE" sz="2800" b="0" dirty="0">
-                <a:solidFill>
-                  <a:srgbClr val="D4D4D4"/>
+              <a:t>                </a:t>
+            </a:r>
+            <a:r>
+              <a:rPr lang="de-DE" b="0" dirty="0">
+                <a:solidFill>
+                  <a:srgbClr val="6A9955"/>
+                </a:solidFill>
+                <a:effectLst/>
+                <a:latin typeface="Consolas" panose="020B0609020204030204" pitchFamily="49" charset="0"/>
+              </a:rPr>
+              <a:t>// Do </a:t>
+            </a:r>
+            <a:r>
+              <a:rPr lang="de-DE" b="0" dirty="0" err="1">
+                <a:solidFill>
+                  <a:srgbClr val="6A9955"/>
+                </a:solidFill>
+                <a:effectLst/>
+                <a:latin typeface="Consolas" panose="020B0609020204030204" pitchFamily="49" charset="0"/>
+              </a:rPr>
+              <a:t>something</a:t>
+            </a:r>
+            <a:r>
+              <a:rPr lang="de-DE" b="0" dirty="0">
+                <a:solidFill>
+                  <a:srgbClr val="6A9955"/>
                 </a:solidFill>
                 <a:effectLst/>
                 <a:latin typeface="Consolas" panose="020B0609020204030204" pitchFamily="49" charset="0"/>
@@ -6407,99 +7025,176 @@
               <a:t> </a:t>
             </a:r>
             <a:r>
-              <a:rPr lang="de-DE" sz="2800" b="0" dirty="0" err="1">
-                <a:solidFill>
-                  <a:srgbClr val="D4D4D4"/>
-                </a:solidFill>
-                <a:effectLst/>
-                <a:latin typeface="Consolas" panose="020B0609020204030204" pitchFamily="49" charset="0"/>
-              </a:rPr>
-              <a:t>body</a:t>
-            </a:r>
-            <a:r>
-              <a:rPr lang="de-DE" sz="2800" b="0" dirty="0">
-                <a:solidFill>
-                  <a:srgbClr val="D4D4D4"/>
-                </a:solidFill>
-                <a:effectLst/>
-                <a:latin typeface="Consolas" panose="020B0609020204030204" pitchFamily="49" charset="0"/>
-              </a:rPr>
-              <a:t>: </a:t>
-            </a:r>
-            <a:r>
-              <a:rPr lang="de-DE" sz="2800" b="0" dirty="0" err="1">
-                <a:solidFill>
-                  <a:srgbClr val="D4D4D4"/>
-                </a:solidFill>
-                <a:effectLst/>
-                <a:latin typeface="Consolas" panose="020B0609020204030204" pitchFamily="49" charset="0"/>
-              </a:rPr>
-              <a:t>some</a:t>
-            </a:r>
-            <a:r>
-              <a:rPr lang="de-DE" sz="2800" b="0" dirty="0">
-                <a:solidFill>
-                  <a:srgbClr val="D4D4D4"/>
-                </a:solidFill>
-                <a:effectLst/>
-                <a:latin typeface="Consolas" panose="020B0609020204030204" pitchFamily="49" charset="0"/>
-              </a:rPr>
-              <a:t> View {</a:t>
-            </a:r>
+              <a:rPr lang="de-DE" b="0" dirty="0" err="1">
+                <a:solidFill>
+                  <a:srgbClr val="6A9955"/>
+                </a:solidFill>
+                <a:effectLst/>
+                <a:latin typeface="Consolas" panose="020B0609020204030204" pitchFamily="49" charset="0"/>
+              </a:rPr>
+              <a:t>with</a:t>
+            </a:r>
+            <a:r>
+              <a:rPr lang="de-DE" b="0" dirty="0">
+                <a:solidFill>
+                  <a:srgbClr val="6A9955"/>
+                </a:solidFill>
+                <a:effectLst/>
+                <a:latin typeface="Consolas" panose="020B0609020204030204" pitchFamily="49" charset="0"/>
+              </a:rPr>
+              <a:t> </a:t>
+            </a:r>
+            <a:r>
+              <a:rPr lang="de-DE" b="0" dirty="0" err="1">
+                <a:solidFill>
+                  <a:srgbClr val="6A9955"/>
+                </a:solidFill>
+                <a:effectLst/>
+                <a:latin typeface="Consolas" panose="020B0609020204030204" pitchFamily="49" charset="0"/>
+              </a:rPr>
+              <a:t>the</a:t>
+            </a:r>
+            <a:r>
+              <a:rPr lang="de-DE" b="0" dirty="0">
+                <a:solidFill>
+                  <a:srgbClr val="6A9955"/>
+                </a:solidFill>
+                <a:effectLst/>
+                <a:latin typeface="Consolas" panose="020B0609020204030204" pitchFamily="49" charset="0"/>
+              </a:rPr>
+              <a:t> </a:t>
+            </a:r>
+            <a:r>
+              <a:rPr lang="de-DE" b="0" dirty="0" err="1">
+                <a:solidFill>
+                  <a:srgbClr val="6A9955"/>
+                </a:solidFill>
+                <a:effectLst/>
+                <a:latin typeface="Consolas" panose="020B0609020204030204" pitchFamily="49" charset="0"/>
+              </a:rPr>
+              <a:t>response</a:t>
+            </a:r>
+            <a:endParaRPr lang="de-DE" b="0" dirty="0">
+              <a:solidFill>
+                <a:srgbClr val="D4D4D4"/>
+              </a:solidFill>
+              <a:effectLst/>
+              <a:latin typeface="Consolas" panose="020B0609020204030204" pitchFamily="49" charset="0"/>
+            </a:endParaRPr>
           </a:p>
           <a:p>
             <a:pPr marL="0" indent="0">
               <a:buNone/>
             </a:pPr>
             <a:r>
-              <a:rPr lang="de-DE" sz="2800" b="0" dirty="0">
+              <a:rPr lang="de-DE" b="0" dirty="0">
                 <a:solidFill>
                   <a:srgbClr val="D4D4D4"/>
                 </a:solidFill>
                 <a:effectLst/>
                 <a:latin typeface="Consolas" panose="020B0609020204030204" pitchFamily="49" charset="0"/>
               </a:rPr>
-              <a:t>        </a:t>
-            </a:r>
-            <a:r>
-              <a:rPr lang="de-DE" sz="2800" b="0" dirty="0">
+              <a:t>                </a:t>
+            </a:r>
+            <a:r>
+              <a:rPr lang="de-DE" b="0" dirty="0" err="1">
                 <a:solidFill>
                   <a:srgbClr val="C586C0"/>
                 </a:solidFill>
                 <a:effectLst/>
                 <a:latin typeface="Consolas" panose="020B0609020204030204" pitchFamily="49" charset="0"/>
               </a:rPr>
-              <a:t>switch</a:t>
-            </a:r>
-            <a:r>
-              <a:rPr lang="de-DE" sz="2800" b="0" dirty="0">
+              <a:t>return</a:t>
+            </a:r>
+            <a:r>
+              <a:rPr lang="de-DE" b="0" dirty="0">
                 <a:solidFill>
                   <a:srgbClr val="D4D4D4"/>
                 </a:solidFill>
                 <a:effectLst/>
                 <a:latin typeface="Consolas" panose="020B0609020204030204" pitchFamily="49" charset="0"/>
               </a:rPr>
+              <a:t> </a:t>
+            </a:r>
+            <a:r>
+              <a:rPr lang="de-DE" b="0" dirty="0" err="1">
+                <a:solidFill>
+                  <a:srgbClr val="569CD6"/>
+                </a:solidFill>
+                <a:effectLst/>
+                <a:latin typeface="Consolas" panose="020B0609020204030204" pitchFamily="49" charset="0"/>
+              </a:rPr>
+              <a:t>self</a:t>
+            </a:r>
+            <a:r>
+              <a:rPr lang="de-DE" b="0" dirty="0" err="1">
+                <a:solidFill>
+                  <a:srgbClr val="D4D4D4"/>
+                </a:solidFill>
+                <a:effectLst/>
+                <a:latin typeface="Consolas" panose="020B0609020204030204" pitchFamily="49" charset="0"/>
+              </a:rPr>
+              <a:t>.</a:t>
+            </a:r>
+            <a:r>
+              <a:rPr lang="de-DE" b="0" dirty="0" err="1">
+                <a:solidFill>
+                  <a:srgbClr val="DCDCAA"/>
+                </a:solidFill>
+                <a:effectLst/>
+                <a:latin typeface="Consolas" panose="020B0609020204030204" pitchFamily="49" charset="0"/>
+              </a:rPr>
+              <a:t>getUser</a:t>
+            </a:r>
+            <a:r>
+              <a:rPr lang="de-DE" b="0" dirty="0">
+                <a:solidFill>
+                  <a:srgbClr val="D4D4D4"/>
+                </a:solidFill>
+                <a:effectLst/>
+                <a:latin typeface="Consolas" panose="020B0609020204030204" pitchFamily="49" charset="0"/>
+              </a:rPr>
               <a:t>(</a:t>
             </a:r>
             <a:r>
-              <a:rPr lang="de-DE" sz="2800" b="0" dirty="0" err="1">
+              <a:rPr lang="de-DE" b="0" dirty="0" err="1">
+                <a:solidFill>
+                  <a:srgbClr val="DCDCAA"/>
+                </a:solidFill>
+                <a:effectLst/>
+                <a:latin typeface="Consolas" panose="020B0609020204030204" pitchFamily="49" charset="0"/>
+              </a:rPr>
+              <a:t>uid</a:t>
+            </a:r>
+            <a:r>
+              <a:rPr lang="de-DE" b="0" dirty="0">
                 <a:solidFill>
                   <a:srgbClr val="D4D4D4"/>
                 </a:solidFill>
                 <a:effectLst/>
                 <a:latin typeface="Consolas" panose="020B0609020204030204" pitchFamily="49" charset="0"/>
               </a:rPr>
-              <a:t>viewState</a:t>
-            </a:r>
-            <a:r>
-              <a:rPr lang="de-DE" sz="2800" b="0" dirty="0">
+              <a:t>: </a:t>
+            </a:r>
+            <a:r>
+              <a:rPr lang="de-DE" b="0" dirty="0" err="1">
                 <a:solidFill>
                   <a:srgbClr val="D4D4D4"/>
                 </a:solidFill>
                 <a:effectLst/>
                 <a:latin typeface="Consolas" panose="020B0609020204030204" pitchFamily="49" charset="0"/>
               </a:rPr>
-              <a:t>) {</a:t>
+              <a:t>ownUID</a:t>
+            </a:r>
+            <a:r>
+              <a:rPr lang="de-DE" b="0" dirty="0">
+                <a:solidFill>
+                  <a:srgbClr val="D4D4D4"/>
+                </a:solidFill>
+                <a:effectLst/>
+                <a:latin typeface="Consolas" panose="020B0609020204030204" pitchFamily="49" charset="0"/>
+              </a:rPr>
+              <a:t>)</a:t>
             </a:r>
           </a:p>
           <a:p>
@@ -6507,204 +7202,288 @@
               <a:buNone/>
             </a:pPr>
             <a:r>
-              <a:rPr lang="de-DE" sz="2800" b="0" dirty="0">
+              <a:rPr lang="de-DE" b="0" dirty="0">
                 <a:solidFill>
                   <a:srgbClr val="D4D4D4"/>
                 </a:solidFill>
                 <a:effectLst/>
                 <a:latin typeface="Consolas" panose="020B0609020204030204" pitchFamily="49" charset="0"/>
               </a:rPr>
-              <a:t>        </a:t>
-            </a:r>
-            <a:r>
-              <a:rPr lang="de-DE" sz="2800" b="0" dirty="0" err="1">
+              <a:t>            }.</a:t>
+            </a:r>
+            <a:r>
+              <a:rPr lang="de-DE" b="0" dirty="0" err="1">
+                <a:solidFill>
+                  <a:srgbClr val="9CDCFE"/>
+                </a:solidFill>
+                <a:effectLst/>
+                <a:latin typeface="Consolas" panose="020B0609020204030204" pitchFamily="49" charset="0"/>
+              </a:rPr>
+              <a:t>then</a:t>
+            </a:r>
+            <a:r>
+              <a:rPr lang="de-DE" b="0" dirty="0">
+                <a:solidFill>
+                  <a:srgbClr val="D4D4D4"/>
+                </a:solidFill>
+                <a:effectLst/>
+                <a:latin typeface="Consolas" panose="020B0609020204030204" pitchFamily="49" charset="0"/>
+              </a:rPr>
+              <a:t> { (</a:t>
+            </a:r>
+            <a:r>
+              <a:rPr lang="de-DE" b="0" dirty="0" err="1">
+                <a:solidFill>
+                  <a:srgbClr val="DCDCAA"/>
+                </a:solidFill>
+                <a:effectLst/>
+                <a:latin typeface="Consolas" panose="020B0609020204030204" pitchFamily="49" charset="0"/>
+              </a:rPr>
+              <a:t>response</a:t>
+            </a:r>
+            <a:r>
+              <a:rPr lang="de-DE" b="0" dirty="0">
+                <a:solidFill>
+                  <a:srgbClr val="D4D4D4"/>
+                </a:solidFill>
+                <a:effectLst/>
+                <a:latin typeface="Consolas" panose="020B0609020204030204" pitchFamily="49" charset="0"/>
+              </a:rPr>
+              <a:t>: </a:t>
+            </a:r>
+            <a:r>
+              <a:rPr lang="de-DE" b="0" dirty="0" err="1">
+                <a:solidFill>
+                  <a:srgbClr val="D4D4D4"/>
+                </a:solidFill>
+                <a:effectLst/>
+                <a:latin typeface="Consolas" panose="020B0609020204030204" pitchFamily="49" charset="0"/>
+              </a:rPr>
+              <a:t>QuizUser</a:t>
+            </a:r>
+            <a:r>
+              <a:rPr lang="de-DE" b="0" dirty="0">
+                <a:solidFill>
+                  <a:srgbClr val="D4D4D4"/>
+                </a:solidFill>
+                <a:effectLst/>
+                <a:latin typeface="Consolas" panose="020B0609020204030204" pitchFamily="49" charset="0"/>
+              </a:rPr>
+              <a:t>?) -&gt; </a:t>
+            </a:r>
+            <a:r>
+              <a:rPr lang="de-DE" b="0" dirty="0" err="1">
+                <a:solidFill>
+                  <a:srgbClr val="D4D4D4"/>
+                </a:solidFill>
+                <a:effectLst/>
+                <a:latin typeface="Consolas" panose="020B0609020204030204" pitchFamily="49" charset="0"/>
+              </a:rPr>
+              <a:t>Promise</a:t>
+            </a:r>
+            <a:r>
+              <a:rPr lang="de-DE" b="0" dirty="0">
+                <a:solidFill>
+                  <a:srgbClr val="D4D4D4"/>
+                </a:solidFill>
+                <a:effectLst/>
+                <a:latin typeface="Consolas" panose="020B0609020204030204" pitchFamily="49" charset="0"/>
+              </a:rPr>
+              <a:t> </a:t>
+            </a:r>
+            <a:r>
+              <a:rPr lang="de-DE" b="0" dirty="0">
                 <a:solidFill>
                   <a:srgbClr val="C586C0"/>
                 </a:solidFill>
                 <a:effectLst/>
                 <a:latin typeface="Consolas" panose="020B0609020204030204" pitchFamily="49" charset="0"/>
               </a:rPr>
-              <a:t>case</a:t>
-            </a:r>
-            <a:r>
-              <a:rPr lang="de-DE" sz="2800" b="0" dirty="0">
-                <a:solidFill>
-                  <a:srgbClr val="D4D4D4"/>
-                </a:solidFill>
-                <a:effectLst/>
-                <a:latin typeface="Consolas" panose="020B0609020204030204" pitchFamily="49" charset="0"/>
-              </a:rPr>
-              <a:t> .</a:t>
-            </a:r>
-            <a:r>
-              <a:rPr lang="de-DE" sz="2800" b="0" dirty="0">
-                <a:solidFill>
-                  <a:srgbClr val="9CDCFE"/>
-                </a:solidFill>
-                <a:effectLst/>
-                <a:latin typeface="Consolas" panose="020B0609020204030204" pitchFamily="49" charset="0"/>
-              </a:rPr>
-              <a:t>LOGIN</a:t>
-            </a:r>
-            <a:r>
-              <a:rPr lang="de-DE" sz="2800" b="0" dirty="0">
-                <a:solidFill>
-                  <a:srgbClr val="D4D4D4"/>
-                </a:solidFill>
-                <a:effectLst/>
-                <a:latin typeface="Consolas" panose="020B0609020204030204" pitchFamily="49" charset="0"/>
-              </a:rPr>
-              <a:t>, .</a:t>
-            </a:r>
-            <a:r>
-              <a:rPr lang="de-DE" sz="2800" b="0" dirty="0">
-                <a:solidFill>
-                  <a:srgbClr val="9CDCFE"/>
-                </a:solidFill>
-                <a:effectLst/>
-                <a:latin typeface="Consolas" panose="020B0609020204030204" pitchFamily="49" charset="0"/>
-              </a:rPr>
-              <a:t>REGISTER</a:t>
-            </a:r>
-            <a:r>
-              <a:rPr lang="de-DE" sz="2800" b="0" dirty="0">
-                <a:solidFill>
-                  <a:srgbClr val="D4D4D4"/>
-                </a:solidFill>
-                <a:effectLst/>
-                <a:latin typeface="Consolas" panose="020B0609020204030204" pitchFamily="49" charset="0"/>
-              </a:rPr>
-              <a:t>:</a:t>
-            </a:r>
+              <a:t>in</a:t>
+            </a:r>
+            <a:endParaRPr lang="de-DE" b="0" dirty="0">
+              <a:solidFill>
+                <a:srgbClr val="D4D4D4"/>
+              </a:solidFill>
+              <a:effectLst/>
+              <a:latin typeface="Consolas" panose="020B0609020204030204" pitchFamily="49" charset="0"/>
+            </a:endParaRPr>
           </a:p>
           <a:p>
             <a:pPr marL="0" indent="0">
               <a:buNone/>
             </a:pPr>
             <a:r>
-              <a:rPr lang="de-DE" sz="2800" b="0" dirty="0">
+              <a:rPr lang="de-DE" b="0" dirty="0">
                 <a:solidFill>
                   <a:srgbClr val="D4D4D4"/>
                 </a:solidFill>
                 <a:effectLst/>
                 <a:latin typeface="Consolas" panose="020B0609020204030204" pitchFamily="49" charset="0"/>
               </a:rPr>
-              <a:t>            </a:t>
-            </a:r>
-            <a:r>
-              <a:rPr lang="de-DE" sz="2800" b="0" dirty="0" err="1">
-                <a:solidFill>
-                  <a:srgbClr val="DCDCAA"/>
-                </a:solidFill>
-                <a:effectLst/>
-                <a:latin typeface="Consolas" panose="020B0609020204030204" pitchFamily="49" charset="0"/>
-              </a:rPr>
-              <a:t>LoginRegisterScreen</a:t>
-            </a:r>
-            <a:r>
-              <a:rPr lang="de-DE" sz="2800" b="0" dirty="0">
-                <a:solidFill>
-                  <a:srgbClr val="D4D4D4"/>
-                </a:solidFill>
-                <a:effectLst/>
-                <a:latin typeface="Consolas" panose="020B0609020204030204" pitchFamily="49" charset="0"/>
-              </a:rPr>
-              <a:t>(</a:t>
-            </a:r>
-            <a:r>
-              <a:rPr lang="de-DE" sz="2800" b="0" dirty="0" err="1">
-                <a:solidFill>
-                  <a:srgbClr val="DCDCAA"/>
-                </a:solidFill>
-                <a:effectLst/>
-                <a:latin typeface="Consolas" panose="020B0609020204030204" pitchFamily="49" charset="0"/>
-              </a:rPr>
-              <a:t>viewState</a:t>
-            </a:r>
-            <a:r>
-              <a:rPr lang="de-DE" sz="2800" b="0" dirty="0">
-                <a:solidFill>
-                  <a:srgbClr val="D4D4D4"/>
-                </a:solidFill>
-                <a:effectLst/>
-                <a:latin typeface="Consolas" panose="020B0609020204030204" pitchFamily="49" charset="0"/>
-              </a:rPr>
-              <a:t>: $</a:t>
-            </a:r>
-            <a:r>
-              <a:rPr lang="de-DE" sz="2800" b="0" dirty="0" err="1">
-                <a:solidFill>
-                  <a:srgbClr val="D4D4D4"/>
-                </a:solidFill>
-                <a:effectLst/>
-                <a:latin typeface="Consolas" panose="020B0609020204030204" pitchFamily="49" charset="0"/>
-              </a:rPr>
-              <a:t>viewState</a:t>
-            </a:r>
-            <a:r>
-              <a:rPr lang="de-DE" sz="2800" b="0" dirty="0">
-                <a:solidFill>
-                  <a:srgbClr val="D4D4D4"/>
-                </a:solidFill>
-                <a:effectLst/>
-                <a:latin typeface="Consolas" panose="020B0609020204030204" pitchFamily="49" charset="0"/>
-              </a:rPr>
-              <a:t>)</a:t>
-            </a:r>
+              <a:t>                </a:t>
+            </a:r>
+            <a:r>
+              <a:rPr lang="de-DE" b="0" dirty="0">
+                <a:solidFill>
+                  <a:srgbClr val="6A9955"/>
+                </a:solidFill>
+                <a:effectLst/>
+                <a:latin typeface="Consolas" panose="020B0609020204030204" pitchFamily="49" charset="0"/>
+              </a:rPr>
+              <a:t>// Do </a:t>
+            </a:r>
+            <a:r>
+              <a:rPr lang="de-DE" b="0" dirty="0" err="1">
+                <a:solidFill>
+                  <a:srgbClr val="6A9955"/>
+                </a:solidFill>
+                <a:effectLst/>
+                <a:latin typeface="Consolas" panose="020B0609020204030204" pitchFamily="49" charset="0"/>
+              </a:rPr>
+              <a:t>something</a:t>
+            </a:r>
+            <a:r>
+              <a:rPr lang="de-DE" b="0" dirty="0">
+                <a:solidFill>
+                  <a:srgbClr val="6A9955"/>
+                </a:solidFill>
+                <a:effectLst/>
+                <a:latin typeface="Consolas" panose="020B0609020204030204" pitchFamily="49" charset="0"/>
+              </a:rPr>
+              <a:t> </a:t>
+            </a:r>
+            <a:r>
+              <a:rPr lang="de-DE" b="0" dirty="0" err="1">
+                <a:solidFill>
+                  <a:srgbClr val="6A9955"/>
+                </a:solidFill>
+                <a:effectLst/>
+                <a:latin typeface="Consolas" panose="020B0609020204030204" pitchFamily="49" charset="0"/>
+              </a:rPr>
+              <a:t>with</a:t>
+            </a:r>
+            <a:r>
+              <a:rPr lang="de-DE" b="0" dirty="0">
+                <a:solidFill>
+                  <a:srgbClr val="6A9955"/>
+                </a:solidFill>
+                <a:effectLst/>
+                <a:latin typeface="Consolas" panose="020B0609020204030204" pitchFamily="49" charset="0"/>
+              </a:rPr>
+              <a:t> </a:t>
+            </a:r>
+            <a:r>
+              <a:rPr lang="de-DE" b="0" dirty="0" err="1">
+                <a:solidFill>
+                  <a:srgbClr val="6A9955"/>
+                </a:solidFill>
+                <a:effectLst/>
+                <a:latin typeface="Consolas" panose="020B0609020204030204" pitchFamily="49" charset="0"/>
+              </a:rPr>
+              <a:t>the</a:t>
+            </a:r>
+            <a:r>
+              <a:rPr lang="de-DE" b="0" dirty="0">
+                <a:solidFill>
+                  <a:srgbClr val="6A9955"/>
+                </a:solidFill>
+                <a:effectLst/>
+                <a:latin typeface="Consolas" panose="020B0609020204030204" pitchFamily="49" charset="0"/>
+              </a:rPr>
+              <a:t> </a:t>
+            </a:r>
+            <a:r>
+              <a:rPr lang="de-DE" b="0" dirty="0" err="1">
+                <a:solidFill>
+                  <a:srgbClr val="6A9955"/>
+                </a:solidFill>
+                <a:effectLst/>
+                <a:latin typeface="Consolas" panose="020B0609020204030204" pitchFamily="49" charset="0"/>
+              </a:rPr>
+              <a:t>response</a:t>
+            </a:r>
+            <a:endParaRPr lang="de-DE" b="0" dirty="0">
+              <a:solidFill>
+                <a:srgbClr val="D4D4D4"/>
+              </a:solidFill>
+              <a:effectLst/>
+              <a:latin typeface="Consolas" panose="020B0609020204030204" pitchFamily="49" charset="0"/>
+            </a:endParaRPr>
           </a:p>
           <a:p>
             <a:pPr marL="0" indent="0">
               <a:buNone/>
             </a:pPr>
             <a:r>
-              <a:rPr lang="de-DE" sz="2800" b="0" dirty="0">
+              <a:rPr lang="de-DE" b="0" dirty="0">
                 <a:solidFill>
                   <a:srgbClr val="D4D4D4"/>
                 </a:solidFill>
                 <a:effectLst/>
                 <a:latin typeface="Consolas" panose="020B0609020204030204" pitchFamily="49" charset="0"/>
               </a:rPr>
-              <a:t>        </a:t>
-            </a:r>
-            <a:r>
-              <a:rPr lang="de-DE" sz="2800" b="0" dirty="0" err="1">
-                <a:solidFill>
-                  <a:srgbClr val="C586C0"/>
-                </a:solidFill>
-                <a:effectLst/>
-                <a:latin typeface="Consolas" panose="020B0609020204030204" pitchFamily="49" charset="0"/>
-              </a:rPr>
-              <a:t>case</a:t>
-            </a:r>
-            <a:r>
-              <a:rPr lang="de-DE" sz="2800" b="0" dirty="0">
+              <a:t>            }.</a:t>
+            </a:r>
+            <a:r>
+              <a:rPr lang="de-DE" b="0" dirty="0" err="1">
+                <a:solidFill>
+                  <a:srgbClr val="9CDCFE"/>
+                </a:solidFill>
+                <a:effectLst/>
+                <a:latin typeface="Consolas" panose="020B0609020204030204" pitchFamily="49" charset="0"/>
+              </a:rPr>
+              <a:t>then</a:t>
+            </a:r>
+            <a:r>
+              <a:rPr lang="de-DE" b="0" dirty="0">
                 <a:solidFill>
                   <a:srgbClr val="D4D4D4"/>
                 </a:solidFill>
                 <a:effectLst/>
                 <a:latin typeface="Consolas" panose="020B0609020204030204" pitchFamily="49" charset="0"/>
               </a:rPr>
-              <a:t> .</a:t>
-            </a:r>
-            <a:r>
-              <a:rPr lang="de-DE" sz="2800" b="0" dirty="0">
-                <a:solidFill>
-                  <a:srgbClr val="9CDCFE"/>
-                </a:solidFill>
-                <a:effectLst/>
-                <a:latin typeface="Consolas" panose="020B0609020204030204" pitchFamily="49" charset="0"/>
-              </a:rPr>
-              <a:t>HOME</a:t>
-            </a:r>
-            <a:r>
-              <a:rPr lang="de-DE" sz="2800" b="0" dirty="0">
+              <a:t> { </a:t>
+            </a:r>
+            <a:r>
+              <a:rPr lang="de-DE" b="0" dirty="0">
+                <a:solidFill>
+                  <a:srgbClr val="6A9955"/>
+                </a:solidFill>
+                <a:effectLst/>
+                <a:latin typeface="Consolas" panose="020B0609020204030204" pitchFamily="49" charset="0"/>
+              </a:rPr>
+              <a:t>/* More </a:t>
+            </a:r>
+            <a:r>
+              <a:rPr lang="de-DE" b="0" dirty="0" err="1">
+                <a:solidFill>
+                  <a:srgbClr val="6A9955"/>
+                </a:solidFill>
+                <a:effectLst/>
+                <a:latin typeface="Consolas" panose="020B0609020204030204" pitchFamily="49" charset="0"/>
+              </a:rPr>
+              <a:t>stuff</a:t>
+            </a:r>
+            <a:r>
+              <a:rPr lang="de-DE" b="0" dirty="0">
+                <a:solidFill>
+                  <a:srgbClr val="6A9955"/>
+                </a:solidFill>
+                <a:effectLst/>
+                <a:latin typeface="Consolas" panose="020B0609020204030204" pitchFamily="49" charset="0"/>
+              </a:rPr>
+              <a:t>*/</a:t>
+            </a:r>
+            <a:r>
+              <a:rPr lang="de-DE" b="0" dirty="0">
                 <a:solidFill>
                   <a:srgbClr val="D4D4D4"/>
                 </a:solidFill>
                 <a:effectLst/>
                 <a:latin typeface="Consolas" panose="020B0609020204030204" pitchFamily="49" charset="0"/>
               </a:rPr>
-              <a:t>:</a:t>
+              <a:t> }</a:t>
             </a:r>
           </a:p>
           <a:p>
@@ -6712,7 +7491,7 @@
               <a:buNone/>
             </a:pPr>
             <a:r>
-              <a:rPr lang="de-DE" sz="2800" b="0" dirty="0">
+              <a:rPr lang="de-DE" b="0" dirty="0">
                 <a:solidFill>
                   <a:srgbClr val="D4D4D4"/>
                 </a:solidFill>
@@ -6722,79 +7501,183 @@
               <a:t>            </a:t>
             </a:r>
             <a:r>
-              <a:rPr lang="de-DE" sz="2800" b="0" dirty="0" err="1">
-                <a:solidFill>
-                  <a:srgbClr val="DCDCAA"/>
-                </a:solidFill>
-                <a:effectLst/>
-                <a:latin typeface="Consolas" panose="020B0609020204030204" pitchFamily="49" charset="0"/>
-              </a:rPr>
-              <a:t>QuizMainScreen</a:t>
-            </a:r>
-            <a:r>
-              <a:rPr lang="de-DE" sz="2800" b="0" dirty="0">
-                <a:solidFill>
-                  <a:srgbClr val="D4D4D4"/>
-                </a:solidFill>
-                <a:effectLst/>
-                <a:latin typeface="Consolas" panose="020B0609020204030204" pitchFamily="49" charset="0"/>
-              </a:rPr>
-              <a:t>(</a:t>
-            </a:r>
-            <a:r>
-              <a:rPr lang="de-DE" sz="2800" b="0" dirty="0" err="1">
-                <a:solidFill>
-                  <a:srgbClr val="DCDCAA"/>
-                </a:solidFill>
-                <a:effectLst/>
-                <a:latin typeface="Consolas" panose="020B0609020204030204" pitchFamily="49" charset="0"/>
-              </a:rPr>
-              <a:t>viewState</a:t>
-            </a:r>
-            <a:r>
-              <a:rPr lang="de-DE" sz="2800" b="0" dirty="0">
-                <a:solidFill>
-                  <a:srgbClr val="D4D4D4"/>
-                </a:solidFill>
-                <a:effectLst/>
-                <a:latin typeface="Consolas" panose="020B0609020204030204" pitchFamily="49" charset="0"/>
-              </a:rPr>
-              <a:t>: $</a:t>
-            </a:r>
-            <a:r>
-              <a:rPr lang="de-DE" sz="2800" b="0" dirty="0" err="1">
-                <a:solidFill>
-                  <a:srgbClr val="D4D4D4"/>
-                </a:solidFill>
-                <a:effectLst/>
-                <a:latin typeface="Consolas" panose="020B0609020204030204" pitchFamily="49" charset="0"/>
-              </a:rPr>
-              <a:t>viewState</a:t>
-            </a:r>
-            <a:r>
-              <a:rPr lang="de-DE" dirty="0">
-                <a:solidFill>
-                  <a:srgbClr val="D4D4D4"/>
-                </a:solidFill>
-                <a:latin typeface="Consolas" panose="020B0609020204030204" pitchFamily="49" charset="0"/>
-              </a:rPr>
-              <a:t>, …)</a:t>
-            </a:r>
+              <a:rPr lang="de-DE" b="0" dirty="0">
+                <a:solidFill>
+                  <a:srgbClr val="6A9955"/>
+                </a:solidFill>
+                <a:effectLst/>
+                <a:latin typeface="Consolas" panose="020B0609020204030204" pitchFamily="49" charset="0"/>
+              </a:rPr>
+              <a:t>// More .</a:t>
+            </a:r>
+            <a:r>
+              <a:rPr lang="de-DE" b="0" dirty="0" err="1">
+                <a:solidFill>
+                  <a:srgbClr val="6A9955"/>
+                </a:solidFill>
+                <a:effectLst/>
+                <a:latin typeface="Consolas" panose="020B0609020204030204" pitchFamily="49" charset="0"/>
+              </a:rPr>
+              <a:t>then</a:t>
+            </a:r>
+            <a:r>
+              <a:rPr lang="de-DE" b="0" dirty="0">
+                <a:solidFill>
+                  <a:srgbClr val="6A9955"/>
+                </a:solidFill>
+                <a:effectLst/>
+                <a:latin typeface="Consolas" panose="020B0609020204030204" pitchFamily="49" charset="0"/>
+              </a:rPr>
+              <a:t> </a:t>
+            </a:r>
+            <a:r>
+              <a:rPr lang="de-DE" b="0" dirty="0" err="1">
+                <a:solidFill>
+                  <a:srgbClr val="6A9955"/>
+                </a:solidFill>
+                <a:effectLst/>
+                <a:latin typeface="Consolas" panose="020B0609020204030204" pitchFamily="49" charset="0"/>
+              </a:rPr>
+              <a:t>calls</a:t>
+            </a:r>
+            <a:endParaRPr lang="de-DE" b="0" dirty="0">
+              <a:solidFill>
+                <a:srgbClr val="D4D4D4"/>
+              </a:solidFill>
+              <a:effectLst/>
+              <a:latin typeface="Consolas" panose="020B0609020204030204" pitchFamily="49" charset="0"/>
+            </a:endParaRPr>
           </a:p>
           <a:p>
             <a:pPr marL="0" indent="0">
               <a:buNone/>
             </a:pPr>
             <a:r>
-              <a:rPr lang="de-DE" sz="2800" b="0" dirty="0">
+              <a:rPr lang="de-DE" b="0" dirty="0">
                 <a:solidFill>
                   <a:srgbClr val="D4D4D4"/>
                 </a:solidFill>
                 <a:effectLst/>
                 <a:latin typeface="Consolas" panose="020B0609020204030204" pitchFamily="49" charset="0"/>
               </a:rPr>
-              <a:t>        …</a:t>
-            </a:r>
+              <a:t>            }.</a:t>
+            </a:r>
+            <a:r>
+              <a:rPr lang="de-DE" b="0" dirty="0" err="1">
+                <a:solidFill>
+                  <a:srgbClr val="9CDCFE"/>
+                </a:solidFill>
+                <a:effectLst/>
+                <a:latin typeface="Consolas" panose="020B0609020204030204" pitchFamily="49" charset="0"/>
+              </a:rPr>
+              <a:t>done</a:t>
+            </a:r>
+            <a:r>
+              <a:rPr lang="de-DE" b="0" dirty="0">
+                <a:solidFill>
+                  <a:srgbClr val="D4D4D4"/>
+                </a:solidFill>
+                <a:effectLst/>
+                <a:latin typeface="Consolas" panose="020B0609020204030204" pitchFamily="49" charset="0"/>
+              </a:rPr>
+              <a:t> {</a:t>
+            </a:r>
+            <a:r>
+              <a:rPr lang="de-DE" b="0" dirty="0">
+                <a:solidFill>
+                  <a:srgbClr val="6A9955"/>
+                </a:solidFill>
+                <a:effectLst/>
+                <a:latin typeface="Consolas" panose="020B0609020204030204" pitchFamily="49" charset="0"/>
+              </a:rPr>
+              <a:t>/* Last </a:t>
+            </a:r>
+            <a:r>
+              <a:rPr lang="de-DE" b="0" dirty="0" err="1">
+                <a:solidFill>
+                  <a:srgbClr val="6A9955"/>
+                </a:solidFill>
+                <a:effectLst/>
+                <a:latin typeface="Consolas" panose="020B0609020204030204" pitchFamily="49" charset="0"/>
+              </a:rPr>
+              <a:t>step</a:t>
+            </a:r>
+            <a:r>
+              <a:rPr lang="de-DE" b="0" dirty="0">
+                <a:solidFill>
+                  <a:srgbClr val="6A9955"/>
+                </a:solidFill>
+                <a:effectLst/>
+                <a:latin typeface="Consolas" panose="020B0609020204030204" pitchFamily="49" charset="0"/>
+              </a:rPr>
+              <a:t> in a </a:t>
+            </a:r>
+            <a:r>
+              <a:rPr lang="de-DE" b="0" dirty="0" err="1">
+                <a:solidFill>
+                  <a:srgbClr val="6A9955"/>
+                </a:solidFill>
+                <a:effectLst/>
+                <a:latin typeface="Consolas" panose="020B0609020204030204" pitchFamily="49" charset="0"/>
+              </a:rPr>
+              <a:t>promise</a:t>
+            </a:r>
+            <a:r>
+              <a:rPr lang="de-DE" b="0" dirty="0">
+                <a:solidFill>
+                  <a:srgbClr val="6A9955"/>
+                </a:solidFill>
+                <a:effectLst/>
+                <a:latin typeface="Consolas" panose="020B0609020204030204" pitchFamily="49" charset="0"/>
+              </a:rPr>
+              <a:t>*/</a:t>
+            </a:r>
+            <a:r>
+              <a:rPr lang="de-DE" b="0" dirty="0">
+                <a:solidFill>
+                  <a:srgbClr val="D4D4D4"/>
+                </a:solidFill>
+                <a:effectLst/>
+                <a:latin typeface="Consolas" panose="020B0609020204030204" pitchFamily="49" charset="0"/>
+              </a:rPr>
+              <a:t> }</a:t>
+            </a:r>
+          </a:p>
+          <a:p>
+            <a:pPr marL="0" indent="0">
+              <a:buNone/>
+            </a:pPr>
+            <a:r>
+              <a:rPr lang="de-DE" b="0" dirty="0">
+                <a:solidFill>
+                  <a:srgbClr val="D4D4D4"/>
+                </a:solidFill>
+                <a:effectLst/>
+                <a:latin typeface="Consolas" panose="020B0609020204030204" pitchFamily="49" charset="0"/>
+              </a:rPr>
+              <a:t>        }</a:t>
+            </a:r>
+          </a:p>
+          <a:p>
+            <a:pPr marL="0" indent="0">
+              <a:buNone/>
+            </a:pPr>
+            <a:r>
+              <a:rPr lang="de-DE" b="0" dirty="0">
+                <a:solidFill>
+                  <a:srgbClr val="D4D4D4"/>
+                </a:solidFill>
+                <a:effectLst/>
+                <a:latin typeface="Consolas" panose="020B0609020204030204" pitchFamily="49" charset="0"/>
+              </a:rPr>
+              <a:t>}</a:t>
+            </a:r>
+          </a:p>
+          <a:p>
+            <a:pPr marL="0" indent="0">
+              <a:buNone/>
+            </a:pPr>
+            <a:endParaRPr lang="de-DE" dirty="0"/>
           </a:p>
         </p:txBody>
       </p:sp>
@@ -6803,7 +7686,7 @@
           <p:cNvPr id="4" name="Fußzeilenplatzhalter 3">
             <a:extLst>
               <a:ext uri="{FF2B5EF4-FFF2-40B4-BE49-F238E27FC236}">
-                <a16:creationId xmlns:a16="http://schemas.microsoft.com/office/drawing/2014/main" id="{3FA9F42D-1F45-49A5-8972-2EF3B623F652}"/>
+                <a16:creationId xmlns:a16="http://schemas.microsoft.com/office/drawing/2014/main" id="{CEF14D52-B6AC-46A2-97D3-E3A3235D2CB0}"/>
               </a:ext>
             </a:extLst>
           </p:cNvPr>
@@ -6831,7 +7714,7 @@
           <p:cNvPr id="5" name="Foliennummernplatzhalter 4">
             <a:extLst>
               <a:ext uri="{FF2B5EF4-FFF2-40B4-BE49-F238E27FC236}">
-                <a16:creationId xmlns:a16="http://schemas.microsoft.com/office/drawing/2014/main" id="{3BCD7471-1669-494D-8356-EB759251E220}"/>
+                <a16:creationId xmlns:a16="http://schemas.microsoft.com/office/drawing/2014/main" id="{C6CFA60C-15A7-41E9-9FEE-F82907B5CF07}"/>
               </a:ext>
             </a:extLst>
           </p:cNvPr>
@@ -6858,7 +7741,7 @@
     </p:spTree>
     <p:extLst>
       <p:ext uri="{BB962C8B-B14F-4D97-AF65-F5344CB8AC3E}">
-        <p14:creationId xmlns:p14="http://schemas.microsoft.com/office/powerpoint/2010/main" val="1956839749"/>
+        <p14:creationId xmlns:p14="http://schemas.microsoft.com/office/powerpoint/2010/main" val="638849722"/>
       </p:ext>
     </p:extLst>
   </p:cSld>
@@ -6893,7 +7776,7 @@
           <p:cNvPr id="2" name="Titel 1">
             <a:extLst>
               <a:ext uri="{FF2B5EF4-FFF2-40B4-BE49-F238E27FC236}">
-                <a16:creationId xmlns:a16="http://schemas.microsoft.com/office/drawing/2014/main" id="{2138AEEA-0477-45AC-BBEA-82CC33F24169}"/>
+                <a16:creationId xmlns:a16="http://schemas.microsoft.com/office/drawing/2014/main" id="{9242CB0C-8749-4E9C-9178-6D60ACAA55EB}"/>
               </a:ext>
             </a:extLst>
           </p:cNvPr>
@@ -6904,30 +7787,24 @@
             <p:ph type="title"/>
           </p:nvPr>
         </p:nvSpPr>
-        <p:spPr>
-          <a:xfrm>
-            <a:off x="838200" y="766233"/>
-            <a:ext cx="10515600" cy="924455"/>
-          </a:xfrm>
-        </p:spPr>
+        <p:spPr/>
         <p:txBody>
           <a:bodyPr/>
           <a:lstStyle/>
           <a:p>
-            <a:pPr algn="ctr"/>
-            <a:r>
-              <a:rPr lang="de-DE" b="1" dirty="0"/>
-              <a:t>Eigene Navigationsstruktur: View-Wechsel</a:t>
-            </a:r>
-          </a:p>
-        </p:txBody>
-      </p:sp>
-      <p:sp>
-        <p:nvSpPr>
-          <p:cNvPr id="3" name="Inhaltsplatzhalter 2">
+            <a:r>
+              <a:rPr lang="de-DE" dirty="0"/>
+              <a:t>4. Projektfazit</a:t>
+            </a:r>
+          </a:p>
+        </p:txBody>
+      </p:sp>
+      <p:sp>
+        <p:nvSpPr>
+          <p:cNvPr id="3" name="Textplatzhalter 2">
             <a:extLst>
               <a:ext uri="{FF2B5EF4-FFF2-40B4-BE49-F238E27FC236}">
-                <a16:creationId xmlns:a16="http://schemas.microsoft.com/office/drawing/2014/main" id="{3838727C-6582-4BC1-ACD9-26A00E8579F9}"/>
+                <a16:creationId xmlns:a16="http://schemas.microsoft.com/office/drawing/2014/main" id="{2FA38DC9-6459-4FF6-BA4E-9450BF15D66B}"/>
               </a:ext>
             </a:extLst>
           </p:cNvPr>
@@ -6935,216 +7812,17 @@
             <a:spLocks noGrp="1"/>
           </p:cNvSpPr>
           <p:nvPr>
-            <p:ph idx="1"/>
-          </p:nvPr>
-        </p:nvSpPr>
-        <p:spPr>
-          <a:xfrm>
-            <a:off x="1562470" y="1854201"/>
-            <a:ext cx="9791330" cy="4322762"/>
-          </a:xfrm>
-        </p:spPr>
-        <p:txBody>
-          <a:bodyPr>
-            <a:normAutofit/>
-          </a:bodyPr>
-          <a:lstStyle/>
-          <a:p>
-            <a:pPr marL="0" indent="0">
-              <a:buNone/>
-            </a:pPr>
-            <a:r>
-              <a:rPr lang="de-DE" b="1" dirty="0" err="1"/>
-              <a:t>Login.swift</a:t>
-            </a:r>
-            <a:r>
-              <a:rPr lang="de-DE" b="1" dirty="0"/>
-              <a:t> (Ausschnitt)</a:t>
-            </a:r>
-          </a:p>
-          <a:p>
-            <a:pPr marL="0" indent="0">
-              <a:buNone/>
-            </a:pPr>
-            <a:r>
-              <a:rPr lang="de-DE" b="0" dirty="0">
-                <a:solidFill>
-                  <a:srgbClr val="DCDCAA"/>
-                </a:solidFill>
-                <a:effectLst/>
-                <a:latin typeface="Consolas" panose="020B0609020204030204" pitchFamily="49" charset="0"/>
-              </a:rPr>
-              <a:t>Button</a:t>
-            </a:r>
-            <a:r>
-              <a:rPr lang="de-DE" b="0" dirty="0">
-                <a:solidFill>
-                  <a:srgbClr val="D4D4D4"/>
-                </a:solidFill>
-                <a:effectLst/>
-                <a:latin typeface="Consolas" panose="020B0609020204030204" pitchFamily="49" charset="0"/>
-              </a:rPr>
-              <a:t>(</a:t>
-            </a:r>
-            <a:r>
-              <a:rPr lang="de-DE" b="0" dirty="0">
-                <a:solidFill>
-                  <a:srgbClr val="CE9178"/>
-                </a:solidFill>
-                <a:effectLst/>
-                <a:latin typeface="Consolas" panose="020B0609020204030204" pitchFamily="49" charset="0"/>
-              </a:rPr>
-              <a:t>"Jetzt Konto erstellen"</a:t>
-            </a:r>
-            <a:r>
-              <a:rPr lang="de-DE" b="0" dirty="0">
-                <a:solidFill>
-                  <a:srgbClr val="D4D4D4"/>
-                </a:solidFill>
-                <a:effectLst/>
-                <a:latin typeface="Consolas" panose="020B0609020204030204" pitchFamily="49" charset="0"/>
-              </a:rPr>
-              <a:t>) {</a:t>
-            </a:r>
-          </a:p>
-          <a:p>
-            <a:pPr marL="0" indent="0">
-              <a:buNone/>
-            </a:pPr>
-            <a:r>
-              <a:rPr lang="de-DE" dirty="0">
-                <a:solidFill>
-                  <a:srgbClr val="D4D4D4"/>
-                </a:solidFill>
-                <a:latin typeface="Consolas" panose="020B0609020204030204" pitchFamily="49" charset="0"/>
-              </a:rPr>
-              <a:t>    </a:t>
-            </a:r>
-            <a:r>
-              <a:rPr lang="de-DE" b="0" dirty="0" err="1">
-                <a:solidFill>
-                  <a:srgbClr val="D4D4D4"/>
-                </a:solidFill>
-                <a:effectLst/>
-                <a:latin typeface="Consolas" panose="020B0609020204030204" pitchFamily="49" charset="0"/>
-              </a:rPr>
-              <a:t>withAnimation</a:t>
-            </a:r>
-            <a:r>
-              <a:rPr lang="de-DE" b="0" dirty="0">
-                <a:solidFill>
-                  <a:srgbClr val="D4D4D4"/>
-                </a:solidFill>
-                <a:effectLst/>
-                <a:latin typeface="Consolas" panose="020B0609020204030204" pitchFamily="49" charset="0"/>
-              </a:rPr>
-              <a:t> {</a:t>
-            </a:r>
-          </a:p>
-          <a:p>
-            <a:pPr marL="0" indent="0">
-              <a:buNone/>
-            </a:pPr>
-            <a:r>
-              <a:rPr lang="de-DE" b="0" dirty="0">
-                <a:solidFill>
-                  <a:srgbClr val="D4D4D4"/>
-                </a:solidFill>
-                <a:effectLst/>
-                <a:latin typeface="Consolas" panose="020B0609020204030204" pitchFamily="49" charset="0"/>
-              </a:rPr>
-              <a:t>        </a:t>
-            </a:r>
-            <a:r>
-              <a:rPr lang="de-DE" b="0" dirty="0" err="1">
-                <a:solidFill>
-                  <a:srgbClr val="D4D4D4"/>
-                </a:solidFill>
-                <a:effectLst/>
-                <a:latin typeface="Consolas" panose="020B0609020204030204" pitchFamily="49" charset="0"/>
-              </a:rPr>
-              <a:t>viewState</a:t>
-            </a:r>
-            <a:r>
-              <a:rPr lang="de-DE" b="0" dirty="0">
-                <a:solidFill>
-                  <a:srgbClr val="D4D4D4"/>
-                </a:solidFill>
-                <a:effectLst/>
-                <a:latin typeface="Consolas" panose="020B0609020204030204" pitchFamily="49" charset="0"/>
-              </a:rPr>
-              <a:t> = .</a:t>
-            </a:r>
-            <a:r>
-              <a:rPr lang="de-DE" b="0" dirty="0">
-                <a:solidFill>
-                  <a:srgbClr val="9CDCFE"/>
-                </a:solidFill>
-                <a:effectLst/>
-                <a:latin typeface="Consolas" panose="020B0609020204030204" pitchFamily="49" charset="0"/>
-              </a:rPr>
-              <a:t>REGISTER</a:t>
-            </a:r>
-            <a:endParaRPr lang="de-DE" b="0" dirty="0">
-              <a:solidFill>
-                <a:srgbClr val="D4D4D4"/>
-              </a:solidFill>
-              <a:effectLst/>
-              <a:latin typeface="Consolas" panose="020B0609020204030204" pitchFamily="49" charset="0"/>
-            </a:endParaRPr>
-          </a:p>
-          <a:p>
-            <a:pPr marL="0" indent="0">
-              <a:buNone/>
-            </a:pPr>
-            <a:r>
-              <a:rPr lang="de-DE" dirty="0">
-                <a:solidFill>
-                  <a:srgbClr val="D4D4D4"/>
-                </a:solidFill>
-                <a:latin typeface="Consolas" panose="020B0609020204030204" pitchFamily="49" charset="0"/>
-              </a:rPr>
-              <a:t>    </a:t>
-            </a:r>
-            <a:r>
-              <a:rPr lang="de-DE" b="0" dirty="0">
-                <a:solidFill>
-                  <a:srgbClr val="D4D4D4"/>
-                </a:solidFill>
-                <a:effectLst/>
-                <a:latin typeface="Consolas" panose="020B0609020204030204" pitchFamily="49" charset="0"/>
-              </a:rPr>
-              <a:t>}</a:t>
-            </a:r>
-          </a:p>
-          <a:p>
-            <a:pPr marL="0" indent="0">
-              <a:buNone/>
-            </a:pPr>
-            <a:r>
-              <a:rPr lang="de-DE" b="0" dirty="0">
-                <a:solidFill>
-                  <a:srgbClr val="D4D4D4"/>
-                </a:solidFill>
-                <a:effectLst/>
-                <a:latin typeface="Consolas" panose="020B0609020204030204" pitchFamily="49" charset="0"/>
-              </a:rPr>
-              <a:t>}</a:t>
-            </a:r>
-          </a:p>
-          <a:p>
-            <a:pPr marL="0" indent="0">
-              <a:buNone/>
-            </a:pPr>
-            <a:endParaRPr lang="de-DE" b="1" dirty="0"/>
-          </a:p>
-          <a:p>
-            <a:pPr marL="0" indent="0">
-              <a:buNone/>
-            </a:pPr>
-            <a:r>
-              <a:rPr lang="de-DE" sz="2300" dirty="0"/>
-              <a:t>Ob der aktuell angezeigte View „Login“ oder „Register ist, wird durch ein ähnlichen View, wie auf der vorherigen Folie geregelt.</a:t>
+            <p:ph type="body" idx="1"/>
+          </p:nvPr>
+        </p:nvSpPr>
+        <p:spPr/>
+        <p:txBody>
+          <a:bodyPr/>
+          <a:lstStyle/>
+          <a:p>
+            <a:r>
+              <a:rPr lang="de-DE" dirty="0"/>
+              <a:t>Was war positiv? Gab es Frustmomente?</a:t>
             </a:r>
           </a:p>
         </p:txBody>
@@ -7154,7 +7832,7 @@
           <p:cNvPr id="4" name="Fußzeilenplatzhalter 3">
             <a:extLst>
               <a:ext uri="{FF2B5EF4-FFF2-40B4-BE49-F238E27FC236}">
-                <a16:creationId xmlns:a16="http://schemas.microsoft.com/office/drawing/2014/main" id="{D607F8BB-6A53-4CEE-BDBD-4F564690F323}"/>
+                <a16:creationId xmlns:a16="http://schemas.microsoft.com/office/drawing/2014/main" id="{25650CE0-E24E-4178-B52A-9197029DEA00}"/>
               </a:ext>
             </a:extLst>
           </p:cNvPr>
@@ -7172,7 +7850,7 @@
           <a:p>
             <a:r>
               <a:rPr lang="de-DE"/>
-              <a:t>Swift-Programmierung unter iOS: Accessibility</a:t>
+              <a:t>Swift-Programmierung unter iOS: Quiz With Me</a:t>
             </a:r>
           </a:p>
         </p:txBody>
@@ -7182,7 +7860,7 @@
           <p:cNvPr id="5" name="Foliennummernplatzhalter 4">
             <a:extLst>
               <a:ext uri="{FF2B5EF4-FFF2-40B4-BE49-F238E27FC236}">
-                <a16:creationId xmlns:a16="http://schemas.microsoft.com/office/drawing/2014/main" id="{F40DFE93-379D-4899-B5F6-21A8964A0ABC}"/>
+                <a16:creationId xmlns:a16="http://schemas.microsoft.com/office/drawing/2014/main" id="{D090A591-087D-4EA7-BF93-BBA2EFB6421D}"/>
               </a:ext>
             </a:extLst>
           </p:cNvPr>
@@ -7206,57 +7884,18 @@
           </a:p>
         </p:txBody>
       </p:sp>
-      <p:pic>
-        <p:nvPicPr>
-          <p:cNvPr id="6" name="Grafik 5" descr="Informationen mit einfarbiger Füllung">
-            <a:extLst>
-              <a:ext uri="{FF2B5EF4-FFF2-40B4-BE49-F238E27FC236}">
-                <a16:creationId xmlns:a16="http://schemas.microsoft.com/office/drawing/2014/main" id="{C083E6A2-B8D5-43C3-8FF6-83570FE6A98A}"/>
-              </a:ext>
-            </a:extLst>
-          </p:cNvPr>
-          <p:cNvPicPr>
-            <a:picLocks noChangeAspect="1"/>
-          </p:cNvPicPr>
-          <p:nvPr/>
-        </p:nvPicPr>
-        <p:blipFill>
-          <a:blip r:embed="rId2">
-            <a:extLst>
-              <a:ext uri="{28A0092B-C50C-407E-A947-70E740481C1C}">
-                <a14:useLocalDpi xmlns:a14="http://schemas.microsoft.com/office/drawing/2010/main" val="0"/>
-              </a:ext>
-              <a:ext uri="{96DAC541-7B7A-43D3-8B79-37D633B846F1}">
-                <asvg:svgBlip xmlns:asvg="http://schemas.microsoft.com/office/drawing/2016/SVG/main" r:embed="rId3"/>
-              </a:ext>
-            </a:extLst>
-          </a:blip>
-          <a:stretch>
-            <a:fillRect/>
-          </a:stretch>
-        </p:blipFill>
-        <p:spPr>
-          <a:xfrm>
-            <a:off x="838200" y="5435502"/>
-            <a:ext cx="693683" cy="693683"/>
-          </a:xfrm>
-          <a:prstGeom prst="rect">
-            <a:avLst/>
-          </a:prstGeom>
-        </p:spPr>
-      </p:pic>
     </p:spTree>
     <p:extLst>
       <p:ext uri="{BB962C8B-B14F-4D97-AF65-F5344CB8AC3E}">
-        <p14:creationId xmlns:p14="http://schemas.microsoft.com/office/powerpoint/2010/main" val="3127332294"/>
+        <p14:creationId xmlns:p14="http://schemas.microsoft.com/office/powerpoint/2010/main" val="314923948"/>
       </p:ext>
     </p:extLst>
   </p:cSld>
   <p:clrMapOvr>
     <a:masterClrMapping/>
   </p:clrMapOvr>
-  <p:transition spd="med">
-    <p:pull/>
+  <p:transition spd="slow">
+    <p:wipe/>
   </p:transition>
 </p:sld>
 </file>
@@ -7283,7 +7922,7 @@
           <p:cNvPr id="2" name="Titel 1">
             <a:extLst>
               <a:ext uri="{FF2B5EF4-FFF2-40B4-BE49-F238E27FC236}">
-                <a16:creationId xmlns:a16="http://schemas.microsoft.com/office/drawing/2014/main" id="{587B4619-50EE-49BF-B53E-208B7D14B1E0}"/>
+                <a16:creationId xmlns:a16="http://schemas.microsoft.com/office/drawing/2014/main" id="{9FA7EB08-FC6D-4325-8D5C-CB510D192CFA}"/>
               </a:ext>
             </a:extLst>
           </p:cNvPr>
@@ -7296,8 +7935,8 @@
         </p:nvSpPr>
         <p:spPr>
           <a:xfrm>
-            <a:off x="838200" y="681037"/>
-            <a:ext cx="10515600" cy="1009651"/>
+            <a:off x="838200" y="728133"/>
+            <a:ext cx="10515600" cy="962555"/>
           </a:xfrm>
         </p:spPr>
         <p:txBody>
@@ -7307,7 +7946,7 @@
             <a:pPr algn="ctr"/>
             <a:r>
               <a:rPr lang="de-DE" b="1" dirty="0"/>
-              <a:t>Vermeidung der „Callback-Hell“</a:t>
+              <a:t>Unser Fazit</a:t>
             </a:r>
           </a:p>
         </p:txBody>
@@ -7317,7 +7956,7 @@
           <p:cNvPr id="3" name="Inhaltsplatzhalter 2">
             <a:extLst>
               <a:ext uri="{FF2B5EF4-FFF2-40B4-BE49-F238E27FC236}">
-                <a16:creationId xmlns:a16="http://schemas.microsoft.com/office/drawing/2014/main" id="{151E6A0A-C6F6-4270-A0F2-89B094A7FA8E}"/>
+                <a16:creationId xmlns:a16="http://schemas.microsoft.com/office/drawing/2014/main" id="{78E7D6A3-E264-4CBA-B911-9E7EC6C8FC9A}"/>
               </a:ext>
             </a:extLst>
           </p:cNvPr>
@@ -7325,7 +7964,7 @@
             <a:spLocks noGrp="1"/>
           </p:cNvSpPr>
           <p:nvPr>
-            <p:ph idx="1"/>
+            <p:ph sz="half" idx="1"/>
           </p:nvPr>
         </p:nvSpPr>
         <p:spPr/>
@@ -7333,98 +7972,46 @@
           <a:bodyPr/>
           <a:lstStyle/>
           <a:p>
+            <a:pPr marL="0" indent="0">
+              <a:buNone/>
+            </a:pPr>
+            <a:r>
+              <a:rPr lang="de-DE" b="1" dirty="0"/>
+              <a:t>Positives / Erfolgsmomente</a:t>
+            </a:r>
+          </a:p>
+          <a:p>
             <a:r>
               <a:rPr lang="de-DE" dirty="0"/>
-              <a:t>Funktionen von </a:t>
-            </a:r>
-            <a:r>
-              <a:rPr lang="de-DE" dirty="0" err="1"/>
-              <a:t>Firebase</a:t>
-            </a:r>
+              <a:t>Gute Art Swift vertieft zu lernen</a:t>
+            </a:r>
+          </a:p>
+          <a:p>
             <a:r>
               <a:rPr lang="de-DE" dirty="0"/>
-              <a:t> sind asynchron</a:t>
-            </a:r>
-          </a:p>
-          <a:p>
-            <a:pPr lvl="1"/>
+              <a:t>Umgang mit neuen Mechaniken</a:t>
+            </a:r>
+          </a:p>
+          <a:p>
             <a:r>
               <a:rPr lang="de-DE" dirty="0"/>
-              <a:t>Um Aktion durchzuführen, nachdem </a:t>
-            </a:r>
-            <a:r>
-              <a:rPr lang="de-DE" dirty="0" err="1"/>
-              <a:t>Firebase</a:t>
-            </a:r>
+              <a:t>Gute Zusammenarbeit</a:t>
+            </a:r>
+          </a:p>
+          <a:p>
             <a:r>
               <a:rPr lang="de-DE" dirty="0"/>
-              <a:t>-Operation abgeschlossen ist, kann ein </a:t>
-            </a:r>
-            <a:r>
-              <a:rPr lang="de-DE" dirty="0" err="1"/>
-              <a:t>Completion</a:t>
-            </a:r>
-            <a:r>
-              <a:rPr lang="de-DE" dirty="0"/>
-              <a:t>-Handler übergeben werden</a:t>
-            </a:r>
-          </a:p>
-          <a:p>
-            <a:r>
-              <a:rPr lang="de-DE" dirty="0"/>
-              <a:t>Voneinander abhängige Abfragen sorgen für tiefe Verschachtelung</a:t>
-            </a:r>
-          </a:p>
-          <a:p>
-            <a:pPr lvl="1"/>
-            <a:r>
-              <a:rPr lang="de-DE" dirty="0"/>
-              <a:t>Diese Verschachtelung wird umgangssprachlich als „Callback-Hell“ bezeichnet</a:t>
-            </a:r>
-          </a:p>
-          <a:p>
-            <a:r>
-              <a:rPr lang="de-DE" dirty="0"/>
-              <a:t>In „Quiz </a:t>
-            </a:r>
-            <a:r>
-              <a:rPr lang="de-DE" dirty="0" err="1"/>
-              <a:t>With</a:t>
-            </a:r>
-            <a:r>
-              <a:rPr lang="de-DE" dirty="0"/>
-              <a:t> Me“ wird dies zum Problem bei Spielerstellung</a:t>
-            </a:r>
-          </a:p>
-          <a:p>
-            <a:pPr lvl="1"/>
-            <a:r>
-              <a:rPr lang="de-DE" dirty="0"/>
-              <a:t>Hier werden zunächst alle Nutzer-IDs benötigt</a:t>
-            </a:r>
-          </a:p>
-          <a:p>
-            <a:pPr lvl="1"/>
-            <a:r>
-              <a:rPr lang="de-DE" dirty="0"/>
-              <a:t>Aus diesen wird Gegner ermittelt und konkreter Nutzer abgefragt</a:t>
-            </a:r>
-          </a:p>
-          <a:p>
-            <a:pPr lvl="1"/>
-            <a:r>
-              <a:rPr lang="de-DE" dirty="0"/>
-              <a:t>Ablauf geht weiter, es ist aber jetzt schon zu sehen, dass tiefe Verschachtelung entsteht</a:t>
-            </a:r>
-          </a:p>
-        </p:txBody>
-      </p:sp>
-      <p:sp>
-        <p:nvSpPr>
-          <p:cNvPr id="4" name="Fußzeilenplatzhalter 3">
+              <a:t>Rundes Schlussprodukt</a:t>
+            </a:r>
+          </a:p>
+        </p:txBody>
+      </p:sp>
+      <p:sp>
+        <p:nvSpPr>
+          <p:cNvPr id="4" name="Inhaltsplatzhalter 3">
             <a:extLst>
               <a:ext uri="{FF2B5EF4-FFF2-40B4-BE49-F238E27FC236}">
-                <a16:creationId xmlns:a16="http://schemas.microsoft.com/office/drawing/2014/main" id="{CEDD9F26-9B61-4692-89B1-62AC90293453}"/>
+                <a16:creationId xmlns:a16="http://schemas.microsoft.com/office/drawing/2014/main" id="{78EC4748-B862-4F84-BDAD-EEBFAE23C77C}"/>
               </a:ext>
             </a:extLst>
           </p:cNvPr>
@@ -7432,6 +8019,60 @@
             <a:spLocks noGrp="1"/>
           </p:cNvSpPr>
           <p:nvPr>
+            <p:ph sz="half" idx="2"/>
+          </p:nvPr>
+        </p:nvSpPr>
+        <p:spPr/>
+        <p:txBody>
+          <a:bodyPr/>
+          <a:lstStyle/>
+          <a:p>
+            <a:pPr marL="0" indent="0">
+              <a:buNone/>
+            </a:pPr>
+            <a:r>
+              <a:rPr lang="de-DE" b="1" dirty="0"/>
+              <a:t>Negatives / Frustmomente</a:t>
+            </a:r>
+          </a:p>
+          <a:p>
+            <a:r>
+              <a:rPr lang="de-DE" sz="2000" dirty="0"/>
+              <a:t>Kompilierfehler, die nicht existieren</a:t>
+            </a:r>
+          </a:p>
+          <a:p>
+            <a:r>
+              <a:rPr lang="de-DE" sz="2000" dirty="0"/>
+              <a:t>Suche für </a:t>
+            </a:r>
+            <a:r>
+              <a:rPr lang="de-DE" sz="2000"/>
+              <a:t>eigene Navigationsstruktur</a:t>
+            </a:r>
+            <a:endParaRPr lang="de-DE" sz="2000" dirty="0"/>
+          </a:p>
+          <a:p>
+            <a:r>
+              <a:rPr lang="de-DE" sz="2000" dirty="0"/>
+              <a:t>Umgang mit asynchronen Methoden</a:t>
+            </a:r>
+          </a:p>
+        </p:txBody>
+      </p:sp>
+      <p:sp>
+        <p:nvSpPr>
+          <p:cNvPr id="5" name="Fußzeilenplatzhalter 4">
+            <a:extLst>
+              <a:ext uri="{FF2B5EF4-FFF2-40B4-BE49-F238E27FC236}">
+                <a16:creationId xmlns:a16="http://schemas.microsoft.com/office/drawing/2014/main" id="{D9CDFAC9-B42B-4D8D-8C69-2DC00D66D9E0}"/>
+              </a:ext>
+            </a:extLst>
+          </p:cNvPr>
+          <p:cNvSpPr>
+            <a:spLocks noGrp="1"/>
+          </p:cNvSpPr>
+          <p:nvPr>
             <p:ph type="ftr" sz="quarter" idx="11"/>
           </p:nvPr>
         </p:nvSpPr>
@@ -7449,10 +8090,10 @@
       </p:sp>
       <p:sp>
         <p:nvSpPr>
-          <p:cNvPr id="5" name="Foliennummernplatzhalter 4">
+          <p:cNvPr id="6" name="Foliennummernplatzhalter 5">
             <a:extLst>
               <a:ext uri="{FF2B5EF4-FFF2-40B4-BE49-F238E27FC236}">
-                <a16:creationId xmlns:a16="http://schemas.microsoft.com/office/drawing/2014/main" id="{B46FD638-A069-4C7C-8176-862811053600}"/>
+                <a16:creationId xmlns:a16="http://schemas.microsoft.com/office/drawing/2014/main" id="{25E871A1-A76D-4FAB-960A-08EA138F4500}"/>
               </a:ext>
             </a:extLst>
           </p:cNvPr>
@@ -7479,7 +8120,7 @@
     </p:spTree>
     <p:extLst>
       <p:ext uri="{BB962C8B-B14F-4D97-AF65-F5344CB8AC3E}">
-        <p14:creationId xmlns:p14="http://schemas.microsoft.com/office/powerpoint/2010/main" val="1184670408"/>
+        <p14:creationId xmlns:p14="http://schemas.microsoft.com/office/powerpoint/2010/main" val="4016438916"/>
       </p:ext>
     </p:extLst>
   </p:cSld>
@@ -7514,7 +8155,7 @@
           <p:cNvPr id="2" name="Titel 1">
             <a:extLst>
               <a:ext uri="{FF2B5EF4-FFF2-40B4-BE49-F238E27FC236}">
-                <a16:creationId xmlns:a16="http://schemas.microsoft.com/office/drawing/2014/main" id="{7AFE0639-69CC-4F90-8D68-A0D52C7E3587}"/>
+                <a16:creationId xmlns:a16="http://schemas.microsoft.com/office/drawing/2014/main" id="{DF9C8520-3344-4E03-9FFA-A731F0DB0E95}"/>
               </a:ext>
             </a:extLst>
           </p:cNvPr>
@@ -7530,20 +8171,19 @@
           <a:bodyPr/>
           <a:lstStyle/>
           <a:p>
-            <a:pPr algn="ctr"/>
-            <a:r>
-              <a:rPr lang="de-DE" b="1" dirty="0"/>
-              <a:t>Callback-Hell: Beispiel</a:t>
-            </a:r>
-          </a:p>
-        </p:txBody>
-      </p:sp>
-      <p:sp>
-        <p:nvSpPr>
-          <p:cNvPr id="3" name="Inhaltsplatzhalter 2">
+            <a:r>
+              <a:rPr lang="de-DE" dirty="0"/>
+              <a:t>Quellen</a:t>
+            </a:r>
+          </a:p>
+        </p:txBody>
+      </p:sp>
+      <p:sp>
+        <p:nvSpPr>
+          <p:cNvPr id="4" name="Fußzeilenplatzhalter 3">
             <a:extLst>
               <a:ext uri="{FF2B5EF4-FFF2-40B4-BE49-F238E27FC236}">
-                <a16:creationId xmlns:a16="http://schemas.microsoft.com/office/drawing/2014/main" id="{F16CBBDD-B778-4428-BEA4-58A2A93CF9E6}"/>
+                <a16:creationId xmlns:a16="http://schemas.microsoft.com/office/drawing/2014/main" id="{F43C305A-3BE1-411C-9E60-B820CE4BF4CA}"/>
               </a:ext>
             </a:extLst>
           </p:cNvPr>
@@ -7551,702 +8191,6 @@
             <a:spLocks noGrp="1"/>
           </p:cNvSpPr>
           <p:nvPr>
-            <p:ph idx="1"/>
-          </p:nvPr>
-        </p:nvSpPr>
-        <p:spPr>
-          <a:xfrm>
-            <a:off x="838200" y="2425699"/>
-            <a:ext cx="10515600" cy="3751263"/>
-          </a:xfrm>
-        </p:spPr>
-        <p:txBody>
-          <a:bodyPr>
-            <a:normAutofit/>
-          </a:bodyPr>
-          <a:lstStyle/>
-          <a:p>
-            <a:pPr marL="0" indent="0">
-              <a:buNone/>
-            </a:pPr>
-            <a:r>
-              <a:rPr lang="de-DE" sz="1800" b="0" dirty="0" err="1">
-                <a:solidFill>
-                  <a:srgbClr val="569CD6"/>
-                </a:solidFill>
-                <a:effectLst/>
-                <a:latin typeface="Consolas" panose="020B0609020204030204" pitchFamily="49" charset="0"/>
-              </a:rPr>
-              <a:t>func</a:t>
-            </a:r>
-            <a:r>
-              <a:rPr lang="de-DE" sz="1800" b="0" dirty="0">
-                <a:solidFill>
-                  <a:srgbClr val="D4D4D4"/>
-                </a:solidFill>
-                <a:effectLst/>
-                <a:latin typeface="Consolas" panose="020B0609020204030204" pitchFamily="49" charset="0"/>
-              </a:rPr>
-              <a:t> </a:t>
-            </a:r>
-            <a:r>
-              <a:rPr lang="de-DE" sz="1800" b="0" dirty="0" err="1">
-                <a:solidFill>
-                  <a:srgbClr val="DCDCAA"/>
-                </a:solidFill>
-                <a:effectLst/>
-                <a:latin typeface="Consolas" panose="020B0609020204030204" pitchFamily="49" charset="0"/>
-              </a:rPr>
-              <a:t>createNewGame</a:t>
-            </a:r>
-            <a:r>
-              <a:rPr lang="de-DE" sz="1800" b="0" dirty="0">
-                <a:solidFill>
-                  <a:srgbClr val="D4D4D4"/>
-                </a:solidFill>
-                <a:effectLst/>
-                <a:latin typeface="Consolas" panose="020B0609020204030204" pitchFamily="49" charset="0"/>
-              </a:rPr>
-              <a:t>(</a:t>
-            </a:r>
-            <a:r>
-              <a:rPr lang="de-DE" sz="1800" b="0" dirty="0" err="1">
-                <a:solidFill>
-                  <a:srgbClr val="DCDCAA"/>
-                </a:solidFill>
-                <a:effectLst/>
-                <a:latin typeface="Consolas" panose="020B0609020204030204" pitchFamily="49" charset="0"/>
-              </a:rPr>
-              <a:t>completion</a:t>
-            </a:r>
-            <a:r>
-              <a:rPr lang="de-DE" sz="1800" b="0" dirty="0">
-                <a:solidFill>
-                  <a:srgbClr val="D4D4D4"/>
-                </a:solidFill>
-                <a:effectLst/>
-                <a:latin typeface="Consolas" panose="020B0609020204030204" pitchFamily="49" charset="0"/>
-              </a:rPr>
-              <a:t>: </a:t>
-            </a:r>
-            <a:r>
-              <a:rPr lang="de-DE" sz="1800" b="0" dirty="0">
-                <a:solidFill>
-                  <a:srgbClr val="569CD6"/>
-                </a:solidFill>
-                <a:effectLst/>
-                <a:latin typeface="Consolas" panose="020B0609020204030204" pitchFamily="49" charset="0"/>
-              </a:rPr>
-              <a:t>@escaping</a:t>
-            </a:r>
-            <a:r>
-              <a:rPr lang="de-DE" sz="1800" b="0" dirty="0">
-                <a:solidFill>
-                  <a:srgbClr val="D4D4D4"/>
-                </a:solidFill>
-                <a:effectLst/>
-                <a:latin typeface="Consolas" panose="020B0609020204030204" pitchFamily="49" charset="0"/>
-              </a:rPr>
-              <a:t> (</a:t>
-            </a:r>
-            <a:r>
-              <a:rPr lang="de-DE" sz="1800" b="0" dirty="0" err="1">
-                <a:solidFill>
-                  <a:srgbClr val="D4D4D4"/>
-                </a:solidFill>
-                <a:effectLst/>
-                <a:latin typeface="Consolas" panose="020B0609020204030204" pitchFamily="49" charset="0"/>
-              </a:rPr>
-              <a:t>quizGame</a:t>
-            </a:r>
-            <a:r>
-              <a:rPr lang="de-DE" sz="1800" b="0" dirty="0">
-                <a:solidFill>
-                  <a:srgbClr val="D4D4D4"/>
-                </a:solidFill>
-                <a:effectLst/>
-                <a:latin typeface="Consolas" panose="020B0609020204030204" pitchFamily="49" charset="0"/>
-              </a:rPr>
-              <a:t>: </a:t>
-            </a:r>
-            <a:r>
-              <a:rPr lang="de-DE" sz="1800" b="0" dirty="0" err="1">
-                <a:solidFill>
-                  <a:srgbClr val="D4D4D4"/>
-                </a:solidFill>
-                <a:effectLst/>
-                <a:latin typeface="Consolas" panose="020B0609020204030204" pitchFamily="49" charset="0"/>
-              </a:rPr>
-              <a:t>QuizGame</a:t>
-            </a:r>
-            <a:r>
-              <a:rPr lang="de-DE" sz="1800" b="0" dirty="0">
-                <a:solidFill>
-                  <a:srgbClr val="D4D4D4"/>
-                </a:solidFill>
-                <a:effectLst/>
-                <a:latin typeface="Consolas" panose="020B0609020204030204" pitchFamily="49" charset="0"/>
-              </a:rPr>
-              <a:t>) -&gt; </a:t>
-            </a:r>
-            <a:r>
-              <a:rPr lang="de-DE" sz="1800" b="0" dirty="0" err="1">
-                <a:solidFill>
-                  <a:srgbClr val="4EC9B0"/>
-                </a:solidFill>
-                <a:effectLst/>
-                <a:latin typeface="Consolas" panose="020B0609020204030204" pitchFamily="49" charset="0"/>
-              </a:rPr>
-              <a:t>Void</a:t>
-            </a:r>
-            <a:r>
-              <a:rPr lang="de-DE" sz="1800" b="0" dirty="0">
-                <a:solidFill>
-                  <a:srgbClr val="D4D4D4"/>
-                </a:solidFill>
-                <a:effectLst/>
-                <a:latin typeface="Consolas" panose="020B0609020204030204" pitchFamily="49" charset="0"/>
-              </a:rPr>
-              <a:t>) -&gt; </a:t>
-            </a:r>
-            <a:r>
-              <a:rPr lang="de-DE" sz="1800" b="0" dirty="0" err="1">
-                <a:solidFill>
-                  <a:srgbClr val="4EC9B0"/>
-                </a:solidFill>
-                <a:effectLst/>
-                <a:latin typeface="Consolas" panose="020B0609020204030204" pitchFamily="49" charset="0"/>
-              </a:rPr>
-              <a:t>Void</a:t>
-            </a:r>
-            <a:r>
-              <a:rPr lang="de-DE" sz="1800" b="0" dirty="0">
-                <a:solidFill>
-                  <a:srgbClr val="D4D4D4"/>
-                </a:solidFill>
-                <a:effectLst/>
-                <a:latin typeface="Consolas" panose="020B0609020204030204" pitchFamily="49" charset="0"/>
-              </a:rPr>
-              <a:t> {</a:t>
-            </a:r>
-          </a:p>
-          <a:p>
-            <a:pPr marL="0" indent="0">
-              <a:buNone/>
-            </a:pPr>
-            <a:r>
-              <a:rPr lang="de-DE" sz="1800" b="0" dirty="0">
-                <a:solidFill>
-                  <a:srgbClr val="D4D4D4"/>
-                </a:solidFill>
-                <a:effectLst/>
-                <a:latin typeface="Consolas" panose="020B0609020204030204" pitchFamily="49" charset="0"/>
-              </a:rPr>
-              <a:t>            </a:t>
-            </a:r>
-            <a:r>
-              <a:rPr lang="de-DE" sz="1800" b="0" dirty="0" err="1">
-                <a:solidFill>
-                  <a:srgbClr val="DCDCAA"/>
-                </a:solidFill>
-                <a:effectLst/>
-                <a:latin typeface="Consolas" panose="020B0609020204030204" pitchFamily="49" charset="0"/>
-              </a:rPr>
-              <a:t>getUserIDs</a:t>
-            </a:r>
-            <a:r>
-              <a:rPr lang="de-DE" sz="1800" b="0" dirty="0">
-                <a:solidFill>
-                  <a:srgbClr val="D4D4D4"/>
-                </a:solidFill>
-                <a:effectLst/>
-                <a:latin typeface="Consolas" panose="020B0609020204030204" pitchFamily="49" charset="0"/>
-              </a:rPr>
-              <a:t>() { (</a:t>
-            </a:r>
-            <a:r>
-              <a:rPr lang="de-DE" sz="1800" b="0" dirty="0" err="1">
-                <a:solidFill>
-                  <a:srgbClr val="DCDCAA"/>
-                </a:solidFill>
-                <a:effectLst/>
-                <a:latin typeface="Consolas" panose="020B0609020204030204" pitchFamily="49" charset="0"/>
-              </a:rPr>
-              <a:t>userIDs</a:t>
-            </a:r>
-            <a:r>
-              <a:rPr lang="de-DE" sz="1800" b="0" dirty="0">
-                <a:solidFill>
-                  <a:srgbClr val="D4D4D4"/>
-                </a:solidFill>
-                <a:effectLst/>
-                <a:latin typeface="Consolas" panose="020B0609020204030204" pitchFamily="49" charset="0"/>
-              </a:rPr>
-              <a:t>: [</a:t>
-            </a:r>
-            <a:r>
-              <a:rPr lang="de-DE" sz="1800" b="0" dirty="0">
-                <a:solidFill>
-                  <a:srgbClr val="4EC9B0"/>
-                </a:solidFill>
-                <a:effectLst/>
-                <a:latin typeface="Consolas" panose="020B0609020204030204" pitchFamily="49" charset="0"/>
-              </a:rPr>
-              <a:t>String</a:t>
-            </a:r>
-            <a:r>
-              <a:rPr lang="de-DE" sz="1800" b="0" dirty="0">
-                <a:solidFill>
-                  <a:srgbClr val="D4D4D4"/>
-                </a:solidFill>
-                <a:effectLst/>
-                <a:latin typeface="Consolas" panose="020B0609020204030204" pitchFamily="49" charset="0"/>
-              </a:rPr>
-              <a:t>]?) </a:t>
-            </a:r>
-            <a:r>
-              <a:rPr lang="de-DE" sz="1800" b="0" dirty="0">
-                <a:solidFill>
-                  <a:srgbClr val="C586C0"/>
-                </a:solidFill>
-                <a:effectLst/>
-                <a:latin typeface="Consolas" panose="020B0609020204030204" pitchFamily="49" charset="0"/>
-              </a:rPr>
-              <a:t>in</a:t>
-            </a:r>
-            <a:endParaRPr lang="de-DE" sz="1800" b="0" dirty="0">
-              <a:solidFill>
-                <a:srgbClr val="D4D4D4"/>
-              </a:solidFill>
-              <a:effectLst/>
-              <a:latin typeface="Consolas" panose="020B0609020204030204" pitchFamily="49" charset="0"/>
-            </a:endParaRPr>
-          </a:p>
-          <a:p>
-            <a:pPr marL="0" indent="0">
-              <a:buNone/>
-            </a:pPr>
-            <a:r>
-              <a:rPr lang="de-DE" sz="1800" b="0" dirty="0">
-                <a:solidFill>
-                  <a:srgbClr val="D4D4D4"/>
-                </a:solidFill>
-                <a:effectLst/>
-                <a:latin typeface="Consolas" panose="020B0609020204030204" pitchFamily="49" charset="0"/>
-              </a:rPr>
-              <a:t>            </a:t>
-            </a:r>
-            <a:r>
-              <a:rPr lang="de-DE" sz="1800" b="0" dirty="0">
-                <a:solidFill>
-                  <a:srgbClr val="6A9955"/>
-                </a:solidFill>
-                <a:effectLst/>
-                <a:latin typeface="Consolas" panose="020B0609020204030204" pitchFamily="49" charset="0"/>
-              </a:rPr>
-              <a:t>// Do </a:t>
-            </a:r>
-            <a:r>
-              <a:rPr lang="de-DE" sz="1800" b="0" dirty="0" err="1">
-                <a:solidFill>
-                  <a:srgbClr val="6A9955"/>
-                </a:solidFill>
-                <a:effectLst/>
-                <a:latin typeface="Consolas" panose="020B0609020204030204" pitchFamily="49" charset="0"/>
-              </a:rPr>
-              <a:t>something</a:t>
-            </a:r>
-            <a:r>
-              <a:rPr lang="de-DE" sz="1800" b="0" dirty="0">
-                <a:solidFill>
-                  <a:srgbClr val="6A9955"/>
-                </a:solidFill>
-                <a:effectLst/>
-                <a:latin typeface="Consolas" panose="020B0609020204030204" pitchFamily="49" charset="0"/>
-              </a:rPr>
-              <a:t> </a:t>
-            </a:r>
-            <a:r>
-              <a:rPr lang="de-DE" sz="1800" b="0" dirty="0" err="1">
-                <a:solidFill>
-                  <a:srgbClr val="6A9955"/>
-                </a:solidFill>
-                <a:effectLst/>
-                <a:latin typeface="Consolas" panose="020B0609020204030204" pitchFamily="49" charset="0"/>
-              </a:rPr>
-              <a:t>with</a:t>
-            </a:r>
-            <a:r>
-              <a:rPr lang="de-DE" sz="1800" b="0" dirty="0">
-                <a:solidFill>
-                  <a:srgbClr val="6A9955"/>
-                </a:solidFill>
-                <a:effectLst/>
-                <a:latin typeface="Consolas" panose="020B0609020204030204" pitchFamily="49" charset="0"/>
-              </a:rPr>
-              <a:t> </a:t>
-            </a:r>
-            <a:r>
-              <a:rPr lang="de-DE" sz="1800" b="0" dirty="0" err="1">
-                <a:solidFill>
-                  <a:srgbClr val="6A9955"/>
-                </a:solidFill>
-                <a:effectLst/>
-                <a:latin typeface="Consolas" panose="020B0609020204030204" pitchFamily="49" charset="0"/>
-              </a:rPr>
-              <a:t>the</a:t>
-            </a:r>
-            <a:r>
-              <a:rPr lang="de-DE" sz="1800" b="0" dirty="0">
-                <a:solidFill>
-                  <a:srgbClr val="6A9955"/>
-                </a:solidFill>
-                <a:effectLst/>
-                <a:latin typeface="Consolas" panose="020B0609020204030204" pitchFamily="49" charset="0"/>
-              </a:rPr>
-              <a:t> </a:t>
-            </a:r>
-            <a:r>
-              <a:rPr lang="de-DE" sz="1800" b="0" dirty="0" err="1">
-                <a:solidFill>
-                  <a:srgbClr val="6A9955"/>
-                </a:solidFill>
-                <a:effectLst/>
-                <a:latin typeface="Consolas" panose="020B0609020204030204" pitchFamily="49" charset="0"/>
-              </a:rPr>
-              <a:t>userIDs</a:t>
-            </a:r>
-            <a:endParaRPr lang="de-DE" sz="1800" b="0" dirty="0">
-              <a:solidFill>
-                <a:srgbClr val="D4D4D4"/>
-              </a:solidFill>
-              <a:effectLst/>
-              <a:latin typeface="Consolas" panose="020B0609020204030204" pitchFamily="49" charset="0"/>
-            </a:endParaRPr>
-          </a:p>
-          <a:p>
-            <a:pPr marL="0" indent="0">
-              <a:buNone/>
-            </a:pPr>
-            <a:r>
-              <a:rPr lang="de-DE" sz="1800" b="0" dirty="0">
-                <a:solidFill>
-                  <a:srgbClr val="D4D4D4"/>
-                </a:solidFill>
-                <a:effectLst/>
-                <a:latin typeface="Consolas" panose="020B0609020204030204" pitchFamily="49" charset="0"/>
-              </a:rPr>
-              <a:t>            </a:t>
-            </a:r>
-            <a:r>
-              <a:rPr lang="de-DE" sz="1800" b="0" dirty="0" err="1">
-                <a:solidFill>
-                  <a:srgbClr val="569CD6"/>
-                </a:solidFill>
-                <a:effectLst/>
-                <a:latin typeface="Consolas" panose="020B0609020204030204" pitchFamily="49" charset="0"/>
-              </a:rPr>
-              <a:t>self</a:t>
-            </a:r>
-            <a:r>
-              <a:rPr lang="de-DE" sz="1800" b="0" dirty="0" err="1">
-                <a:solidFill>
-                  <a:srgbClr val="D4D4D4"/>
-                </a:solidFill>
-                <a:effectLst/>
-                <a:latin typeface="Consolas" panose="020B0609020204030204" pitchFamily="49" charset="0"/>
-              </a:rPr>
-              <a:t>.</a:t>
-            </a:r>
-            <a:r>
-              <a:rPr lang="de-DE" sz="1800" b="0" dirty="0" err="1">
-                <a:solidFill>
-                  <a:srgbClr val="DCDCAA"/>
-                </a:solidFill>
-                <a:effectLst/>
-                <a:latin typeface="Consolas" panose="020B0609020204030204" pitchFamily="49" charset="0"/>
-              </a:rPr>
-              <a:t>getUser</a:t>
-            </a:r>
-            <a:r>
-              <a:rPr lang="de-DE" sz="1800" b="0" dirty="0">
-                <a:solidFill>
-                  <a:srgbClr val="D4D4D4"/>
-                </a:solidFill>
-                <a:effectLst/>
-                <a:latin typeface="Consolas" panose="020B0609020204030204" pitchFamily="49" charset="0"/>
-              </a:rPr>
-              <a:t>(</a:t>
-            </a:r>
-            <a:r>
-              <a:rPr lang="de-DE" sz="1800" b="0" dirty="0" err="1">
-                <a:solidFill>
-                  <a:srgbClr val="DCDCAA"/>
-                </a:solidFill>
-                <a:effectLst/>
-                <a:latin typeface="Consolas" panose="020B0609020204030204" pitchFamily="49" charset="0"/>
-              </a:rPr>
-              <a:t>uid</a:t>
-            </a:r>
-            <a:r>
-              <a:rPr lang="de-DE" sz="1800" b="0" dirty="0">
-                <a:solidFill>
-                  <a:srgbClr val="D4D4D4"/>
-                </a:solidFill>
-                <a:effectLst/>
-                <a:latin typeface="Consolas" panose="020B0609020204030204" pitchFamily="49" charset="0"/>
-              </a:rPr>
-              <a:t>: </a:t>
-            </a:r>
-            <a:r>
-              <a:rPr lang="de-DE" sz="1800" b="0" dirty="0" err="1">
-                <a:solidFill>
-                  <a:srgbClr val="D4D4D4"/>
-                </a:solidFill>
-                <a:effectLst/>
-                <a:latin typeface="Consolas" panose="020B0609020204030204" pitchFamily="49" charset="0"/>
-              </a:rPr>
-              <a:t>ownUID</a:t>
-            </a:r>
-            <a:r>
-              <a:rPr lang="de-DE" sz="1800" b="0" dirty="0">
-                <a:solidFill>
-                  <a:srgbClr val="D4D4D4"/>
-                </a:solidFill>
-                <a:effectLst/>
-                <a:latin typeface="Consolas" panose="020B0609020204030204" pitchFamily="49" charset="0"/>
-              </a:rPr>
-              <a:t>) { (</a:t>
-            </a:r>
-            <a:r>
-              <a:rPr lang="de-DE" sz="1800" b="0" dirty="0" err="1">
-                <a:solidFill>
-                  <a:srgbClr val="DCDCAA"/>
-                </a:solidFill>
-                <a:effectLst/>
-                <a:latin typeface="Consolas" panose="020B0609020204030204" pitchFamily="49" charset="0"/>
-              </a:rPr>
-              <a:t>quizUSer</a:t>
-            </a:r>
-            <a:r>
-              <a:rPr lang="de-DE" sz="1800" b="0" dirty="0">
-                <a:solidFill>
-                  <a:srgbClr val="D4D4D4"/>
-                </a:solidFill>
-                <a:effectLst/>
-                <a:latin typeface="Consolas" panose="020B0609020204030204" pitchFamily="49" charset="0"/>
-              </a:rPr>
-              <a:t>: </a:t>
-            </a:r>
-            <a:r>
-              <a:rPr lang="de-DE" sz="1800" b="0" dirty="0" err="1">
-                <a:solidFill>
-                  <a:srgbClr val="D4D4D4"/>
-                </a:solidFill>
-                <a:effectLst/>
-                <a:latin typeface="Consolas" panose="020B0609020204030204" pitchFamily="49" charset="0"/>
-              </a:rPr>
-              <a:t>QuizUser</a:t>
-            </a:r>
-            <a:r>
-              <a:rPr lang="de-DE" sz="1800" b="0" dirty="0">
-                <a:solidFill>
-                  <a:srgbClr val="D4D4D4"/>
-                </a:solidFill>
-                <a:effectLst/>
-                <a:latin typeface="Consolas" panose="020B0609020204030204" pitchFamily="49" charset="0"/>
-              </a:rPr>
-              <a:t>) </a:t>
-            </a:r>
-            <a:r>
-              <a:rPr lang="de-DE" sz="1800" b="0" dirty="0">
-                <a:solidFill>
-                  <a:srgbClr val="C586C0"/>
-                </a:solidFill>
-                <a:effectLst/>
-                <a:latin typeface="Consolas" panose="020B0609020204030204" pitchFamily="49" charset="0"/>
-              </a:rPr>
-              <a:t>in</a:t>
-            </a:r>
-            <a:r>
-              <a:rPr lang="de-DE" sz="1800" b="0" dirty="0">
-                <a:solidFill>
-                  <a:srgbClr val="D4D4D4"/>
-                </a:solidFill>
-                <a:effectLst/>
-                <a:latin typeface="Consolas" panose="020B0609020204030204" pitchFamily="49" charset="0"/>
-              </a:rPr>
-              <a:t> </a:t>
-            </a:r>
-          </a:p>
-          <a:p>
-            <a:pPr marL="0" indent="0">
-              <a:buNone/>
-            </a:pPr>
-            <a:r>
-              <a:rPr lang="de-DE" sz="1800" b="0" dirty="0">
-                <a:solidFill>
-                  <a:srgbClr val="D4D4D4"/>
-                </a:solidFill>
-                <a:effectLst/>
-                <a:latin typeface="Consolas" panose="020B0609020204030204" pitchFamily="49" charset="0"/>
-              </a:rPr>
-              <a:t>                </a:t>
-            </a:r>
-            <a:r>
-              <a:rPr lang="de-DE" sz="1800" b="0" dirty="0">
-                <a:solidFill>
-                  <a:srgbClr val="6A9955"/>
-                </a:solidFill>
-                <a:effectLst/>
-                <a:latin typeface="Consolas" panose="020B0609020204030204" pitchFamily="49" charset="0"/>
-              </a:rPr>
-              <a:t>// Do </a:t>
-            </a:r>
-            <a:r>
-              <a:rPr lang="de-DE" sz="1800" b="0" dirty="0" err="1">
-                <a:solidFill>
-                  <a:srgbClr val="6A9955"/>
-                </a:solidFill>
-                <a:effectLst/>
-                <a:latin typeface="Consolas" panose="020B0609020204030204" pitchFamily="49" charset="0"/>
-              </a:rPr>
-              <a:t>something</a:t>
-            </a:r>
-            <a:r>
-              <a:rPr lang="de-DE" sz="1800" b="0" dirty="0">
-                <a:solidFill>
-                  <a:srgbClr val="6A9955"/>
-                </a:solidFill>
-                <a:effectLst/>
-                <a:latin typeface="Consolas" panose="020B0609020204030204" pitchFamily="49" charset="0"/>
-              </a:rPr>
-              <a:t> </a:t>
-            </a:r>
-            <a:r>
-              <a:rPr lang="de-DE" sz="1800" b="0" dirty="0" err="1">
-                <a:solidFill>
-                  <a:srgbClr val="6A9955"/>
-                </a:solidFill>
-                <a:effectLst/>
-                <a:latin typeface="Consolas" panose="020B0609020204030204" pitchFamily="49" charset="0"/>
-              </a:rPr>
-              <a:t>with</a:t>
-            </a:r>
-            <a:r>
-              <a:rPr lang="de-DE" sz="1800" b="0" dirty="0">
-                <a:solidFill>
-                  <a:srgbClr val="6A9955"/>
-                </a:solidFill>
-                <a:effectLst/>
-                <a:latin typeface="Consolas" panose="020B0609020204030204" pitchFamily="49" charset="0"/>
-              </a:rPr>
-              <a:t> </a:t>
-            </a:r>
-            <a:r>
-              <a:rPr lang="de-DE" sz="1800" b="0" dirty="0" err="1">
-                <a:solidFill>
-                  <a:srgbClr val="6A9955"/>
-                </a:solidFill>
-                <a:effectLst/>
-                <a:latin typeface="Consolas" panose="020B0609020204030204" pitchFamily="49" charset="0"/>
-              </a:rPr>
-              <a:t>the</a:t>
-            </a:r>
-            <a:r>
-              <a:rPr lang="de-DE" sz="1800" b="0" dirty="0">
-                <a:solidFill>
-                  <a:srgbClr val="6A9955"/>
-                </a:solidFill>
-                <a:effectLst/>
-                <a:latin typeface="Consolas" panose="020B0609020204030204" pitchFamily="49" charset="0"/>
-              </a:rPr>
-              <a:t> </a:t>
-            </a:r>
-            <a:r>
-              <a:rPr lang="de-DE" sz="1800" b="0" dirty="0" err="1">
-                <a:solidFill>
-                  <a:srgbClr val="6A9955"/>
-                </a:solidFill>
-                <a:effectLst/>
-                <a:latin typeface="Consolas" panose="020B0609020204030204" pitchFamily="49" charset="0"/>
-              </a:rPr>
-              <a:t>user</a:t>
-            </a:r>
-            <a:endParaRPr lang="de-DE" sz="1800" b="0" dirty="0">
-              <a:solidFill>
-                <a:srgbClr val="D4D4D4"/>
-              </a:solidFill>
-              <a:effectLst/>
-              <a:latin typeface="Consolas" panose="020B0609020204030204" pitchFamily="49" charset="0"/>
-            </a:endParaRPr>
-          </a:p>
-          <a:p>
-            <a:pPr marL="0" indent="0">
-              <a:buNone/>
-            </a:pPr>
-            <a:r>
-              <a:rPr lang="de-DE" sz="1800" b="0" dirty="0">
-                <a:solidFill>
-                  <a:srgbClr val="D4D4D4"/>
-                </a:solidFill>
-                <a:effectLst/>
-                <a:latin typeface="Consolas" panose="020B0609020204030204" pitchFamily="49" charset="0"/>
-              </a:rPr>
-              <a:t>            }</a:t>
-            </a:r>
-          </a:p>
-          <a:p>
-            <a:pPr marL="0" indent="0">
-              <a:buNone/>
-            </a:pPr>
-            <a:r>
-              <a:rPr lang="de-DE" sz="1800" b="0" dirty="0">
-                <a:solidFill>
-                  <a:srgbClr val="D4D4D4"/>
-                </a:solidFill>
-                <a:effectLst/>
-                <a:latin typeface="Consolas" panose="020B0609020204030204" pitchFamily="49" charset="0"/>
-              </a:rPr>
-              <a:t>        }</a:t>
-            </a:r>
-          </a:p>
-          <a:p>
-            <a:pPr marL="0" indent="0">
-              <a:buNone/>
-            </a:pPr>
-            <a:r>
-              <a:rPr lang="de-DE" sz="1800" b="0" dirty="0">
-                <a:solidFill>
-                  <a:srgbClr val="D4D4D4"/>
-                </a:solidFill>
-                <a:effectLst/>
-                <a:latin typeface="Consolas" panose="020B0609020204030204" pitchFamily="49" charset="0"/>
-              </a:rPr>
-              <a:t>}</a:t>
-            </a:r>
-          </a:p>
-          <a:p>
-            <a:pPr marL="0" indent="0">
-              <a:buNone/>
-            </a:pPr>
-            <a:endParaRPr lang="de-DE" sz="1800" dirty="0"/>
-          </a:p>
-        </p:txBody>
-      </p:sp>
-      <p:sp>
-        <p:nvSpPr>
-          <p:cNvPr id="4" name="Fußzeilenplatzhalter 3">
-            <a:extLst>
-              <a:ext uri="{FF2B5EF4-FFF2-40B4-BE49-F238E27FC236}">
-                <a16:creationId xmlns:a16="http://schemas.microsoft.com/office/drawing/2014/main" id="{6C9F9A7E-F788-41C1-B5DB-00631A5D7485}"/>
-              </a:ext>
-            </a:extLst>
-          </p:cNvPr>
-          <p:cNvSpPr>
-            <a:spLocks noGrp="1"/>
-          </p:cNvSpPr>
-          <p:nvPr>
             <p:ph type="ftr" sz="quarter" idx="11"/>
           </p:nvPr>
         </p:nvSpPr>
@@ -8267,7 +8211,7 @@
           <p:cNvPr id="5" name="Foliennummernplatzhalter 4">
             <a:extLst>
               <a:ext uri="{FF2B5EF4-FFF2-40B4-BE49-F238E27FC236}">
-                <a16:creationId xmlns:a16="http://schemas.microsoft.com/office/drawing/2014/main" id="{A7F4FBE9-5627-4CF2-A352-E65A2B4BA33A}"/>
+                <a16:creationId xmlns:a16="http://schemas.microsoft.com/office/drawing/2014/main" id="{B0B9F3E1-9127-47DC-A522-60D372D6F664}"/>
               </a:ext>
             </a:extLst>
           </p:cNvPr>
@@ -8294,15 +8238,15 @@
     </p:spTree>
     <p:extLst>
       <p:ext uri="{BB962C8B-B14F-4D97-AF65-F5344CB8AC3E}">
-        <p14:creationId xmlns:p14="http://schemas.microsoft.com/office/powerpoint/2010/main" val="3248875023"/>
+        <p14:creationId xmlns:p14="http://schemas.microsoft.com/office/powerpoint/2010/main" val="2783589156"/>
       </p:ext>
     </p:extLst>
   </p:cSld>
   <p:clrMapOvr>
     <a:masterClrMapping/>
   </p:clrMapOvr>
-  <p:transition spd="med">
-    <p:pull/>
+  <p:transition spd="slow">
+    <p:push dir="u"/>
   </p:transition>
 </p:sld>
 </file>
@@ -8329,7 +8273,7 @@
           <p:cNvPr id="2" name="Titel 1">
             <a:extLst>
               <a:ext uri="{FF2B5EF4-FFF2-40B4-BE49-F238E27FC236}">
-                <a16:creationId xmlns:a16="http://schemas.microsoft.com/office/drawing/2014/main" id="{2974A037-533C-46C3-BE6E-7DF30E90515E}"/>
+                <a16:creationId xmlns:a16="http://schemas.microsoft.com/office/drawing/2014/main" id="{52CAB2F8-1ABD-43CA-8067-8CC5BC221BAD}"/>
               </a:ext>
             </a:extLst>
           </p:cNvPr>
@@ -8342,8 +8286,8 @@
         </p:nvSpPr>
         <p:spPr>
           <a:xfrm>
-            <a:off x="838200" y="681037"/>
-            <a:ext cx="10515600" cy="1009651"/>
+            <a:off x="838200" y="605367"/>
+            <a:ext cx="10515600" cy="1085321"/>
           </a:xfrm>
         </p:spPr>
         <p:txBody>
@@ -8353,13 +8297,8 @@
             <a:pPr algn="ctr"/>
             <a:r>
               <a:rPr lang="de-DE" b="1" dirty="0"/>
-              <a:t>Auflösung der Callback-Hell: </a:t>
-            </a:r>
-            <a:r>
-              <a:rPr lang="de-DE" b="1" dirty="0" err="1"/>
-              <a:t>Promises</a:t>
-            </a:r>
-            <a:endParaRPr lang="de-DE" b="1" dirty="0"/>
+              <a:t>Quellen</a:t>
+            </a:r>
           </a:p>
         </p:txBody>
       </p:sp>
@@ -8368,7 +8307,7 @@
           <p:cNvPr id="3" name="Inhaltsplatzhalter 2">
             <a:extLst>
               <a:ext uri="{FF2B5EF4-FFF2-40B4-BE49-F238E27FC236}">
-                <a16:creationId xmlns:a16="http://schemas.microsoft.com/office/drawing/2014/main" id="{E741A5C4-82AB-43E2-817F-04176D7C54A5}"/>
+                <a16:creationId xmlns:a16="http://schemas.microsoft.com/office/drawing/2014/main" id="{C9FB1D23-DBE9-45BD-A46B-41DE33A2D607}"/>
               </a:ext>
             </a:extLst>
           </p:cNvPr>
@@ -8386,107 +8325,44 @@
           <a:p>
             <a:r>
               <a:rPr lang="de-DE" dirty="0"/>
-              <a:t>Ein </a:t>
+              <a:t>17.12.2018, „</a:t>
             </a:r>
             <a:r>
               <a:rPr lang="de-DE" dirty="0" err="1"/>
-              <a:t>Promise</a:t>
+              <a:t>Avoiding</a:t>
             </a:r>
             <a:r>
               <a:rPr lang="de-DE" dirty="0"/>
-              <a:t> ist ein Versprechen, dass eine Funktion einen Wert zurückgeben wird</a:t>
-            </a:r>
-          </a:p>
-          <a:p>
-            <a:pPr lvl="1"/>
-            <a:r>
+              <a:t> Callback Hell in Swift“:</a:t>
+            </a:r>
+            <a:br>
               <a:rPr lang="de-DE" dirty="0"/>
-              <a:t>Mittels Funktionen (</a:t>
-            </a:r>
-            <a:r>
-              <a:rPr lang="de-DE" dirty="0" err="1"/>
-              <a:t>done</a:t>
-            </a:r>
+            </a:br>
+            <a:r>
+              <a:rPr lang="de-DE" dirty="0">
+                <a:hlinkClick r:id="rId2"/>
+              </a:rPr>
+              <a:t>https://swiftrocks.com/avoiding-callback-hell-in-swift</a:t>
+            </a:r>
+            <a:endParaRPr lang="de-DE" dirty="0"/>
+          </a:p>
+          <a:p>
             <a:r>
               <a:rPr lang="de-DE" dirty="0"/>
-              <a:t>, </a:t>
-            </a:r>
-            <a:r>
-              <a:rPr lang="de-DE" dirty="0" err="1"/>
-              <a:t>then</a:t>
-            </a:r>
-            <a:r>
+              <a:t>SWTP-SS20-Kammer-2 (Projekt-Repository):</a:t>
+            </a:r>
+            <a:br>
               <a:rPr lang="de-DE" dirty="0"/>
-              <a:t>) kann auf Wert gewartet werden</a:t>
-            </a:r>
-          </a:p>
-          <a:p>
-            <a:pPr lvl="1"/>
+            </a:br>
+            <a:r>
+              <a:rPr lang="de-DE" dirty="0">
+                <a:hlinkClick r:id="rId3"/>
+              </a:rPr>
+              <a:t>https://github.com/SWTP-SS20-Kammer-2/Data-Analytics</a:t>
+            </a:r>
             <a:r>
               <a:rPr lang="de-DE" dirty="0"/>
-              <a:t>Funktion </a:t>
-            </a:r>
-            <a:r>
-              <a:rPr lang="de-DE" dirty="0" err="1">
-                <a:latin typeface="Consolas" panose="020B0609020204030204" pitchFamily="49" charset="0"/>
-              </a:rPr>
-              <a:t>then</a:t>
-            </a:r>
-            <a:r>
-              <a:rPr lang="de-DE" dirty="0">
-                <a:latin typeface="Consolas" panose="020B0609020204030204" pitchFamily="49" charset="0"/>
-              </a:rPr>
               <a:t> </a:t>
-            </a:r>
-            <a:r>
-              <a:rPr lang="de-DE" dirty="0"/>
-              <a:t>kann selbst </a:t>
-            </a:r>
-            <a:r>
-              <a:rPr lang="de-DE" dirty="0" err="1"/>
-              <a:t>Promise</a:t>
-            </a:r>
-            <a:r>
-              <a:rPr lang="de-DE" dirty="0"/>
-              <a:t> zurückgeben</a:t>
-            </a:r>
-          </a:p>
-          <a:p>
-            <a:pPr lvl="1"/>
-            <a:r>
-              <a:rPr lang="de-DE" dirty="0"/>
-              <a:t>Dadurch kann wieder auf Rückgabe gewartet werden</a:t>
-            </a:r>
-            <a:endParaRPr lang="de-DE" dirty="0">
-              <a:latin typeface="Consolas" panose="020B0609020204030204" pitchFamily="49" charset="0"/>
-            </a:endParaRPr>
-          </a:p>
-          <a:p>
-            <a:r>
-              <a:rPr lang="de-DE" dirty="0"/>
-              <a:t>Keine Reduzierung von Klammern, allerdings von Verschachtelung</a:t>
-            </a:r>
-          </a:p>
-          <a:p>
-            <a:r>
-              <a:rPr lang="de-DE" dirty="0"/>
-              <a:t>Framework </a:t>
-            </a:r>
-            <a:r>
-              <a:rPr lang="de-DE" dirty="0" err="1"/>
-              <a:t>PromiseKit</a:t>
-            </a:r>
-            <a:r>
-              <a:rPr lang="de-DE" dirty="0"/>
-              <a:t> stellt </a:t>
-            </a:r>
-            <a:r>
-              <a:rPr lang="de-DE" dirty="0" err="1"/>
-              <a:t>Promises</a:t>
-            </a:r>
-            <a:r>
-              <a:rPr lang="de-DE" dirty="0"/>
-              <a:t> für Swift zur Verfügung</a:t>
             </a:r>
           </a:p>
         </p:txBody>
@@ -8496,7 +8372,7 @@
           <p:cNvPr id="4" name="Fußzeilenplatzhalter 3">
             <a:extLst>
               <a:ext uri="{FF2B5EF4-FFF2-40B4-BE49-F238E27FC236}">
-                <a16:creationId xmlns:a16="http://schemas.microsoft.com/office/drawing/2014/main" id="{5B3A0D63-9313-4EAB-9715-C503F62D9213}"/>
+                <a16:creationId xmlns:a16="http://schemas.microsoft.com/office/drawing/2014/main" id="{F7BC7236-A4F0-480F-9560-7DA531A3B31C}"/>
               </a:ext>
             </a:extLst>
           </p:cNvPr>
@@ -8524,7 +8400,7 @@
           <p:cNvPr id="5" name="Foliennummernplatzhalter 4">
             <a:extLst>
               <a:ext uri="{FF2B5EF4-FFF2-40B4-BE49-F238E27FC236}">
-                <a16:creationId xmlns:a16="http://schemas.microsoft.com/office/drawing/2014/main" id="{29251B95-4545-4819-9EDE-90392A425D31}"/>
+                <a16:creationId xmlns:a16="http://schemas.microsoft.com/office/drawing/2014/main" id="{A98E7668-23F6-44C0-B077-F27B2F05A6B9}"/>
               </a:ext>
             </a:extLst>
           </p:cNvPr>
@@ -8551,1231 +8427,7 @@
     </p:spTree>
     <p:extLst>
       <p:ext uri="{BB962C8B-B14F-4D97-AF65-F5344CB8AC3E}">
-        <p14:creationId xmlns:p14="http://schemas.microsoft.com/office/powerpoint/2010/main" val="2443016401"/>
-      </p:ext>
-    </p:extLst>
-  </p:cSld>
-  <p:clrMapOvr>
-    <a:masterClrMapping/>
-  </p:clrMapOvr>
-  <p:transition spd="med">
-    <p:pull/>
-  </p:transition>
-</p:sld>
-</file>
-
-<file path=ppt/slides/slide19.xml><?xml version="1.0" encoding="utf-8"?>
-<p:sld xmlns:a="http://schemas.openxmlformats.org/drawingml/2006/main" xmlns:r="http://schemas.openxmlformats.org/officeDocument/2006/relationships" xmlns:p="http://schemas.openxmlformats.org/presentationml/2006/main">
-  <p:cSld>
-    <p:spTree>
-      <p:nvGrpSpPr>
-        <p:cNvPr id="1" name=""/>
-        <p:cNvGrpSpPr/>
-        <p:nvPr/>
-      </p:nvGrpSpPr>
-      <p:grpSpPr>
-        <a:xfrm>
-          <a:off x="0" y="0"/>
-          <a:ext cx="0" cy="0"/>
-          <a:chOff x="0" y="0"/>
-          <a:chExt cx="0" cy="0"/>
-        </a:xfrm>
-      </p:grpSpPr>
-      <p:sp>
-        <p:nvSpPr>
-          <p:cNvPr id="2" name="Titel 1">
-            <a:extLst>
-              <a:ext uri="{FF2B5EF4-FFF2-40B4-BE49-F238E27FC236}">
-                <a16:creationId xmlns:a16="http://schemas.microsoft.com/office/drawing/2014/main" id="{7069CF27-8D23-4BB9-A61E-12FF5EA0EA7B}"/>
-              </a:ext>
-            </a:extLst>
-          </p:cNvPr>
-          <p:cNvSpPr>
-            <a:spLocks noGrp="1"/>
-          </p:cNvSpPr>
-          <p:nvPr>
-            <p:ph type="title"/>
-          </p:nvPr>
-        </p:nvSpPr>
-        <p:spPr/>
-        <p:txBody>
-          <a:bodyPr/>
-          <a:lstStyle/>
-          <a:p>
-            <a:pPr algn="ctr"/>
-            <a:r>
-              <a:rPr lang="de-DE" b="1" dirty="0"/>
-              <a:t>Verwendung von </a:t>
-            </a:r>
-            <a:r>
-              <a:rPr lang="de-DE" b="1" dirty="0" err="1"/>
-              <a:t>Promises</a:t>
-            </a:r>
-            <a:r>
-              <a:rPr lang="de-DE" b="1" dirty="0"/>
-              <a:t>: Beispiel</a:t>
-            </a:r>
-          </a:p>
-        </p:txBody>
-      </p:sp>
-      <p:sp>
-        <p:nvSpPr>
-          <p:cNvPr id="3" name="Inhaltsplatzhalter 2">
-            <a:extLst>
-              <a:ext uri="{FF2B5EF4-FFF2-40B4-BE49-F238E27FC236}">
-                <a16:creationId xmlns:a16="http://schemas.microsoft.com/office/drawing/2014/main" id="{2679FC5A-6171-4763-949D-41B53D3F8A65}"/>
-              </a:ext>
-            </a:extLst>
-          </p:cNvPr>
-          <p:cNvSpPr>
-            <a:spLocks noGrp="1"/>
-          </p:cNvSpPr>
-          <p:nvPr>
-            <p:ph idx="1"/>
-          </p:nvPr>
-        </p:nvSpPr>
-        <p:spPr>
-          <a:xfrm>
-            <a:off x="838200" y="1825625"/>
-            <a:ext cx="10515600" cy="4351338"/>
-          </a:xfrm>
-        </p:spPr>
-        <p:txBody>
-          <a:bodyPr>
-            <a:normAutofit fontScale="70000" lnSpcReduction="20000"/>
-          </a:bodyPr>
-          <a:lstStyle/>
-          <a:p>
-            <a:pPr marL="0" indent="0">
-              <a:buNone/>
-            </a:pPr>
-            <a:r>
-              <a:rPr lang="de-DE" b="0" dirty="0" err="1">
-                <a:solidFill>
-                  <a:srgbClr val="569CD6"/>
-                </a:solidFill>
-                <a:effectLst/>
-                <a:latin typeface="Consolas" panose="020B0609020204030204" pitchFamily="49" charset="0"/>
-              </a:rPr>
-              <a:t>func</a:t>
-            </a:r>
-            <a:r>
-              <a:rPr lang="de-DE" b="0" dirty="0">
-                <a:solidFill>
-                  <a:srgbClr val="D4D4D4"/>
-                </a:solidFill>
-                <a:effectLst/>
-                <a:latin typeface="Consolas" panose="020B0609020204030204" pitchFamily="49" charset="0"/>
-              </a:rPr>
-              <a:t> </a:t>
-            </a:r>
-            <a:r>
-              <a:rPr lang="de-DE" b="0" dirty="0" err="1">
-                <a:solidFill>
-                  <a:srgbClr val="DCDCAA"/>
-                </a:solidFill>
-                <a:effectLst/>
-                <a:latin typeface="Consolas" panose="020B0609020204030204" pitchFamily="49" charset="0"/>
-              </a:rPr>
-              <a:t>createNewGame</a:t>
-            </a:r>
-            <a:r>
-              <a:rPr lang="de-DE" b="0" dirty="0">
-                <a:solidFill>
-                  <a:srgbClr val="D4D4D4"/>
-                </a:solidFill>
-                <a:effectLst/>
-                <a:latin typeface="Consolas" panose="020B0609020204030204" pitchFamily="49" charset="0"/>
-              </a:rPr>
-              <a:t>() </a:t>
-            </a:r>
-            <a:r>
-              <a:rPr lang="de-DE" b="0" dirty="0" err="1">
-                <a:solidFill>
-                  <a:srgbClr val="C586C0"/>
-                </a:solidFill>
-                <a:effectLst/>
-                <a:latin typeface="Consolas" panose="020B0609020204030204" pitchFamily="49" charset="0"/>
-              </a:rPr>
-              <a:t>throws</a:t>
-            </a:r>
-            <a:r>
-              <a:rPr lang="de-DE" b="0" dirty="0">
-                <a:solidFill>
-                  <a:srgbClr val="D4D4D4"/>
-                </a:solidFill>
-                <a:effectLst/>
-                <a:latin typeface="Consolas" panose="020B0609020204030204" pitchFamily="49" charset="0"/>
-              </a:rPr>
-              <a:t> -&gt; </a:t>
-            </a:r>
-            <a:r>
-              <a:rPr lang="de-DE" b="0" dirty="0" err="1">
-                <a:solidFill>
-                  <a:srgbClr val="D4D4D4"/>
-                </a:solidFill>
-                <a:effectLst/>
-                <a:latin typeface="Consolas" panose="020B0609020204030204" pitchFamily="49" charset="0"/>
-              </a:rPr>
-              <a:t>Promise</a:t>
-            </a:r>
-            <a:r>
-              <a:rPr lang="de-DE" b="0" dirty="0">
-                <a:solidFill>
-                  <a:srgbClr val="D4D4D4"/>
-                </a:solidFill>
-                <a:effectLst/>
-                <a:latin typeface="Consolas" panose="020B0609020204030204" pitchFamily="49" charset="0"/>
-              </a:rPr>
-              <a:t>&lt;(</a:t>
-            </a:r>
-            <a:r>
-              <a:rPr lang="de-DE" b="0" dirty="0">
-                <a:solidFill>
-                  <a:srgbClr val="4EC9B0"/>
-                </a:solidFill>
-                <a:effectLst/>
-                <a:latin typeface="Consolas" panose="020B0609020204030204" pitchFamily="49" charset="0"/>
-              </a:rPr>
-              <a:t>String</a:t>
-            </a:r>
-            <a:r>
-              <a:rPr lang="de-DE" b="0" dirty="0">
-                <a:solidFill>
-                  <a:srgbClr val="D4D4D4"/>
-                </a:solidFill>
-                <a:effectLst/>
-                <a:latin typeface="Consolas" panose="020B0609020204030204" pitchFamily="49" charset="0"/>
-              </a:rPr>
-              <a:t>, </a:t>
-            </a:r>
-            <a:r>
-              <a:rPr lang="de-DE" b="0" dirty="0" err="1">
-                <a:solidFill>
-                  <a:srgbClr val="D4D4D4"/>
-                </a:solidFill>
-                <a:effectLst/>
-                <a:latin typeface="Consolas" panose="020B0609020204030204" pitchFamily="49" charset="0"/>
-              </a:rPr>
-              <a:t>QuizGame</a:t>
-            </a:r>
-            <a:r>
-              <a:rPr lang="de-DE" b="0" dirty="0">
-                <a:solidFill>
-                  <a:srgbClr val="D4D4D4"/>
-                </a:solidFill>
-                <a:effectLst/>
-                <a:latin typeface="Consolas" panose="020B0609020204030204" pitchFamily="49" charset="0"/>
-              </a:rPr>
-              <a:t>)?&gt; {</a:t>
-            </a:r>
-          </a:p>
-          <a:p>
-            <a:pPr marL="0" indent="0">
-              <a:buNone/>
-            </a:pPr>
-            <a:r>
-              <a:rPr lang="de-DE" b="0" dirty="0">
-                <a:solidFill>
-                  <a:srgbClr val="D4D4D4"/>
-                </a:solidFill>
-                <a:effectLst/>
-                <a:latin typeface="Consolas" panose="020B0609020204030204" pitchFamily="49" charset="0"/>
-              </a:rPr>
-              <a:t>        </a:t>
-            </a:r>
-            <a:r>
-              <a:rPr lang="de-DE" b="0" dirty="0" err="1">
-                <a:solidFill>
-                  <a:srgbClr val="C586C0"/>
-                </a:solidFill>
-                <a:effectLst/>
-                <a:latin typeface="Consolas" panose="020B0609020204030204" pitchFamily="49" charset="0"/>
-              </a:rPr>
-              <a:t>return</a:t>
-            </a:r>
-            <a:r>
-              <a:rPr lang="de-DE" b="0" dirty="0">
-                <a:solidFill>
-                  <a:srgbClr val="D4D4D4"/>
-                </a:solidFill>
-                <a:effectLst/>
-                <a:latin typeface="Consolas" panose="020B0609020204030204" pitchFamily="49" charset="0"/>
-              </a:rPr>
-              <a:t> </a:t>
-            </a:r>
-            <a:r>
-              <a:rPr lang="de-DE" b="0" dirty="0" err="1">
-                <a:solidFill>
-                  <a:srgbClr val="D4D4D4"/>
-                </a:solidFill>
-                <a:effectLst/>
-                <a:latin typeface="Consolas" panose="020B0609020204030204" pitchFamily="49" charset="0"/>
-              </a:rPr>
-              <a:t>Promise</a:t>
-            </a:r>
-            <a:r>
-              <a:rPr lang="de-DE" b="0" dirty="0">
-                <a:solidFill>
-                  <a:srgbClr val="D4D4D4"/>
-                </a:solidFill>
-                <a:effectLst/>
-                <a:latin typeface="Consolas" panose="020B0609020204030204" pitchFamily="49" charset="0"/>
-              </a:rPr>
-              <a:t> { </a:t>
-            </a:r>
-            <a:r>
-              <a:rPr lang="de-DE" b="0" dirty="0" err="1">
-                <a:solidFill>
-                  <a:srgbClr val="D4D4D4"/>
-                </a:solidFill>
-                <a:effectLst/>
-                <a:latin typeface="Consolas" panose="020B0609020204030204" pitchFamily="49" charset="0"/>
-              </a:rPr>
-              <a:t>promise</a:t>
-            </a:r>
-            <a:r>
-              <a:rPr lang="de-DE" b="0" dirty="0">
-                <a:solidFill>
-                  <a:srgbClr val="D4D4D4"/>
-                </a:solidFill>
-                <a:effectLst/>
-                <a:latin typeface="Consolas" panose="020B0609020204030204" pitchFamily="49" charset="0"/>
-              </a:rPr>
-              <a:t> </a:t>
-            </a:r>
-            <a:r>
-              <a:rPr lang="de-DE" b="0" dirty="0">
-                <a:solidFill>
-                  <a:srgbClr val="C586C0"/>
-                </a:solidFill>
-                <a:effectLst/>
-                <a:latin typeface="Consolas" panose="020B0609020204030204" pitchFamily="49" charset="0"/>
-              </a:rPr>
-              <a:t>in</a:t>
-            </a:r>
-            <a:endParaRPr lang="de-DE" b="0" dirty="0">
-              <a:solidFill>
-                <a:srgbClr val="D4D4D4"/>
-              </a:solidFill>
-              <a:effectLst/>
-              <a:latin typeface="Consolas" panose="020B0609020204030204" pitchFamily="49" charset="0"/>
-            </a:endParaRPr>
-          </a:p>
-          <a:p>
-            <a:pPr marL="0" indent="0">
-              <a:buNone/>
-            </a:pPr>
-            <a:r>
-              <a:rPr lang="de-DE" b="0" dirty="0">
-                <a:solidFill>
-                  <a:srgbClr val="D4D4D4"/>
-                </a:solidFill>
-                <a:effectLst/>
-                <a:latin typeface="Consolas" panose="020B0609020204030204" pitchFamily="49" charset="0"/>
-              </a:rPr>
-              <a:t>            </a:t>
-            </a:r>
-            <a:r>
-              <a:rPr lang="de-DE" b="0" dirty="0">
-                <a:solidFill>
-                  <a:srgbClr val="9CDCFE"/>
-                </a:solidFill>
-                <a:effectLst/>
-                <a:latin typeface="Consolas" panose="020B0609020204030204" pitchFamily="49" charset="0"/>
-              </a:rPr>
-              <a:t>_</a:t>
-            </a:r>
-            <a:r>
-              <a:rPr lang="de-DE" b="0" dirty="0">
-                <a:solidFill>
-                  <a:srgbClr val="D4D4D4"/>
-                </a:solidFill>
-                <a:effectLst/>
-                <a:latin typeface="Consolas" panose="020B0609020204030204" pitchFamily="49" charset="0"/>
-              </a:rPr>
-              <a:t> = </a:t>
-            </a:r>
-            <a:r>
-              <a:rPr lang="de-DE" b="0" dirty="0" err="1">
-                <a:solidFill>
-                  <a:srgbClr val="DCDCAA"/>
-                </a:solidFill>
-                <a:effectLst/>
-                <a:latin typeface="Consolas" panose="020B0609020204030204" pitchFamily="49" charset="0"/>
-              </a:rPr>
-              <a:t>getUserIDs</a:t>
-            </a:r>
-            <a:r>
-              <a:rPr lang="de-DE" b="0" dirty="0">
-                <a:solidFill>
-                  <a:srgbClr val="D4D4D4"/>
-                </a:solidFill>
-                <a:effectLst/>
-                <a:latin typeface="Consolas" panose="020B0609020204030204" pitchFamily="49" charset="0"/>
-              </a:rPr>
-              <a:t>().</a:t>
-            </a:r>
-            <a:r>
-              <a:rPr lang="de-DE" b="0" dirty="0" err="1">
-                <a:solidFill>
-                  <a:srgbClr val="9CDCFE"/>
-                </a:solidFill>
-                <a:effectLst/>
-                <a:latin typeface="Consolas" panose="020B0609020204030204" pitchFamily="49" charset="0"/>
-              </a:rPr>
-              <a:t>then</a:t>
-            </a:r>
-            <a:r>
-              <a:rPr lang="de-DE" b="0" dirty="0">
-                <a:solidFill>
-                  <a:srgbClr val="D4D4D4"/>
-                </a:solidFill>
-                <a:effectLst/>
-                <a:latin typeface="Consolas" panose="020B0609020204030204" pitchFamily="49" charset="0"/>
-              </a:rPr>
-              <a:t> { (</a:t>
-            </a:r>
-            <a:r>
-              <a:rPr lang="de-DE" b="0" dirty="0" err="1">
-                <a:solidFill>
-                  <a:srgbClr val="DCDCAA"/>
-                </a:solidFill>
-                <a:effectLst/>
-                <a:latin typeface="Consolas" panose="020B0609020204030204" pitchFamily="49" charset="0"/>
-              </a:rPr>
-              <a:t>response</a:t>
-            </a:r>
-            <a:r>
-              <a:rPr lang="de-DE" b="0" dirty="0">
-                <a:solidFill>
-                  <a:srgbClr val="D4D4D4"/>
-                </a:solidFill>
-                <a:effectLst/>
-                <a:latin typeface="Consolas" panose="020B0609020204030204" pitchFamily="49" charset="0"/>
-              </a:rPr>
-              <a:t>: [</a:t>
-            </a:r>
-            <a:r>
-              <a:rPr lang="de-DE" b="0" dirty="0">
-                <a:solidFill>
-                  <a:srgbClr val="4EC9B0"/>
-                </a:solidFill>
-                <a:effectLst/>
-                <a:latin typeface="Consolas" panose="020B0609020204030204" pitchFamily="49" charset="0"/>
-              </a:rPr>
-              <a:t>String</a:t>
-            </a:r>
-            <a:r>
-              <a:rPr lang="de-DE" b="0" dirty="0">
-                <a:solidFill>
-                  <a:srgbClr val="D4D4D4"/>
-                </a:solidFill>
-                <a:effectLst/>
-                <a:latin typeface="Consolas" panose="020B0609020204030204" pitchFamily="49" charset="0"/>
-              </a:rPr>
-              <a:t>]?) -&gt; </a:t>
-            </a:r>
-            <a:r>
-              <a:rPr lang="de-DE" b="0" dirty="0" err="1">
-                <a:solidFill>
-                  <a:srgbClr val="D4D4D4"/>
-                </a:solidFill>
-                <a:effectLst/>
-                <a:latin typeface="Consolas" panose="020B0609020204030204" pitchFamily="49" charset="0"/>
-              </a:rPr>
-              <a:t>Promise</a:t>
-            </a:r>
-            <a:r>
-              <a:rPr lang="de-DE" b="0" dirty="0">
-                <a:solidFill>
-                  <a:srgbClr val="D4D4D4"/>
-                </a:solidFill>
-                <a:effectLst/>
-                <a:latin typeface="Consolas" panose="020B0609020204030204" pitchFamily="49" charset="0"/>
-              </a:rPr>
-              <a:t> </a:t>
-            </a:r>
-            <a:r>
-              <a:rPr lang="de-DE" b="0" dirty="0">
-                <a:solidFill>
-                  <a:srgbClr val="C586C0"/>
-                </a:solidFill>
-                <a:effectLst/>
-                <a:latin typeface="Consolas" panose="020B0609020204030204" pitchFamily="49" charset="0"/>
-              </a:rPr>
-              <a:t>in</a:t>
-            </a:r>
-            <a:endParaRPr lang="de-DE" b="0" dirty="0">
-              <a:solidFill>
-                <a:srgbClr val="D4D4D4"/>
-              </a:solidFill>
-              <a:effectLst/>
-              <a:latin typeface="Consolas" panose="020B0609020204030204" pitchFamily="49" charset="0"/>
-            </a:endParaRPr>
-          </a:p>
-          <a:p>
-            <a:pPr marL="0" indent="0">
-              <a:buNone/>
-            </a:pPr>
-            <a:r>
-              <a:rPr lang="de-DE" b="0" dirty="0">
-                <a:solidFill>
-                  <a:srgbClr val="D4D4D4"/>
-                </a:solidFill>
-                <a:effectLst/>
-                <a:latin typeface="Consolas" panose="020B0609020204030204" pitchFamily="49" charset="0"/>
-              </a:rPr>
-              <a:t>                </a:t>
-            </a:r>
-            <a:r>
-              <a:rPr lang="de-DE" b="0" dirty="0">
-                <a:solidFill>
-                  <a:srgbClr val="6A9955"/>
-                </a:solidFill>
-                <a:effectLst/>
-                <a:latin typeface="Consolas" panose="020B0609020204030204" pitchFamily="49" charset="0"/>
-              </a:rPr>
-              <a:t>// Do </a:t>
-            </a:r>
-            <a:r>
-              <a:rPr lang="de-DE" b="0" dirty="0" err="1">
-                <a:solidFill>
-                  <a:srgbClr val="6A9955"/>
-                </a:solidFill>
-                <a:effectLst/>
-                <a:latin typeface="Consolas" panose="020B0609020204030204" pitchFamily="49" charset="0"/>
-              </a:rPr>
-              <a:t>something</a:t>
-            </a:r>
-            <a:r>
-              <a:rPr lang="de-DE" b="0" dirty="0">
-                <a:solidFill>
-                  <a:srgbClr val="6A9955"/>
-                </a:solidFill>
-                <a:effectLst/>
-                <a:latin typeface="Consolas" panose="020B0609020204030204" pitchFamily="49" charset="0"/>
-              </a:rPr>
-              <a:t> </a:t>
-            </a:r>
-            <a:r>
-              <a:rPr lang="de-DE" b="0" dirty="0" err="1">
-                <a:solidFill>
-                  <a:srgbClr val="6A9955"/>
-                </a:solidFill>
-                <a:effectLst/>
-                <a:latin typeface="Consolas" panose="020B0609020204030204" pitchFamily="49" charset="0"/>
-              </a:rPr>
-              <a:t>with</a:t>
-            </a:r>
-            <a:r>
-              <a:rPr lang="de-DE" b="0" dirty="0">
-                <a:solidFill>
-                  <a:srgbClr val="6A9955"/>
-                </a:solidFill>
-                <a:effectLst/>
-                <a:latin typeface="Consolas" panose="020B0609020204030204" pitchFamily="49" charset="0"/>
-              </a:rPr>
-              <a:t> </a:t>
-            </a:r>
-            <a:r>
-              <a:rPr lang="de-DE" b="0" dirty="0" err="1">
-                <a:solidFill>
-                  <a:srgbClr val="6A9955"/>
-                </a:solidFill>
-                <a:effectLst/>
-                <a:latin typeface="Consolas" panose="020B0609020204030204" pitchFamily="49" charset="0"/>
-              </a:rPr>
-              <a:t>the</a:t>
-            </a:r>
-            <a:r>
-              <a:rPr lang="de-DE" b="0" dirty="0">
-                <a:solidFill>
-                  <a:srgbClr val="6A9955"/>
-                </a:solidFill>
-                <a:effectLst/>
-                <a:latin typeface="Consolas" panose="020B0609020204030204" pitchFamily="49" charset="0"/>
-              </a:rPr>
-              <a:t> </a:t>
-            </a:r>
-            <a:r>
-              <a:rPr lang="de-DE" b="0" dirty="0" err="1">
-                <a:solidFill>
-                  <a:srgbClr val="6A9955"/>
-                </a:solidFill>
-                <a:effectLst/>
-                <a:latin typeface="Consolas" panose="020B0609020204030204" pitchFamily="49" charset="0"/>
-              </a:rPr>
-              <a:t>response</a:t>
-            </a:r>
-            <a:endParaRPr lang="de-DE" b="0" dirty="0">
-              <a:solidFill>
-                <a:srgbClr val="D4D4D4"/>
-              </a:solidFill>
-              <a:effectLst/>
-              <a:latin typeface="Consolas" panose="020B0609020204030204" pitchFamily="49" charset="0"/>
-            </a:endParaRPr>
-          </a:p>
-          <a:p>
-            <a:pPr marL="0" indent="0">
-              <a:buNone/>
-            </a:pPr>
-            <a:r>
-              <a:rPr lang="de-DE" b="0" dirty="0">
-                <a:solidFill>
-                  <a:srgbClr val="D4D4D4"/>
-                </a:solidFill>
-                <a:effectLst/>
-                <a:latin typeface="Consolas" panose="020B0609020204030204" pitchFamily="49" charset="0"/>
-              </a:rPr>
-              <a:t>                </a:t>
-            </a:r>
-            <a:r>
-              <a:rPr lang="de-DE" b="0" dirty="0" err="1">
-                <a:solidFill>
-                  <a:srgbClr val="C586C0"/>
-                </a:solidFill>
-                <a:effectLst/>
-                <a:latin typeface="Consolas" panose="020B0609020204030204" pitchFamily="49" charset="0"/>
-              </a:rPr>
-              <a:t>return</a:t>
-            </a:r>
-            <a:r>
-              <a:rPr lang="de-DE" b="0" dirty="0">
-                <a:solidFill>
-                  <a:srgbClr val="D4D4D4"/>
-                </a:solidFill>
-                <a:effectLst/>
-                <a:latin typeface="Consolas" panose="020B0609020204030204" pitchFamily="49" charset="0"/>
-              </a:rPr>
-              <a:t> </a:t>
-            </a:r>
-            <a:r>
-              <a:rPr lang="de-DE" b="0" dirty="0" err="1">
-                <a:solidFill>
-                  <a:srgbClr val="569CD6"/>
-                </a:solidFill>
-                <a:effectLst/>
-                <a:latin typeface="Consolas" panose="020B0609020204030204" pitchFamily="49" charset="0"/>
-              </a:rPr>
-              <a:t>self</a:t>
-            </a:r>
-            <a:r>
-              <a:rPr lang="de-DE" b="0" dirty="0" err="1">
-                <a:solidFill>
-                  <a:srgbClr val="D4D4D4"/>
-                </a:solidFill>
-                <a:effectLst/>
-                <a:latin typeface="Consolas" panose="020B0609020204030204" pitchFamily="49" charset="0"/>
-              </a:rPr>
-              <a:t>.</a:t>
-            </a:r>
-            <a:r>
-              <a:rPr lang="de-DE" b="0" dirty="0" err="1">
-                <a:solidFill>
-                  <a:srgbClr val="DCDCAA"/>
-                </a:solidFill>
-                <a:effectLst/>
-                <a:latin typeface="Consolas" panose="020B0609020204030204" pitchFamily="49" charset="0"/>
-              </a:rPr>
-              <a:t>getUser</a:t>
-            </a:r>
-            <a:r>
-              <a:rPr lang="de-DE" b="0" dirty="0">
-                <a:solidFill>
-                  <a:srgbClr val="D4D4D4"/>
-                </a:solidFill>
-                <a:effectLst/>
-                <a:latin typeface="Consolas" panose="020B0609020204030204" pitchFamily="49" charset="0"/>
-              </a:rPr>
-              <a:t>(</a:t>
-            </a:r>
-            <a:r>
-              <a:rPr lang="de-DE" b="0" dirty="0" err="1">
-                <a:solidFill>
-                  <a:srgbClr val="DCDCAA"/>
-                </a:solidFill>
-                <a:effectLst/>
-                <a:latin typeface="Consolas" panose="020B0609020204030204" pitchFamily="49" charset="0"/>
-              </a:rPr>
-              <a:t>uid</a:t>
-            </a:r>
-            <a:r>
-              <a:rPr lang="de-DE" b="0" dirty="0">
-                <a:solidFill>
-                  <a:srgbClr val="D4D4D4"/>
-                </a:solidFill>
-                <a:effectLst/>
-                <a:latin typeface="Consolas" panose="020B0609020204030204" pitchFamily="49" charset="0"/>
-              </a:rPr>
-              <a:t>: </a:t>
-            </a:r>
-            <a:r>
-              <a:rPr lang="de-DE" b="0" dirty="0" err="1">
-                <a:solidFill>
-                  <a:srgbClr val="D4D4D4"/>
-                </a:solidFill>
-                <a:effectLst/>
-                <a:latin typeface="Consolas" panose="020B0609020204030204" pitchFamily="49" charset="0"/>
-              </a:rPr>
-              <a:t>ownUID</a:t>
-            </a:r>
-            <a:r>
-              <a:rPr lang="de-DE" b="0" dirty="0">
-                <a:solidFill>
-                  <a:srgbClr val="D4D4D4"/>
-                </a:solidFill>
-                <a:effectLst/>
-                <a:latin typeface="Consolas" panose="020B0609020204030204" pitchFamily="49" charset="0"/>
-              </a:rPr>
-              <a:t>)</a:t>
-            </a:r>
-          </a:p>
-          <a:p>
-            <a:pPr marL="0" indent="0">
-              <a:buNone/>
-            </a:pPr>
-            <a:r>
-              <a:rPr lang="de-DE" b="0" dirty="0">
-                <a:solidFill>
-                  <a:srgbClr val="D4D4D4"/>
-                </a:solidFill>
-                <a:effectLst/>
-                <a:latin typeface="Consolas" panose="020B0609020204030204" pitchFamily="49" charset="0"/>
-              </a:rPr>
-              <a:t>            }.</a:t>
-            </a:r>
-            <a:r>
-              <a:rPr lang="de-DE" b="0" dirty="0" err="1">
-                <a:solidFill>
-                  <a:srgbClr val="9CDCFE"/>
-                </a:solidFill>
-                <a:effectLst/>
-                <a:latin typeface="Consolas" panose="020B0609020204030204" pitchFamily="49" charset="0"/>
-              </a:rPr>
-              <a:t>then</a:t>
-            </a:r>
-            <a:r>
-              <a:rPr lang="de-DE" b="0" dirty="0">
-                <a:solidFill>
-                  <a:srgbClr val="D4D4D4"/>
-                </a:solidFill>
-                <a:effectLst/>
-                <a:latin typeface="Consolas" panose="020B0609020204030204" pitchFamily="49" charset="0"/>
-              </a:rPr>
-              <a:t> { (</a:t>
-            </a:r>
-            <a:r>
-              <a:rPr lang="de-DE" b="0" dirty="0" err="1">
-                <a:solidFill>
-                  <a:srgbClr val="DCDCAA"/>
-                </a:solidFill>
-                <a:effectLst/>
-                <a:latin typeface="Consolas" panose="020B0609020204030204" pitchFamily="49" charset="0"/>
-              </a:rPr>
-              <a:t>response</a:t>
-            </a:r>
-            <a:r>
-              <a:rPr lang="de-DE" b="0" dirty="0">
-                <a:solidFill>
-                  <a:srgbClr val="D4D4D4"/>
-                </a:solidFill>
-                <a:effectLst/>
-                <a:latin typeface="Consolas" panose="020B0609020204030204" pitchFamily="49" charset="0"/>
-              </a:rPr>
-              <a:t>: </a:t>
-            </a:r>
-            <a:r>
-              <a:rPr lang="de-DE" b="0" dirty="0" err="1">
-                <a:solidFill>
-                  <a:srgbClr val="D4D4D4"/>
-                </a:solidFill>
-                <a:effectLst/>
-                <a:latin typeface="Consolas" panose="020B0609020204030204" pitchFamily="49" charset="0"/>
-              </a:rPr>
-              <a:t>QuizUser</a:t>
-            </a:r>
-            <a:r>
-              <a:rPr lang="de-DE" b="0" dirty="0">
-                <a:solidFill>
-                  <a:srgbClr val="D4D4D4"/>
-                </a:solidFill>
-                <a:effectLst/>
-                <a:latin typeface="Consolas" panose="020B0609020204030204" pitchFamily="49" charset="0"/>
-              </a:rPr>
-              <a:t>?) -&gt; </a:t>
-            </a:r>
-            <a:r>
-              <a:rPr lang="de-DE" b="0" dirty="0" err="1">
-                <a:solidFill>
-                  <a:srgbClr val="D4D4D4"/>
-                </a:solidFill>
-                <a:effectLst/>
-                <a:latin typeface="Consolas" panose="020B0609020204030204" pitchFamily="49" charset="0"/>
-              </a:rPr>
-              <a:t>Promise</a:t>
-            </a:r>
-            <a:r>
-              <a:rPr lang="de-DE" b="0" dirty="0">
-                <a:solidFill>
-                  <a:srgbClr val="D4D4D4"/>
-                </a:solidFill>
-                <a:effectLst/>
-                <a:latin typeface="Consolas" panose="020B0609020204030204" pitchFamily="49" charset="0"/>
-              </a:rPr>
-              <a:t> </a:t>
-            </a:r>
-            <a:r>
-              <a:rPr lang="de-DE" b="0" dirty="0">
-                <a:solidFill>
-                  <a:srgbClr val="C586C0"/>
-                </a:solidFill>
-                <a:effectLst/>
-                <a:latin typeface="Consolas" panose="020B0609020204030204" pitchFamily="49" charset="0"/>
-              </a:rPr>
-              <a:t>in</a:t>
-            </a:r>
-            <a:endParaRPr lang="de-DE" b="0" dirty="0">
-              <a:solidFill>
-                <a:srgbClr val="D4D4D4"/>
-              </a:solidFill>
-              <a:effectLst/>
-              <a:latin typeface="Consolas" panose="020B0609020204030204" pitchFamily="49" charset="0"/>
-            </a:endParaRPr>
-          </a:p>
-          <a:p>
-            <a:pPr marL="0" indent="0">
-              <a:buNone/>
-            </a:pPr>
-            <a:r>
-              <a:rPr lang="de-DE" b="0" dirty="0">
-                <a:solidFill>
-                  <a:srgbClr val="D4D4D4"/>
-                </a:solidFill>
-                <a:effectLst/>
-                <a:latin typeface="Consolas" panose="020B0609020204030204" pitchFamily="49" charset="0"/>
-              </a:rPr>
-              <a:t>                </a:t>
-            </a:r>
-            <a:r>
-              <a:rPr lang="de-DE" b="0" dirty="0">
-                <a:solidFill>
-                  <a:srgbClr val="6A9955"/>
-                </a:solidFill>
-                <a:effectLst/>
-                <a:latin typeface="Consolas" panose="020B0609020204030204" pitchFamily="49" charset="0"/>
-              </a:rPr>
-              <a:t>// Do </a:t>
-            </a:r>
-            <a:r>
-              <a:rPr lang="de-DE" b="0" dirty="0" err="1">
-                <a:solidFill>
-                  <a:srgbClr val="6A9955"/>
-                </a:solidFill>
-                <a:effectLst/>
-                <a:latin typeface="Consolas" panose="020B0609020204030204" pitchFamily="49" charset="0"/>
-              </a:rPr>
-              <a:t>something</a:t>
-            </a:r>
-            <a:r>
-              <a:rPr lang="de-DE" b="0" dirty="0">
-                <a:solidFill>
-                  <a:srgbClr val="6A9955"/>
-                </a:solidFill>
-                <a:effectLst/>
-                <a:latin typeface="Consolas" panose="020B0609020204030204" pitchFamily="49" charset="0"/>
-              </a:rPr>
-              <a:t> </a:t>
-            </a:r>
-            <a:r>
-              <a:rPr lang="de-DE" b="0" dirty="0" err="1">
-                <a:solidFill>
-                  <a:srgbClr val="6A9955"/>
-                </a:solidFill>
-                <a:effectLst/>
-                <a:latin typeface="Consolas" panose="020B0609020204030204" pitchFamily="49" charset="0"/>
-              </a:rPr>
-              <a:t>with</a:t>
-            </a:r>
-            <a:r>
-              <a:rPr lang="de-DE" b="0" dirty="0">
-                <a:solidFill>
-                  <a:srgbClr val="6A9955"/>
-                </a:solidFill>
-                <a:effectLst/>
-                <a:latin typeface="Consolas" panose="020B0609020204030204" pitchFamily="49" charset="0"/>
-              </a:rPr>
-              <a:t> </a:t>
-            </a:r>
-            <a:r>
-              <a:rPr lang="de-DE" b="0" dirty="0" err="1">
-                <a:solidFill>
-                  <a:srgbClr val="6A9955"/>
-                </a:solidFill>
-                <a:effectLst/>
-                <a:latin typeface="Consolas" panose="020B0609020204030204" pitchFamily="49" charset="0"/>
-              </a:rPr>
-              <a:t>the</a:t>
-            </a:r>
-            <a:r>
-              <a:rPr lang="de-DE" b="0" dirty="0">
-                <a:solidFill>
-                  <a:srgbClr val="6A9955"/>
-                </a:solidFill>
-                <a:effectLst/>
-                <a:latin typeface="Consolas" panose="020B0609020204030204" pitchFamily="49" charset="0"/>
-              </a:rPr>
-              <a:t> </a:t>
-            </a:r>
-            <a:r>
-              <a:rPr lang="de-DE" b="0" dirty="0" err="1">
-                <a:solidFill>
-                  <a:srgbClr val="6A9955"/>
-                </a:solidFill>
-                <a:effectLst/>
-                <a:latin typeface="Consolas" panose="020B0609020204030204" pitchFamily="49" charset="0"/>
-              </a:rPr>
-              <a:t>response</a:t>
-            </a:r>
-            <a:endParaRPr lang="de-DE" b="0" dirty="0">
-              <a:solidFill>
-                <a:srgbClr val="D4D4D4"/>
-              </a:solidFill>
-              <a:effectLst/>
-              <a:latin typeface="Consolas" panose="020B0609020204030204" pitchFamily="49" charset="0"/>
-            </a:endParaRPr>
-          </a:p>
-          <a:p>
-            <a:pPr marL="0" indent="0">
-              <a:buNone/>
-            </a:pPr>
-            <a:r>
-              <a:rPr lang="de-DE" b="0" dirty="0">
-                <a:solidFill>
-                  <a:srgbClr val="D4D4D4"/>
-                </a:solidFill>
-                <a:effectLst/>
-                <a:latin typeface="Consolas" panose="020B0609020204030204" pitchFamily="49" charset="0"/>
-              </a:rPr>
-              <a:t>            }.</a:t>
-            </a:r>
-            <a:r>
-              <a:rPr lang="de-DE" b="0" dirty="0" err="1">
-                <a:solidFill>
-                  <a:srgbClr val="9CDCFE"/>
-                </a:solidFill>
-                <a:effectLst/>
-                <a:latin typeface="Consolas" panose="020B0609020204030204" pitchFamily="49" charset="0"/>
-              </a:rPr>
-              <a:t>then</a:t>
-            </a:r>
-            <a:r>
-              <a:rPr lang="de-DE" b="0" dirty="0">
-                <a:solidFill>
-                  <a:srgbClr val="D4D4D4"/>
-                </a:solidFill>
-                <a:effectLst/>
-                <a:latin typeface="Consolas" panose="020B0609020204030204" pitchFamily="49" charset="0"/>
-              </a:rPr>
-              <a:t> { </a:t>
-            </a:r>
-            <a:r>
-              <a:rPr lang="de-DE" b="0" dirty="0">
-                <a:solidFill>
-                  <a:srgbClr val="6A9955"/>
-                </a:solidFill>
-                <a:effectLst/>
-                <a:latin typeface="Consolas" panose="020B0609020204030204" pitchFamily="49" charset="0"/>
-              </a:rPr>
-              <a:t>/* More </a:t>
-            </a:r>
-            <a:r>
-              <a:rPr lang="de-DE" b="0" dirty="0" err="1">
-                <a:solidFill>
-                  <a:srgbClr val="6A9955"/>
-                </a:solidFill>
-                <a:effectLst/>
-                <a:latin typeface="Consolas" panose="020B0609020204030204" pitchFamily="49" charset="0"/>
-              </a:rPr>
-              <a:t>stuff</a:t>
-            </a:r>
-            <a:r>
-              <a:rPr lang="de-DE" b="0" dirty="0">
-                <a:solidFill>
-                  <a:srgbClr val="6A9955"/>
-                </a:solidFill>
-                <a:effectLst/>
-                <a:latin typeface="Consolas" panose="020B0609020204030204" pitchFamily="49" charset="0"/>
-              </a:rPr>
-              <a:t>*/</a:t>
-            </a:r>
-            <a:r>
-              <a:rPr lang="de-DE" b="0" dirty="0">
-                <a:solidFill>
-                  <a:srgbClr val="D4D4D4"/>
-                </a:solidFill>
-                <a:effectLst/>
-                <a:latin typeface="Consolas" panose="020B0609020204030204" pitchFamily="49" charset="0"/>
-              </a:rPr>
-              <a:t> }</a:t>
-            </a:r>
-          </a:p>
-          <a:p>
-            <a:pPr marL="0" indent="0">
-              <a:buNone/>
-            </a:pPr>
-            <a:r>
-              <a:rPr lang="de-DE" b="0" dirty="0">
-                <a:solidFill>
-                  <a:srgbClr val="D4D4D4"/>
-                </a:solidFill>
-                <a:effectLst/>
-                <a:latin typeface="Consolas" panose="020B0609020204030204" pitchFamily="49" charset="0"/>
-              </a:rPr>
-              <a:t>            </a:t>
-            </a:r>
-            <a:r>
-              <a:rPr lang="de-DE" b="0" dirty="0">
-                <a:solidFill>
-                  <a:srgbClr val="6A9955"/>
-                </a:solidFill>
-                <a:effectLst/>
-                <a:latin typeface="Consolas" panose="020B0609020204030204" pitchFamily="49" charset="0"/>
-              </a:rPr>
-              <a:t>// More .</a:t>
-            </a:r>
-            <a:r>
-              <a:rPr lang="de-DE" b="0" dirty="0" err="1">
-                <a:solidFill>
-                  <a:srgbClr val="6A9955"/>
-                </a:solidFill>
-                <a:effectLst/>
-                <a:latin typeface="Consolas" panose="020B0609020204030204" pitchFamily="49" charset="0"/>
-              </a:rPr>
-              <a:t>then</a:t>
-            </a:r>
-            <a:r>
-              <a:rPr lang="de-DE" b="0" dirty="0">
-                <a:solidFill>
-                  <a:srgbClr val="6A9955"/>
-                </a:solidFill>
-                <a:effectLst/>
-                <a:latin typeface="Consolas" panose="020B0609020204030204" pitchFamily="49" charset="0"/>
-              </a:rPr>
-              <a:t> </a:t>
-            </a:r>
-            <a:r>
-              <a:rPr lang="de-DE" b="0" dirty="0" err="1">
-                <a:solidFill>
-                  <a:srgbClr val="6A9955"/>
-                </a:solidFill>
-                <a:effectLst/>
-                <a:latin typeface="Consolas" panose="020B0609020204030204" pitchFamily="49" charset="0"/>
-              </a:rPr>
-              <a:t>calls</a:t>
-            </a:r>
-            <a:endParaRPr lang="de-DE" b="0" dirty="0">
-              <a:solidFill>
-                <a:srgbClr val="D4D4D4"/>
-              </a:solidFill>
-              <a:effectLst/>
-              <a:latin typeface="Consolas" panose="020B0609020204030204" pitchFamily="49" charset="0"/>
-            </a:endParaRPr>
-          </a:p>
-          <a:p>
-            <a:pPr marL="0" indent="0">
-              <a:buNone/>
-            </a:pPr>
-            <a:r>
-              <a:rPr lang="de-DE" b="0" dirty="0">
-                <a:solidFill>
-                  <a:srgbClr val="D4D4D4"/>
-                </a:solidFill>
-                <a:effectLst/>
-                <a:latin typeface="Consolas" panose="020B0609020204030204" pitchFamily="49" charset="0"/>
-              </a:rPr>
-              <a:t>            }.</a:t>
-            </a:r>
-            <a:r>
-              <a:rPr lang="de-DE" b="0" dirty="0" err="1">
-                <a:solidFill>
-                  <a:srgbClr val="9CDCFE"/>
-                </a:solidFill>
-                <a:effectLst/>
-                <a:latin typeface="Consolas" panose="020B0609020204030204" pitchFamily="49" charset="0"/>
-              </a:rPr>
-              <a:t>done</a:t>
-            </a:r>
-            <a:r>
-              <a:rPr lang="de-DE" b="0" dirty="0">
-                <a:solidFill>
-                  <a:srgbClr val="D4D4D4"/>
-                </a:solidFill>
-                <a:effectLst/>
-                <a:latin typeface="Consolas" panose="020B0609020204030204" pitchFamily="49" charset="0"/>
-              </a:rPr>
-              <a:t> {</a:t>
-            </a:r>
-            <a:r>
-              <a:rPr lang="de-DE" b="0" dirty="0">
-                <a:solidFill>
-                  <a:srgbClr val="6A9955"/>
-                </a:solidFill>
-                <a:effectLst/>
-                <a:latin typeface="Consolas" panose="020B0609020204030204" pitchFamily="49" charset="0"/>
-              </a:rPr>
-              <a:t>/* Last </a:t>
-            </a:r>
-            <a:r>
-              <a:rPr lang="de-DE" b="0" dirty="0" err="1">
-                <a:solidFill>
-                  <a:srgbClr val="6A9955"/>
-                </a:solidFill>
-                <a:effectLst/>
-                <a:latin typeface="Consolas" panose="020B0609020204030204" pitchFamily="49" charset="0"/>
-              </a:rPr>
-              <a:t>step</a:t>
-            </a:r>
-            <a:r>
-              <a:rPr lang="de-DE" b="0" dirty="0">
-                <a:solidFill>
-                  <a:srgbClr val="6A9955"/>
-                </a:solidFill>
-                <a:effectLst/>
-                <a:latin typeface="Consolas" panose="020B0609020204030204" pitchFamily="49" charset="0"/>
-              </a:rPr>
-              <a:t> in a </a:t>
-            </a:r>
-            <a:r>
-              <a:rPr lang="de-DE" b="0" dirty="0" err="1">
-                <a:solidFill>
-                  <a:srgbClr val="6A9955"/>
-                </a:solidFill>
-                <a:effectLst/>
-                <a:latin typeface="Consolas" panose="020B0609020204030204" pitchFamily="49" charset="0"/>
-              </a:rPr>
-              <a:t>promise</a:t>
-            </a:r>
-            <a:r>
-              <a:rPr lang="de-DE" b="0" dirty="0">
-                <a:solidFill>
-                  <a:srgbClr val="6A9955"/>
-                </a:solidFill>
-                <a:effectLst/>
-                <a:latin typeface="Consolas" panose="020B0609020204030204" pitchFamily="49" charset="0"/>
-              </a:rPr>
-              <a:t>*/</a:t>
-            </a:r>
-            <a:r>
-              <a:rPr lang="de-DE" b="0" dirty="0">
-                <a:solidFill>
-                  <a:srgbClr val="D4D4D4"/>
-                </a:solidFill>
-                <a:effectLst/>
-                <a:latin typeface="Consolas" panose="020B0609020204030204" pitchFamily="49" charset="0"/>
-              </a:rPr>
-              <a:t> }</a:t>
-            </a:r>
-          </a:p>
-          <a:p>
-            <a:pPr marL="0" indent="0">
-              <a:buNone/>
-            </a:pPr>
-            <a:r>
-              <a:rPr lang="de-DE" b="0" dirty="0">
-                <a:solidFill>
-                  <a:srgbClr val="D4D4D4"/>
-                </a:solidFill>
-                <a:effectLst/>
-                <a:latin typeface="Consolas" panose="020B0609020204030204" pitchFamily="49" charset="0"/>
-              </a:rPr>
-              <a:t>        }</a:t>
-            </a:r>
-          </a:p>
-          <a:p>
-            <a:pPr marL="0" indent="0">
-              <a:buNone/>
-            </a:pPr>
-            <a:r>
-              <a:rPr lang="de-DE" b="0" dirty="0">
-                <a:solidFill>
-                  <a:srgbClr val="D4D4D4"/>
-                </a:solidFill>
-                <a:effectLst/>
-                <a:latin typeface="Consolas" panose="020B0609020204030204" pitchFamily="49" charset="0"/>
-              </a:rPr>
-              <a:t>}</a:t>
-            </a:r>
-          </a:p>
-          <a:p>
-            <a:pPr marL="0" indent="0">
-              <a:buNone/>
-            </a:pPr>
-            <a:endParaRPr lang="de-DE" dirty="0"/>
-          </a:p>
-        </p:txBody>
-      </p:sp>
-      <p:sp>
-        <p:nvSpPr>
-          <p:cNvPr id="4" name="Fußzeilenplatzhalter 3">
-            <a:extLst>
-              <a:ext uri="{FF2B5EF4-FFF2-40B4-BE49-F238E27FC236}">
-                <a16:creationId xmlns:a16="http://schemas.microsoft.com/office/drawing/2014/main" id="{CEF14D52-B6AC-46A2-97D3-E3A3235D2CB0}"/>
-              </a:ext>
-            </a:extLst>
-          </p:cNvPr>
-          <p:cNvSpPr>
-            <a:spLocks noGrp="1"/>
-          </p:cNvSpPr>
-          <p:nvPr>
-            <p:ph type="ftr" sz="quarter" idx="11"/>
-          </p:nvPr>
-        </p:nvSpPr>
-        <p:spPr/>
-        <p:txBody>
-          <a:bodyPr/>
-          <a:lstStyle/>
-          <a:p>
-            <a:r>
-              <a:rPr lang="de-DE"/>
-              <a:t>Swift-Programmierung unter iOS: Accessibility</a:t>
-            </a:r>
-          </a:p>
-        </p:txBody>
-      </p:sp>
-      <p:sp>
-        <p:nvSpPr>
-          <p:cNvPr id="5" name="Foliennummernplatzhalter 4">
-            <a:extLst>
-              <a:ext uri="{FF2B5EF4-FFF2-40B4-BE49-F238E27FC236}">
-                <a16:creationId xmlns:a16="http://schemas.microsoft.com/office/drawing/2014/main" id="{C6CFA60C-15A7-41E9-9FEE-F82907B5CF07}"/>
-              </a:ext>
-            </a:extLst>
-          </p:cNvPr>
-          <p:cNvSpPr>
-            <a:spLocks noGrp="1"/>
-          </p:cNvSpPr>
-          <p:nvPr>
-            <p:ph type="sldNum" sz="quarter" idx="12"/>
-          </p:nvPr>
-        </p:nvSpPr>
-        <p:spPr/>
-        <p:txBody>
-          <a:bodyPr/>
-          <a:lstStyle/>
-          <a:p>
-            <a:fld id="{49969A2D-4621-42E2-BC1F-C9E4503934D0}" type="slidenum">
-              <a:rPr lang="de-DE" smtClean="0"/>
-              <a:t>18</a:t>
-            </a:fld>
-            <a:endParaRPr lang="de-DE"/>
-          </a:p>
-        </p:txBody>
-      </p:sp>
-    </p:spTree>
-    <p:extLst>
-      <p:ext uri="{BB962C8B-B14F-4D97-AF65-F5344CB8AC3E}">
-        <p14:creationId xmlns:p14="http://schemas.microsoft.com/office/powerpoint/2010/main" val="638849722"/>
+        <p14:creationId xmlns:p14="http://schemas.microsoft.com/office/powerpoint/2010/main" val="309301293"/>
       </p:ext>
     </p:extLst>
   </p:cSld>
@@ -9920,26 +8572,9 @@
             </a:pPr>
             <a:r>
               <a:rPr lang="de-DE" dirty="0"/>
-              <a:t>Herausforderungen</a:t>
-            </a:r>
-            <a:br>
-              <a:rPr lang="de-DE" dirty="0"/>
-            </a:br>
-            <a:r>
-              <a:rPr lang="de-DE" dirty="0"/>
-              <a:t>	</a:t>
-            </a:r>
-            <a:r>
-              <a:rPr lang="de-DE" sz="2300" dirty="0"/>
-              <a:t>3.1   Eigene Navigationsstruktur</a:t>
-            </a:r>
-            <a:br>
-              <a:rPr lang="de-DE" sz="2300" dirty="0"/>
-            </a:br>
-            <a:r>
-              <a:rPr lang="de-DE" sz="2300" dirty="0"/>
-              <a:t>	3.2 Vermeidung der „Callback-Hell“</a:t>
-            </a:r>
+              <a:t>Herausforderung: Vermeiden der „Callback Hell“</a:t>
+            </a:r>
+            <a:endParaRPr lang="de-DE" sz="2300" dirty="0"/>
           </a:p>
           <a:p>
             <a:pPr marL="514350" indent="-514350">
@@ -10482,692 +9117,6 @@
 </p:sld>
 </file>
 
-<file path=ppt/slides/slide20.xml><?xml version="1.0" encoding="utf-8"?>
-<p:sld xmlns:a="http://schemas.openxmlformats.org/drawingml/2006/main" xmlns:r="http://schemas.openxmlformats.org/officeDocument/2006/relationships" xmlns:p="http://schemas.openxmlformats.org/presentationml/2006/main">
-  <p:cSld>
-    <p:spTree>
-      <p:nvGrpSpPr>
-        <p:cNvPr id="1" name=""/>
-        <p:cNvGrpSpPr/>
-        <p:nvPr/>
-      </p:nvGrpSpPr>
-      <p:grpSpPr>
-        <a:xfrm>
-          <a:off x="0" y="0"/>
-          <a:ext cx="0" cy="0"/>
-          <a:chOff x="0" y="0"/>
-          <a:chExt cx="0" cy="0"/>
-        </a:xfrm>
-      </p:grpSpPr>
-      <p:sp>
-        <p:nvSpPr>
-          <p:cNvPr id="2" name="Titel 1">
-            <a:extLst>
-              <a:ext uri="{FF2B5EF4-FFF2-40B4-BE49-F238E27FC236}">
-                <a16:creationId xmlns:a16="http://schemas.microsoft.com/office/drawing/2014/main" id="{9242CB0C-8749-4E9C-9178-6D60ACAA55EB}"/>
-              </a:ext>
-            </a:extLst>
-          </p:cNvPr>
-          <p:cNvSpPr>
-            <a:spLocks noGrp="1"/>
-          </p:cNvSpPr>
-          <p:nvPr>
-            <p:ph type="title"/>
-          </p:nvPr>
-        </p:nvSpPr>
-        <p:spPr/>
-        <p:txBody>
-          <a:bodyPr/>
-          <a:lstStyle/>
-          <a:p>
-            <a:r>
-              <a:rPr lang="de-DE" dirty="0"/>
-              <a:t>4. Projektfazit</a:t>
-            </a:r>
-          </a:p>
-        </p:txBody>
-      </p:sp>
-      <p:sp>
-        <p:nvSpPr>
-          <p:cNvPr id="3" name="Textplatzhalter 2">
-            <a:extLst>
-              <a:ext uri="{FF2B5EF4-FFF2-40B4-BE49-F238E27FC236}">
-                <a16:creationId xmlns:a16="http://schemas.microsoft.com/office/drawing/2014/main" id="{2FA38DC9-6459-4FF6-BA4E-9450BF15D66B}"/>
-              </a:ext>
-            </a:extLst>
-          </p:cNvPr>
-          <p:cNvSpPr>
-            <a:spLocks noGrp="1"/>
-          </p:cNvSpPr>
-          <p:nvPr>
-            <p:ph type="body" idx="1"/>
-          </p:nvPr>
-        </p:nvSpPr>
-        <p:spPr/>
-        <p:txBody>
-          <a:bodyPr/>
-          <a:lstStyle/>
-          <a:p>
-            <a:r>
-              <a:rPr lang="de-DE" dirty="0"/>
-              <a:t>Was war positiv? Gab es Frustmomente?</a:t>
-            </a:r>
-          </a:p>
-        </p:txBody>
-      </p:sp>
-      <p:sp>
-        <p:nvSpPr>
-          <p:cNvPr id="4" name="Fußzeilenplatzhalter 3">
-            <a:extLst>
-              <a:ext uri="{FF2B5EF4-FFF2-40B4-BE49-F238E27FC236}">
-                <a16:creationId xmlns:a16="http://schemas.microsoft.com/office/drawing/2014/main" id="{25650CE0-E24E-4178-B52A-9197029DEA00}"/>
-              </a:ext>
-            </a:extLst>
-          </p:cNvPr>
-          <p:cNvSpPr>
-            <a:spLocks noGrp="1"/>
-          </p:cNvSpPr>
-          <p:nvPr>
-            <p:ph type="ftr" sz="quarter" idx="11"/>
-          </p:nvPr>
-        </p:nvSpPr>
-        <p:spPr/>
-        <p:txBody>
-          <a:bodyPr/>
-          <a:lstStyle/>
-          <a:p>
-            <a:r>
-              <a:rPr lang="de-DE"/>
-              <a:t>Swift-Programmierung unter iOS: Quiz With Me</a:t>
-            </a:r>
-          </a:p>
-        </p:txBody>
-      </p:sp>
-      <p:sp>
-        <p:nvSpPr>
-          <p:cNvPr id="5" name="Foliennummernplatzhalter 4">
-            <a:extLst>
-              <a:ext uri="{FF2B5EF4-FFF2-40B4-BE49-F238E27FC236}">
-                <a16:creationId xmlns:a16="http://schemas.microsoft.com/office/drawing/2014/main" id="{D090A591-087D-4EA7-BF93-BBA2EFB6421D}"/>
-              </a:ext>
-            </a:extLst>
-          </p:cNvPr>
-          <p:cNvSpPr>
-            <a:spLocks noGrp="1"/>
-          </p:cNvSpPr>
-          <p:nvPr>
-            <p:ph type="sldNum" sz="quarter" idx="12"/>
-          </p:nvPr>
-        </p:nvSpPr>
-        <p:spPr/>
-        <p:txBody>
-          <a:bodyPr/>
-          <a:lstStyle/>
-          <a:p>
-            <a:fld id="{49969A2D-4621-42E2-BC1F-C9E4503934D0}" type="slidenum">
-              <a:rPr lang="de-DE" smtClean="0"/>
-              <a:t>19</a:t>
-            </a:fld>
-            <a:endParaRPr lang="de-DE"/>
-          </a:p>
-        </p:txBody>
-      </p:sp>
-    </p:spTree>
-    <p:extLst>
-      <p:ext uri="{BB962C8B-B14F-4D97-AF65-F5344CB8AC3E}">
-        <p14:creationId xmlns:p14="http://schemas.microsoft.com/office/powerpoint/2010/main" val="314923948"/>
-      </p:ext>
-    </p:extLst>
-  </p:cSld>
-  <p:clrMapOvr>
-    <a:masterClrMapping/>
-  </p:clrMapOvr>
-  <p:transition spd="slow">
-    <p:wipe/>
-  </p:transition>
-</p:sld>
-</file>
-
-<file path=ppt/slides/slide21.xml><?xml version="1.0" encoding="utf-8"?>
-<p:sld xmlns:a="http://schemas.openxmlformats.org/drawingml/2006/main" xmlns:r="http://schemas.openxmlformats.org/officeDocument/2006/relationships" xmlns:p="http://schemas.openxmlformats.org/presentationml/2006/main">
-  <p:cSld>
-    <p:spTree>
-      <p:nvGrpSpPr>
-        <p:cNvPr id="1" name=""/>
-        <p:cNvGrpSpPr/>
-        <p:nvPr/>
-      </p:nvGrpSpPr>
-      <p:grpSpPr>
-        <a:xfrm>
-          <a:off x="0" y="0"/>
-          <a:ext cx="0" cy="0"/>
-          <a:chOff x="0" y="0"/>
-          <a:chExt cx="0" cy="0"/>
-        </a:xfrm>
-      </p:grpSpPr>
-      <p:sp>
-        <p:nvSpPr>
-          <p:cNvPr id="2" name="Titel 1">
-            <a:extLst>
-              <a:ext uri="{FF2B5EF4-FFF2-40B4-BE49-F238E27FC236}">
-                <a16:creationId xmlns:a16="http://schemas.microsoft.com/office/drawing/2014/main" id="{9FA7EB08-FC6D-4325-8D5C-CB510D192CFA}"/>
-              </a:ext>
-            </a:extLst>
-          </p:cNvPr>
-          <p:cNvSpPr>
-            <a:spLocks noGrp="1"/>
-          </p:cNvSpPr>
-          <p:nvPr>
-            <p:ph type="title"/>
-          </p:nvPr>
-        </p:nvSpPr>
-        <p:spPr>
-          <a:xfrm>
-            <a:off x="838200" y="728133"/>
-            <a:ext cx="10515600" cy="962555"/>
-          </a:xfrm>
-        </p:spPr>
-        <p:txBody>
-          <a:bodyPr/>
-          <a:lstStyle/>
-          <a:p>
-            <a:pPr algn="ctr"/>
-            <a:r>
-              <a:rPr lang="de-DE" b="1" dirty="0"/>
-              <a:t>Unser Fazit</a:t>
-            </a:r>
-          </a:p>
-        </p:txBody>
-      </p:sp>
-      <p:sp>
-        <p:nvSpPr>
-          <p:cNvPr id="3" name="Inhaltsplatzhalter 2">
-            <a:extLst>
-              <a:ext uri="{FF2B5EF4-FFF2-40B4-BE49-F238E27FC236}">
-                <a16:creationId xmlns:a16="http://schemas.microsoft.com/office/drawing/2014/main" id="{78E7D6A3-E264-4CBA-B911-9E7EC6C8FC9A}"/>
-              </a:ext>
-            </a:extLst>
-          </p:cNvPr>
-          <p:cNvSpPr>
-            <a:spLocks noGrp="1"/>
-          </p:cNvSpPr>
-          <p:nvPr>
-            <p:ph sz="half" idx="1"/>
-          </p:nvPr>
-        </p:nvSpPr>
-        <p:spPr/>
-        <p:txBody>
-          <a:bodyPr/>
-          <a:lstStyle/>
-          <a:p>
-            <a:pPr marL="0" indent="0">
-              <a:buNone/>
-            </a:pPr>
-            <a:r>
-              <a:rPr lang="de-DE" b="1" dirty="0"/>
-              <a:t>Positives / Erfolgsmomente</a:t>
-            </a:r>
-          </a:p>
-          <a:p>
-            <a:r>
-              <a:rPr lang="de-DE" dirty="0"/>
-              <a:t>Gute Art Swift vertieft zu lernen</a:t>
-            </a:r>
-          </a:p>
-          <a:p>
-            <a:r>
-              <a:rPr lang="de-DE" dirty="0"/>
-              <a:t>Umgang mit neuen Mechaniken</a:t>
-            </a:r>
-          </a:p>
-          <a:p>
-            <a:r>
-              <a:rPr lang="de-DE" dirty="0"/>
-              <a:t>Gute Zusammenarbeit</a:t>
-            </a:r>
-          </a:p>
-          <a:p>
-            <a:r>
-              <a:rPr lang="de-DE" dirty="0"/>
-              <a:t>Rundes Schlussprodukt</a:t>
-            </a:r>
-          </a:p>
-        </p:txBody>
-      </p:sp>
-      <p:sp>
-        <p:nvSpPr>
-          <p:cNvPr id="4" name="Inhaltsplatzhalter 3">
-            <a:extLst>
-              <a:ext uri="{FF2B5EF4-FFF2-40B4-BE49-F238E27FC236}">
-                <a16:creationId xmlns:a16="http://schemas.microsoft.com/office/drawing/2014/main" id="{78EC4748-B862-4F84-BDAD-EEBFAE23C77C}"/>
-              </a:ext>
-            </a:extLst>
-          </p:cNvPr>
-          <p:cNvSpPr>
-            <a:spLocks noGrp="1"/>
-          </p:cNvSpPr>
-          <p:nvPr>
-            <p:ph sz="half" idx="2"/>
-          </p:nvPr>
-        </p:nvSpPr>
-        <p:spPr/>
-        <p:txBody>
-          <a:bodyPr/>
-          <a:lstStyle/>
-          <a:p>
-            <a:pPr marL="0" indent="0">
-              <a:buNone/>
-            </a:pPr>
-            <a:r>
-              <a:rPr lang="de-DE" b="1" dirty="0"/>
-              <a:t>Negatives / Frustmomente</a:t>
-            </a:r>
-          </a:p>
-          <a:p>
-            <a:r>
-              <a:rPr lang="de-DE" sz="2000" dirty="0"/>
-              <a:t>Kompilierfehler, die nicht existieren</a:t>
-            </a:r>
-          </a:p>
-          <a:p>
-            <a:r>
-              <a:rPr lang="de-DE" sz="2000" dirty="0"/>
-              <a:t>Suche für eigene </a:t>
-            </a:r>
-            <a:r>
-              <a:rPr lang="de-DE" sz="2000" dirty="0" err="1"/>
-              <a:t>Navigationsstuktur</a:t>
-            </a:r>
-            <a:endParaRPr lang="de-DE" sz="2000" dirty="0"/>
-          </a:p>
-          <a:p>
-            <a:r>
-              <a:rPr lang="de-DE" sz="2000" dirty="0"/>
-              <a:t>Umgang mit asynchronen Methoden</a:t>
-            </a:r>
-          </a:p>
-        </p:txBody>
-      </p:sp>
-      <p:sp>
-        <p:nvSpPr>
-          <p:cNvPr id="5" name="Fußzeilenplatzhalter 4">
-            <a:extLst>
-              <a:ext uri="{FF2B5EF4-FFF2-40B4-BE49-F238E27FC236}">
-                <a16:creationId xmlns:a16="http://schemas.microsoft.com/office/drawing/2014/main" id="{D9CDFAC9-B42B-4D8D-8C69-2DC00D66D9E0}"/>
-              </a:ext>
-            </a:extLst>
-          </p:cNvPr>
-          <p:cNvSpPr>
-            <a:spLocks noGrp="1"/>
-          </p:cNvSpPr>
-          <p:nvPr>
-            <p:ph type="ftr" sz="quarter" idx="11"/>
-          </p:nvPr>
-        </p:nvSpPr>
-        <p:spPr/>
-        <p:txBody>
-          <a:bodyPr/>
-          <a:lstStyle/>
-          <a:p>
-            <a:r>
-              <a:rPr lang="de-DE"/>
-              <a:t>Swift-Programmierung unter iOS: Accessibility</a:t>
-            </a:r>
-          </a:p>
-        </p:txBody>
-      </p:sp>
-      <p:sp>
-        <p:nvSpPr>
-          <p:cNvPr id="6" name="Foliennummernplatzhalter 5">
-            <a:extLst>
-              <a:ext uri="{FF2B5EF4-FFF2-40B4-BE49-F238E27FC236}">
-                <a16:creationId xmlns:a16="http://schemas.microsoft.com/office/drawing/2014/main" id="{25E871A1-A76D-4FAB-960A-08EA138F4500}"/>
-              </a:ext>
-            </a:extLst>
-          </p:cNvPr>
-          <p:cNvSpPr>
-            <a:spLocks noGrp="1"/>
-          </p:cNvSpPr>
-          <p:nvPr>
-            <p:ph type="sldNum" sz="quarter" idx="12"/>
-          </p:nvPr>
-        </p:nvSpPr>
-        <p:spPr/>
-        <p:txBody>
-          <a:bodyPr/>
-          <a:lstStyle/>
-          <a:p>
-            <a:fld id="{49969A2D-4621-42E2-BC1F-C9E4503934D0}" type="slidenum">
-              <a:rPr lang="de-DE" smtClean="0"/>
-              <a:t>20</a:t>
-            </a:fld>
-            <a:endParaRPr lang="de-DE"/>
-          </a:p>
-        </p:txBody>
-      </p:sp>
-    </p:spTree>
-    <p:extLst>
-      <p:ext uri="{BB962C8B-B14F-4D97-AF65-F5344CB8AC3E}">
-        <p14:creationId xmlns:p14="http://schemas.microsoft.com/office/powerpoint/2010/main" val="4016438916"/>
-      </p:ext>
-    </p:extLst>
-  </p:cSld>
-  <p:clrMapOvr>
-    <a:masterClrMapping/>
-  </p:clrMapOvr>
-  <p:transition spd="med">
-    <p:pull/>
-  </p:transition>
-</p:sld>
-</file>
-
-<file path=ppt/slides/slide22.xml><?xml version="1.0" encoding="utf-8"?>
-<p:sld xmlns:a="http://schemas.openxmlformats.org/drawingml/2006/main" xmlns:r="http://schemas.openxmlformats.org/officeDocument/2006/relationships" xmlns:p="http://schemas.openxmlformats.org/presentationml/2006/main">
-  <p:cSld>
-    <p:spTree>
-      <p:nvGrpSpPr>
-        <p:cNvPr id="1" name=""/>
-        <p:cNvGrpSpPr/>
-        <p:nvPr/>
-      </p:nvGrpSpPr>
-      <p:grpSpPr>
-        <a:xfrm>
-          <a:off x="0" y="0"/>
-          <a:ext cx="0" cy="0"/>
-          <a:chOff x="0" y="0"/>
-          <a:chExt cx="0" cy="0"/>
-        </a:xfrm>
-      </p:grpSpPr>
-      <p:sp>
-        <p:nvSpPr>
-          <p:cNvPr id="2" name="Titel 1">
-            <a:extLst>
-              <a:ext uri="{FF2B5EF4-FFF2-40B4-BE49-F238E27FC236}">
-                <a16:creationId xmlns:a16="http://schemas.microsoft.com/office/drawing/2014/main" id="{DF9C8520-3344-4E03-9FFA-A731F0DB0E95}"/>
-              </a:ext>
-            </a:extLst>
-          </p:cNvPr>
-          <p:cNvSpPr>
-            <a:spLocks noGrp="1"/>
-          </p:cNvSpPr>
-          <p:nvPr>
-            <p:ph type="title"/>
-          </p:nvPr>
-        </p:nvSpPr>
-        <p:spPr/>
-        <p:txBody>
-          <a:bodyPr/>
-          <a:lstStyle/>
-          <a:p>
-            <a:r>
-              <a:rPr lang="de-DE" dirty="0"/>
-              <a:t>Quellen</a:t>
-            </a:r>
-          </a:p>
-        </p:txBody>
-      </p:sp>
-      <p:sp>
-        <p:nvSpPr>
-          <p:cNvPr id="4" name="Fußzeilenplatzhalter 3">
-            <a:extLst>
-              <a:ext uri="{FF2B5EF4-FFF2-40B4-BE49-F238E27FC236}">
-                <a16:creationId xmlns:a16="http://schemas.microsoft.com/office/drawing/2014/main" id="{F43C305A-3BE1-411C-9E60-B820CE4BF4CA}"/>
-              </a:ext>
-            </a:extLst>
-          </p:cNvPr>
-          <p:cNvSpPr>
-            <a:spLocks noGrp="1"/>
-          </p:cNvSpPr>
-          <p:nvPr>
-            <p:ph type="ftr" sz="quarter" idx="11"/>
-          </p:nvPr>
-        </p:nvSpPr>
-        <p:spPr/>
-        <p:txBody>
-          <a:bodyPr/>
-          <a:lstStyle/>
-          <a:p>
-            <a:r>
-              <a:rPr lang="de-DE"/>
-              <a:t>Swift-Programmierung unter iOS: Accessibility</a:t>
-            </a:r>
-          </a:p>
-        </p:txBody>
-      </p:sp>
-      <p:sp>
-        <p:nvSpPr>
-          <p:cNvPr id="5" name="Foliennummernplatzhalter 4">
-            <a:extLst>
-              <a:ext uri="{FF2B5EF4-FFF2-40B4-BE49-F238E27FC236}">
-                <a16:creationId xmlns:a16="http://schemas.microsoft.com/office/drawing/2014/main" id="{B0B9F3E1-9127-47DC-A522-60D372D6F664}"/>
-              </a:ext>
-            </a:extLst>
-          </p:cNvPr>
-          <p:cNvSpPr>
-            <a:spLocks noGrp="1"/>
-          </p:cNvSpPr>
-          <p:nvPr>
-            <p:ph type="sldNum" sz="quarter" idx="12"/>
-          </p:nvPr>
-        </p:nvSpPr>
-        <p:spPr/>
-        <p:txBody>
-          <a:bodyPr/>
-          <a:lstStyle/>
-          <a:p>
-            <a:fld id="{49969A2D-4621-42E2-BC1F-C9E4503934D0}" type="slidenum">
-              <a:rPr lang="de-DE" smtClean="0"/>
-              <a:t>21</a:t>
-            </a:fld>
-            <a:endParaRPr lang="de-DE"/>
-          </a:p>
-        </p:txBody>
-      </p:sp>
-    </p:spTree>
-    <p:extLst>
-      <p:ext uri="{BB962C8B-B14F-4D97-AF65-F5344CB8AC3E}">
-        <p14:creationId xmlns:p14="http://schemas.microsoft.com/office/powerpoint/2010/main" val="2783589156"/>
-      </p:ext>
-    </p:extLst>
-  </p:cSld>
-  <p:clrMapOvr>
-    <a:masterClrMapping/>
-  </p:clrMapOvr>
-  <p:transition spd="slow">
-    <p:push dir="u"/>
-  </p:transition>
-</p:sld>
-</file>
-
-<file path=ppt/slides/slide23.xml><?xml version="1.0" encoding="utf-8"?>
-<p:sld xmlns:a="http://schemas.openxmlformats.org/drawingml/2006/main" xmlns:r="http://schemas.openxmlformats.org/officeDocument/2006/relationships" xmlns:p="http://schemas.openxmlformats.org/presentationml/2006/main">
-  <p:cSld>
-    <p:spTree>
-      <p:nvGrpSpPr>
-        <p:cNvPr id="1" name=""/>
-        <p:cNvGrpSpPr/>
-        <p:nvPr/>
-      </p:nvGrpSpPr>
-      <p:grpSpPr>
-        <a:xfrm>
-          <a:off x="0" y="0"/>
-          <a:ext cx="0" cy="0"/>
-          <a:chOff x="0" y="0"/>
-          <a:chExt cx="0" cy="0"/>
-        </a:xfrm>
-      </p:grpSpPr>
-      <p:sp>
-        <p:nvSpPr>
-          <p:cNvPr id="2" name="Titel 1">
-            <a:extLst>
-              <a:ext uri="{FF2B5EF4-FFF2-40B4-BE49-F238E27FC236}">
-                <a16:creationId xmlns:a16="http://schemas.microsoft.com/office/drawing/2014/main" id="{52CAB2F8-1ABD-43CA-8067-8CC5BC221BAD}"/>
-              </a:ext>
-            </a:extLst>
-          </p:cNvPr>
-          <p:cNvSpPr>
-            <a:spLocks noGrp="1"/>
-          </p:cNvSpPr>
-          <p:nvPr>
-            <p:ph type="title"/>
-          </p:nvPr>
-        </p:nvSpPr>
-        <p:spPr>
-          <a:xfrm>
-            <a:off x="838200" y="605367"/>
-            <a:ext cx="10515600" cy="1085321"/>
-          </a:xfrm>
-        </p:spPr>
-        <p:txBody>
-          <a:bodyPr/>
-          <a:lstStyle/>
-          <a:p>
-            <a:pPr algn="ctr"/>
-            <a:r>
-              <a:rPr lang="de-DE" b="1" dirty="0"/>
-              <a:t>Quellen</a:t>
-            </a:r>
-          </a:p>
-        </p:txBody>
-      </p:sp>
-      <p:sp>
-        <p:nvSpPr>
-          <p:cNvPr id="3" name="Inhaltsplatzhalter 2">
-            <a:extLst>
-              <a:ext uri="{FF2B5EF4-FFF2-40B4-BE49-F238E27FC236}">
-                <a16:creationId xmlns:a16="http://schemas.microsoft.com/office/drawing/2014/main" id="{C9FB1D23-DBE9-45BD-A46B-41DE33A2D607}"/>
-              </a:ext>
-            </a:extLst>
-          </p:cNvPr>
-          <p:cNvSpPr>
-            <a:spLocks noGrp="1"/>
-          </p:cNvSpPr>
-          <p:nvPr>
-            <p:ph idx="1"/>
-          </p:nvPr>
-        </p:nvSpPr>
-        <p:spPr/>
-        <p:txBody>
-          <a:bodyPr/>
-          <a:lstStyle/>
-          <a:p>
-            <a:r>
-              <a:rPr lang="de-DE" dirty="0"/>
-              <a:t>17.12.2018, „</a:t>
-            </a:r>
-            <a:r>
-              <a:rPr lang="de-DE" dirty="0" err="1"/>
-              <a:t>Avoiding</a:t>
-            </a:r>
-            <a:r>
-              <a:rPr lang="de-DE" dirty="0"/>
-              <a:t> Callback Hell in Swift“:</a:t>
-            </a:r>
-            <a:br>
-              <a:rPr lang="de-DE" dirty="0"/>
-            </a:br>
-            <a:r>
-              <a:rPr lang="de-DE" dirty="0">
-                <a:hlinkClick r:id="rId2"/>
-              </a:rPr>
-              <a:t>https://swiftrocks.com/avoiding-callback-hell-in-swift</a:t>
-            </a:r>
-            <a:endParaRPr lang="de-DE" dirty="0"/>
-          </a:p>
-          <a:p>
-            <a:r>
-              <a:rPr lang="de-DE" dirty="0"/>
-              <a:t>SWTP-SS20-Kammer-2 (Projekt-Repository):</a:t>
-            </a:r>
-            <a:br>
-              <a:rPr lang="de-DE" dirty="0"/>
-            </a:br>
-            <a:r>
-              <a:rPr lang="de-DE" dirty="0">
-                <a:hlinkClick r:id="rId3"/>
-              </a:rPr>
-              <a:t>https://github.com/SWTP-SS20-Kammer-2/Data-Analytics</a:t>
-            </a:r>
-            <a:r>
-              <a:rPr lang="de-DE" dirty="0"/>
-              <a:t> </a:t>
-            </a:r>
-          </a:p>
-        </p:txBody>
-      </p:sp>
-      <p:sp>
-        <p:nvSpPr>
-          <p:cNvPr id="4" name="Fußzeilenplatzhalter 3">
-            <a:extLst>
-              <a:ext uri="{FF2B5EF4-FFF2-40B4-BE49-F238E27FC236}">
-                <a16:creationId xmlns:a16="http://schemas.microsoft.com/office/drawing/2014/main" id="{F7BC7236-A4F0-480F-9560-7DA531A3B31C}"/>
-              </a:ext>
-            </a:extLst>
-          </p:cNvPr>
-          <p:cNvSpPr>
-            <a:spLocks noGrp="1"/>
-          </p:cNvSpPr>
-          <p:nvPr>
-            <p:ph type="ftr" sz="quarter" idx="11"/>
-          </p:nvPr>
-        </p:nvSpPr>
-        <p:spPr/>
-        <p:txBody>
-          <a:bodyPr/>
-          <a:lstStyle/>
-          <a:p>
-            <a:r>
-              <a:rPr lang="de-DE"/>
-              <a:t>Swift-Programmierung unter iOS: Accessibility</a:t>
-            </a:r>
-          </a:p>
-        </p:txBody>
-      </p:sp>
-      <p:sp>
-        <p:nvSpPr>
-          <p:cNvPr id="5" name="Foliennummernplatzhalter 4">
-            <a:extLst>
-              <a:ext uri="{FF2B5EF4-FFF2-40B4-BE49-F238E27FC236}">
-                <a16:creationId xmlns:a16="http://schemas.microsoft.com/office/drawing/2014/main" id="{A98E7668-23F6-44C0-B077-F27B2F05A6B9}"/>
-              </a:ext>
-            </a:extLst>
-          </p:cNvPr>
-          <p:cNvSpPr>
-            <a:spLocks noGrp="1"/>
-          </p:cNvSpPr>
-          <p:nvPr>
-            <p:ph type="sldNum" sz="quarter" idx="12"/>
-          </p:nvPr>
-        </p:nvSpPr>
-        <p:spPr/>
-        <p:txBody>
-          <a:bodyPr/>
-          <a:lstStyle/>
-          <a:p>
-            <a:fld id="{49969A2D-4621-42E2-BC1F-C9E4503934D0}" type="slidenum">
-              <a:rPr lang="de-DE" smtClean="0"/>
-              <a:t>22</a:t>
-            </a:fld>
-            <a:endParaRPr lang="de-DE"/>
-          </a:p>
-        </p:txBody>
-      </p:sp>
-    </p:spTree>
-    <p:extLst>
-      <p:ext uri="{BB962C8B-B14F-4D97-AF65-F5344CB8AC3E}">
-        <p14:creationId xmlns:p14="http://schemas.microsoft.com/office/powerpoint/2010/main" val="309301293"/>
-      </p:ext>
-    </p:extLst>
-  </p:cSld>
-  <p:clrMapOvr>
-    <a:masterClrMapping/>
-  </p:clrMapOvr>
-  <p:transition spd="med">
-    <p:pull/>
-  </p:transition>
-</p:sld>
-</file>
-
 <file path=ppt/slides/slide3.xml><?xml version="1.0" encoding="utf-8"?>
 <p:sld xmlns:a="http://schemas.openxmlformats.org/drawingml/2006/main" xmlns:r="http://schemas.openxmlformats.org/officeDocument/2006/relationships" xmlns:p="http://schemas.openxmlformats.org/presentationml/2006/main">
   <p:cSld>
@@ -11464,21 +9413,27 @@
             <a:pPr lvl="1"/>
             <a:r>
               <a:rPr lang="de-DE" dirty="0"/>
-              <a:t>Ein </a:t>
-            </a:r>
-            <a:r>
-              <a:rPr lang="de-DE" dirty="0" err="1"/>
-              <a:t>Unendschieden</a:t>
-            </a:r>
-            <a:r>
-              <a:rPr lang="de-DE" dirty="0"/>
-              <a:t> wird auch zugelassen</a:t>
+              <a:t>Ein Unentschieden wird auch zugelassen</a:t>
             </a:r>
           </a:p>
           <a:p>
             <a:r>
               <a:rPr lang="de-DE" dirty="0"/>
               <a:t>Spieler können weiterhin ihr Profil einsehen und sich ausloggen</a:t>
+            </a:r>
+          </a:p>
+          <a:p>
+            <a:r>
+              <a:rPr lang="de-DE" dirty="0"/>
+              <a:t>Daten werden mittels </a:t>
+            </a:r>
+            <a:r>
+              <a:rPr lang="de-DE" dirty="0" err="1"/>
+              <a:t>Firebase</a:t>
+            </a:r>
+            <a:r>
+              <a:rPr lang="de-DE" dirty="0"/>
+              <a:t> online gespeichert</a:t>
             </a:r>
           </a:p>
         </p:txBody>
